--- a/materiais/redes_neurais_dio.pptx
+++ b/materiais/redes_neurais_dio.pptx
@@ -24,19 +24,17 @@
     <p:sldId id="338" r:id="rId18"/>
     <p:sldId id="339" r:id="rId19"/>
     <p:sldId id="345" r:id="rId20"/>
-    <p:sldId id="344" r:id="rId21"/>
-    <p:sldId id="261" r:id="rId22"/>
-    <p:sldId id="342" r:id="rId23"/>
-    <p:sldId id="356" r:id="rId24"/>
-    <p:sldId id="357" r:id="rId25"/>
-    <p:sldId id="359" r:id="rId26"/>
-    <p:sldId id="358" r:id="rId27"/>
-    <p:sldId id="360" r:id="rId28"/>
-    <p:sldId id="355" r:id="rId29"/>
-    <p:sldId id="362" r:id="rId30"/>
-    <p:sldId id="364" r:id="rId31"/>
-    <p:sldId id="361" r:id="rId32"/>
-    <p:sldId id="273" r:id="rId33"/>
+    <p:sldId id="342" r:id="rId21"/>
+    <p:sldId id="356" r:id="rId22"/>
+    <p:sldId id="357" r:id="rId23"/>
+    <p:sldId id="359" r:id="rId24"/>
+    <p:sldId id="358" r:id="rId25"/>
+    <p:sldId id="360" r:id="rId26"/>
+    <p:sldId id="355" r:id="rId27"/>
+    <p:sldId id="362" r:id="rId28"/>
+    <p:sldId id="364" r:id="rId29"/>
+    <p:sldId id="361" r:id="rId30"/>
+    <p:sldId id="273" r:id="rId31"/>
   </p:sldIdLst>
   <p:sldSz cx="12192000" cy="6858000"/>
   <p:notesSz cx="6858000" cy="9144000"/>
@@ -136,6 +134,48 @@
     </a:lvl9pPr>
   </p:defaultTextStyle>
   <p:extLst>
+    <p:ext uri="{521415D9-36F7-43E2-AB2F-B90AF26B5E84}">
+      <p14:sectionLst xmlns:p14="http://schemas.microsoft.com/office/powerpoint/2010/main">
+        <p14:section name="Seção Padrão" id="{EE59685C-1646-414A-A8EB-4757BEDAA8E9}">
+          <p14:sldIdLst>
+            <p14:sldId id="256"/>
+          </p14:sldIdLst>
+        </p14:section>
+        <p14:section name="Seção sem Título" id="{A1C428A4-3CAF-704E-8918-9E115EB51A99}">
+          <p14:sldIdLst>
+            <p14:sldId id="257"/>
+            <p14:sldId id="258"/>
+            <p14:sldId id="280"/>
+            <p14:sldId id="325"/>
+            <p14:sldId id="333"/>
+            <p14:sldId id="330"/>
+            <p14:sldId id="324"/>
+            <p14:sldId id="285"/>
+            <p14:sldId id="267"/>
+            <p14:sldId id="335"/>
+            <p14:sldId id="327"/>
+            <p14:sldId id="334"/>
+            <p14:sldId id="370"/>
+            <p14:sldId id="337"/>
+            <p14:sldId id="340"/>
+            <p14:sldId id="338"/>
+            <p14:sldId id="339"/>
+            <p14:sldId id="345"/>
+            <p14:sldId id="342"/>
+            <p14:sldId id="356"/>
+            <p14:sldId id="357"/>
+            <p14:sldId id="359"/>
+            <p14:sldId id="358"/>
+            <p14:sldId id="360"/>
+            <p14:sldId id="355"/>
+            <p14:sldId id="362"/>
+            <p14:sldId id="364"/>
+            <p14:sldId id="361"/>
+            <p14:sldId id="273"/>
+          </p14:sldIdLst>
+        </p14:section>
+      </p14:sectionLst>
+    </p:ext>
     <p:ext uri="{EFAFB233-063F-42B5-8137-9DF3F51BA10A}">
       <p15:sldGuideLst xmlns:p15="http://schemas.microsoft.com/office/powerpoint/2012/main"/>
     </p:ext>
@@ -12446,7 +12486,7 @@
           <a:p>
             <a:fld id="{28EE4E38-D065-AE45-85C8-3F1F133228FB}" type="datetimeFigureOut">
               <a:rPr lang="pt-BR" smtClean="0"/>
-              <a:t>13/06/2024</a:t>
+              <a:t>18/06/2024</a:t>
             </a:fld>
             <a:endParaRPr lang="pt-BR"/>
           </a:p>
@@ -12781,7 +12821,7 @@
           <a:p>
             <a:fld id="{28EE4E38-D065-AE45-85C8-3F1F133228FB}" type="datetimeFigureOut">
               <a:rPr lang="pt-BR" smtClean="0"/>
-              <a:t>13/06/2024</a:t>
+              <a:t>18/06/2024</a:t>
             </a:fld>
             <a:endParaRPr lang="pt-BR"/>
           </a:p>
@@ -13084,7 +13124,7 @@
           <a:p>
             <a:fld id="{28EE4E38-D065-AE45-85C8-3F1F133228FB}" type="datetimeFigureOut">
               <a:rPr lang="pt-BR" smtClean="0"/>
-              <a:t>13/06/2024</a:t>
+              <a:t>18/06/2024</a:t>
             </a:fld>
             <a:endParaRPr lang="pt-BR"/>
           </a:p>
@@ -13332,7 +13372,7 @@
           <a:p>
             <a:fld id="{28EE4E38-D065-AE45-85C8-3F1F133228FB}" type="datetimeFigureOut">
               <a:rPr lang="pt-BR" smtClean="0"/>
-              <a:t>13/06/2024</a:t>
+              <a:t>18/06/2024</a:t>
             </a:fld>
             <a:endParaRPr lang="pt-BR"/>
           </a:p>
@@ -13740,7 +13780,7 @@
           <a:p>
             <a:fld id="{28EE4E38-D065-AE45-85C8-3F1F133228FB}" type="datetimeFigureOut">
               <a:rPr lang="pt-BR" smtClean="0"/>
-              <a:t>13/06/2024</a:t>
+              <a:t>18/06/2024</a:t>
             </a:fld>
             <a:endParaRPr lang="pt-BR"/>
           </a:p>
@@ -14055,7 +14095,7 @@
           <a:p>
             <a:fld id="{28EE4E38-D065-AE45-85C8-3F1F133228FB}" type="datetimeFigureOut">
               <a:rPr lang="pt-BR" smtClean="0"/>
-              <a:t>13/06/2024</a:t>
+              <a:t>18/06/2024</a:t>
             </a:fld>
             <a:endParaRPr lang="pt-BR"/>
           </a:p>
@@ -14600,7 +14640,7 @@
           <a:p>
             <a:fld id="{28EE4E38-D065-AE45-85C8-3F1F133228FB}" type="datetimeFigureOut">
               <a:rPr lang="pt-BR" smtClean="0"/>
-              <a:t>13/06/2024</a:t>
+              <a:t>18/06/2024</a:t>
             </a:fld>
             <a:endParaRPr lang="pt-BR"/>
           </a:p>
@@ -14796,7 +14836,7 @@
           <a:p>
             <a:fld id="{28EE4E38-D065-AE45-85C8-3F1F133228FB}" type="datetimeFigureOut">
               <a:rPr lang="pt-BR" smtClean="0"/>
-              <a:t>13/06/2024</a:t>
+              <a:t>18/06/2024</a:t>
             </a:fld>
             <a:endParaRPr lang="pt-BR"/>
           </a:p>
@@ -15010,7 +15050,7 @@
           <a:p>
             <a:fld id="{28EE4E38-D065-AE45-85C8-3F1F133228FB}" type="datetimeFigureOut">
               <a:rPr lang="pt-BR" smtClean="0"/>
-              <a:t>13/06/2024</a:t>
+              <a:t>18/06/2024</a:t>
             </a:fld>
             <a:endParaRPr lang="pt-BR"/>
           </a:p>
@@ -15380,7 +15420,7 @@
           <a:p>
             <a:fld id="{28EE4E38-D065-AE45-85C8-3F1F133228FB}" type="datetimeFigureOut">
               <a:rPr lang="pt-BR" smtClean="0"/>
-              <a:t>13/06/2024</a:t>
+              <a:t>18/06/2024</a:t>
             </a:fld>
             <a:endParaRPr lang="pt-BR"/>
           </a:p>
@@ -15784,7 +15824,7 @@
           <a:p>
             <a:fld id="{28EE4E38-D065-AE45-85C8-3F1F133228FB}" type="datetimeFigureOut">
               <a:rPr lang="pt-BR" smtClean="0"/>
-              <a:t>13/06/2024</a:t>
+              <a:t>18/06/2024</a:t>
             </a:fld>
             <a:endParaRPr lang="pt-BR"/>
           </a:p>
@@ -16096,7 +16136,7 @@
           <a:p>
             <a:fld id="{28EE4E38-D065-AE45-85C8-3F1F133228FB}" type="datetimeFigureOut">
               <a:rPr lang="pt-BR" smtClean="0"/>
-              <a:t>13/06/2024</a:t>
+              <a:t>18/06/2024</a:t>
             </a:fld>
             <a:endParaRPr lang="pt-BR"/>
           </a:p>
@@ -20454,1072 +20494,6 @@
           <a:chExt cx="0" cy="0"/>
         </a:xfrm>
       </p:grpSpPr>
-      <p:pic>
-        <p:nvPicPr>
-          <p:cNvPr id="5122" name="Picture 2" descr="Perceptron: Concept, function, and applications">
-            <a:extLst>
-              <a:ext uri="{FF2B5EF4-FFF2-40B4-BE49-F238E27FC236}">
-                <a16:creationId xmlns:a16="http://schemas.microsoft.com/office/drawing/2014/main" id="{D4D19402-C645-3615-8A96-213E7F6364FD}"/>
-              </a:ext>
-            </a:extLst>
-          </p:cNvPr>
-          <p:cNvPicPr>
-            <a:picLocks noChangeAspect="1" noChangeArrowheads="1"/>
-          </p:cNvPicPr>
-          <p:nvPr/>
-        </p:nvPicPr>
-        <p:blipFill>
-          <a:blip r:embed="rId2">
-            <a:extLst>
-              <a:ext uri="{28A0092B-C50C-407E-A947-70E740481C1C}">
-                <a14:useLocalDpi xmlns:a14="http://schemas.microsoft.com/office/drawing/2010/main" val="0"/>
-              </a:ext>
-            </a:extLst>
-          </a:blip>
-          <a:srcRect/>
-          <a:stretch>
-            <a:fillRect/>
-          </a:stretch>
-        </p:blipFill>
-        <p:spPr bwMode="auto">
-          <a:xfrm>
-            <a:off x="1524261" y="1445795"/>
-            <a:ext cx="8873655" cy="4870112"/>
-          </a:xfrm>
-          <a:prstGeom prst="rect">
-            <a:avLst/>
-          </a:prstGeom>
-          <a:noFill/>
-          <a:extLst>
-            <a:ext uri="{909E8E84-426E-40DD-AFC4-6F175D3DCCD1}">
-              <a14:hiddenFill xmlns:a14="http://schemas.microsoft.com/office/drawing/2010/main">
-                <a:solidFill>
-                  <a:srgbClr val="FFFFFF"/>
-                </a:solidFill>
-              </a14:hiddenFill>
-            </a:ext>
-          </a:extLst>
-        </p:spPr>
-      </p:pic>
-      <p:sp>
-        <p:nvSpPr>
-          <p:cNvPr id="4" name="CaixaDeTexto 3">
-            <a:extLst>
-              <a:ext uri="{FF2B5EF4-FFF2-40B4-BE49-F238E27FC236}">
-                <a16:creationId xmlns:a16="http://schemas.microsoft.com/office/drawing/2014/main" id="{FE868893-5237-6D51-28EF-7F08CCDADCC4}"/>
-              </a:ext>
-            </a:extLst>
-          </p:cNvPr>
-          <p:cNvSpPr txBox="1"/>
-          <p:nvPr/>
-        </p:nvSpPr>
-        <p:spPr>
-          <a:xfrm>
-            <a:off x="2930260" y="542093"/>
-            <a:ext cx="6097836" cy="584775"/>
-          </a:xfrm>
-          <a:prstGeom prst="rect">
-            <a:avLst/>
-          </a:prstGeom>
-          <a:noFill/>
-        </p:spPr>
-        <p:txBody>
-          <a:bodyPr wrap="square">
-            <a:spAutoFit/>
-          </a:bodyPr>
-          <a:lstStyle/>
-          <a:p>
-            <a:r>
-              <a:rPr lang="pt-BR" sz="3200" dirty="0" err="1"/>
-              <a:t>Perceptron</a:t>
-            </a:r>
-            <a:endParaRPr lang="pt-BR" sz="3200" dirty="0"/>
-          </a:p>
-        </p:txBody>
-      </p:sp>
-    </p:spTree>
-    <p:extLst>
-      <p:ext uri="{BB962C8B-B14F-4D97-AF65-F5344CB8AC3E}">
-        <p14:creationId xmlns:p14="http://schemas.microsoft.com/office/powerpoint/2010/main" val="2960770657"/>
-      </p:ext>
-    </p:extLst>
-  </p:cSld>
-  <p:clrMapOvr>
-    <a:masterClrMapping/>
-  </p:clrMapOvr>
-</p:sld>
-</file>
-
-<file path=ppt/slides/slide21.xml><?xml version="1.0" encoding="utf-8"?>
-<p:sld xmlns:a="http://schemas.openxmlformats.org/drawingml/2006/main" xmlns:r="http://schemas.openxmlformats.org/officeDocument/2006/relationships" xmlns:p="http://schemas.openxmlformats.org/presentationml/2006/main">
-  <p:cSld>
-    <p:bg>
-      <p:bgPr>
-        <a:blipFill rotWithShape="1">
-          <a:blip r:embed="rId2"/>
-          <a:stretch/>
-        </a:blipFill>
-        <a:effectLst/>
-      </p:bgPr>
-    </p:bg>
-    <p:spTree>
-      <p:nvGrpSpPr>
-        <p:cNvPr id="1" name=""/>
-        <p:cNvGrpSpPr/>
-        <p:nvPr/>
-      </p:nvGrpSpPr>
-      <p:grpSpPr>
-        <a:xfrm>
-          <a:off x="0" y="0"/>
-          <a:ext cx="0" cy="0"/>
-          <a:chOff x="0" y="0"/>
-          <a:chExt cx="0" cy="0"/>
-        </a:xfrm>
-      </p:grpSpPr>
-      <p:pic>
-        <p:nvPicPr>
-          <p:cNvPr id="1035" name="Picture 1034">
-            <a:extLst>
-              <a:ext uri="{FF2B5EF4-FFF2-40B4-BE49-F238E27FC236}">
-                <a16:creationId xmlns:a16="http://schemas.microsoft.com/office/drawing/2014/main" id="{2FA3880A-8D8F-466C-A4A1-F07BCDD3719C}"/>
-              </a:ext>
-              <a:ext uri="{C183D7F6-B498-43B3-948B-1728B52AA6E4}">
-                <adec:decorative xmlns:adec="http://schemas.microsoft.com/office/drawing/2017/decorative" val="1"/>
-              </a:ext>
-            </a:extLst>
-          </p:cNvPr>
-          <p:cNvPicPr>
-            <a:picLocks noGrp="1" noRot="1" noChangeAspect="1" noMove="1" noResize="1" noEditPoints="1" noAdjustHandles="1" noChangeArrowheads="1" noChangeShapeType="1" noCrop="1"/>
-          </p:cNvPicPr>
-          <p:nvPr>
-            <p:extLst>
-              <p:ext uri="{386F3935-93C4-4BCD-93E2-E3B085C9AB24}">
-                <p16:designElem xmlns:p16="http://schemas.microsoft.com/office/powerpoint/2015/main" val="1"/>
-              </p:ext>
-            </p:extLst>
-          </p:nvPr>
-        </p:nvPicPr>
-        <p:blipFill>
-          <a:blip r:embed="rId3">
-            <a:extLst>
-              <a:ext uri="{28A0092B-C50C-407E-A947-70E740481C1C}">
-                <a14:useLocalDpi xmlns:a14="http://schemas.microsoft.com/office/drawing/2010/main" val="0"/>
-              </a:ext>
-            </a:extLst>
-          </a:blip>
-          <a:stretch>
-            <a:fillRect/>
-          </a:stretch>
-        </p:blipFill>
-        <p:spPr>
-          <a:xfrm>
-            <a:off x="2831794" y="2105202"/>
-            <a:ext cx="9360205" cy="4752798"/>
-          </a:xfrm>
-          <a:prstGeom prst="rect">
-            <a:avLst/>
-          </a:prstGeom>
-        </p:spPr>
-      </p:pic>
-      <p:pic>
-        <p:nvPicPr>
-          <p:cNvPr id="1037" name="Picture 1036">
-            <a:extLst>
-              <a:ext uri="{FF2B5EF4-FFF2-40B4-BE49-F238E27FC236}">
-                <a16:creationId xmlns:a16="http://schemas.microsoft.com/office/drawing/2014/main" id="{3C0A64CB-20A1-4508-B568-284EB04F78EE}"/>
-              </a:ext>
-              <a:ext uri="{C183D7F6-B498-43B3-948B-1728B52AA6E4}">
-                <adec:decorative xmlns:adec="http://schemas.microsoft.com/office/drawing/2017/decorative" val="1"/>
-              </a:ext>
-            </a:extLst>
-          </p:cNvPr>
-          <p:cNvPicPr>
-            <a:picLocks noGrp="1" noRot="1" noChangeAspect="1" noMove="1" noResize="1" noEditPoints="1" noAdjustHandles="1" noChangeArrowheads="1" noChangeShapeType="1" noCrop="1"/>
-          </p:cNvPicPr>
-          <p:nvPr>
-            <p:extLst>
-              <p:ext uri="{386F3935-93C4-4BCD-93E2-E3B085C9AB24}">
-                <p16:designElem xmlns:p16="http://schemas.microsoft.com/office/powerpoint/2015/main" val="1"/>
-              </p:ext>
-            </p:extLst>
-          </p:nvPr>
-        </p:nvPicPr>
-        <p:blipFill>
-          <a:blip r:embed="rId4">
-            <a:extLst>
-              <a:ext uri="{28A0092B-C50C-407E-A947-70E740481C1C}">
-                <a14:useLocalDpi xmlns:a14="http://schemas.microsoft.com/office/drawing/2010/main" val="0"/>
-              </a:ext>
-            </a:extLst>
-          </a:blip>
-          <a:stretch>
-            <a:fillRect/>
-          </a:stretch>
-        </p:blipFill>
-        <p:spPr>
-          <a:xfrm>
-            <a:off x="0" y="0"/>
-            <a:ext cx="12189867" cy="6858000"/>
-          </a:xfrm>
-          <a:prstGeom prst="rect">
-            <a:avLst/>
-          </a:prstGeom>
-        </p:spPr>
-      </p:pic>
-      <p:sp>
-        <p:nvSpPr>
-          <p:cNvPr id="1039" name="Rectangle 1038">
-            <a:extLst>
-              <a:ext uri="{FF2B5EF4-FFF2-40B4-BE49-F238E27FC236}">
-                <a16:creationId xmlns:a16="http://schemas.microsoft.com/office/drawing/2014/main" id="{8DA14841-53A4-4935-BE65-C8373B8A6D06}"/>
-              </a:ext>
-              <a:ext uri="{C183D7F6-B498-43B3-948B-1728B52AA6E4}">
-                <adec:decorative xmlns:adec="http://schemas.microsoft.com/office/drawing/2017/decorative" val="1"/>
-              </a:ext>
-            </a:extLst>
-          </p:cNvPr>
-          <p:cNvSpPr>
-            <a:spLocks noGrp="1" noRot="1" noChangeAspect="1" noMove="1" noResize="1" noEditPoints="1" noAdjustHandles="1" noChangeArrowheads="1" noChangeShapeType="1" noTextEdit="1"/>
-          </p:cNvSpPr>
-          <p:nvPr>
-            <p:extLst>
-              <p:ext uri="{386F3935-93C4-4BCD-93E2-E3B085C9AB24}">
-                <p16:designElem xmlns:p16="http://schemas.microsoft.com/office/powerpoint/2015/main" val="1"/>
-              </p:ext>
-            </p:extLst>
-          </p:nvPr>
-        </p:nvSpPr>
-        <p:spPr>
-          <a:xfrm>
-            <a:off x="0" y="0"/>
-            <a:ext cx="964174" cy="6858000"/>
-          </a:xfrm>
-          <a:prstGeom prst="rect">
-            <a:avLst/>
-          </a:prstGeom>
-          <a:solidFill>
-            <a:schemeClr val="bg2"/>
-          </a:solidFill>
-          <a:ln>
-            <a:noFill/>
-          </a:ln>
-        </p:spPr>
-        <p:style>
-          <a:lnRef idx="2">
-            <a:schemeClr val="accent1">
-              <a:shade val="50000"/>
-            </a:schemeClr>
-          </a:lnRef>
-          <a:fillRef idx="1">
-            <a:schemeClr val="accent1"/>
-          </a:fillRef>
-          <a:effectRef idx="0">
-            <a:schemeClr val="accent1"/>
-          </a:effectRef>
-          <a:fontRef idx="minor">
-            <a:schemeClr val="lt1"/>
-          </a:fontRef>
-        </p:style>
-        <p:txBody>
-          <a:bodyPr/>
-          <a:lstStyle/>
-          <a:p>
-            <a:endParaRPr lang="pt-BR"/>
-          </a:p>
-        </p:txBody>
-      </p:sp>
-      <p:sp>
-        <p:nvSpPr>
-          <p:cNvPr id="1041" name="Rectangle 1040">
-            <a:extLst>
-              <a:ext uri="{FF2B5EF4-FFF2-40B4-BE49-F238E27FC236}">
-                <a16:creationId xmlns:a16="http://schemas.microsoft.com/office/drawing/2014/main" id="{9877C2CF-B2DD-41C8-8B5E-152673376B41}"/>
-              </a:ext>
-              <a:ext uri="{C183D7F6-B498-43B3-948B-1728B52AA6E4}">
-                <adec:decorative xmlns:adec="http://schemas.microsoft.com/office/drawing/2017/decorative" val="1"/>
-              </a:ext>
-            </a:extLst>
-          </p:cNvPr>
-          <p:cNvSpPr>
-            <a:spLocks noGrp="1" noRot="1" noChangeAspect="1" noMove="1" noResize="1" noEditPoints="1" noAdjustHandles="1" noChangeArrowheads="1" noChangeShapeType="1" noTextEdit="1"/>
-          </p:cNvSpPr>
-          <p:nvPr>
-            <p:extLst>
-              <p:ext uri="{386F3935-93C4-4BCD-93E2-E3B085C9AB24}">
-                <p16:designElem xmlns:p16="http://schemas.microsoft.com/office/powerpoint/2015/main" val="1"/>
-              </p:ext>
-            </p:extLst>
-          </p:nvPr>
-        </p:nvSpPr>
-        <p:spPr>
-          <a:xfrm>
-            <a:off x="962042" y="0"/>
-            <a:ext cx="45719" cy="6858000"/>
-          </a:xfrm>
-          <a:prstGeom prst="rect">
-            <a:avLst/>
-          </a:prstGeom>
-          <a:solidFill>
-            <a:schemeClr val="accent6"/>
-          </a:solidFill>
-          <a:ln>
-            <a:noFill/>
-          </a:ln>
-        </p:spPr>
-        <p:style>
-          <a:lnRef idx="2">
-            <a:schemeClr val="accent1">
-              <a:shade val="50000"/>
-            </a:schemeClr>
-          </a:lnRef>
-          <a:fillRef idx="1">
-            <a:schemeClr val="accent1"/>
-          </a:fillRef>
-          <a:effectRef idx="0">
-            <a:schemeClr val="accent1"/>
-          </a:effectRef>
-          <a:fontRef idx="minor">
-            <a:schemeClr val="lt1"/>
-          </a:fontRef>
-        </p:style>
-        <p:txBody>
-          <a:bodyPr/>
-          <a:lstStyle/>
-          <a:p>
-            <a:endParaRPr lang="pt-BR"/>
-          </a:p>
-        </p:txBody>
-      </p:sp>
-      <p:sp>
-        <p:nvSpPr>
-          <p:cNvPr id="1043" name="Rectangle 1042">
-            <a:extLst>
-              <a:ext uri="{FF2B5EF4-FFF2-40B4-BE49-F238E27FC236}">
-                <a16:creationId xmlns:a16="http://schemas.microsoft.com/office/drawing/2014/main" id="{D377EE36-E59D-4778-8F99-4B470DA4A306}"/>
-              </a:ext>
-              <a:ext uri="{C183D7F6-B498-43B3-948B-1728B52AA6E4}">
-                <adec:decorative xmlns:adec="http://schemas.microsoft.com/office/drawing/2017/decorative" val="1"/>
-              </a:ext>
-            </a:extLst>
-          </p:cNvPr>
-          <p:cNvSpPr>
-            <a:spLocks noGrp="1" noRot="1" noChangeAspect="1" noMove="1" noResize="1" noEditPoints="1" noAdjustHandles="1" noChangeArrowheads="1" noChangeShapeType="1" noTextEdit="1"/>
-          </p:cNvSpPr>
-          <p:nvPr>
-            <p:extLst>
-              <p:ext uri="{386F3935-93C4-4BCD-93E2-E3B085C9AB24}">
-                <p16:designElem xmlns:p16="http://schemas.microsoft.com/office/powerpoint/2015/main" val="1"/>
-              </p:ext>
-            </p:extLst>
-          </p:nvPr>
-        </p:nvSpPr>
-        <p:spPr>
-          <a:xfrm>
-            <a:off x="1007533" y="0"/>
-            <a:ext cx="7934348" cy="6858000"/>
-          </a:xfrm>
-          <a:prstGeom prst="rect">
-            <a:avLst/>
-          </a:prstGeom>
-          <a:solidFill>
-            <a:schemeClr val="bg2">
-              <a:alpha val="92000"/>
-            </a:schemeClr>
-          </a:solidFill>
-          <a:ln>
-            <a:noFill/>
-          </a:ln>
-        </p:spPr>
-        <p:style>
-          <a:lnRef idx="2">
-            <a:schemeClr val="accent1">
-              <a:shade val="50000"/>
-            </a:schemeClr>
-          </a:lnRef>
-          <a:fillRef idx="1">
-            <a:schemeClr val="accent1"/>
-          </a:fillRef>
-          <a:effectRef idx="0">
-            <a:schemeClr val="accent1"/>
-          </a:effectRef>
-          <a:fontRef idx="minor">
-            <a:schemeClr val="lt1"/>
-          </a:fontRef>
-        </p:style>
-        <p:txBody>
-          <a:bodyPr/>
-          <a:lstStyle/>
-          <a:p>
-            <a:endParaRPr lang="pt-BR"/>
-          </a:p>
-        </p:txBody>
-      </p:sp>
-      <p:sp>
-        <p:nvSpPr>
-          <p:cNvPr id="1045" name="Rectangle 1044">
-            <a:extLst>
-              <a:ext uri="{FF2B5EF4-FFF2-40B4-BE49-F238E27FC236}">
-                <a16:creationId xmlns:a16="http://schemas.microsoft.com/office/drawing/2014/main" id="{2586C6C5-47AF-450A-932D-880EF823E596}"/>
-              </a:ext>
-              <a:ext uri="{C183D7F6-B498-43B3-948B-1728B52AA6E4}">
-                <adec:decorative xmlns:adec="http://schemas.microsoft.com/office/drawing/2017/decorative" val="1"/>
-              </a:ext>
-            </a:extLst>
-          </p:cNvPr>
-          <p:cNvSpPr>
-            <a:spLocks noGrp="1" noRot="1" noChangeAspect="1" noMove="1" noResize="1" noEditPoints="1" noAdjustHandles="1" noChangeArrowheads="1" noChangeShapeType="1" noTextEdit="1"/>
-          </p:cNvSpPr>
-          <p:nvPr>
-            <p:extLst>
-              <p:ext uri="{386F3935-93C4-4BCD-93E2-E3B085C9AB24}">
-                <p16:designElem xmlns:p16="http://schemas.microsoft.com/office/powerpoint/2015/main" val="1"/>
-              </p:ext>
-            </p:extLst>
-          </p:nvPr>
-        </p:nvSpPr>
-        <p:spPr>
-          <a:xfrm>
-            <a:off x="8941881" y="0"/>
-            <a:ext cx="27432" cy="6858000"/>
-          </a:xfrm>
-          <a:prstGeom prst="rect">
-            <a:avLst/>
-          </a:prstGeom>
-          <a:solidFill>
-            <a:schemeClr val="accent6"/>
-          </a:solidFill>
-          <a:ln>
-            <a:noFill/>
-          </a:ln>
-        </p:spPr>
-        <p:style>
-          <a:lnRef idx="2">
-            <a:schemeClr val="accent1">
-              <a:shade val="50000"/>
-            </a:schemeClr>
-          </a:lnRef>
-          <a:fillRef idx="1">
-            <a:schemeClr val="accent1"/>
-          </a:fillRef>
-          <a:effectRef idx="0">
-            <a:schemeClr val="accent1"/>
-          </a:effectRef>
-          <a:fontRef idx="minor">
-            <a:schemeClr val="lt1"/>
-          </a:fontRef>
-        </p:style>
-        <p:txBody>
-          <a:bodyPr/>
-          <a:lstStyle/>
-          <a:p>
-            <a:endParaRPr lang="pt-BR"/>
-          </a:p>
-        </p:txBody>
-      </p:sp>
-      <p:sp>
-        <p:nvSpPr>
-          <p:cNvPr id="1047" name="TextBox 1046">
-            <a:extLst>
-              <a:ext uri="{FF2B5EF4-FFF2-40B4-BE49-F238E27FC236}">
-                <a16:creationId xmlns:a16="http://schemas.microsoft.com/office/drawing/2014/main" id="{A587901A-AA64-4940-9803-F67677851150}"/>
-              </a:ext>
-              <a:ext uri="{C183D7F6-B498-43B3-948B-1728B52AA6E4}">
-                <adec:decorative xmlns:adec="http://schemas.microsoft.com/office/drawing/2017/decorative" val="1"/>
-              </a:ext>
-            </a:extLst>
-          </p:cNvPr>
-          <p:cNvSpPr txBox="1">
-            <a:spLocks noGrp="1" noRot="1" noChangeAspect="1" noMove="1" noResize="1" noEditPoints="1" noAdjustHandles="1" noChangeArrowheads="1" noChangeShapeType="1" noTextEdit="1"/>
-          </p:cNvSpPr>
-          <p:nvPr>
-            <p:extLst>
-              <p:ext uri="{386F3935-93C4-4BCD-93E2-E3B085C9AB24}">
-                <p16:designElem xmlns:p16="http://schemas.microsoft.com/office/powerpoint/2015/main" val="1"/>
-              </p:ext>
-            </p:extLst>
-          </p:nvPr>
-        </p:nvSpPr>
-        <p:spPr>
-          <a:xfrm>
-            <a:off x="2191282" y="3262852"/>
-            <a:ext cx="415636" cy="461665"/>
-          </a:xfrm>
-          <a:prstGeom prst="rect">
-            <a:avLst/>
-          </a:prstGeom>
-          <a:noFill/>
-        </p:spPr>
-        <p:txBody>
-          <a:bodyPr wrap="square" rtlCol="0">
-            <a:spAutoFit/>
-          </a:bodyPr>
-          <a:lstStyle/>
-          <a:p>
-            <a:pPr algn="r">
-              <a:spcAft>
-                <a:spcPts val="600"/>
-              </a:spcAft>
-            </a:pPr>
-            <a:r>
-              <a:rPr lang="en-US" sz="2400" dirty="0">
-                <a:solidFill>
-                  <a:schemeClr val="accent6"/>
-                </a:solidFill>
-                <a:latin typeface="Wingdings 3" panose="05040102010807070707" pitchFamily="18" charset="2"/>
-              </a:rPr>
-              <a:t>z</a:t>
-            </a:r>
-            <a:endParaRPr lang="en-US" sz="2400" dirty="0">
-              <a:solidFill>
-                <a:schemeClr val="accent6"/>
-              </a:solidFill>
-              <a:latin typeface="MS Shell Dlg 2" panose="020B0604030504040204" pitchFamily="34" charset="0"/>
-            </a:endParaRPr>
-          </a:p>
-        </p:txBody>
-      </p:sp>
-      <p:sp useBgFill="1">
-        <p:nvSpPr>
-          <p:cNvPr id="1049" name="Rectangle 1048">
-            <a:extLst>
-              <a:ext uri="{FF2B5EF4-FFF2-40B4-BE49-F238E27FC236}">
-                <a16:creationId xmlns:a16="http://schemas.microsoft.com/office/drawing/2014/main" id="{4DA9E8CC-6C73-43E6-AF09-B4B1083BCDC7}"/>
-              </a:ext>
-              <a:ext uri="{C183D7F6-B498-43B3-948B-1728B52AA6E4}">
-                <adec:decorative xmlns:adec="http://schemas.microsoft.com/office/drawing/2017/decorative" val="1"/>
-              </a:ext>
-            </a:extLst>
-          </p:cNvPr>
-          <p:cNvSpPr>
-            <a:spLocks noGrp="1" noRot="1" noChangeAspect="1" noMove="1" noResize="1" noEditPoints="1" noAdjustHandles="1" noChangeArrowheads="1" noChangeShapeType="1" noTextEdit="1"/>
-          </p:cNvSpPr>
-          <p:nvPr>
-            <p:extLst>
-              <p:ext uri="{386F3935-93C4-4BCD-93E2-E3B085C9AB24}">
-                <p16:designElem xmlns:p16="http://schemas.microsoft.com/office/powerpoint/2015/main" val="1"/>
-              </p:ext>
-            </p:extLst>
-          </p:nvPr>
-        </p:nvSpPr>
-        <p:spPr>
-          <a:xfrm>
-            <a:off x="0" y="0"/>
-            <a:ext cx="12189867" cy="6855282"/>
-          </a:xfrm>
-          <a:prstGeom prst="rect">
-            <a:avLst/>
-          </a:prstGeom>
-          <a:ln>
-            <a:noFill/>
-          </a:ln>
-        </p:spPr>
-        <p:style>
-          <a:lnRef idx="2">
-            <a:schemeClr val="accent1">
-              <a:shade val="50000"/>
-            </a:schemeClr>
-          </a:lnRef>
-          <a:fillRef idx="1">
-            <a:schemeClr val="accent1"/>
-          </a:fillRef>
-          <a:effectRef idx="0">
-            <a:schemeClr val="accent1"/>
-          </a:effectRef>
-          <a:fontRef idx="minor">
-            <a:schemeClr val="lt1"/>
-          </a:fontRef>
-        </p:style>
-        <p:txBody>
-          <a:bodyPr rtlCol="0" anchor="ctr"/>
-          <a:lstStyle/>
-          <a:p>
-            <a:pPr algn="ctr"/>
-            <a:endParaRPr lang="en-US"/>
-          </a:p>
-        </p:txBody>
-      </p:sp>
-      <p:pic>
-        <p:nvPicPr>
-          <p:cNvPr id="1051" name="Picture 1050">
-            <a:extLst>
-              <a:ext uri="{FF2B5EF4-FFF2-40B4-BE49-F238E27FC236}">
-                <a16:creationId xmlns:a16="http://schemas.microsoft.com/office/drawing/2014/main" id="{C6DFF5FD-BEF9-4B06-B7C2-58C5CFC92B34}"/>
-              </a:ext>
-              <a:ext uri="{C183D7F6-B498-43B3-948B-1728B52AA6E4}">
-                <adec:decorative xmlns:adec="http://schemas.microsoft.com/office/drawing/2017/decorative" val="1"/>
-              </a:ext>
-            </a:extLst>
-          </p:cNvPr>
-          <p:cNvPicPr>
-            <a:picLocks noGrp="1" noRot="1" noChangeAspect="1" noMove="1" noResize="1" noEditPoints="1" noAdjustHandles="1" noChangeArrowheads="1" noChangeShapeType="1" noCrop="1"/>
-          </p:cNvPicPr>
-          <p:nvPr>
-            <p:extLst>
-              <p:ext uri="{386F3935-93C4-4BCD-93E2-E3B085C9AB24}">
-                <p16:designElem xmlns:p16="http://schemas.microsoft.com/office/powerpoint/2015/main" val="1"/>
-              </p:ext>
-            </p:extLst>
-          </p:nvPr>
-        </p:nvPicPr>
-        <p:blipFill>
-          <a:blip r:embed="rId3">
-            <a:extLst>
-              <a:ext uri="{28A0092B-C50C-407E-A947-70E740481C1C}">
-                <a14:useLocalDpi xmlns:a14="http://schemas.microsoft.com/office/drawing/2010/main" val="0"/>
-              </a:ext>
-            </a:extLst>
-          </a:blip>
-          <a:stretch>
-            <a:fillRect/>
-          </a:stretch>
-        </p:blipFill>
-        <p:spPr>
-          <a:xfrm>
-            <a:off x="2831794" y="2105202"/>
-            <a:ext cx="9360205" cy="4752798"/>
-          </a:xfrm>
-          <a:prstGeom prst="rect">
-            <a:avLst/>
-          </a:prstGeom>
-        </p:spPr>
-      </p:pic>
-      <p:pic>
-        <p:nvPicPr>
-          <p:cNvPr id="1053" name="Picture 1052">
-            <a:extLst>
-              <a:ext uri="{FF2B5EF4-FFF2-40B4-BE49-F238E27FC236}">
-                <a16:creationId xmlns:a16="http://schemas.microsoft.com/office/drawing/2014/main" id="{C9A18D1D-88E7-41EF-892F-C99BDEEE5E78}"/>
-              </a:ext>
-              <a:ext uri="{C183D7F6-B498-43B3-948B-1728B52AA6E4}">
-                <adec:decorative xmlns:adec="http://schemas.microsoft.com/office/drawing/2017/decorative" val="1"/>
-              </a:ext>
-            </a:extLst>
-          </p:cNvPr>
-          <p:cNvPicPr>
-            <a:picLocks noGrp="1" noRot="1" noChangeAspect="1" noMove="1" noResize="1" noEditPoints="1" noAdjustHandles="1" noChangeArrowheads="1" noChangeShapeType="1" noCrop="1"/>
-          </p:cNvPicPr>
-          <p:nvPr>
-            <p:extLst>
-              <p:ext uri="{386F3935-93C4-4BCD-93E2-E3B085C9AB24}">
-                <p16:designElem xmlns:p16="http://schemas.microsoft.com/office/powerpoint/2015/main" val="1"/>
-              </p:ext>
-            </p:extLst>
-          </p:nvPr>
-        </p:nvPicPr>
-        <p:blipFill>
-          <a:blip r:embed="rId4">
-            <a:alphaModFix/>
-            <a:extLst>
-              <a:ext uri="{28A0092B-C50C-407E-A947-70E740481C1C}">
-                <a14:useLocalDpi xmlns:a14="http://schemas.microsoft.com/office/drawing/2010/main" val="0"/>
-              </a:ext>
-            </a:extLst>
-          </a:blip>
-          <a:stretch>
-            <a:fillRect/>
-          </a:stretch>
-        </p:blipFill>
-        <p:spPr>
-          <a:xfrm>
-            <a:off x="0" y="0"/>
-            <a:ext cx="12189867" cy="6858000"/>
-          </a:xfrm>
-          <a:prstGeom prst="rect">
-            <a:avLst/>
-          </a:prstGeom>
-        </p:spPr>
-      </p:pic>
-      <p:sp>
-        <p:nvSpPr>
-          <p:cNvPr id="1055" name="Rectangle 1054">
-            <a:extLst>
-              <a:ext uri="{FF2B5EF4-FFF2-40B4-BE49-F238E27FC236}">
-                <a16:creationId xmlns:a16="http://schemas.microsoft.com/office/drawing/2014/main" id="{113E1A2F-E5D7-4888-BA8C-1CDDC7CE2328}"/>
-              </a:ext>
-              <a:ext uri="{C183D7F6-B498-43B3-948B-1728B52AA6E4}">
-                <adec:decorative xmlns:adec="http://schemas.microsoft.com/office/drawing/2017/decorative" val="1"/>
-              </a:ext>
-            </a:extLst>
-          </p:cNvPr>
-          <p:cNvSpPr>
-            <a:spLocks noGrp="1" noRot="1" noChangeAspect="1" noMove="1" noResize="1" noEditPoints="1" noAdjustHandles="1" noChangeArrowheads="1" noChangeShapeType="1" noTextEdit="1"/>
-          </p:cNvSpPr>
-          <p:nvPr>
-            <p:extLst>
-              <p:ext uri="{386F3935-93C4-4BCD-93E2-E3B085C9AB24}">
-                <p16:designElem xmlns:p16="http://schemas.microsoft.com/office/powerpoint/2015/main" val="1"/>
-              </p:ext>
-            </p:extLst>
-          </p:nvPr>
-        </p:nvSpPr>
-        <p:spPr>
-          <a:xfrm>
-            <a:off x="0" y="0"/>
-            <a:ext cx="964174" cy="6858000"/>
-          </a:xfrm>
-          <a:prstGeom prst="rect">
-            <a:avLst/>
-          </a:prstGeom>
-          <a:solidFill>
-            <a:schemeClr val="bg2"/>
-          </a:solidFill>
-          <a:ln>
-            <a:noFill/>
-          </a:ln>
-        </p:spPr>
-        <p:style>
-          <a:lnRef idx="2">
-            <a:schemeClr val="accent1">
-              <a:shade val="50000"/>
-            </a:schemeClr>
-          </a:lnRef>
-          <a:fillRef idx="1">
-            <a:schemeClr val="accent1"/>
-          </a:fillRef>
-          <a:effectRef idx="0">
-            <a:schemeClr val="accent1"/>
-          </a:effectRef>
-          <a:fontRef idx="minor">
-            <a:schemeClr val="lt1"/>
-          </a:fontRef>
-        </p:style>
-        <p:txBody>
-          <a:bodyPr rtlCol="0" anchor="ctr"/>
-          <a:lstStyle/>
-          <a:p>
-            <a:pPr algn="ctr"/>
-            <a:endParaRPr lang="en-US"/>
-          </a:p>
-        </p:txBody>
-      </p:sp>
-      <p:sp>
-        <p:nvSpPr>
-          <p:cNvPr id="1057" name="Rectangle 1056">
-            <a:extLst>
-              <a:ext uri="{FF2B5EF4-FFF2-40B4-BE49-F238E27FC236}">
-                <a16:creationId xmlns:a16="http://schemas.microsoft.com/office/drawing/2014/main" id="{F625649A-4F9D-4D90-8F0A-433D7A1F685F}"/>
-              </a:ext>
-              <a:ext uri="{C183D7F6-B498-43B3-948B-1728B52AA6E4}">
-                <adec:decorative xmlns:adec="http://schemas.microsoft.com/office/drawing/2017/decorative" val="1"/>
-              </a:ext>
-            </a:extLst>
-          </p:cNvPr>
-          <p:cNvSpPr>
-            <a:spLocks noGrp="1" noRot="1" noChangeAspect="1" noMove="1" noResize="1" noEditPoints="1" noAdjustHandles="1" noChangeArrowheads="1" noChangeShapeType="1" noTextEdit="1"/>
-          </p:cNvSpPr>
-          <p:nvPr>
-            <p:extLst>
-              <p:ext uri="{386F3935-93C4-4BCD-93E2-E3B085C9AB24}">
-                <p16:designElem xmlns:p16="http://schemas.microsoft.com/office/powerpoint/2015/main" val="1"/>
-              </p:ext>
-            </p:extLst>
-          </p:nvPr>
-        </p:nvSpPr>
-        <p:spPr>
-          <a:xfrm>
-            <a:off x="1007533" y="0"/>
-            <a:ext cx="10378001" cy="6858000"/>
-          </a:xfrm>
-          <a:prstGeom prst="rect">
-            <a:avLst/>
-          </a:prstGeom>
-          <a:solidFill>
-            <a:schemeClr val="bg2">
-              <a:alpha val="92000"/>
-            </a:schemeClr>
-          </a:solidFill>
-          <a:ln>
-            <a:noFill/>
-          </a:ln>
-        </p:spPr>
-        <p:style>
-          <a:lnRef idx="2">
-            <a:schemeClr val="accent1">
-              <a:shade val="50000"/>
-            </a:schemeClr>
-          </a:lnRef>
-          <a:fillRef idx="1">
-            <a:schemeClr val="accent1"/>
-          </a:fillRef>
-          <a:effectRef idx="0">
-            <a:schemeClr val="accent1"/>
-          </a:effectRef>
-          <a:fontRef idx="minor">
-            <a:schemeClr val="lt1"/>
-          </a:fontRef>
-        </p:style>
-        <p:txBody>
-          <a:bodyPr rtlCol="0" anchor="ctr"/>
-          <a:lstStyle/>
-          <a:p>
-            <a:pPr algn="ctr"/>
-            <a:endParaRPr lang="en-US"/>
-          </a:p>
-        </p:txBody>
-      </p:sp>
-      <p:sp>
-        <p:nvSpPr>
-          <p:cNvPr id="4" name="CaixaDeTexto 3">
-            <a:extLst>
-              <a:ext uri="{FF2B5EF4-FFF2-40B4-BE49-F238E27FC236}">
-                <a16:creationId xmlns:a16="http://schemas.microsoft.com/office/drawing/2014/main" id="{FE5BF99D-856C-A42B-0F3B-7D754FFF4701}"/>
-              </a:ext>
-            </a:extLst>
-          </p:cNvPr>
-          <p:cNvSpPr txBox="1"/>
-          <p:nvPr/>
-        </p:nvSpPr>
-        <p:spPr>
-          <a:xfrm>
-            <a:off x="1719416" y="4559456"/>
-            <a:ext cx="8445357" cy="883524"/>
-          </a:xfrm>
-          <a:prstGeom prst="rect">
-            <a:avLst/>
-          </a:prstGeom>
-        </p:spPr>
-        <p:txBody>
-          <a:bodyPr vert="horz" lIns="91440" tIns="45720" rIns="91440" bIns="45720" rtlCol="0" anchor="t">
-            <a:normAutofit/>
-          </a:bodyPr>
-          <a:lstStyle/>
-          <a:p>
-            <a:pPr algn="r" defTabSz="914400">
-              <a:lnSpc>
-                <a:spcPct val="90000"/>
-              </a:lnSpc>
-              <a:spcBef>
-                <a:spcPct val="0"/>
-              </a:spcBef>
-              <a:spcAft>
-                <a:spcPts val="600"/>
-              </a:spcAft>
-            </a:pPr>
-            <a:r>
-              <a:rPr lang="en-US" sz="4100" dirty="0" err="1">
-                <a:latin typeface="+mj-lt"/>
-                <a:ea typeface="+mj-ea"/>
-                <a:cs typeface="+mj-cs"/>
-              </a:rPr>
-              <a:t>Arquitetura</a:t>
-            </a:r>
-            <a:r>
-              <a:rPr lang="en-US" sz="4100" dirty="0">
-                <a:latin typeface="+mj-lt"/>
-                <a:ea typeface="+mj-ea"/>
-                <a:cs typeface="+mj-cs"/>
-              </a:rPr>
-              <a:t> de um Deep Learning</a:t>
-            </a:r>
-          </a:p>
-        </p:txBody>
-      </p:sp>
-      <p:sp>
-        <p:nvSpPr>
-          <p:cNvPr id="1059" name="Rectangle 1058">
-            <a:extLst>
-              <a:ext uri="{FF2B5EF4-FFF2-40B4-BE49-F238E27FC236}">
-                <a16:creationId xmlns:a16="http://schemas.microsoft.com/office/drawing/2014/main" id="{B6F31202-25B1-43E6-94C1-CDCAFFE33CE9}"/>
-              </a:ext>
-              <a:ext uri="{C183D7F6-B498-43B3-948B-1728B52AA6E4}">
-                <adec:decorative xmlns:adec="http://schemas.microsoft.com/office/drawing/2017/decorative" val="1"/>
-              </a:ext>
-            </a:extLst>
-          </p:cNvPr>
-          <p:cNvSpPr>
-            <a:spLocks noGrp="1" noRot="1" noChangeAspect="1" noMove="1" noResize="1" noEditPoints="1" noAdjustHandles="1" noChangeArrowheads="1" noChangeShapeType="1" noTextEdit="1"/>
-          </p:cNvSpPr>
-          <p:nvPr>
-            <p:extLst>
-              <p:ext uri="{386F3935-93C4-4BCD-93E2-E3B085C9AB24}">
-                <p16:designElem xmlns:p16="http://schemas.microsoft.com/office/powerpoint/2015/main" val="1"/>
-              </p:ext>
-            </p:extLst>
-          </p:nvPr>
-        </p:nvSpPr>
-        <p:spPr>
-          <a:xfrm>
-            <a:off x="962042" y="0"/>
-            <a:ext cx="45719" cy="6858000"/>
-          </a:xfrm>
-          <a:prstGeom prst="rect">
-            <a:avLst/>
-          </a:prstGeom>
-          <a:solidFill>
-            <a:schemeClr val="accent6"/>
-          </a:solidFill>
-          <a:ln>
-            <a:noFill/>
-          </a:ln>
-        </p:spPr>
-        <p:style>
-          <a:lnRef idx="2">
-            <a:schemeClr val="accent1">
-              <a:shade val="50000"/>
-            </a:schemeClr>
-          </a:lnRef>
-          <a:fillRef idx="1">
-            <a:schemeClr val="accent1"/>
-          </a:fillRef>
-          <a:effectRef idx="0">
-            <a:schemeClr val="accent1"/>
-          </a:effectRef>
-          <a:fontRef idx="minor">
-            <a:schemeClr val="lt1"/>
-          </a:fontRef>
-        </p:style>
-        <p:txBody>
-          <a:bodyPr rtlCol="0" anchor="ctr"/>
-          <a:lstStyle/>
-          <a:p>
-            <a:pPr algn="ctr"/>
-            <a:endParaRPr lang="en-US"/>
-          </a:p>
-        </p:txBody>
-      </p:sp>
-      <p:pic>
-        <p:nvPicPr>
-          <p:cNvPr id="1030" name="Picture 6" descr="Entendendo o funcionamento de uma Rede Neural Artificial | by Murillo  Grübler | aibrasil | Medium">
-            <a:extLst>
-              <a:ext uri="{FF2B5EF4-FFF2-40B4-BE49-F238E27FC236}">
-                <a16:creationId xmlns:a16="http://schemas.microsoft.com/office/drawing/2014/main" id="{0A41ECD2-793B-D333-41C3-5EFD3BF36CF2}"/>
-              </a:ext>
-            </a:extLst>
-          </p:cNvPr>
-          <p:cNvPicPr>
-            <a:picLocks noChangeAspect="1" noChangeArrowheads="1"/>
-          </p:cNvPicPr>
-          <p:nvPr/>
-        </p:nvPicPr>
-        <p:blipFill rotWithShape="1">
-          <a:blip r:embed="rId5">
-            <a:extLst>
-              <a:ext uri="{28A0092B-C50C-407E-A947-70E740481C1C}">
-                <a14:useLocalDpi xmlns:a14="http://schemas.microsoft.com/office/drawing/2010/main" val="0"/>
-              </a:ext>
-            </a:extLst>
-          </a:blip>
-          <a:srcRect l="15464" r="20154" b="1"/>
-          <a:stretch/>
-        </p:blipFill>
-        <p:spPr bwMode="auto">
-          <a:xfrm>
-            <a:off x="1005401" y="-1"/>
-            <a:ext cx="10380133" cy="4030679"/>
-          </a:xfrm>
-          <a:prstGeom prst="rect">
-            <a:avLst/>
-          </a:prstGeom>
-          <a:noFill/>
-          <a:ln>
-            <a:solidFill>
-              <a:schemeClr val="accent6"/>
-            </a:solidFill>
-          </a:ln>
-          <a:extLst>
-            <a:ext uri="{909E8E84-426E-40DD-AFC4-6F175D3DCCD1}">
-              <a14:hiddenFill xmlns:a14="http://schemas.microsoft.com/office/drawing/2010/main">
-                <a:solidFill>
-                  <a:srgbClr val="FFFFFF"/>
-                </a:solidFill>
-              </a14:hiddenFill>
-            </a:ext>
-          </a:extLst>
-        </p:spPr>
-      </p:pic>
-      <p:sp>
-        <p:nvSpPr>
-          <p:cNvPr id="1061" name="Rectangle 1060">
-            <a:extLst>
-              <a:ext uri="{FF2B5EF4-FFF2-40B4-BE49-F238E27FC236}">
-                <a16:creationId xmlns:a16="http://schemas.microsoft.com/office/drawing/2014/main" id="{588507C5-B772-411D-B50E-0C075AD253C4}"/>
-              </a:ext>
-              <a:ext uri="{C183D7F6-B498-43B3-948B-1728B52AA6E4}">
-                <adec:decorative xmlns:adec="http://schemas.microsoft.com/office/drawing/2017/decorative" val="1"/>
-              </a:ext>
-            </a:extLst>
-          </p:cNvPr>
-          <p:cNvSpPr>
-            <a:spLocks noGrp="1" noRot="1" noChangeAspect="1" noMove="1" noResize="1" noEditPoints="1" noAdjustHandles="1" noChangeArrowheads="1" noChangeShapeType="1" noTextEdit="1"/>
-          </p:cNvSpPr>
-          <p:nvPr>
-            <p:extLst>
-              <p:ext uri="{386F3935-93C4-4BCD-93E2-E3B085C9AB24}">
-                <p16:designElem xmlns:p16="http://schemas.microsoft.com/office/powerpoint/2015/main" val="1"/>
-              </p:ext>
-            </p:extLst>
-          </p:nvPr>
-        </p:nvSpPr>
-        <p:spPr>
-          <a:xfrm>
-            <a:off x="11387666" y="-2718"/>
-            <a:ext cx="27432" cy="6858000"/>
-          </a:xfrm>
-          <a:prstGeom prst="rect">
-            <a:avLst/>
-          </a:prstGeom>
-          <a:solidFill>
-            <a:schemeClr val="accent6"/>
-          </a:solidFill>
-          <a:ln>
-            <a:noFill/>
-          </a:ln>
-        </p:spPr>
-        <p:style>
-          <a:lnRef idx="2">
-            <a:schemeClr val="accent1">
-              <a:shade val="50000"/>
-            </a:schemeClr>
-          </a:lnRef>
-          <a:fillRef idx="1">
-            <a:schemeClr val="accent1"/>
-          </a:fillRef>
-          <a:effectRef idx="0">
-            <a:schemeClr val="accent1"/>
-          </a:effectRef>
-          <a:fontRef idx="minor">
-            <a:schemeClr val="lt1"/>
-          </a:fontRef>
-        </p:style>
-        <p:txBody>
-          <a:bodyPr rtlCol="0" anchor="ctr"/>
-          <a:lstStyle/>
-          <a:p>
-            <a:pPr algn="ctr"/>
-            <a:endParaRPr lang="en-US"/>
-          </a:p>
-        </p:txBody>
-      </p:sp>
-    </p:spTree>
-    <p:extLst>
-      <p:ext uri="{BB962C8B-B14F-4D97-AF65-F5344CB8AC3E}">
-        <p14:creationId xmlns:p14="http://schemas.microsoft.com/office/powerpoint/2010/main" val="1247483308"/>
-      </p:ext>
-    </p:extLst>
-  </p:cSld>
-  <p:clrMapOvr>
-    <a:masterClrMapping/>
-  </p:clrMapOvr>
-</p:sld>
-</file>
-
-<file path=ppt/slides/slide22.xml><?xml version="1.0" encoding="utf-8"?>
-<p:sld xmlns:a="http://schemas.openxmlformats.org/drawingml/2006/main" xmlns:r="http://schemas.openxmlformats.org/officeDocument/2006/relationships" xmlns:p="http://schemas.openxmlformats.org/presentationml/2006/main">
-  <p:cSld>
-    <p:spTree>
-      <p:nvGrpSpPr>
-        <p:cNvPr id="1" name=""/>
-        <p:cNvGrpSpPr/>
-        <p:nvPr/>
-      </p:nvGrpSpPr>
-      <p:grpSpPr>
-        <a:xfrm>
-          <a:off x="0" y="0"/>
-          <a:ext cx="0" cy="0"/>
-          <a:chOff x="0" y="0"/>
-          <a:chExt cx="0" cy="0"/>
-        </a:xfrm>
-      </p:grpSpPr>
       <p:sp>
         <p:nvSpPr>
           <p:cNvPr id="2" name="CaixaDeTexto 1">
@@ -21611,7 +20585,7 @@
 </p:sld>
 </file>
 
-<file path=ppt/slides/slide23.xml><?xml version="1.0" encoding="utf-8"?>
+<file path=ppt/slides/slide21.xml><?xml version="1.0" encoding="utf-8"?>
 <p:sld xmlns:a="http://schemas.openxmlformats.org/drawingml/2006/main" xmlns:r="http://schemas.openxmlformats.org/officeDocument/2006/relationships" xmlns:p="http://schemas.openxmlformats.org/presentationml/2006/main">
   <p:cSld>
     <p:spTree>
@@ -21723,7 +20697,7 @@
 </p:sld>
 </file>
 
-<file path=ppt/slides/slide24.xml><?xml version="1.0" encoding="utf-8"?>
+<file path=ppt/slides/slide22.xml><?xml version="1.0" encoding="utf-8"?>
 <p:sld xmlns:a="http://schemas.openxmlformats.org/drawingml/2006/main" xmlns:r="http://schemas.openxmlformats.org/officeDocument/2006/relationships" xmlns:p="http://schemas.openxmlformats.org/presentationml/2006/main">
   <p:cSld>
     <p:spTree>
@@ -21859,7 +20833,7 @@
 </p:sld>
 </file>
 
-<file path=ppt/slides/slide25.xml><?xml version="1.0" encoding="utf-8"?>
+<file path=ppt/slides/slide23.xml><?xml version="1.0" encoding="utf-8"?>
 <p:sld xmlns:a="http://schemas.openxmlformats.org/drawingml/2006/main" xmlns:r="http://schemas.openxmlformats.org/officeDocument/2006/relationships" xmlns:p="http://schemas.openxmlformats.org/presentationml/2006/main">
   <p:cSld>
     <p:spTree>
@@ -22311,7 +21285,7 @@
 </p:sld>
 </file>
 
-<file path=ppt/slides/slide26.xml><?xml version="1.0" encoding="utf-8"?>
+<file path=ppt/slides/slide24.xml><?xml version="1.0" encoding="utf-8"?>
 <p:sld xmlns:a="http://schemas.openxmlformats.org/drawingml/2006/main" xmlns:r="http://schemas.openxmlformats.org/officeDocument/2006/relationships" xmlns:p="http://schemas.openxmlformats.org/presentationml/2006/main">
   <p:cSld>
     <p:spTree>
@@ -22612,7 +21586,7 @@
 </p:sld>
 </file>
 
-<file path=ppt/slides/slide27.xml><?xml version="1.0" encoding="utf-8"?>
+<file path=ppt/slides/slide25.xml><?xml version="1.0" encoding="utf-8"?>
 <p:sld xmlns:a="http://schemas.openxmlformats.org/drawingml/2006/main" xmlns:r="http://schemas.openxmlformats.org/officeDocument/2006/relationships" xmlns:p="http://schemas.openxmlformats.org/presentationml/2006/main">
   <p:cSld>
     <p:spTree>
@@ -22745,7 +21719,7 @@
 </p:sld>
 </file>
 
-<file path=ppt/slides/slide28.xml><?xml version="1.0" encoding="utf-8"?>
+<file path=ppt/slides/slide26.xml><?xml version="1.0" encoding="utf-8"?>
 <p:sld xmlns:a="http://schemas.openxmlformats.org/drawingml/2006/main" xmlns:r="http://schemas.openxmlformats.org/officeDocument/2006/relationships" xmlns:p="http://schemas.openxmlformats.org/presentationml/2006/main">
   <p:cSld>
     <p:spTree>
@@ -23020,7 +21994,7 @@
 </p:sld>
 </file>
 
-<file path=ppt/slides/slide29.xml><?xml version="1.0" encoding="utf-8"?>
+<file path=ppt/slides/slide27.xml><?xml version="1.0" encoding="utf-8"?>
 <p:sld xmlns:a="http://schemas.openxmlformats.org/drawingml/2006/main" xmlns:r="http://schemas.openxmlformats.org/officeDocument/2006/relationships" xmlns:p="http://schemas.openxmlformats.org/presentationml/2006/main">
   <p:cSld>
     <p:spTree>
@@ -23124,304 +22098,7 @@
 </p:sld>
 </file>
 
-<file path=ppt/slides/slide3.xml><?xml version="1.0" encoding="utf-8"?>
-<p:sld xmlns:a="http://schemas.openxmlformats.org/drawingml/2006/main" xmlns:r="http://schemas.openxmlformats.org/officeDocument/2006/relationships" xmlns:p="http://schemas.openxmlformats.org/presentationml/2006/main">
-  <p:cSld>
-    <p:bg>
-      <p:bgPr>
-        <a:solidFill>
-          <a:schemeClr val="bg1"/>
-        </a:solidFill>
-        <a:effectLst/>
-      </p:bgPr>
-    </p:bg>
-    <p:spTree>
-      <p:nvGrpSpPr>
-        <p:cNvPr id="1" name=""/>
-        <p:cNvGrpSpPr/>
-        <p:nvPr/>
-      </p:nvGrpSpPr>
-      <p:grpSpPr>
-        <a:xfrm>
-          <a:off x="0" y="0"/>
-          <a:ext cx="0" cy="0"/>
-          <a:chOff x="0" y="0"/>
-          <a:chExt cx="0" cy="0"/>
-        </a:xfrm>
-      </p:grpSpPr>
-      <p:sp useBgFill="1">
-        <p:nvSpPr>
-          <p:cNvPr id="16" name="Rectangle 9">
-            <a:extLst>
-              <a:ext uri="{FF2B5EF4-FFF2-40B4-BE49-F238E27FC236}">
-                <a16:creationId xmlns:a16="http://schemas.microsoft.com/office/drawing/2014/main" id="{B5E326A3-EB92-4BDA-9F77-45197E0CBE7E}"/>
-              </a:ext>
-              <a:ext uri="{C183D7F6-B498-43B3-948B-1728B52AA6E4}">
-                <adec:decorative xmlns:adec="http://schemas.microsoft.com/office/drawing/2017/decorative" val="1"/>
-              </a:ext>
-            </a:extLst>
-          </p:cNvPr>
-          <p:cNvSpPr>
-            <a:spLocks noGrp="1" noRot="1" noChangeAspect="1" noMove="1" noResize="1" noEditPoints="1" noAdjustHandles="1" noChangeArrowheads="1" noChangeShapeType="1" noTextEdit="1"/>
-          </p:cNvSpPr>
-          <p:nvPr>
-            <p:extLst>
-              <p:ext uri="{386F3935-93C4-4BCD-93E2-E3B085C9AB24}">
-                <p16:designElem xmlns:p16="http://schemas.microsoft.com/office/powerpoint/2015/main" val="1"/>
-              </p:ext>
-            </p:extLst>
-          </p:nvPr>
-        </p:nvSpPr>
-        <p:spPr>
-          <a:xfrm>
-            <a:off x="0" y="0"/>
-            <a:ext cx="12192000" cy="6858000"/>
-          </a:xfrm>
-          <a:prstGeom prst="rect">
-            <a:avLst/>
-          </a:prstGeom>
-          <a:ln>
-            <a:noFill/>
-          </a:ln>
-        </p:spPr>
-        <p:style>
-          <a:lnRef idx="2">
-            <a:schemeClr val="accent1">
-              <a:shade val="50000"/>
-            </a:schemeClr>
-          </a:lnRef>
-          <a:fillRef idx="1">
-            <a:schemeClr val="accent1"/>
-          </a:fillRef>
-          <a:effectRef idx="0">
-            <a:schemeClr val="accent1"/>
-          </a:effectRef>
-          <a:fontRef idx="minor">
-            <a:schemeClr val="lt1"/>
-          </a:fontRef>
-        </p:style>
-        <p:txBody>
-          <a:bodyPr rtlCol="0" anchor="ctr"/>
-          <a:lstStyle/>
-          <a:p>
-            <a:pPr algn="ctr"/>
-            <a:endParaRPr lang="en-US"/>
-          </a:p>
-        </p:txBody>
-      </p:sp>
-      <p:sp>
-        <p:nvSpPr>
-          <p:cNvPr id="17" name="Rectangle 11">
-            <a:extLst>
-              <a:ext uri="{FF2B5EF4-FFF2-40B4-BE49-F238E27FC236}">
-                <a16:creationId xmlns:a16="http://schemas.microsoft.com/office/drawing/2014/main" id="{CAC996C7-7B84-4645-9AA1-6EA85EAB47D6}"/>
-              </a:ext>
-              <a:ext uri="{C183D7F6-B498-43B3-948B-1728B52AA6E4}">
-                <adec:decorative xmlns:adec="http://schemas.microsoft.com/office/drawing/2017/decorative" val="1"/>
-              </a:ext>
-            </a:extLst>
-          </p:cNvPr>
-          <p:cNvSpPr>
-            <a:spLocks noGrp="1" noRot="1" noChangeAspect="1" noMove="1" noResize="1" noEditPoints="1" noAdjustHandles="1" noChangeArrowheads="1" noChangeShapeType="1" noTextEdit="1"/>
-          </p:cNvSpPr>
-          <p:nvPr>
-            <p:extLst>
-              <p:ext uri="{386F3935-93C4-4BCD-93E2-E3B085C9AB24}">
-                <p16:designElem xmlns:p16="http://schemas.microsoft.com/office/powerpoint/2015/main" val="1"/>
-              </p:ext>
-            </p:extLst>
-          </p:nvPr>
-        </p:nvSpPr>
-        <p:spPr>
-          <a:xfrm>
-            <a:off x="0" y="0"/>
-            <a:ext cx="4622901" cy="6858000"/>
-          </a:xfrm>
-          <a:prstGeom prst="rect">
-            <a:avLst/>
-          </a:prstGeom>
-          <a:solidFill>
-            <a:schemeClr val="tx2"/>
-          </a:solidFill>
-          <a:ln>
-            <a:noFill/>
-          </a:ln>
-        </p:spPr>
-        <p:style>
-          <a:lnRef idx="2">
-            <a:schemeClr val="accent1">
-              <a:shade val="50000"/>
-            </a:schemeClr>
-          </a:lnRef>
-          <a:fillRef idx="1">
-            <a:schemeClr val="accent1"/>
-          </a:fillRef>
-          <a:effectRef idx="0">
-            <a:schemeClr val="accent1"/>
-          </a:effectRef>
-          <a:fontRef idx="minor">
-            <a:schemeClr val="lt1"/>
-          </a:fontRef>
-        </p:style>
-        <p:txBody>
-          <a:bodyPr/>
-          <a:lstStyle/>
-          <a:p>
-            <a:endParaRPr lang="pt-BR"/>
-          </a:p>
-        </p:txBody>
-      </p:sp>
-      <p:sp>
-        <p:nvSpPr>
-          <p:cNvPr id="5" name="Título 1">
-            <a:extLst>
-              <a:ext uri="{FF2B5EF4-FFF2-40B4-BE49-F238E27FC236}">
-                <a16:creationId xmlns:a16="http://schemas.microsoft.com/office/drawing/2014/main" id="{D8FA902E-C53A-FB23-0923-FEF465FE03C7}"/>
-              </a:ext>
-            </a:extLst>
-          </p:cNvPr>
-          <p:cNvSpPr>
-            <a:spLocks noGrp="1"/>
-          </p:cNvSpPr>
-          <p:nvPr>
-            <p:ph type="title"/>
-          </p:nvPr>
-        </p:nvSpPr>
-        <p:spPr>
-          <a:xfrm>
-            <a:off x="1337191" y="1064365"/>
-            <a:ext cx="2856582" cy="3313671"/>
-          </a:xfrm>
-        </p:spPr>
-        <p:txBody>
-          <a:bodyPr rtlCol="0">
-            <a:normAutofit/>
-          </a:bodyPr>
-          <a:lstStyle>
-            <a:defPPr>
-              <a:defRPr lang="pt-BR"/>
-            </a:defPPr>
-          </a:lstStyle>
-          <a:p>
-            <a:pPr algn="l" rtl="0"/>
-            <a:r>
-              <a:rPr lang="pt-BR">
-                <a:solidFill>
-                  <a:schemeClr val="bg1"/>
-                </a:solidFill>
-              </a:rPr>
-              <a:t>Agenda</a:t>
-            </a:r>
-          </a:p>
-        </p:txBody>
-      </p:sp>
-      <p:sp>
-        <p:nvSpPr>
-          <p:cNvPr id="18" name="Rectangle 13">
-            <a:extLst>
-              <a:ext uri="{FF2B5EF4-FFF2-40B4-BE49-F238E27FC236}">
-                <a16:creationId xmlns:a16="http://schemas.microsoft.com/office/drawing/2014/main" id="{32DC315B-5680-47D9-B827-34D012FB14B2}"/>
-              </a:ext>
-              <a:ext uri="{C183D7F6-B498-43B3-948B-1728B52AA6E4}">
-                <adec:decorative xmlns:adec="http://schemas.microsoft.com/office/drawing/2017/decorative" val="1"/>
-              </a:ext>
-            </a:extLst>
-          </p:cNvPr>
-          <p:cNvSpPr>
-            <a:spLocks noGrp="1" noRot="1" noChangeAspect="1" noMove="1" noResize="1" noEditPoints="1" noAdjustHandles="1" noChangeArrowheads="1" noChangeShapeType="1" noTextEdit="1"/>
-          </p:cNvSpPr>
-          <p:nvPr>
-            <p:extLst>
-              <p:ext uri="{386F3935-93C4-4BCD-93E2-E3B085C9AB24}">
-                <p16:designElem xmlns:p16="http://schemas.microsoft.com/office/powerpoint/2015/main" val="1"/>
-              </p:ext>
-            </p:extLst>
-          </p:nvPr>
-        </p:nvSpPr>
-        <p:spPr>
-          <a:xfrm>
-            <a:off x="4620769" y="0"/>
-            <a:ext cx="45719" cy="6858000"/>
-          </a:xfrm>
-          <a:prstGeom prst="rect">
-            <a:avLst/>
-          </a:prstGeom>
-          <a:solidFill>
-            <a:schemeClr val="accent6"/>
-          </a:solidFill>
-          <a:ln>
-            <a:noFill/>
-          </a:ln>
-        </p:spPr>
-        <p:style>
-          <a:lnRef idx="2">
-            <a:schemeClr val="accent1">
-              <a:shade val="50000"/>
-            </a:schemeClr>
-          </a:lnRef>
-          <a:fillRef idx="1">
-            <a:schemeClr val="accent1"/>
-          </a:fillRef>
-          <a:effectRef idx="0">
-            <a:schemeClr val="accent1"/>
-          </a:effectRef>
-          <a:fontRef idx="minor">
-            <a:schemeClr val="lt1"/>
-          </a:fontRef>
-        </p:style>
-        <p:txBody>
-          <a:bodyPr/>
-          <a:lstStyle/>
-          <a:p>
-            <a:endParaRPr lang="pt-BR"/>
-          </a:p>
-        </p:txBody>
-      </p:sp>
-      <p:graphicFrame>
-        <p:nvGraphicFramePr>
-          <p:cNvPr id="4" name="Espaço Reservado para Conteúdo 2">
-            <a:extLst>
-              <a:ext uri="{FF2B5EF4-FFF2-40B4-BE49-F238E27FC236}">
-                <a16:creationId xmlns:a16="http://schemas.microsoft.com/office/drawing/2014/main" id="{1829D2E3-4A7D-649A-4631-35ACFD6DFC4A}"/>
-              </a:ext>
-            </a:extLst>
-          </p:cNvPr>
-          <p:cNvGraphicFramePr>
-            <a:graphicFrameLocks noGrp="1"/>
-          </p:cNvGraphicFramePr>
-          <p:nvPr>
-            <p:ph idx="1"/>
-            <p:extLst>
-              <p:ext uri="{D42A27DB-BD31-4B8C-83A1-F6EECF244321}">
-                <p14:modId xmlns:p14="http://schemas.microsoft.com/office/powerpoint/2010/main" val="2671568499"/>
-              </p:ext>
-            </p:extLst>
-          </p:nvPr>
-        </p:nvGraphicFramePr>
-        <p:xfrm>
-          <a:off x="5507182" y="897534"/>
-          <a:ext cx="5889686" cy="5319241"/>
-        </p:xfrm>
-        <a:graphic>
-          <a:graphicData uri="http://schemas.openxmlformats.org/drawingml/2006/diagram">
-            <dgm:relIds xmlns:dgm="http://schemas.openxmlformats.org/drawingml/2006/diagram" xmlns:r="http://schemas.openxmlformats.org/officeDocument/2006/relationships" r:dm="rId2" r:lo="rId3" r:qs="rId4" r:cs="rId5"/>
-          </a:graphicData>
-        </a:graphic>
-      </p:graphicFrame>
-    </p:spTree>
-    <p:extLst>
-      <p:ext uri="{BB962C8B-B14F-4D97-AF65-F5344CB8AC3E}">
-        <p14:creationId xmlns:p14="http://schemas.microsoft.com/office/powerpoint/2010/main" val="2389236810"/>
-      </p:ext>
-    </p:extLst>
-  </p:cSld>
-  <p:clrMapOvr>
-    <a:overrideClrMapping bg1="lt1" tx1="dk1" bg2="lt2" tx2="dk2" accent1="accent1" accent2="accent2" accent3="accent3" accent4="accent4" accent5="accent5" accent6="accent6" hlink="hlink" folHlink="folHlink"/>
-  </p:clrMapOvr>
-</p:sld>
-</file>
-
-<file path=ppt/slides/slide30.xml><?xml version="1.0" encoding="utf-8"?>
+<file path=ppt/slides/slide28.xml><?xml version="1.0" encoding="utf-8"?>
 <p:sld xmlns:a="http://schemas.openxmlformats.org/drawingml/2006/main" xmlns:r="http://schemas.openxmlformats.org/officeDocument/2006/relationships" xmlns:p="http://schemas.openxmlformats.org/presentationml/2006/main">
   <p:cSld>
     <p:spTree>
@@ -23516,7 +22193,7 @@
 </p:sld>
 </file>
 
-<file path=ppt/slides/slide31.xml><?xml version="1.0" encoding="utf-8"?>
+<file path=ppt/slides/slide29.xml><?xml version="1.0" encoding="utf-8"?>
 <p:sld xmlns:a="http://schemas.openxmlformats.org/drawingml/2006/main" xmlns:r="http://schemas.openxmlformats.org/officeDocument/2006/relationships" xmlns:p="http://schemas.openxmlformats.org/presentationml/2006/main">
   <p:cSld>
     <p:bg>
@@ -24525,7 +23202,304 @@
 </p:sld>
 </file>
 
-<file path=ppt/slides/slide32.xml><?xml version="1.0" encoding="utf-8"?>
+<file path=ppt/slides/slide3.xml><?xml version="1.0" encoding="utf-8"?>
+<p:sld xmlns:a="http://schemas.openxmlformats.org/drawingml/2006/main" xmlns:r="http://schemas.openxmlformats.org/officeDocument/2006/relationships" xmlns:p="http://schemas.openxmlformats.org/presentationml/2006/main">
+  <p:cSld>
+    <p:bg>
+      <p:bgPr>
+        <a:solidFill>
+          <a:schemeClr val="bg1"/>
+        </a:solidFill>
+        <a:effectLst/>
+      </p:bgPr>
+    </p:bg>
+    <p:spTree>
+      <p:nvGrpSpPr>
+        <p:cNvPr id="1" name=""/>
+        <p:cNvGrpSpPr/>
+        <p:nvPr/>
+      </p:nvGrpSpPr>
+      <p:grpSpPr>
+        <a:xfrm>
+          <a:off x="0" y="0"/>
+          <a:ext cx="0" cy="0"/>
+          <a:chOff x="0" y="0"/>
+          <a:chExt cx="0" cy="0"/>
+        </a:xfrm>
+      </p:grpSpPr>
+      <p:sp useBgFill="1">
+        <p:nvSpPr>
+          <p:cNvPr id="16" name="Rectangle 9">
+            <a:extLst>
+              <a:ext uri="{FF2B5EF4-FFF2-40B4-BE49-F238E27FC236}">
+                <a16:creationId xmlns:a16="http://schemas.microsoft.com/office/drawing/2014/main" id="{B5E326A3-EB92-4BDA-9F77-45197E0CBE7E}"/>
+              </a:ext>
+              <a:ext uri="{C183D7F6-B498-43B3-948B-1728B52AA6E4}">
+                <adec:decorative xmlns:adec="http://schemas.microsoft.com/office/drawing/2017/decorative" val="1"/>
+              </a:ext>
+            </a:extLst>
+          </p:cNvPr>
+          <p:cNvSpPr>
+            <a:spLocks noGrp="1" noRot="1" noChangeAspect="1" noMove="1" noResize="1" noEditPoints="1" noAdjustHandles="1" noChangeArrowheads="1" noChangeShapeType="1" noTextEdit="1"/>
+          </p:cNvSpPr>
+          <p:nvPr>
+            <p:extLst>
+              <p:ext uri="{386F3935-93C4-4BCD-93E2-E3B085C9AB24}">
+                <p16:designElem xmlns:p16="http://schemas.microsoft.com/office/powerpoint/2015/main" val="1"/>
+              </p:ext>
+            </p:extLst>
+          </p:nvPr>
+        </p:nvSpPr>
+        <p:spPr>
+          <a:xfrm>
+            <a:off x="0" y="0"/>
+            <a:ext cx="12192000" cy="6858000"/>
+          </a:xfrm>
+          <a:prstGeom prst="rect">
+            <a:avLst/>
+          </a:prstGeom>
+          <a:ln>
+            <a:noFill/>
+          </a:ln>
+        </p:spPr>
+        <p:style>
+          <a:lnRef idx="2">
+            <a:schemeClr val="accent1">
+              <a:shade val="50000"/>
+            </a:schemeClr>
+          </a:lnRef>
+          <a:fillRef idx="1">
+            <a:schemeClr val="accent1"/>
+          </a:fillRef>
+          <a:effectRef idx="0">
+            <a:schemeClr val="accent1"/>
+          </a:effectRef>
+          <a:fontRef idx="minor">
+            <a:schemeClr val="lt1"/>
+          </a:fontRef>
+        </p:style>
+        <p:txBody>
+          <a:bodyPr rtlCol="0" anchor="ctr"/>
+          <a:lstStyle/>
+          <a:p>
+            <a:pPr algn="ctr"/>
+            <a:endParaRPr lang="en-US"/>
+          </a:p>
+        </p:txBody>
+      </p:sp>
+      <p:sp>
+        <p:nvSpPr>
+          <p:cNvPr id="17" name="Rectangle 11">
+            <a:extLst>
+              <a:ext uri="{FF2B5EF4-FFF2-40B4-BE49-F238E27FC236}">
+                <a16:creationId xmlns:a16="http://schemas.microsoft.com/office/drawing/2014/main" id="{CAC996C7-7B84-4645-9AA1-6EA85EAB47D6}"/>
+              </a:ext>
+              <a:ext uri="{C183D7F6-B498-43B3-948B-1728B52AA6E4}">
+                <adec:decorative xmlns:adec="http://schemas.microsoft.com/office/drawing/2017/decorative" val="1"/>
+              </a:ext>
+            </a:extLst>
+          </p:cNvPr>
+          <p:cNvSpPr>
+            <a:spLocks noGrp="1" noRot="1" noChangeAspect="1" noMove="1" noResize="1" noEditPoints="1" noAdjustHandles="1" noChangeArrowheads="1" noChangeShapeType="1" noTextEdit="1"/>
+          </p:cNvSpPr>
+          <p:nvPr>
+            <p:extLst>
+              <p:ext uri="{386F3935-93C4-4BCD-93E2-E3B085C9AB24}">
+                <p16:designElem xmlns:p16="http://schemas.microsoft.com/office/powerpoint/2015/main" val="1"/>
+              </p:ext>
+            </p:extLst>
+          </p:nvPr>
+        </p:nvSpPr>
+        <p:spPr>
+          <a:xfrm>
+            <a:off x="0" y="0"/>
+            <a:ext cx="4622901" cy="6858000"/>
+          </a:xfrm>
+          <a:prstGeom prst="rect">
+            <a:avLst/>
+          </a:prstGeom>
+          <a:solidFill>
+            <a:schemeClr val="tx2"/>
+          </a:solidFill>
+          <a:ln>
+            <a:noFill/>
+          </a:ln>
+        </p:spPr>
+        <p:style>
+          <a:lnRef idx="2">
+            <a:schemeClr val="accent1">
+              <a:shade val="50000"/>
+            </a:schemeClr>
+          </a:lnRef>
+          <a:fillRef idx="1">
+            <a:schemeClr val="accent1"/>
+          </a:fillRef>
+          <a:effectRef idx="0">
+            <a:schemeClr val="accent1"/>
+          </a:effectRef>
+          <a:fontRef idx="minor">
+            <a:schemeClr val="lt1"/>
+          </a:fontRef>
+        </p:style>
+        <p:txBody>
+          <a:bodyPr/>
+          <a:lstStyle/>
+          <a:p>
+            <a:endParaRPr lang="pt-BR"/>
+          </a:p>
+        </p:txBody>
+      </p:sp>
+      <p:sp>
+        <p:nvSpPr>
+          <p:cNvPr id="5" name="Título 1">
+            <a:extLst>
+              <a:ext uri="{FF2B5EF4-FFF2-40B4-BE49-F238E27FC236}">
+                <a16:creationId xmlns:a16="http://schemas.microsoft.com/office/drawing/2014/main" id="{D8FA902E-C53A-FB23-0923-FEF465FE03C7}"/>
+              </a:ext>
+            </a:extLst>
+          </p:cNvPr>
+          <p:cNvSpPr>
+            <a:spLocks noGrp="1"/>
+          </p:cNvSpPr>
+          <p:nvPr>
+            <p:ph type="title"/>
+          </p:nvPr>
+        </p:nvSpPr>
+        <p:spPr>
+          <a:xfrm>
+            <a:off x="1337191" y="1064365"/>
+            <a:ext cx="2856582" cy="3313671"/>
+          </a:xfrm>
+        </p:spPr>
+        <p:txBody>
+          <a:bodyPr rtlCol="0">
+            <a:normAutofit/>
+          </a:bodyPr>
+          <a:lstStyle>
+            <a:defPPr>
+              <a:defRPr lang="pt-BR"/>
+            </a:defPPr>
+          </a:lstStyle>
+          <a:p>
+            <a:pPr algn="l" rtl="0"/>
+            <a:r>
+              <a:rPr lang="pt-BR">
+                <a:solidFill>
+                  <a:schemeClr val="bg1"/>
+                </a:solidFill>
+              </a:rPr>
+              <a:t>Agenda</a:t>
+            </a:r>
+          </a:p>
+        </p:txBody>
+      </p:sp>
+      <p:sp>
+        <p:nvSpPr>
+          <p:cNvPr id="18" name="Rectangle 13">
+            <a:extLst>
+              <a:ext uri="{FF2B5EF4-FFF2-40B4-BE49-F238E27FC236}">
+                <a16:creationId xmlns:a16="http://schemas.microsoft.com/office/drawing/2014/main" id="{32DC315B-5680-47D9-B827-34D012FB14B2}"/>
+              </a:ext>
+              <a:ext uri="{C183D7F6-B498-43B3-948B-1728B52AA6E4}">
+                <adec:decorative xmlns:adec="http://schemas.microsoft.com/office/drawing/2017/decorative" val="1"/>
+              </a:ext>
+            </a:extLst>
+          </p:cNvPr>
+          <p:cNvSpPr>
+            <a:spLocks noGrp="1" noRot="1" noChangeAspect="1" noMove="1" noResize="1" noEditPoints="1" noAdjustHandles="1" noChangeArrowheads="1" noChangeShapeType="1" noTextEdit="1"/>
+          </p:cNvSpPr>
+          <p:nvPr>
+            <p:extLst>
+              <p:ext uri="{386F3935-93C4-4BCD-93E2-E3B085C9AB24}">
+                <p16:designElem xmlns:p16="http://schemas.microsoft.com/office/powerpoint/2015/main" val="1"/>
+              </p:ext>
+            </p:extLst>
+          </p:nvPr>
+        </p:nvSpPr>
+        <p:spPr>
+          <a:xfrm>
+            <a:off x="4620769" y="0"/>
+            <a:ext cx="45719" cy="6858000"/>
+          </a:xfrm>
+          <a:prstGeom prst="rect">
+            <a:avLst/>
+          </a:prstGeom>
+          <a:solidFill>
+            <a:schemeClr val="accent6"/>
+          </a:solidFill>
+          <a:ln>
+            <a:noFill/>
+          </a:ln>
+        </p:spPr>
+        <p:style>
+          <a:lnRef idx="2">
+            <a:schemeClr val="accent1">
+              <a:shade val="50000"/>
+            </a:schemeClr>
+          </a:lnRef>
+          <a:fillRef idx="1">
+            <a:schemeClr val="accent1"/>
+          </a:fillRef>
+          <a:effectRef idx="0">
+            <a:schemeClr val="accent1"/>
+          </a:effectRef>
+          <a:fontRef idx="minor">
+            <a:schemeClr val="lt1"/>
+          </a:fontRef>
+        </p:style>
+        <p:txBody>
+          <a:bodyPr/>
+          <a:lstStyle/>
+          <a:p>
+            <a:endParaRPr lang="pt-BR"/>
+          </a:p>
+        </p:txBody>
+      </p:sp>
+      <p:graphicFrame>
+        <p:nvGraphicFramePr>
+          <p:cNvPr id="4" name="Espaço Reservado para Conteúdo 2">
+            <a:extLst>
+              <a:ext uri="{FF2B5EF4-FFF2-40B4-BE49-F238E27FC236}">
+                <a16:creationId xmlns:a16="http://schemas.microsoft.com/office/drawing/2014/main" id="{1829D2E3-4A7D-649A-4631-35ACFD6DFC4A}"/>
+              </a:ext>
+            </a:extLst>
+          </p:cNvPr>
+          <p:cNvGraphicFramePr>
+            <a:graphicFrameLocks noGrp="1"/>
+          </p:cNvGraphicFramePr>
+          <p:nvPr>
+            <p:ph idx="1"/>
+            <p:extLst>
+              <p:ext uri="{D42A27DB-BD31-4B8C-83A1-F6EECF244321}">
+                <p14:modId xmlns:p14="http://schemas.microsoft.com/office/powerpoint/2010/main" val="2671568499"/>
+              </p:ext>
+            </p:extLst>
+          </p:nvPr>
+        </p:nvGraphicFramePr>
+        <p:xfrm>
+          <a:off x="5507182" y="897534"/>
+          <a:ext cx="5889686" cy="5319241"/>
+        </p:xfrm>
+        <a:graphic>
+          <a:graphicData uri="http://schemas.openxmlformats.org/drawingml/2006/diagram">
+            <dgm:relIds xmlns:dgm="http://schemas.openxmlformats.org/drawingml/2006/diagram" xmlns:r="http://schemas.openxmlformats.org/officeDocument/2006/relationships" r:dm="rId2" r:lo="rId3" r:qs="rId4" r:cs="rId5"/>
+          </a:graphicData>
+        </a:graphic>
+      </p:graphicFrame>
+    </p:spTree>
+    <p:extLst>
+      <p:ext uri="{BB962C8B-B14F-4D97-AF65-F5344CB8AC3E}">
+        <p14:creationId xmlns:p14="http://schemas.microsoft.com/office/powerpoint/2010/main" val="2389236810"/>
+      </p:ext>
+    </p:extLst>
+  </p:cSld>
+  <p:clrMapOvr>
+    <a:overrideClrMapping bg1="lt1" tx1="dk1" bg2="lt2" tx2="dk2" accent1="accent1" accent2="accent2" accent3="accent3" accent4="accent4" accent5="accent5" accent6="accent6" hlink="hlink" folHlink="folHlink"/>
+  </p:clrMapOvr>
+</p:sld>
+</file>
+
+<file path=ppt/slides/slide30.xml><?xml version="1.0" encoding="utf-8"?>
 <p:sld xmlns:a="http://schemas.openxmlformats.org/drawingml/2006/main" xmlns:r="http://schemas.openxmlformats.org/officeDocument/2006/relationships" xmlns:p="http://schemas.openxmlformats.org/presentationml/2006/main">
   <p:cSld>
     <p:bg>

--- a/materiais/redes_neurais_dio.pptx
+++ b/materiais/redes_neurais_dio.pptx
@@ -27,14 +27,17 @@
     <p:sldId id="342" r:id="rId21"/>
     <p:sldId id="356" r:id="rId22"/>
     <p:sldId id="357" r:id="rId23"/>
-    <p:sldId id="359" r:id="rId24"/>
-    <p:sldId id="358" r:id="rId25"/>
-    <p:sldId id="360" r:id="rId26"/>
-    <p:sldId id="355" r:id="rId27"/>
-    <p:sldId id="362" r:id="rId28"/>
-    <p:sldId id="364" r:id="rId29"/>
-    <p:sldId id="361" r:id="rId30"/>
-    <p:sldId id="273" r:id="rId31"/>
+    <p:sldId id="371" r:id="rId24"/>
+    <p:sldId id="372" r:id="rId25"/>
+    <p:sldId id="373" r:id="rId26"/>
+    <p:sldId id="374" r:id="rId27"/>
+    <p:sldId id="375" r:id="rId28"/>
+    <p:sldId id="360" r:id="rId29"/>
+    <p:sldId id="355" r:id="rId30"/>
+    <p:sldId id="362" r:id="rId31"/>
+    <p:sldId id="364" r:id="rId32"/>
+    <p:sldId id="361" r:id="rId33"/>
+    <p:sldId id="273" r:id="rId34"/>
   </p:sldIdLst>
   <p:sldSz cx="12192000" cy="6858000"/>
   <p:notesSz cx="6858000" cy="9144000"/>
@@ -164,8 +167,11 @@
             <p14:sldId id="342"/>
             <p14:sldId id="356"/>
             <p14:sldId id="357"/>
-            <p14:sldId id="359"/>
-            <p14:sldId id="358"/>
+            <p14:sldId id="371"/>
+            <p14:sldId id="372"/>
+            <p14:sldId id="373"/>
+            <p14:sldId id="374"/>
+            <p14:sldId id="375"/>
             <p14:sldId id="360"/>
             <p14:sldId id="355"/>
             <p14:sldId id="362"/>
@@ -3741,7 +3747,7 @@
         </a:p>
       </dgm:t>
     </dgm:pt>
-    <dgm:pt modelId="{B4E62307-C90C-D442-8E6D-7D6564F66344}">
+    <dgm:pt modelId="{08720B0E-222E-8C4E-9727-464B3ED5A377}">
       <dgm:prSet/>
       <dgm:spPr/>
       <dgm:t>
@@ -3750,16 +3756,29 @@
         <a:p>
           <a:r>
             <a:rPr lang="en-US" dirty="0"/>
-            <a:t>Bonus</a:t>
+            <a:t>Redes </a:t>
           </a:r>
+          <a:r>
+            <a:rPr lang="en-US" dirty="0" err="1"/>
+            <a:t>Neurais</a:t>
+          </a:r>
+          <a:r>
+            <a:rPr lang="en-US" dirty="0"/>
+            <a:t> </a:t>
+          </a:r>
+          <a:r>
+            <a:rPr lang="en-US" dirty="0" err="1"/>
+            <a:t>Recorrentes</a:t>
+          </a:r>
+          <a:endParaRPr lang="en-US" dirty="0"/>
         </a:p>
       </dgm:t>
     </dgm:pt>
-    <dgm:pt modelId="{BB96DAF4-48E0-F540-B8C4-4688435DD685}" type="parTrans" cxnId="{71FAE013-3696-054A-AB5B-D5BF0893257F}">
+    <dgm:pt modelId="{52AB83DC-1AC4-9A4C-8082-CC30E54A7D47}" type="parTrans" cxnId="{9CE67785-E9DA-0B48-A16E-AE9560069674}">
       <dgm:prSet/>
       <dgm:spPr/>
     </dgm:pt>
-    <dgm:pt modelId="{D2BBF49E-212B-6247-8650-4949DFD01FFC}" type="sibTrans" cxnId="{71FAE013-3696-054A-AB5B-D5BF0893257F}">
+    <dgm:pt modelId="{B9207E71-9C4F-C540-8CD5-425BF7B9E263}" type="sibTrans" cxnId="{9CE67785-E9DA-0B48-A16E-AE9560069674}">
       <dgm:prSet/>
       <dgm:spPr/>
     </dgm:pt>
@@ -3821,29 +3840,29 @@
       <dgm:prSet presAssocID="{34B3B087-ABCE-4D92-B820-00EDC0B202AC}" presName="vert1" presStyleCnt="0"/>
       <dgm:spPr/>
     </dgm:pt>
-    <dgm:pt modelId="{E9DC5F3F-A916-9145-BEB6-311C2F4E2EA6}" type="pres">
-      <dgm:prSet presAssocID="{B4E62307-C90C-D442-8E6D-7D6564F66344}" presName="thickLine" presStyleLbl="alignNode1" presStyleIdx="3" presStyleCnt="4"/>
+    <dgm:pt modelId="{F1C17BF4-8430-1F4A-9471-29477C31F490}" type="pres">
+      <dgm:prSet presAssocID="{08720B0E-222E-8C4E-9727-464B3ED5A377}" presName="thickLine" presStyleLbl="alignNode1" presStyleIdx="3" presStyleCnt="4"/>
       <dgm:spPr/>
     </dgm:pt>
-    <dgm:pt modelId="{445A0BBD-F676-324A-8DBC-DF12B9EA049B}" type="pres">
-      <dgm:prSet presAssocID="{B4E62307-C90C-D442-8E6D-7D6564F66344}" presName="horz1" presStyleCnt="0"/>
+    <dgm:pt modelId="{1052602B-0539-ED43-9E77-B57B5245C970}" type="pres">
+      <dgm:prSet presAssocID="{08720B0E-222E-8C4E-9727-464B3ED5A377}" presName="horz1" presStyleCnt="0"/>
       <dgm:spPr/>
     </dgm:pt>
-    <dgm:pt modelId="{3A26F6E1-ACB6-2A41-A5D3-30CC10106B4A}" type="pres">
-      <dgm:prSet presAssocID="{B4E62307-C90C-D442-8E6D-7D6564F66344}" presName="tx1" presStyleLbl="revTx" presStyleIdx="3" presStyleCnt="4"/>
+    <dgm:pt modelId="{EFAF4A6F-B7AC-5347-8129-7D3327FB5ECA}" type="pres">
+      <dgm:prSet presAssocID="{08720B0E-222E-8C4E-9727-464B3ED5A377}" presName="tx1" presStyleLbl="revTx" presStyleIdx="3" presStyleCnt="4"/>
       <dgm:spPr/>
     </dgm:pt>
-    <dgm:pt modelId="{57AD03FC-0F46-7848-B907-6C69AEBA90A3}" type="pres">
-      <dgm:prSet presAssocID="{B4E62307-C90C-D442-8E6D-7D6564F66344}" presName="vert1" presStyleCnt="0"/>
+    <dgm:pt modelId="{4F309D8E-F659-2B4B-B0A7-D03CE91F5D81}" type="pres">
+      <dgm:prSet presAssocID="{08720B0E-222E-8C4E-9727-464B3ED5A377}" presName="vert1" presStyleCnt="0"/>
       <dgm:spPr/>
     </dgm:pt>
   </dgm:ptLst>
   <dgm:cxnLst>
-    <dgm:cxn modelId="{71FAE013-3696-054A-AB5B-D5BF0893257F}" srcId="{AEFDA71F-0163-4378-B9B1-248E0325FB12}" destId="{B4E62307-C90C-D442-8E6D-7D6564F66344}" srcOrd="3" destOrd="0" parTransId="{BB96DAF4-48E0-F540-B8C4-4688435DD685}" sibTransId="{D2BBF49E-212B-6247-8650-4949DFD01FFC}"/>
     <dgm:cxn modelId="{0A460A37-8B57-394F-BD3E-21B1C4009900}" srcId="{AEFDA71F-0163-4378-B9B1-248E0325FB12}" destId="{44B2D338-27ED-6E48-B8F5-91285AFE0E0D}" srcOrd="1" destOrd="0" parTransId="{B18C5C5E-6B26-654A-9661-9520EBD96556}" sibTransId="{8068AC80-2582-6045-9138-B65ECC696D76}"/>
     <dgm:cxn modelId="{0F0A1849-2347-1848-8725-BBE41A2D47A6}" type="presOf" srcId="{3AC3736C-FAF3-444F-B58C-19042A82B981}" destId="{E87BB835-21EF-CF44-8A6F-767B9B85DD97}" srcOrd="0" destOrd="0" presId="urn:microsoft.com/office/officeart/2008/layout/LinedList"/>
+    <dgm:cxn modelId="{FED5804C-67AE-D341-9CF2-9BAF29B9AEF8}" type="presOf" srcId="{08720B0E-222E-8C4E-9727-464B3ED5A377}" destId="{EFAF4A6F-B7AC-5347-8129-7D3327FB5ECA}" srcOrd="0" destOrd="0" presId="urn:microsoft.com/office/officeart/2008/layout/LinedList"/>
     <dgm:cxn modelId="{CB348C7F-24A5-A74B-8B16-2BBAB9B671B4}" type="presOf" srcId="{34B3B087-ABCE-4D92-B820-00EDC0B202AC}" destId="{D6968ECC-61FD-AB4A-8DD5-1E5403EFD9AC}" srcOrd="0" destOrd="0" presId="urn:microsoft.com/office/officeart/2008/layout/LinedList"/>
-    <dgm:cxn modelId="{D6573C92-B349-764A-8B04-70B0394575E0}" type="presOf" srcId="{B4E62307-C90C-D442-8E6D-7D6564F66344}" destId="{3A26F6E1-ACB6-2A41-A5D3-30CC10106B4A}" srcOrd="0" destOrd="0" presId="urn:microsoft.com/office/officeart/2008/layout/LinedList"/>
+    <dgm:cxn modelId="{9CE67785-E9DA-0B48-A16E-AE9560069674}" srcId="{AEFDA71F-0163-4378-B9B1-248E0325FB12}" destId="{08720B0E-222E-8C4E-9727-464B3ED5A377}" srcOrd="3" destOrd="0" parTransId="{52AB83DC-1AC4-9A4C-8082-CC30E54A7D47}" sibTransId="{B9207E71-9C4F-C540-8CD5-425BF7B9E263}"/>
     <dgm:cxn modelId="{2A632B9E-47CC-004D-A8B0-CE4DEFF9BAAD}" type="presOf" srcId="{AEFDA71F-0163-4378-B9B1-248E0325FB12}" destId="{345221F8-DC80-E246-89C4-D245A01C5D1D}" srcOrd="0" destOrd="0" presId="urn:microsoft.com/office/officeart/2008/layout/LinedList"/>
     <dgm:cxn modelId="{BA57EFD5-57CA-4942-A681-6F98C2C0BAAB}" srcId="{AEFDA71F-0163-4378-B9B1-248E0325FB12}" destId="{3AC3736C-FAF3-444F-B58C-19042A82B981}" srcOrd="0" destOrd="0" parTransId="{E111B57D-48DB-DE44-90D8-81C1029AF272}" sibTransId="{01249915-9D02-744F-B0CA-518027B06F39}"/>
     <dgm:cxn modelId="{5B7EE8DD-1AC9-D04A-A1E9-0451DBAEE6D7}" type="presOf" srcId="{44B2D338-27ED-6E48-B8F5-91285AFE0E0D}" destId="{E821F0C7-5D85-7248-AE01-670E3299DDB0}" srcOrd="0" destOrd="0" presId="urn:microsoft.com/office/officeart/2008/layout/LinedList"/>
@@ -3860,10 +3879,10 @@
     <dgm:cxn modelId="{C5950761-8D88-AC4A-A947-5A9D95AC19DB}" type="presParOf" srcId="{345221F8-DC80-E246-89C4-D245A01C5D1D}" destId="{CDB6AF43-C5B3-5341-99FF-9E77FE1D1E56}" srcOrd="5" destOrd="0" presId="urn:microsoft.com/office/officeart/2008/layout/LinedList"/>
     <dgm:cxn modelId="{6242BC3B-C265-914D-903B-955B33F537D1}" type="presParOf" srcId="{CDB6AF43-C5B3-5341-99FF-9E77FE1D1E56}" destId="{D6968ECC-61FD-AB4A-8DD5-1E5403EFD9AC}" srcOrd="0" destOrd="0" presId="urn:microsoft.com/office/officeart/2008/layout/LinedList"/>
     <dgm:cxn modelId="{75EFB1EB-6793-3247-A7BF-72721AB59108}" type="presParOf" srcId="{CDB6AF43-C5B3-5341-99FF-9E77FE1D1E56}" destId="{13DD6045-B784-CF4A-8C5D-00B6D168F117}" srcOrd="1" destOrd="0" presId="urn:microsoft.com/office/officeart/2008/layout/LinedList"/>
-    <dgm:cxn modelId="{67D880F1-330B-5241-B560-B6DE1E2E62D5}" type="presParOf" srcId="{345221F8-DC80-E246-89C4-D245A01C5D1D}" destId="{E9DC5F3F-A916-9145-BEB6-311C2F4E2EA6}" srcOrd="6" destOrd="0" presId="urn:microsoft.com/office/officeart/2008/layout/LinedList"/>
-    <dgm:cxn modelId="{25FC2154-964A-2547-B3A7-6A414038B408}" type="presParOf" srcId="{345221F8-DC80-E246-89C4-D245A01C5D1D}" destId="{445A0BBD-F676-324A-8DBC-DF12B9EA049B}" srcOrd="7" destOrd="0" presId="urn:microsoft.com/office/officeart/2008/layout/LinedList"/>
-    <dgm:cxn modelId="{CEF1B52B-4B18-B44C-848B-84415E351798}" type="presParOf" srcId="{445A0BBD-F676-324A-8DBC-DF12B9EA049B}" destId="{3A26F6E1-ACB6-2A41-A5D3-30CC10106B4A}" srcOrd="0" destOrd="0" presId="urn:microsoft.com/office/officeart/2008/layout/LinedList"/>
-    <dgm:cxn modelId="{139CBBEC-43C9-494F-9417-BBEF8954C381}" type="presParOf" srcId="{445A0BBD-F676-324A-8DBC-DF12B9EA049B}" destId="{57AD03FC-0F46-7848-B907-6C69AEBA90A3}" srcOrd="1" destOrd="0" presId="urn:microsoft.com/office/officeart/2008/layout/LinedList"/>
+    <dgm:cxn modelId="{37F19D9A-B82D-6143-BD30-F4F9F4BCEEE0}" type="presParOf" srcId="{345221F8-DC80-E246-89C4-D245A01C5D1D}" destId="{F1C17BF4-8430-1F4A-9471-29477C31F490}" srcOrd="6" destOrd="0" presId="urn:microsoft.com/office/officeart/2008/layout/LinedList"/>
+    <dgm:cxn modelId="{418E2140-52E6-5C4B-9055-8E40524C3B7B}" type="presParOf" srcId="{345221F8-DC80-E246-89C4-D245A01C5D1D}" destId="{1052602B-0539-ED43-9E77-B57B5245C970}" srcOrd="7" destOrd="0" presId="urn:microsoft.com/office/officeart/2008/layout/LinedList"/>
+    <dgm:cxn modelId="{82134A19-2AB7-BE42-A972-CAF8528CFFD2}" type="presParOf" srcId="{1052602B-0539-ED43-9E77-B57B5245C970}" destId="{EFAF4A6F-B7AC-5347-8129-7D3327FB5ECA}" srcOrd="0" destOrd="0" presId="urn:microsoft.com/office/officeart/2008/layout/LinedList"/>
+    <dgm:cxn modelId="{3F43C64F-5B81-D24B-BDE8-86B2AFA1A1C3}" type="presParOf" srcId="{1052602B-0539-ED43-9E77-B57B5245C970}" destId="{4F309D8E-F659-2B4B-B0A7-D03CE91F5D81}" srcOrd="1" destOrd="0" presId="urn:microsoft.com/office/officeart/2008/layout/LinedList"/>
   </dgm:cxnLst>
   <dgm:bg/>
   <dgm:whole/>
@@ -5058,12 +5077,12 @@
         <a:fontRef idx="minor"/>
       </dsp:style>
       <dsp:txBody>
-        <a:bodyPr spcFirstLastPara="0" vert="horz" wrap="square" lIns="152400" tIns="152400" rIns="152400" bIns="152400" numCol="1" spcCol="1270" anchor="t" anchorCtr="0">
+        <a:bodyPr spcFirstLastPara="0" vert="horz" wrap="square" lIns="148590" tIns="148590" rIns="148590" bIns="148590" numCol="1" spcCol="1270" anchor="t" anchorCtr="0">
           <a:noAutofit/>
         </a:bodyPr>
         <a:lstStyle/>
         <a:p>
-          <a:pPr marL="0" lvl="0" indent="0" algn="l" defTabSz="1778000">
+          <a:pPr marL="0" lvl="0" indent="0" algn="l" defTabSz="1733550">
             <a:lnSpc>
               <a:spcPct val="90000"/>
             </a:lnSpc>
@@ -5076,10 +5095,10 @@
             <a:buNone/>
           </a:pPr>
           <a:r>
-            <a:rPr lang="en-US" sz="4000" kern="1200" dirty="0" err="1"/>
+            <a:rPr lang="en-US" sz="3900" kern="1200" dirty="0" err="1"/>
             <a:t>Objetivos</a:t>
           </a:r>
-          <a:endParaRPr lang="en-US" sz="4000" kern="1200" dirty="0"/>
+          <a:endParaRPr lang="en-US" sz="3900" kern="1200" dirty="0"/>
         </a:p>
       </dsp:txBody>
       <dsp:txXfrm>
@@ -5168,12 +5187,12 @@
         <a:fontRef idx="minor"/>
       </dsp:style>
       <dsp:txBody>
-        <a:bodyPr spcFirstLastPara="0" vert="horz" wrap="square" lIns="152400" tIns="152400" rIns="152400" bIns="152400" numCol="1" spcCol="1270" anchor="t" anchorCtr="0">
+        <a:bodyPr spcFirstLastPara="0" vert="horz" wrap="square" lIns="148590" tIns="148590" rIns="148590" bIns="148590" numCol="1" spcCol="1270" anchor="t" anchorCtr="0">
           <a:noAutofit/>
         </a:bodyPr>
         <a:lstStyle/>
         <a:p>
-          <a:pPr marL="0" lvl="0" indent="0" algn="l" defTabSz="1778000">
+          <a:pPr marL="0" lvl="0" indent="0" algn="l" defTabSz="1733550">
             <a:lnSpc>
               <a:spcPct val="90000"/>
             </a:lnSpc>
@@ -5186,7 +5205,7 @@
             <a:buNone/>
           </a:pPr>
           <a:r>
-            <a:rPr lang="en-US" sz="4000" kern="1200" dirty="0"/>
+            <a:rPr lang="en-US" sz="3900" kern="1200" dirty="0"/>
             <a:t>Machine Learning</a:t>
           </a:r>
         </a:p>
@@ -5277,12 +5296,12 @@
         <a:fontRef idx="minor"/>
       </dsp:style>
       <dsp:txBody>
-        <a:bodyPr spcFirstLastPara="0" vert="horz" wrap="square" lIns="152400" tIns="152400" rIns="152400" bIns="152400" numCol="1" spcCol="1270" anchor="t" anchorCtr="0">
+        <a:bodyPr spcFirstLastPara="0" vert="horz" wrap="square" lIns="148590" tIns="148590" rIns="148590" bIns="148590" numCol="1" spcCol="1270" anchor="t" anchorCtr="0">
           <a:noAutofit/>
         </a:bodyPr>
         <a:lstStyle/>
         <a:p>
-          <a:pPr marL="0" lvl="0" indent="0" algn="l" defTabSz="1778000">
+          <a:pPr marL="0" lvl="0" indent="0" algn="l" defTabSz="1733550">
             <a:lnSpc>
               <a:spcPct val="90000"/>
             </a:lnSpc>
@@ -5295,22 +5314,22 @@
             <a:buNone/>
           </a:pPr>
           <a:r>
-            <a:rPr lang="en-US" sz="4000" kern="1200" dirty="0"/>
+            <a:rPr lang="en-US" sz="3900" kern="1200" dirty="0"/>
             <a:t>Redes </a:t>
           </a:r>
           <a:r>
-            <a:rPr lang="en-US" sz="4000" kern="1200" dirty="0" err="1"/>
+            <a:rPr lang="en-US" sz="3900" kern="1200" dirty="0" err="1"/>
             <a:t>Neurais</a:t>
           </a:r>
           <a:r>
-            <a:rPr lang="en-US" sz="4000" kern="1200" dirty="0"/>
+            <a:rPr lang="en-US" sz="3900" kern="1200" dirty="0"/>
             <a:t> </a:t>
           </a:r>
           <a:r>
-            <a:rPr lang="en-US" sz="4000" kern="1200" dirty="0" err="1"/>
+            <a:rPr lang="en-US" sz="3900" kern="1200" dirty="0" err="1"/>
             <a:t>Artificiais</a:t>
           </a:r>
-          <a:endParaRPr lang="en-US" sz="4000" kern="1200" dirty="0"/>
+          <a:endParaRPr lang="en-US" sz="3900" kern="1200" dirty="0"/>
         </a:p>
       </dsp:txBody>
       <dsp:txXfrm>
@@ -5318,7 +5337,7 @@
         <a:ext cx="5889686" cy="1329810"/>
       </dsp:txXfrm>
     </dsp:sp>
-    <dsp:sp modelId="{E9DC5F3F-A916-9145-BEB6-311C2F4E2EA6}">
+    <dsp:sp modelId="{F1C17BF4-8430-1F4A-9471-29477C31F490}">
       <dsp:nvSpPr>
         <dsp:cNvPr id="0" name=""/>
         <dsp:cNvSpPr/>
@@ -5367,7 +5386,7 @@
         </a:fontRef>
       </dsp:style>
     </dsp:sp>
-    <dsp:sp modelId="{3A26F6E1-ACB6-2A41-A5D3-30CC10106B4A}">
+    <dsp:sp modelId="{EFAF4A6F-B7AC-5347-8129-7D3327FB5ECA}">
       <dsp:nvSpPr>
         <dsp:cNvPr id="0" name=""/>
         <dsp:cNvSpPr/>
@@ -5399,12 +5418,12 @@
         <a:fontRef idx="minor"/>
       </dsp:style>
       <dsp:txBody>
-        <a:bodyPr spcFirstLastPara="0" vert="horz" wrap="square" lIns="152400" tIns="152400" rIns="152400" bIns="152400" numCol="1" spcCol="1270" anchor="t" anchorCtr="0">
+        <a:bodyPr spcFirstLastPara="0" vert="horz" wrap="square" lIns="148590" tIns="148590" rIns="148590" bIns="148590" numCol="1" spcCol="1270" anchor="t" anchorCtr="0">
           <a:noAutofit/>
         </a:bodyPr>
         <a:lstStyle/>
         <a:p>
-          <a:pPr marL="0" lvl="0" indent="0" algn="l" defTabSz="1778000">
+          <a:pPr marL="0" lvl="0" indent="0" algn="l" defTabSz="1733550">
             <a:lnSpc>
               <a:spcPct val="90000"/>
             </a:lnSpc>
@@ -5417,9 +5436,22 @@
             <a:buNone/>
           </a:pPr>
           <a:r>
-            <a:rPr lang="en-US" sz="4000" kern="1200" dirty="0"/>
-            <a:t>Bonus</a:t>
+            <a:rPr lang="en-US" sz="3900" kern="1200" dirty="0"/>
+            <a:t>Redes </a:t>
           </a:r>
+          <a:r>
+            <a:rPr lang="en-US" sz="3900" kern="1200" dirty="0" err="1"/>
+            <a:t>Neurais</a:t>
+          </a:r>
+          <a:r>
+            <a:rPr lang="en-US" sz="3900" kern="1200" dirty="0"/>
+            <a:t> </a:t>
+          </a:r>
+          <a:r>
+            <a:rPr lang="en-US" sz="3900" kern="1200" dirty="0" err="1"/>
+            <a:t>Recorrentes</a:t>
+          </a:r>
+          <a:endParaRPr lang="en-US" sz="3900" kern="1200" dirty="0"/>
         </a:p>
       </dsp:txBody>
       <dsp:txXfrm>
@@ -12486,7 +12518,7 @@
           <a:p>
             <a:fld id="{28EE4E38-D065-AE45-85C8-3F1F133228FB}" type="datetimeFigureOut">
               <a:rPr lang="pt-BR" smtClean="0"/>
-              <a:t>18/06/2024</a:t>
+              <a:t>19/06/2024</a:t>
             </a:fld>
             <a:endParaRPr lang="pt-BR"/>
           </a:p>
@@ -12821,7 +12853,7 @@
           <a:p>
             <a:fld id="{28EE4E38-D065-AE45-85C8-3F1F133228FB}" type="datetimeFigureOut">
               <a:rPr lang="pt-BR" smtClean="0"/>
-              <a:t>18/06/2024</a:t>
+              <a:t>19/06/2024</a:t>
             </a:fld>
             <a:endParaRPr lang="pt-BR"/>
           </a:p>
@@ -13124,7 +13156,7 @@
           <a:p>
             <a:fld id="{28EE4E38-D065-AE45-85C8-3F1F133228FB}" type="datetimeFigureOut">
               <a:rPr lang="pt-BR" smtClean="0"/>
-              <a:t>18/06/2024</a:t>
+              <a:t>19/06/2024</a:t>
             </a:fld>
             <a:endParaRPr lang="pt-BR"/>
           </a:p>
@@ -13372,7 +13404,7 @@
           <a:p>
             <a:fld id="{28EE4E38-D065-AE45-85C8-3F1F133228FB}" type="datetimeFigureOut">
               <a:rPr lang="pt-BR" smtClean="0"/>
-              <a:t>18/06/2024</a:t>
+              <a:t>19/06/2024</a:t>
             </a:fld>
             <a:endParaRPr lang="pt-BR"/>
           </a:p>
@@ -13780,7 +13812,7 @@
           <a:p>
             <a:fld id="{28EE4E38-D065-AE45-85C8-3F1F133228FB}" type="datetimeFigureOut">
               <a:rPr lang="pt-BR" smtClean="0"/>
-              <a:t>18/06/2024</a:t>
+              <a:t>19/06/2024</a:t>
             </a:fld>
             <a:endParaRPr lang="pt-BR"/>
           </a:p>
@@ -14095,7 +14127,7 @@
           <a:p>
             <a:fld id="{28EE4E38-D065-AE45-85C8-3F1F133228FB}" type="datetimeFigureOut">
               <a:rPr lang="pt-BR" smtClean="0"/>
-              <a:t>18/06/2024</a:t>
+              <a:t>19/06/2024</a:t>
             </a:fld>
             <a:endParaRPr lang="pt-BR"/>
           </a:p>
@@ -14640,7 +14672,7 @@
           <a:p>
             <a:fld id="{28EE4E38-D065-AE45-85C8-3F1F133228FB}" type="datetimeFigureOut">
               <a:rPr lang="pt-BR" smtClean="0"/>
-              <a:t>18/06/2024</a:t>
+              <a:t>19/06/2024</a:t>
             </a:fld>
             <a:endParaRPr lang="pt-BR"/>
           </a:p>
@@ -14836,7 +14868,7 @@
           <a:p>
             <a:fld id="{28EE4E38-D065-AE45-85C8-3F1F133228FB}" type="datetimeFigureOut">
               <a:rPr lang="pt-BR" smtClean="0"/>
-              <a:t>18/06/2024</a:t>
+              <a:t>19/06/2024</a:t>
             </a:fld>
             <a:endParaRPr lang="pt-BR"/>
           </a:p>
@@ -15050,7 +15082,7 @@
           <a:p>
             <a:fld id="{28EE4E38-D065-AE45-85C8-3F1F133228FB}" type="datetimeFigureOut">
               <a:rPr lang="pt-BR" smtClean="0"/>
-              <a:t>18/06/2024</a:t>
+              <a:t>19/06/2024</a:t>
             </a:fld>
             <a:endParaRPr lang="pt-BR"/>
           </a:p>
@@ -15420,7 +15452,7 @@
           <a:p>
             <a:fld id="{28EE4E38-D065-AE45-85C8-3F1F133228FB}" type="datetimeFigureOut">
               <a:rPr lang="pt-BR" smtClean="0"/>
-              <a:t>18/06/2024</a:t>
+              <a:t>19/06/2024</a:t>
             </a:fld>
             <a:endParaRPr lang="pt-BR"/>
           </a:p>
@@ -15824,7 +15856,7 @@
           <a:p>
             <a:fld id="{28EE4E38-D065-AE45-85C8-3F1F133228FB}" type="datetimeFigureOut">
               <a:rPr lang="pt-BR" smtClean="0"/>
-              <a:t>18/06/2024</a:t>
+              <a:t>19/06/2024</a:t>
             </a:fld>
             <a:endParaRPr lang="pt-BR"/>
           </a:p>
@@ -16136,7 +16168,7 @@
           <a:p>
             <a:fld id="{28EE4E38-D065-AE45-85C8-3F1F133228FB}" type="datetimeFigureOut">
               <a:rPr lang="pt-BR" smtClean="0"/>
-              <a:t>18/06/2024</a:t>
+              <a:t>19/06/2024</a:t>
             </a:fld>
             <a:endParaRPr lang="pt-BR"/>
           </a:p>
@@ -20106,12 +20138,8 @@
           <a:p>
             <a:pPr rtl="0"/>
             <a:r>
-              <a:rPr lang="pt-BR" sz="1800"/>
-              <a:t>Ibm</a:t>
-            </a:r>
-            <a:r>
               <a:rPr lang="pt-BR" sz="1800" dirty="0"/>
-              <a:t> </a:t>
+              <a:t>IBM </a:t>
             </a:r>
           </a:p>
           <a:p>
@@ -20124,7 +20152,7 @@
           <a:p>
             <a:pPr rtl="0"/>
             <a:r>
-              <a:rPr lang="pt-BR" sz="1800"/>
+              <a:rPr lang="pt-BR" sz="1800" dirty="0" err="1"/>
               <a:t>Chatbots</a:t>
             </a:r>
             <a:endParaRPr lang="pt-BR" sz="1800" dirty="0"/>
@@ -20700,6 +20728,14 @@
 <file path=ppt/slides/slide22.xml><?xml version="1.0" encoding="utf-8"?>
 <p:sld xmlns:a="http://schemas.openxmlformats.org/drawingml/2006/main" xmlns:r="http://schemas.openxmlformats.org/officeDocument/2006/relationships" xmlns:p="http://schemas.openxmlformats.org/presentationml/2006/main">
   <p:cSld>
+    <p:bg>
+      <p:bgPr>
+        <a:solidFill>
+          <a:schemeClr val="bg1"/>
+        </a:solidFill>
+        <a:effectLst/>
+      </p:bgPr>
+    </p:bg>
     <p:spTree>
       <p:nvGrpSpPr>
         <p:cNvPr id="1" name=""/>
@@ -20716,28 +20752,43 @@
       </p:grpSpPr>
       <p:pic>
         <p:nvPicPr>
-          <p:cNvPr id="2" name="Imagem 1">
+          <p:cNvPr id="10" name="Picture 9">
             <a:extLst>
               <a:ext uri="{FF2B5EF4-FFF2-40B4-BE49-F238E27FC236}">
-                <a16:creationId xmlns:a16="http://schemas.microsoft.com/office/drawing/2014/main" id="{D965AE07-AB31-8791-7484-A59D479088DF}"/>
+                <a16:creationId xmlns:a16="http://schemas.microsoft.com/office/drawing/2014/main" id="{722F0272-3878-4604-AA91-01CA8F08DEF5}"/>
+              </a:ext>
+              <a:ext uri="{C183D7F6-B498-43B3-948B-1728B52AA6E4}">
+                <adec:decorative xmlns:adec="http://schemas.microsoft.com/office/drawing/2017/decorative" val="1"/>
               </a:ext>
             </a:extLst>
           </p:cNvPr>
           <p:cNvPicPr>
-            <a:picLocks noChangeAspect="1"/>
+            <a:picLocks noGrp="1" noRot="1" noChangeAspect="1" noMove="1" noResize="1" noEditPoints="1" noAdjustHandles="1" noChangeArrowheads="1" noChangeShapeType="1" noCrop="1"/>
           </p:cNvPicPr>
-          <p:nvPr/>
+          <p:nvPr>
+            <p:extLst>
+              <p:ext uri="{386F3935-93C4-4BCD-93E2-E3B085C9AB24}">
+                <p16:designElem xmlns:p16="http://schemas.microsoft.com/office/powerpoint/2015/main" val="1"/>
+              </p:ext>
+            </p:extLst>
+          </p:nvPr>
         </p:nvPicPr>
         <p:blipFill>
-          <a:blip r:embed="rId2"/>
+          <a:blip r:embed="rId2">
+            <a:extLst>
+              <a:ext uri="{28A0092B-C50C-407E-A947-70E740481C1C}">
+                <a14:useLocalDpi xmlns:a14="http://schemas.microsoft.com/office/drawing/2010/main" val="0"/>
+              </a:ext>
+            </a:extLst>
+          </a:blip>
           <a:stretch>
             <a:fillRect/>
           </a:stretch>
         </p:blipFill>
         <p:spPr>
           <a:xfrm>
-            <a:off x="3205843" y="616997"/>
-            <a:ext cx="5170714" cy="2256831"/>
+            <a:off x="2831794" y="2105202"/>
+            <a:ext cx="9360205" cy="4752798"/>
           </a:xfrm>
           <a:prstGeom prst="rect">
             <a:avLst/>
@@ -20746,28 +20797,43 @@
       </p:pic>
       <p:pic>
         <p:nvPicPr>
-          <p:cNvPr id="3" name="Imagem 2">
+          <p:cNvPr id="12" name="Picture 11">
             <a:extLst>
               <a:ext uri="{FF2B5EF4-FFF2-40B4-BE49-F238E27FC236}">
-                <a16:creationId xmlns:a16="http://schemas.microsoft.com/office/drawing/2014/main" id="{079EA567-F79E-ECCA-FCED-1D65609FAD3B}"/>
+                <a16:creationId xmlns:a16="http://schemas.microsoft.com/office/drawing/2014/main" id="{1F60EAEC-22E3-4448-8F0A-9ADAA793A95E}"/>
+              </a:ext>
+              <a:ext uri="{C183D7F6-B498-43B3-948B-1728B52AA6E4}">
+                <adec:decorative xmlns:adec="http://schemas.microsoft.com/office/drawing/2017/decorative" val="1"/>
               </a:ext>
             </a:extLst>
           </p:cNvPr>
           <p:cNvPicPr>
-            <a:picLocks noChangeAspect="1"/>
+            <a:picLocks noGrp="1" noRot="1" noChangeAspect="1" noMove="1" noResize="1" noEditPoints="1" noAdjustHandles="1" noChangeArrowheads="1" noChangeShapeType="1" noCrop="1"/>
           </p:cNvPicPr>
-          <p:nvPr/>
+          <p:nvPr>
+            <p:extLst>
+              <p:ext uri="{386F3935-93C4-4BCD-93E2-E3B085C9AB24}">
+                <p16:designElem xmlns:p16="http://schemas.microsoft.com/office/powerpoint/2015/main" val="1"/>
+              </p:ext>
+            </p:extLst>
+          </p:nvPr>
         </p:nvPicPr>
         <p:blipFill>
-          <a:blip r:embed="rId3"/>
+          <a:blip r:embed="rId3">
+            <a:extLst>
+              <a:ext uri="{28A0092B-C50C-407E-A947-70E740481C1C}">
+                <a14:useLocalDpi xmlns:a14="http://schemas.microsoft.com/office/drawing/2010/main" val="0"/>
+              </a:ext>
+            </a:extLst>
+          </a:blip>
           <a:stretch>
             <a:fillRect/>
           </a:stretch>
         </p:blipFill>
         <p:spPr>
           <a:xfrm>
-            <a:off x="3205843" y="4200676"/>
-            <a:ext cx="5279582" cy="2256831"/>
+            <a:off x="0" y="0"/>
+            <a:ext cx="12189867" cy="6858000"/>
           </a:xfrm>
           <a:prstGeom prst="rect">
             <a:avLst/>
@@ -20776,29 +20842,293 @@
       </p:pic>
       <p:sp>
         <p:nvSpPr>
-          <p:cNvPr id="6" name="Seta para Baixo 5">
+          <p:cNvPr id="14" name="Rectangle 13">
             <a:extLst>
               <a:ext uri="{FF2B5EF4-FFF2-40B4-BE49-F238E27FC236}">
-                <a16:creationId xmlns:a16="http://schemas.microsoft.com/office/drawing/2014/main" id="{1EF27B6C-46C5-6E46-3EA1-79D8EC717043}"/>
+                <a16:creationId xmlns:a16="http://schemas.microsoft.com/office/drawing/2014/main" id="{355E0F90-3FFF-4E04-B3C8-3C969A415D9C}"/>
+              </a:ext>
+              <a:ext uri="{C183D7F6-B498-43B3-948B-1728B52AA6E4}">
+                <adec:decorative xmlns:adec="http://schemas.microsoft.com/office/drawing/2017/decorative" val="1"/>
               </a:ext>
             </a:extLst>
           </p:cNvPr>
-          <p:cNvSpPr/>
-          <p:nvPr/>
+          <p:cNvSpPr>
+            <a:spLocks noGrp="1" noRot="1" noChangeAspect="1" noMove="1" noResize="1" noEditPoints="1" noAdjustHandles="1" noChangeArrowheads="1" noChangeShapeType="1" noTextEdit="1"/>
+          </p:cNvSpPr>
+          <p:nvPr>
+            <p:extLst>
+              <p:ext uri="{386F3935-93C4-4BCD-93E2-E3B085C9AB24}">
+                <p16:designElem xmlns:p16="http://schemas.microsoft.com/office/powerpoint/2015/main" val="1"/>
+              </p:ext>
+            </p:extLst>
+          </p:nvPr>
         </p:nvSpPr>
         <p:spPr>
           <a:xfrm>
-            <a:off x="5325835" y="3167744"/>
-            <a:ext cx="930729" cy="767443"/>
+            <a:off x="0" y="0"/>
+            <a:ext cx="964174" cy="6858000"/>
           </a:xfrm>
-          <a:prstGeom prst="downArrow">
+          <a:prstGeom prst="rect">
             <a:avLst/>
           </a:prstGeom>
+          <a:solidFill>
+            <a:schemeClr val="bg2"/>
+          </a:solidFill>
+          <a:ln>
+            <a:noFill/>
+          </a:ln>
         </p:spPr>
         <p:style>
           <a:lnRef idx="2">
             <a:schemeClr val="accent1">
-              <a:shade val="15000"/>
+              <a:shade val="50000"/>
+            </a:schemeClr>
+          </a:lnRef>
+          <a:fillRef idx="1">
+            <a:schemeClr val="accent1"/>
+          </a:fillRef>
+          <a:effectRef idx="0">
+            <a:schemeClr val="accent1"/>
+          </a:effectRef>
+          <a:fontRef idx="minor">
+            <a:schemeClr val="lt1"/>
+          </a:fontRef>
+        </p:style>
+        <p:txBody>
+          <a:bodyPr/>
+          <a:lstStyle/>
+          <a:p>
+            <a:endParaRPr lang="pt-BR"/>
+          </a:p>
+        </p:txBody>
+      </p:sp>
+      <p:sp>
+        <p:nvSpPr>
+          <p:cNvPr id="16" name="Rectangle 15">
+            <a:extLst>
+              <a:ext uri="{FF2B5EF4-FFF2-40B4-BE49-F238E27FC236}">
+                <a16:creationId xmlns:a16="http://schemas.microsoft.com/office/drawing/2014/main" id="{EC63A4EF-A033-4ED0-9EB6-6E1A8D264FE7}"/>
+              </a:ext>
+              <a:ext uri="{C183D7F6-B498-43B3-948B-1728B52AA6E4}">
+                <adec:decorative xmlns:adec="http://schemas.microsoft.com/office/drawing/2017/decorative" val="1"/>
+              </a:ext>
+            </a:extLst>
+          </p:cNvPr>
+          <p:cNvSpPr>
+            <a:spLocks noGrp="1" noRot="1" noChangeAspect="1" noMove="1" noResize="1" noEditPoints="1" noAdjustHandles="1" noChangeArrowheads="1" noChangeShapeType="1" noTextEdit="1"/>
+          </p:cNvSpPr>
+          <p:nvPr>
+            <p:extLst>
+              <p:ext uri="{386F3935-93C4-4BCD-93E2-E3B085C9AB24}">
+                <p16:designElem xmlns:p16="http://schemas.microsoft.com/office/powerpoint/2015/main" val="1"/>
+              </p:ext>
+            </p:extLst>
+          </p:nvPr>
+        </p:nvSpPr>
+        <p:spPr>
+          <a:xfrm>
+            <a:off x="962042" y="0"/>
+            <a:ext cx="45719" cy="6858000"/>
+          </a:xfrm>
+          <a:prstGeom prst="rect">
+            <a:avLst/>
+          </a:prstGeom>
+          <a:solidFill>
+            <a:schemeClr val="accent6"/>
+          </a:solidFill>
+          <a:ln>
+            <a:noFill/>
+          </a:ln>
+        </p:spPr>
+        <p:style>
+          <a:lnRef idx="2">
+            <a:schemeClr val="accent1">
+              <a:shade val="50000"/>
+            </a:schemeClr>
+          </a:lnRef>
+          <a:fillRef idx="1">
+            <a:schemeClr val="accent1"/>
+          </a:fillRef>
+          <a:effectRef idx="0">
+            <a:schemeClr val="accent1"/>
+          </a:effectRef>
+          <a:fontRef idx="minor">
+            <a:schemeClr val="lt1"/>
+          </a:fontRef>
+        </p:style>
+        <p:txBody>
+          <a:bodyPr/>
+          <a:lstStyle/>
+          <a:p>
+            <a:endParaRPr lang="pt-BR"/>
+          </a:p>
+        </p:txBody>
+      </p:sp>
+      <p:sp>
+        <p:nvSpPr>
+          <p:cNvPr id="18" name="Rectangle 17">
+            <a:extLst>
+              <a:ext uri="{FF2B5EF4-FFF2-40B4-BE49-F238E27FC236}">
+                <a16:creationId xmlns:a16="http://schemas.microsoft.com/office/drawing/2014/main" id="{964965EE-80F2-417F-9652-5BFF14DA7CDD}"/>
+              </a:ext>
+              <a:ext uri="{C183D7F6-B498-43B3-948B-1728B52AA6E4}">
+                <adec:decorative xmlns:adec="http://schemas.microsoft.com/office/drawing/2017/decorative" val="1"/>
+              </a:ext>
+            </a:extLst>
+          </p:cNvPr>
+          <p:cNvSpPr>
+            <a:spLocks noGrp="1" noRot="1" noChangeAspect="1" noMove="1" noResize="1" noEditPoints="1" noAdjustHandles="1" noChangeArrowheads="1" noChangeShapeType="1" noTextEdit="1"/>
+          </p:cNvSpPr>
+          <p:nvPr>
+            <p:extLst>
+              <p:ext uri="{386F3935-93C4-4BCD-93E2-E3B085C9AB24}">
+                <p16:designElem xmlns:p16="http://schemas.microsoft.com/office/powerpoint/2015/main" val="1"/>
+              </p:ext>
+            </p:extLst>
+          </p:nvPr>
+        </p:nvSpPr>
+        <p:spPr>
+          <a:xfrm>
+            <a:off x="1004479" y="0"/>
+            <a:ext cx="10372316" cy="6858000"/>
+          </a:xfrm>
+          <a:prstGeom prst="rect">
+            <a:avLst/>
+          </a:prstGeom>
+          <a:solidFill>
+            <a:schemeClr val="bg2">
+              <a:alpha val="92000"/>
+            </a:schemeClr>
+          </a:solidFill>
+          <a:ln>
+            <a:noFill/>
+          </a:ln>
+        </p:spPr>
+        <p:style>
+          <a:lnRef idx="2">
+            <a:schemeClr val="accent1">
+              <a:shade val="50000"/>
+            </a:schemeClr>
+          </a:lnRef>
+          <a:fillRef idx="1">
+            <a:schemeClr val="accent1"/>
+          </a:fillRef>
+          <a:effectRef idx="0">
+            <a:schemeClr val="accent1"/>
+          </a:effectRef>
+          <a:fontRef idx="minor">
+            <a:schemeClr val="lt1"/>
+          </a:fontRef>
+        </p:style>
+        <p:txBody>
+          <a:bodyPr/>
+          <a:lstStyle/>
+          <a:p>
+            <a:endParaRPr lang="pt-BR"/>
+          </a:p>
+        </p:txBody>
+      </p:sp>
+      <p:sp>
+        <p:nvSpPr>
+          <p:cNvPr id="20" name="Rectangle 19">
+            <a:extLst>
+              <a:ext uri="{FF2B5EF4-FFF2-40B4-BE49-F238E27FC236}">
+                <a16:creationId xmlns:a16="http://schemas.microsoft.com/office/drawing/2014/main" id="{AA3C9611-CFD7-4C23-A8F2-00E7865A5D02}"/>
+              </a:ext>
+              <a:ext uri="{C183D7F6-B498-43B3-948B-1728B52AA6E4}">
+                <adec:decorative xmlns:adec="http://schemas.microsoft.com/office/drawing/2017/decorative" val="1"/>
+              </a:ext>
+            </a:extLst>
+          </p:cNvPr>
+          <p:cNvSpPr>
+            <a:spLocks noGrp="1" noRot="1" noChangeAspect="1" noMove="1" noResize="1" noEditPoints="1" noAdjustHandles="1" noChangeArrowheads="1" noChangeShapeType="1" noTextEdit="1"/>
+          </p:cNvSpPr>
+          <p:nvPr>
+            <p:extLst>
+              <p:ext uri="{386F3935-93C4-4BCD-93E2-E3B085C9AB24}">
+                <p16:designElem xmlns:p16="http://schemas.microsoft.com/office/powerpoint/2015/main" val="1"/>
+              </p:ext>
+            </p:extLst>
+          </p:nvPr>
+        </p:nvSpPr>
+        <p:spPr>
+          <a:xfrm>
+            <a:off x="11377328" y="0"/>
+            <a:ext cx="27432" cy="6858000"/>
+          </a:xfrm>
+          <a:prstGeom prst="rect">
+            <a:avLst/>
+          </a:prstGeom>
+          <a:solidFill>
+            <a:schemeClr val="accent6"/>
+          </a:solidFill>
+          <a:ln>
+            <a:noFill/>
+          </a:ln>
+        </p:spPr>
+        <p:style>
+          <a:lnRef idx="2">
+            <a:schemeClr val="accent1">
+              <a:shade val="50000"/>
+            </a:schemeClr>
+          </a:lnRef>
+          <a:fillRef idx="1">
+            <a:schemeClr val="accent1"/>
+          </a:fillRef>
+          <a:effectRef idx="0">
+            <a:schemeClr val="accent1"/>
+          </a:effectRef>
+          <a:fontRef idx="minor">
+            <a:schemeClr val="lt1"/>
+          </a:fontRef>
+        </p:style>
+        <p:txBody>
+          <a:bodyPr/>
+          <a:lstStyle/>
+          <a:p>
+            <a:endParaRPr lang="pt-BR"/>
+          </a:p>
+        </p:txBody>
+      </p:sp>
+      <p:sp useBgFill="1">
+        <p:nvSpPr>
+          <p:cNvPr id="22" name="Rectangle 21">
+            <a:extLst>
+              <a:ext uri="{FF2B5EF4-FFF2-40B4-BE49-F238E27FC236}">
+                <a16:creationId xmlns:a16="http://schemas.microsoft.com/office/drawing/2014/main" id="{DD198664-99F1-44BC-BBCD-4265763F522C}"/>
+              </a:ext>
+              <a:ext uri="{C183D7F6-B498-43B3-948B-1728B52AA6E4}">
+                <adec:decorative xmlns:adec="http://schemas.microsoft.com/office/drawing/2017/decorative" val="1"/>
+              </a:ext>
+            </a:extLst>
+          </p:cNvPr>
+          <p:cNvSpPr>
+            <a:spLocks noGrp="1" noRot="1" noChangeAspect="1" noMove="1" noResize="1" noEditPoints="1" noAdjustHandles="1" noChangeArrowheads="1" noChangeShapeType="1" noTextEdit="1"/>
+          </p:cNvSpPr>
+          <p:nvPr>
+            <p:extLst>
+              <p:ext uri="{386F3935-93C4-4BCD-93E2-E3B085C9AB24}">
+                <p16:designElem xmlns:p16="http://schemas.microsoft.com/office/powerpoint/2015/main" val="1"/>
+              </p:ext>
+            </p:extLst>
+          </p:nvPr>
+        </p:nvSpPr>
+        <p:spPr>
+          <a:xfrm>
+            <a:off x="0" y="0"/>
+            <a:ext cx="12192000" cy="6858000"/>
+          </a:xfrm>
+          <a:prstGeom prst="rect">
+            <a:avLst/>
+          </a:prstGeom>
+          <a:ln>
+            <a:noFill/>
+          </a:ln>
+        </p:spPr>
+        <p:style>
+          <a:lnRef idx="2">
+            <a:schemeClr val="accent1">
+              <a:shade val="50000"/>
             </a:schemeClr>
           </a:lnRef>
           <a:fillRef idx="1">
@@ -20816,10 +21146,40 @@
           <a:lstStyle/>
           <a:p>
             <a:pPr algn="ctr"/>
-            <a:endParaRPr lang="pt-BR"/>
+            <a:endParaRPr lang="en-US"/>
           </a:p>
         </p:txBody>
       </p:sp>
+      <p:pic>
+        <p:nvPicPr>
+          <p:cNvPr id="5" name="Imagem 4" descr="Diagrama&#10;&#10;Descrição gerada automaticamente">
+            <a:extLst>
+              <a:ext uri="{FF2B5EF4-FFF2-40B4-BE49-F238E27FC236}">
+                <a16:creationId xmlns:a16="http://schemas.microsoft.com/office/drawing/2014/main" id="{D18672A3-15E4-466D-782C-AA4E00034147}"/>
+              </a:ext>
+            </a:extLst>
+          </p:cNvPr>
+          <p:cNvPicPr>
+            <a:picLocks noChangeAspect="1"/>
+          </p:cNvPicPr>
+          <p:nvPr/>
+        </p:nvPicPr>
+        <p:blipFill>
+          <a:blip r:embed="rId4"/>
+          <a:stretch>
+            <a:fillRect/>
+          </a:stretch>
+        </p:blipFill>
+        <p:spPr>
+          <a:xfrm>
+            <a:off x="643467" y="1329775"/>
+            <a:ext cx="10905066" cy="4198448"/>
+          </a:xfrm>
+          <a:prstGeom prst="rect">
+            <a:avLst/>
+          </a:prstGeom>
+        </p:spPr>
+      </p:pic>
     </p:spTree>
     <p:extLst>
       <p:ext uri="{BB962C8B-B14F-4D97-AF65-F5344CB8AC3E}">
@@ -20828,7 +21188,7 @@
     </p:extLst>
   </p:cSld>
   <p:clrMapOvr>
-    <a:masterClrMapping/>
+    <a:overrideClrMapping bg1="lt1" tx1="dk1" bg2="lt2" tx2="dk2" accent1="accent1" accent2="accent2" accent3="accent3" accent4="accent4" accent5="accent5" accent6="accent6" hlink="hlink" folHlink="folHlink"/>
   </p:clrMapOvr>
 </p:sld>
 </file>
@@ -20836,6 +21196,14 @@
 <file path=ppt/slides/slide23.xml><?xml version="1.0" encoding="utf-8"?>
 <p:sld xmlns:a="http://schemas.openxmlformats.org/drawingml/2006/main" xmlns:r="http://schemas.openxmlformats.org/officeDocument/2006/relationships" xmlns:p="http://schemas.openxmlformats.org/presentationml/2006/main">
   <p:cSld>
+    <p:bg>
+      <p:bgPr>
+        <a:solidFill>
+          <a:schemeClr val="bg1"/>
+        </a:solidFill>
+        <a:effectLst/>
+      </p:bgPr>
+    </p:bg>
     <p:spTree>
       <p:nvGrpSpPr>
         <p:cNvPr id="1" name=""/>
@@ -20852,10 +21220,410 @@
       </p:grpSpPr>
       <p:pic>
         <p:nvPicPr>
-          <p:cNvPr id="4" name="Imagem 3">
+          <p:cNvPr id="27" name="Picture 26">
             <a:extLst>
               <a:ext uri="{FF2B5EF4-FFF2-40B4-BE49-F238E27FC236}">
-                <a16:creationId xmlns:a16="http://schemas.microsoft.com/office/drawing/2014/main" id="{F67D118B-96BF-C528-E379-5B64406E9A07}"/>
+                <a16:creationId xmlns:a16="http://schemas.microsoft.com/office/drawing/2014/main" id="{722F0272-3878-4604-AA91-01CA8F08DEF5}"/>
+              </a:ext>
+              <a:ext uri="{C183D7F6-B498-43B3-948B-1728B52AA6E4}">
+                <adec:decorative xmlns:adec="http://schemas.microsoft.com/office/drawing/2017/decorative" val="1"/>
+              </a:ext>
+            </a:extLst>
+          </p:cNvPr>
+          <p:cNvPicPr>
+            <a:picLocks noGrp="1" noRot="1" noChangeAspect="1" noMove="1" noResize="1" noEditPoints="1" noAdjustHandles="1" noChangeArrowheads="1" noChangeShapeType="1" noCrop="1"/>
+          </p:cNvPicPr>
+          <p:nvPr>
+            <p:extLst>
+              <p:ext uri="{386F3935-93C4-4BCD-93E2-E3B085C9AB24}">
+                <p16:designElem xmlns:p16="http://schemas.microsoft.com/office/powerpoint/2015/main" val="1"/>
+              </p:ext>
+            </p:extLst>
+          </p:nvPr>
+        </p:nvPicPr>
+        <p:blipFill>
+          <a:blip r:embed="rId2">
+            <a:extLst>
+              <a:ext uri="{28A0092B-C50C-407E-A947-70E740481C1C}">
+                <a14:useLocalDpi xmlns:a14="http://schemas.microsoft.com/office/drawing/2010/main" val="0"/>
+              </a:ext>
+            </a:extLst>
+          </a:blip>
+          <a:stretch>
+            <a:fillRect/>
+          </a:stretch>
+        </p:blipFill>
+        <p:spPr>
+          <a:xfrm>
+            <a:off x="2831794" y="2105202"/>
+            <a:ext cx="9360205" cy="4752798"/>
+          </a:xfrm>
+          <a:prstGeom prst="rect">
+            <a:avLst/>
+          </a:prstGeom>
+        </p:spPr>
+      </p:pic>
+      <p:pic>
+        <p:nvPicPr>
+          <p:cNvPr id="29" name="Picture 28">
+            <a:extLst>
+              <a:ext uri="{FF2B5EF4-FFF2-40B4-BE49-F238E27FC236}">
+                <a16:creationId xmlns:a16="http://schemas.microsoft.com/office/drawing/2014/main" id="{1F60EAEC-22E3-4448-8F0A-9ADAA793A95E}"/>
+              </a:ext>
+              <a:ext uri="{C183D7F6-B498-43B3-948B-1728B52AA6E4}">
+                <adec:decorative xmlns:adec="http://schemas.microsoft.com/office/drawing/2017/decorative" val="1"/>
+              </a:ext>
+            </a:extLst>
+          </p:cNvPr>
+          <p:cNvPicPr>
+            <a:picLocks noGrp="1" noRot="1" noChangeAspect="1" noMove="1" noResize="1" noEditPoints="1" noAdjustHandles="1" noChangeArrowheads="1" noChangeShapeType="1" noCrop="1"/>
+          </p:cNvPicPr>
+          <p:nvPr>
+            <p:extLst>
+              <p:ext uri="{386F3935-93C4-4BCD-93E2-E3B085C9AB24}">
+                <p16:designElem xmlns:p16="http://schemas.microsoft.com/office/powerpoint/2015/main" val="1"/>
+              </p:ext>
+            </p:extLst>
+          </p:nvPr>
+        </p:nvPicPr>
+        <p:blipFill>
+          <a:blip r:embed="rId3">
+            <a:extLst>
+              <a:ext uri="{28A0092B-C50C-407E-A947-70E740481C1C}">
+                <a14:useLocalDpi xmlns:a14="http://schemas.microsoft.com/office/drawing/2010/main" val="0"/>
+              </a:ext>
+            </a:extLst>
+          </a:blip>
+          <a:stretch>
+            <a:fillRect/>
+          </a:stretch>
+        </p:blipFill>
+        <p:spPr>
+          <a:xfrm>
+            <a:off x="0" y="0"/>
+            <a:ext cx="12189867" cy="6858000"/>
+          </a:xfrm>
+          <a:prstGeom prst="rect">
+            <a:avLst/>
+          </a:prstGeom>
+        </p:spPr>
+      </p:pic>
+      <p:sp>
+        <p:nvSpPr>
+          <p:cNvPr id="31" name="Rectangle 30">
+            <a:extLst>
+              <a:ext uri="{FF2B5EF4-FFF2-40B4-BE49-F238E27FC236}">
+                <a16:creationId xmlns:a16="http://schemas.microsoft.com/office/drawing/2014/main" id="{355E0F90-3FFF-4E04-B3C8-3C969A415D9C}"/>
+              </a:ext>
+              <a:ext uri="{C183D7F6-B498-43B3-948B-1728B52AA6E4}">
+                <adec:decorative xmlns:adec="http://schemas.microsoft.com/office/drawing/2017/decorative" val="1"/>
+              </a:ext>
+            </a:extLst>
+          </p:cNvPr>
+          <p:cNvSpPr>
+            <a:spLocks noGrp="1" noRot="1" noChangeAspect="1" noMove="1" noResize="1" noEditPoints="1" noAdjustHandles="1" noChangeArrowheads="1" noChangeShapeType="1" noTextEdit="1"/>
+          </p:cNvSpPr>
+          <p:nvPr>
+            <p:extLst>
+              <p:ext uri="{386F3935-93C4-4BCD-93E2-E3B085C9AB24}">
+                <p16:designElem xmlns:p16="http://schemas.microsoft.com/office/powerpoint/2015/main" val="1"/>
+              </p:ext>
+            </p:extLst>
+          </p:nvPr>
+        </p:nvSpPr>
+        <p:spPr>
+          <a:xfrm>
+            <a:off x="0" y="0"/>
+            <a:ext cx="964174" cy="6858000"/>
+          </a:xfrm>
+          <a:prstGeom prst="rect">
+            <a:avLst/>
+          </a:prstGeom>
+          <a:solidFill>
+            <a:schemeClr val="bg2"/>
+          </a:solidFill>
+          <a:ln>
+            <a:noFill/>
+          </a:ln>
+        </p:spPr>
+        <p:style>
+          <a:lnRef idx="2">
+            <a:schemeClr val="accent1">
+              <a:shade val="50000"/>
+            </a:schemeClr>
+          </a:lnRef>
+          <a:fillRef idx="1">
+            <a:schemeClr val="accent1"/>
+          </a:fillRef>
+          <a:effectRef idx="0">
+            <a:schemeClr val="accent1"/>
+          </a:effectRef>
+          <a:fontRef idx="minor">
+            <a:schemeClr val="lt1"/>
+          </a:fontRef>
+        </p:style>
+        <p:txBody>
+          <a:bodyPr/>
+          <a:lstStyle/>
+          <a:p>
+            <a:endParaRPr lang="pt-BR"/>
+          </a:p>
+        </p:txBody>
+      </p:sp>
+      <p:sp>
+        <p:nvSpPr>
+          <p:cNvPr id="33" name="Rectangle 32">
+            <a:extLst>
+              <a:ext uri="{FF2B5EF4-FFF2-40B4-BE49-F238E27FC236}">
+                <a16:creationId xmlns:a16="http://schemas.microsoft.com/office/drawing/2014/main" id="{EC63A4EF-A033-4ED0-9EB6-6E1A8D264FE7}"/>
+              </a:ext>
+              <a:ext uri="{C183D7F6-B498-43B3-948B-1728B52AA6E4}">
+                <adec:decorative xmlns:adec="http://schemas.microsoft.com/office/drawing/2017/decorative" val="1"/>
+              </a:ext>
+            </a:extLst>
+          </p:cNvPr>
+          <p:cNvSpPr>
+            <a:spLocks noGrp="1" noRot="1" noChangeAspect="1" noMove="1" noResize="1" noEditPoints="1" noAdjustHandles="1" noChangeArrowheads="1" noChangeShapeType="1" noTextEdit="1"/>
+          </p:cNvSpPr>
+          <p:nvPr>
+            <p:extLst>
+              <p:ext uri="{386F3935-93C4-4BCD-93E2-E3B085C9AB24}">
+                <p16:designElem xmlns:p16="http://schemas.microsoft.com/office/powerpoint/2015/main" val="1"/>
+              </p:ext>
+            </p:extLst>
+          </p:nvPr>
+        </p:nvSpPr>
+        <p:spPr>
+          <a:xfrm>
+            <a:off x="962042" y="0"/>
+            <a:ext cx="45719" cy="6858000"/>
+          </a:xfrm>
+          <a:prstGeom prst="rect">
+            <a:avLst/>
+          </a:prstGeom>
+          <a:solidFill>
+            <a:schemeClr val="accent6"/>
+          </a:solidFill>
+          <a:ln>
+            <a:noFill/>
+          </a:ln>
+        </p:spPr>
+        <p:style>
+          <a:lnRef idx="2">
+            <a:schemeClr val="accent1">
+              <a:shade val="50000"/>
+            </a:schemeClr>
+          </a:lnRef>
+          <a:fillRef idx="1">
+            <a:schemeClr val="accent1"/>
+          </a:fillRef>
+          <a:effectRef idx="0">
+            <a:schemeClr val="accent1"/>
+          </a:effectRef>
+          <a:fontRef idx="minor">
+            <a:schemeClr val="lt1"/>
+          </a:fontRef>
+        </p:style>
+        <p:txBody>
+          <a:bodyPr/>
+          <a:lstStyle/>
+          <a:p>
+            <a:endParaRPr lang="pt-BR"/>
+          </a:p>
+        </p:txBody>
+      </p:sp>
+      <p:sp>
+        <p:nvSpPr>
+          <p:cNvPr id="35" name="Rectangle 34">
+            <a:extLst>
+              <a:ext uri="{FF2B5EF4-FFF2-40B4-BE49-F238E27FC236}">
+                <a16:creationId xmlns:a16="http://schemas.microsoft.com/office/drawing/2014/main" id="{964965EE-80F2-417F-9652-5BFF14DA7CDD}"/>
+              </a:ext>
+              <a:ext uri="{C183D7F6-B498-43B3-948B-1728B52AA6E4}">
+                <adec:decorative xmlns:adec="http://schemas.microsoft.com/office/drawing/2017/decorative" val="1"/>
+              </a:ext>
+            </a:extLst>
+          </p:cNvPr>
+          <p:cNvSpPr>
+            <a:spLocks noGrp="1" noRot="1" noChangeAspect="1" noMove="1" noResize="1" noEditPoints="1" noAdjustHandles="1" noChangeArrowheads="1" noChangeShapeType="1" noTextEdit="1"/>
+          </p:cNvSpPr>
+          <p:nvPr>
+            <p:extLst>
+              <p:ext uri="{386F3935-93C4-4BCD-93E2-E3B085C9AB24}">
+                <p16:designElem xmlns:p16="http://schemas.microsoft.com/office/powerpoint/2015/main" val="1"/>
+              </p:ext>
+            </p:extLst>
+          </p:nvPr>
+        </p:nvSpPr>
+        <p:spPr>
+          <a:xfrm>
+            <a:off x="1004479" y="0"/>
+            <a:ext cx="10372316" cy="6858000"/>
+          </a:xfrm>
+          <a:prstGeom prst="rect">
+            <a:avLst/>
+          </a:prstGeom>
+          <a:solidFill>
+            <a:schemeClr val="bg2">
+              <a:alpha val="92000"/>
+            </a:schemeClr>
+          </a:solidFill>
+          <a:ln>
+            <a:noFill/>
+          </a:ln>
+        </p:spPr>
+        <p:style>
+          <a:lnRef idx="2">
+            <a:schemeClr val="accent1">
+              <a:shade val="50000"/>
+            </a:schemeClr>
+          </a:lnRef>
+          <a:fillRef idx="1">
+            <a:schemeClr val="accent1"/>
+          </a:fillRef>
+          <a:effectRef idx="0">
+            <a:schemeClr val="accent1"/>
+          </a:effectRef>
+          <a:fontRef idx="minor">
+            <a:schemeClr val="lt1"/>
+          </a:fontRef>
+        </p:style>
+        <p:txBody>
+          <a:bodyPr/>
+          <a:lstStyle/>
+          <a:p>
+            <a:endParaRPr lang="pt-BR"/>
+          </a:p>
+        </p:txBody>
+      </p:sp>
+      <p:sp>
+        <p:nvSpPr>
+          <p:cNvPr id="37" name="Rectangle 36">
+            <a:extLst>
+              <a:ext uri="{FF2B5EF4-FFF2-40B4-BE49-F238E27FC236}">
+                <a16:creationId xmlns:a16="http://schemas.microsoft.com/office/drawing/2014/main" id="{AA3C9611-CFD7-4C23-A8F2-00E7865A5D02}"/>
+              </a:ext>
+              <a:ext uri="{C183D7F6-B498-43B3-948B-1728B52AA6E4}">
+                <adec:decorative xmlns:adec="http://schemas.microsoft.com/office/drawing/2017/decorative" val="1"/>
+              </a:ext>
+            </a:extLst>
+          </p:cNvPr>
+          <p:cNvSpPr>
+            <a:spLocks noGrp="1" noRot="1" noChangeAspect="1" noMove="1" noResize="1" noEditPoints="1" noAdjustHandles="1" noChangeArrowheads="1" noChangeShapeType="1" noTextEdit="1"/>
+          </p:cNvSpPr>
+          <p:nvPr>
+            <p:extLst>
+              <p:ext uri="{386F3935-93C4-4BCD-93E2-E3B085C9AB24}">
+                <p16:designElem xmlns:p16="http://schemas.microsoft.com/office/powerpoint/2015/main" val="1"/>
+              </p:ext>
+            </p:extLst>
+          </p:nvPr>
+        </p:nvSpPr>
+        <p:spPr>
+          <a:xfrm>
+            <a:off x="11377328" y="0"/>
+            <a:ext cx="27432" cy="6858000"/>
+          </a:xfrm>
+          <a:prstGeom prst="rect">
+            <a:avLst/>
+          </a:prstGeom>
+          <a:solidFill>
+            <a:schemeClr val="accent6"/>
+          </a:solidFill>
+          <a:ln>
+            <a:noFill/>
+          </a:ln>
+        </p:spPr>
+        <p:style>
+          <a:lnRef idx="2">
+            <a:schemeClr val="accent1">
+              <a:shade val="50000"/>
+            </a:schemeClr>
+          </a:lnRef>
+          <a:fillRef idx="1">
+            <a:schemeClr val="accent1"/>
+          </a:fillRef>
+          <a:effectRef idx="0">
+            <a:schemeClr val="accent1"/>
+          </a:effectRef>
+          <a:fontRef idx="minor">
+            <a:schemeClr val="lt1"/>
+          </a:fontRef>
+        </p:style>
+        <p:txBody>
+          <a:bodyPr/>
+          <a:lstStyle/>
+          <a:p>
+            <a:endParaRPr lang="pt-BR"/>
+          </a:p>
+        </p:txBody>
+      </p:sp>
+      <p:sp useBgFill="1">
+        <p:nvSpPr>
+          <p:cNvPr id="39" name="Rectangle 38">
+            <a:extLst>
+              <a:ext uri="{FF2B5EF4-FFF2-40B4-BE49-F238E27FC236}">
+                <a16:creationId xmlns:a16="http://schemas.microsoft.com/office/drawing/2014/main" id="{DD198664-99F1-44BC-BBCD-4265763F522C}"/>
+              </a:ext>
+              <a:ext uri="{C183D7F6-B498-43B3-948B-1728B52AA6E4}">
+                <adec:decorative xmlns:adec="http://schemas.microsoft.com/office/drawing/2017/decorative" val="1"/>
+              </a:ext>
+            </a:extLst>
+          </p:cNvPr>
+          <p:cNvSpPr>
+            <a:spLocks noGrp="1" noRot="1" noChangeAspect="1" noMove="1" noResize="1" noEditPoints="1" noAdjustHandles="1" noChangeArrowheads="1" noChangeShapeType="1" noTextEdit="1"/>
+          </p:cNvSpPr>
+          <p:nvPr>
+            <p:extLst>
+              <p:ext uri="{386F3935-93C4-4BCD-93E2-E3B085C9AB24}">
+                <p16:designElem xmlns:p16="http://schemas.microsoft.com/office/powerpoint/2015/main" val="1"/>
+              </p:ext>
+            </p:extLst>
+          </p:nvPr>
+        </p:nvSpPr>
+        <p:spPr>
+          <a:xfrm>
+            <a:off x="0" y="0"/>
+            <a:ext cx="12192000" cy="6858000"/>
+          </a:xfrm>
+          <a:prstGeom prst="rect">
+            <a:avLst/>
+          </a:prstGeom>
+          <a:ln>
+            <a:noFill/>
+          </a:ln>
+        </p:spPr>
+        <p:style>
+          <a:lnRef idx="2">
+            <a:schemeClr val="accent1">
+              <a:shade val="50000"/>
+            </a:schemeClr>
+          </a:lnRef>
+          <a:fillRef idx="1">
+            <a:schemeClr val="accent1"/>
+          </a:fillRef>
+          <a:effectRef idx="0">
+            <a:schemeClr val="accent1"/>
+          </a:effectRef>
+          <a:fontRef idx="minor">
+            <a:schemeClr val="lt1"/>
+          </a:fontRef>
+        </p:style>
+        <p:txBody>
+          <a:bodyPr rtlCol="0" anchor="ctr"/>
+          <a:lstStyle/>
+          <a:p>
+            <a:pPr algn="ctr"/>
+            <a:endParaRPr lang="en-US"/>
+          </a:p>
+        </p:txBody>
+      </p:sp>
+      <p:pic>
+        <p:nvPicPr>
+          <p:cNvPr id="3" name="Imagem 2" descr="Desenho preto e branco&#10;&#10;Descrição gerada automaticamente com confiança média">
+            <a:extLst>
+              <a:ext uri="{FF2B5EF4-FFF2-40B4-BE49-F238E27FC236}">
+                <a16:creationId xmlns:a16="http://schemas.microsoft.com/office/drawing/2014/main" id="{F8D352D8-BAE4-C75A-F7C8-92FC8330AEBB}"/>
               </a:ext>
             </a:extLst>
           </p:cNvPr>
@@ -20865,429 +21633,57 @@
           <p:nvPr/>
         </p:nvPicPr>
         <p:blipFill>
-          <a:blip r:embed="rId2"/>
+          <a:blip r:embed="rId4"/>
           <a:stretch>
             <a:fillRect/>
           </a:stretch>
         </p:blipFill>
         <p:spPr>
           <a:xfrm>
-            <a:off x="2430236" y="1006022"/>
-            <a:ext cx="2400300" cy="4356100"/>
+            <a:off x="643467" y="1316142"/>
+            <a:ext cx="10905066" cy="4225714"/>
           </a:xfrm>
           <a:prstGeom prst="rect">
             <a:avLst/>
           </a:prstGeom>
         </p:spPr>
       </p:pic>
-      <p:pic>
-        <p:nvPicPr>
-          <p:cNvPr id="5" name="Imagem 4">
-            <a:extLst>
-              <a:ext uri="{FF2B5EF4-FFF2-40B4-BE49-F238E27FC236}">
-                <a16:creationId xmlns:a16="http://schemas.microsoft.com/office/drawing/2014/main" id="{F0B6FF0E-FE7C-4325-3F53-40451CBFDC37}"/>
-              </a:ext>
-            </a:extLst>
-          </p:cNvPr>
-          <p:cNvPicPr>
-            <a:picLocks noChangeAspect="1"/>
-          </p:cNvPicPr>
-          <p:nvPr/>
-        </p:nvPicPr>
-        <p:blipFill>
-          <a:blip r:embed="rId2"/>
-          <a:stretch>
-            <a:fillRect/>
-          </a:stretch>
-        </p:blipFill>
-        <p:spPr>
-          <a:xfrm>
-            <a:off x="5309507" y="1006022"/>
-            <a:ext cx="2400300" cy="4356100"/>
-          </a:xfrm>
-          <a:prstGeom prst="rect">
-            <a:avLst/>
-          </a:prstGeom>
-        </p:spPr>
-      </p:pic>
-      <p:pic>
-        <p:nvPicPr>
-          <p:cNvPr id="7" name="Imagem 6">
-            <a:extLst>
-              <a:ext uri="{FF2B5EF4-FFF2-40B4-BE49-F238E27FC236}">
-                <a16:creationId xmlns:a16="http://schemas.microsoft.com/office/drawing/2014/main" id="{1E1BFD89-E9E6-5295-A680-322A056E44B1}"/>
-              </a:ext>
-            </a:extLst>
-          </p:cNvPr>
-          <p:cNvPicPr>
-            <a:picLocks noChangeAspect="1"/>
-          </p:cNvPicPr>
-          <p:nvPr/>
-        </p:nvPicPr>
-        <p:blipFill>
-          <a:blip r:embed="rId2"/>
-          <a:stretch>
-            <a:fillRect/>
-          </a:stretch>
-        </p:blipFill>
-        <p:spPr>
-          <a:xfrm>
-            <a:off x="8270422" y="1006022"/>
-            <a:ext cx="2400300" cy="4356100"/>
-          </a:xfrm>
-          <a:prstGeom prst="rect">
-            <a:avLst/>
-          </a:prstGeom>
-        </p:spPr>
-      </p:pic>
-      <p:cxnSp>
-        <p:nvCxnSpPr>
-          <p:cNvPr id="9" name="Conector de Seta Reta 8">
-            <a:extLst>
-              <a:ext uri="{FF2B5EF4-FFF2-40B4-BE49-F238E27FC236}">
-                <a16:creationId xmlns:a16="http://schemas.microsoft.com/office/drawing/2014/main" id="{96CDEC1B-67AA-768F-CB93-068C56DB9B06}"/>
-              </a:ext>
-            </a:extLst>
-          </p:cNvPr>
-          <p:cNvCxnSpPr/>
-          <p:nvPr/>
-        </p:nvCxnSpPr>
-        <p:spPr>
-          <a:xfrm>
-            <a:off x="2596243" y="6008914"/>
-            <a:ext cx="7625443" cy="0"/>
-          </a:xfrm>
-          <a:prstGeom prst="straightConnector1">
-            <a:avLst/>
-          </a:prstGeom>
-          <a:ln>
-            <a:tailEnd type="triangle"/>
-          </a:ln>
-        </p:spPr>
-        <p:style>
-          <a:lnRef idx="1">
-            <a:schemeClr val="accent1"/>
-          </a:lnRef>
-          <a:fillRef idx="0">
-            <a:schemeClr val="accent1"/>
-          </a:fillRef>
-          <a:effectRef idx="0">
-            <a:schemeClr val="accent1"/>
-          </a:effectRef>
-          <a:fontRef idx="minor">
-            <a:schemeClr val="tx1"/>
-          </a:fontRef>
-        </p:style>
-      </p:cxnSp>
-      <p:sp>
-        <p:nvSpPr>
-          <p:cNvPr id="10" name="CaixaDeTexto 9">
-            <a:extLst>
-              <a:ext uri="{FF2B5EF4-FFF2-40B4-BE49-F238E27FC236}">
-                <a16:creationId xmlns:a16="http://schemas.microsoft.com/office/drawing/2014/main" id="{5819FDAA-45CE-728B-80BF-80E6EEE2191E}"/>
-              </a:ext>
-            </a:extLst>
-          </p:cNvPr>
-          <p:cNvSpPr txBox="1"/>
-          <p:nvPr/>
-        </p:nvSpPr>
-        <p:spPr>
-          <a:xfrm>
-            <a:off x="8889357" y="6008914"/>
-            <a:ext cx="3820760" cy="584775"/>
-          </a:xfrm>
-          <a:prstGeom prst="rect">
-            <a:avLst/>
-          </a:prstGeom>
-          <a:noFill/>
-        </p:spPr>
-        <p:txBody>
-          <a:bodyPr wrap="square">
-            <a:spAutoFit/>
-          </a:bodyPr>
-          <a:lstStyle/>
-          <a:p>
-            <a:r>
-              <a:rPr lang="pt-BR" sz="3200" dirty="0"/>
-              <a:t>tempo</a:t>
-            </a:r>
-          </a:p>
-        </p:txBody>
-      </p:sp>
     </p:spTree>
     <p:extLst>
       <p:ext uri="{BB962C8B-B14F-4D97-AF65-F5344CB8AC3E}">
-        <p14:creationId xmlns:p14="http://schemas.microsoft.com/office/powerpoint/2010/main" val="1769981957"/>
+        <p14:creationId xmlns:p14="http://schemas.microsoft.com/office/powerpoint/2010/main" val="3856641863"/>
       </p:ext>
     </p:extLst>
   </p:cSld>
   <p:clrMapOvr>
-    <a:masterClrMapping/>
+    <a:overrideClrMapping bg1="lt1" tx1="dk1" bg2="lt2" tx2="dk2" accent1="accent1" accent2="accent2" accent3="accent3" accent4="accent4" accent5="accent5" accent6="accent6" hlink="hlink" folHlink="folHlink"/>
   </p:clrMapOvr>
-  <p:timing>
-    <p:tnLst>
-      <p:par>
-        <p:cTn id="1" dur="indefinite" restart="never" nodeType="tmRoot">
-          <p:childTnLst>
-            <p:seq concurrent="1" nextAc="seek">
-              <p:cTn id="2" dur="indefinite" nodeType="mainSeq">
-                <p:childTnLst>
-                  <p:par>
-                    <p:cTn id="3" fill="hold">
-                      <p:stCondLst>
-                        <p:cond delay="indefinite"/>
-                      </p:stCondLst>
-                      <p:childTnLst>
-                        <p:par>
-                          <p:cTn id="4" fill="hold">
-                            <p:stCondLst>
-                              <p:cond delay="0"/>
-                            </p:stCondLst>
-                            <p:childTnLst>
-                              <p:par>
-                                <p:cTn id="5" presetID="1" presetClass="entr" presetSubtype="0" fill="hold" nodeType="clickEffect">
-                                  <p:stCondLst>
-                                    <p:cond delay="0"/>
-                                  </p:stCondLst>
-                                  <p:childTnLst>
-                                    <p:set>
-                                      <p:cBhvr>
-                                        <p:cTn id="6" dur="1" fill="hold">
-                                          <p:stCondLst>
-                                            <p:cond delay="0"/>
-                                          </p:stCondLst>
-                                        </p:cTn>
-                                        <p:tgtEl>
-                                          <p:spTgt spid="4"/>
-                                        </p:tgtEl>
-                                        <p:attrNameLst>
-                                          <p:attrName>style.visibility</p:attrName>
-                                        </p:attrNameLst>
-                                      </p:cBhvr>
-                                      <p:to>
-                                        <p:strVal val="visible"/>
-                                      </p:to>
-                                    </p:set>
-                                  </p:childTnLst>
-                                </p:cTn>
-                              </p:par>
-                            </p:childTnLst>
-                          </p:cTn>
-                        </p:par>
-                      </p:childTnLst>
-                    </p:cTn>
-                  </p:par>
-                  <p:par>
-                    <p:cTn id="7" fill="hold">
-                      <p:stCondLst>
-                        <p:cond delay="indefinite"/>
-                      </p:stCondLst>
-                      <p:childTnLst>
-                        <p:par>
-                          <p:cTn id="8" fill="hold">
-                            <p:stCondLst>
-                              <p:cond delay="0"/>
-                            </p:stCondLst>
-                            <p:childTnLst>
-                              <p:par>
-                                <p:cTn id="9" presetID="1" presetClass="entr" presetSubtype="0" fill="hold" nodeType="clickEffect">
-                                  <p:stCondLst>
-                                    <p:cond delay="0"/>
-                                  </p:stCondLst>
-                                  <p:childTnLst>
-                                    <p:set>
-                                      <p:cBhvr>
-                                        <p:cTn id="10" dur="1" fill="hold">
-                                          <p:stCondLst>
-                                            <p:cond delay="0"/>
-                                          </p:stCondLst>
-                                        </p:cTn>
-                                        <p:tgtEl>
-                                          <p:spTgt spid="9"/>
-                                        </p:tgtEl>
-                                        <p:attrNameLst>
-                                          <p:attrName>style.visibility</p:attrName>
-                                        </p:attrNameLst>
-                                      </p:cBhvr>
-                                      <p:to>
-                                        <p:strVal val="visible"/>
-                                      </p:to>
-                                    </p:set>
-                                  </p:childTnLst>
-                                </p:cTn>
-                              </p:par>
-                            </p:childTnLst>
-                          </p:cTn>
-                        </p:par>
-                      </p:childTnLst>
-                    </p:cTn>
-                  </p:par>
-                  <p:par>
-                    <p:cTn id="11" fill="hold">
-                      <p:stCondLst>
-                        <p:cond delay="indefinite"/>
-                      </p:stCondLst>
-                      <p:childTnLst>
-                        <p:par>
-                          <p:cTn id="12" fill="hold">
-                            <p:stCondLst>
-                              <p:cond delay="0"/>
-                            </p:stCondLst>
-                            <p:childTnLst>
-                              <p:par>
-                                <p:cTn id="13" presetID="1" presetClass="entr" presetSubtype="0" fill="hold" grpId="0" nodeType="clickEffect">
-                                  <p:stCondLst>
-                                    <p:cond delay="0"/>
-                                  </p:stCondLst>
-                                  <p:childTnLst>
-                                    <p:set>
-                                      <p:cBhvr>
-                                        <p:cTn id="14" dur="1" fill="hold">
-                                          <p:stCondLst>
-                                            <p:cond delay="0"/>
-                                          </p:stCondLst>
-                                        </p:cTn>
-                                        <p:tgtEl>
-                                          <p:spTgt spid="10"/>
-                                        </p:tgtEl>
-                                        <p:attrNameLst>
-                                          <p:attrName>style.visibility</p:attrName>
-                                        </p:attrNameLst>
-                                      </p:cBhvr>
-                                      <p:to>
-                                        <p:strVal val="visible"/>
-                                      </p:to>
-                                    </p:set>
-                                  </p:childTnLst>
-                                </p:cTn>
-                              </p:par>
-                            </p:childTnLst>
-                          </p:cTn>
-                        </p:par>
-                      </p:childTnLst>
-                    </p:cTn>
-                  </p:par>
-                  <p:par>
-                    <p:cTn id="15" fill="hold">
-                      <p:stCondLst>
-                        <p:cond delay="indefinite"/>
-                      </p:stCondLst>
-                      <p:childTnLst>
-                        <p:par>
-                          <p:cTn id="16" fill="hold">
-                            <p:stCondLst>
-                              <p:cond delay="0"/>
-                            </p:stCondLst>
-                            <p:childTnLst>
-                              <p:par>
-                                <p:cTn id="17" presetID="1" presetClass="entr" presetSubtype="0" fill="hold" nodeType="clickEffect">
-                                  <p:stCondLst>
-                                    <p:cond delay="0"/>
-                                  </p:stCondLst>
-                                  <p:childTnLst>
-                                    <p:set>
-                                      <p:cBhvr>
-                                        <p:cTn id="18" dur="1" fill="hold">
-                                          <p:stCondLst>
-                                            <p:cond delay="0"/>
-                                          </p:stCondLst>
-                                        </p:cTn>
-                                        <p:tgtEl>
-                                          <p:spTgt spid="5"/>
-                                        </p:tgtEl>
-                                        <p:attrNameLst>
-                                          <p:attrName>style.visibility</p:attrName>
-                                        </p:attrNameLst>
-                                      </p:cBhvr>
-                                      <p:to>
-                                        <p:strVal val="visible"/>
-                                      </p:to>
-                                    </p:set>
-                                  </p:childTnLst>
-                                </p:cTn>
-                              </p:par>
-                            </p:childTnLst>
-                          </p:cTn>
-                        </p:par>
-                      </p:childTnLst>
-                    </p:cTn>
-                  </p:par>
-                  <p:par>
-                    <p:cTn id="19" fill="hold">
-                      <p:stCondLst>
-                        <p:cond delay="indefinite"/>
-                      </p:stCondLst>
-                      <p:childTnLst>
-                        <p:par>
-                          <p:cTn id="20" fill="hold">
-                            <p:stCondLst>
-                              <p:cond delay="0"/>
-                            </p:stCondLst>
-                            <p:childTnLst>
-                              <p:par>
-                                <p:cTn id="21" presetID="1" presetClass="entr" presetSubtype="0" fill="hold" nodeType="clickEffect">
-                                  <p:stCondLst>
-                                    <p:cond delay="0"/>
-                                  </p:stCondLst>
-                                  <p:childTnLst>
-                                    <p:set>
-                                      <p:cBhvr>
-                                        <p:cTn id="22" dur="1" fill="hold">
-                                          <p:stCondLst>
-                                            <p:cond delay="0"/>
-                                          </p:stCondLst>
-                                        </p:cTn>
-                                        <p:tgtEl>
-                                          <p:spTgt spid="7"/>
-                                        </p:tgtEl>
-                                        <p:attrNameLst>
-                                          <p:attrName>style.visibility</p:attrName>
-                                        </p:attrNameLst>
-                                      </p:cBhvr>
-                                      <p:to>
-                                        <p:strVal val="visible"/>
-                                      </p:to>
-                                    </p:set>
-                                  </p:childTnLst>
-                                </p:cTn>
-                              </p:par>
-                            </p:childTnLst>
-                          </p:cTn>
-                        </p:par>
-                      </p:childTnLst>
-                    </p:cTn>
-                  </p:par>
-                </p:childTnLst>
-              </p:cTn>
-              <p:prevCondLst>
-                <p:cond evt="onPrev" delay="0">
-                  <p:tgtEl>
-                    <p:sldTgt/>
-                  </p:tgtEl>
-                </p:cond>
-              </p:prevCondLst>
-              <p:nextCondLst>
-                <p:cond evt="onNext" delay="0">
-                  <p:tgtEl>
-                    <p:sldTgt/>
-                  </p:tgtEl>
-                </p:cond>
-              </p:nextCondLst>
-            </p:seq>
-          </p:childTnLst>
-        </p:cTn>
-      </p:par>
-    </p:tnLst>
-    <p:bldLst>
-      <p:bldP spid="10" grpId="0"/>
-    </p:bldLst>
-  </p:timing>
+  <mc:AlternateContent xmlns:mc="http://schemas.openxmlformats.org/markup-compatibility/2006">
+    <mc:Choice xmlns:p14="http://schemas.microsoft.com/office/powerpoint/2010/main" Requires="p14">
+      <p:transition spd="med" p14:dur="700">
+        <p:fade/>
+      </p:transition>
+    </mc:Choice>
+    <mc:Fallback>
+      <p:transition spd="med">
+        <p:fade/>
+      </p:transition>
+    </mc:Fallback>
+  </mc:AlternateContent>
 </p:sld>
 </file>
 
 <file path=ppt/slides/slide24.xml><?xml version="1.0" encoding="utf-8"?>
 <p:sld xmlns:a="http://schemas.openxmlformats.org/drawingml/2006/main" xmlns:r="http://schemas.openxmlformats.org/officeDocument/2006/relationships" xmlns:p="http://schemas.openxmlformats.org/presentationml/2006/main">
   <p:cSld>
+    <p:bg>
+      <p:bgPr>
+        <a:solidFill>
+          <a:schemeClr val="bg1"/>
+        </a:solidFill>
+        <a:effectLst/>
+      </p:bgPr>
+    </p:bg>
     <p:spTree>
       <p:nvGrpSpPr>
         <p:cNvPr id="1" name=""/>
@@ -21302,291 +21698,1902 @@
           <a:chExt cx="0" cy="0"/>
         </a:xfrm>
       </p:grpSpPr>
-      <p:sp>
-        <p:nvSpPr>
-          <p:cNvPr id="4" name="CaixaDeTexto 3">
+      <p:pic>
+        <p:nvPicPr>
+          <p:cNvPr id="44" name="Picture 43">
             <a:extLst>
               <a:ext uri="{FF2B5EF4-FFF2-40B4-BE49-F238E27FC236}">
-                <a16:creationId xmlns:a16="http://schemas.microsoft.com/office/drawing/2014/main" id="{FE5BF99D-856C-A42B-0F3B-7D754FFF4701}"/>
+                <a16:creationId xmlns:a16="http://schemas.microsoft.com/office/drawing/2014/main" id="{722F0272-3878-4604-AA91-01CA8F08DEF5}"/>
+              </a:ext>
+              <a:ext uri="{C183D7F6-B498-43B3-948B-1728B52AA6E4}">
+                <adec:decorative xmlns:adec="http://schemas.microsoft.com/office/drawing/2017/decorative" val="1"/>
               </a:ext>
             </a:extLst>
           </p:cNvPr>
-          <p:cNvSpPr txBox="1"/>
-          <p:nvPr/>
-        </p:nvSpPr>
+          <p:cNvPicPr>
+            <a:picLocks noGrp="1" noRot="1" noChangeAspect="1" noMove="1" noResize="1" noEditPoints="1" noAdjustHandles="1" noChangeArrowheads="1" noChangeShapeType="1" noCrop="1"/>
+          </p:cNvPicPr>
+          <p:nvPr>
+            <p:extLst>
+              <p:ext uri="{386F3935-93C4-4BCD-93E2-E3B085C9AB24}">
+                <p16:designElem xmlns:p16="http://schemas.microsoft.com/office/powerpoint/2015/main" val="1"/>
+              </p:ext>
+            </p:extLst>
+          </p:nvPr>
+        </p:nvPicPr>
+        <p:blipFill>
+          <a:blip r:embed="rId2">
+            <a:extLst>
+              <a:ext uri="{28A0092B-C50C-407E-A947-70E740481C1C}">
+                <a14:useLocalDpi xmlns:a14="http://schemas.microsoft.com/office/drawing/2010/main" val="0"/>
+              </a:ext>
+            </a:extLst>
+          </a:blip>
+          <a:stretch>
+            <a:fillRect/>
+          </a:stretch>
+        </p:blipFill>
         <p:spPr>
           <a:xfrm>
-            <a:off x="1341302" y="1328565"/>
-            <a:ext cx="7780663" cy="584775"/>
+            <a:off x="2831794" y="2105202"/>
+            <a:ext cx="9360205" cy="4752798"/>
           </a:xfrm>
           <a:prstGeom prst="rect">
             <a:avLst/>
           </a:prstGeom>
-          <a:noFill/>
         </p:spPr>
+      </p:pic>
+      <p:pic>
+        <p:nvPicPr>
+          <p:cNvPr id="46" name="Picture 45">
+            <a:extLst>
+              <a:ext uri="{FF2B5EF4-FFF2-40B4-BE49-F238E27FC236}">
+                <a16:creationId xmlns:a16="http://schemas.microsoft.com/office/drawing/2014/main" id="{1F60EAEC-22E3-4448-8F0A-9ADAA793A95E}"/>
+              </a:ext>
+              <a:ext uri="{C183D7F6-B498-43B3-948B-1728B52AA6E4}">
+                <adec:decorative xmlns:adec="http://schemas.microsoft.com/office/drawing/2017/decorative" val="1"/>
+              </a:ext>
+            </a:extLst>
+          </p:cNvPr>
+          <p:cNvPicPr>
+            <a:picLocks noGrp="1" noRot="1" noChangeAspect="1" noMove="1" noResize="1" noEditPoints="1" noAdjustHandles="1" noChangeArrowheads="1" noChangeShapeType="1" noCrop="1"/>
+          </p:cNvPicPr>
+          <p:nvPr>
+            <p:extLst>
+              <p:ext uri="{386F3935-93C4-4BCD-93E2-E3B085C9AB24}">
+                <p16:designElem xmlns:p16="http://schemas.microsoft.com/office/powerpoint/2015/main" val="1"/>
+              </p:ext>
+            </p:extLst>
+          </p:nvPr>
+        </p:nvPicPr>
+        <p:blipFill>
+          <a:blip r:embed="rId3">
+            <a:extLst>
+              <a:ext uri="{28A0092B-C50C-407E-A947-70E740481C1C}">
+                <a14:useLocalDpi xmlns:a14="http://schemas.microsoft.com/office/drawing/2010/main" val="0"/>
+              </a:ext>
+            </a:extLst>
+          </a:blip>
+          <a:stretch>
+            <a:fillRect/>
+          </a:stretch>
+        </p:blipFill>
+        <p:spPr>
+          <a:xfrm>
+            <a:off x="0" y="0"/>
+            <a:ext cx="12189867" cy="6858000"/>
+          </a:xfrm>
+          <a:prstGeom prst="rect">
+            <a:avLst/>
+          </a:prstGeom>
+        </p:spPr>
+      </p:pic>
+      <p:sp>
+        <p:nvSpPr>
+          <p:cNvPr id="48" name="Rectangle 47">
+            <a:extLst>
+              <a:ext uri="{FF2B5EF4-FFF2-40B4-BE49-F238E27FC236}">
+                <a16:creationId xmlns:a16="http://schemas.microsoft.com/office/drawing/2014/main" id="{355E0F90-3FFF-4E04-B3C8-3C969A415D9C}"/>
+              </a:ext>
+              <a:ext uri="{C183D7F6-B498-43B3-948B-1728B52AA6E4}">
+                <adec:decorative xmlns:adec="http://schemas.microsoft.com/office/drawing/2017/decorative" val="1"/>
+              </a:ext>
+            </a:extLst>
+          </p:cNvPr>
+          <p:cNvSpPr>
+            <a:spLocks noGrp="1" noRot="1" noChangeAspect="1" noMove="1" noResize="1" noEditPoints="1" noAdjustHandles="1" noChangeArrowheads="1" noChangeShapeType="1" noTextEdit="1"/>
+          </p:cNvSpPr>
+          <p:nvPr>
+            <p:extLst>
+              <p:ext uri="{386F3935-93C4-4BCD-93E2-E3B085C9AB24}">
+                <p16:designElem xmlns:p16="http://schemas.microsoft.com/office/powerpoint/2015/main" val="1"/>
+              </p:ext>
+            </p:extLst>
+          </p:nvPr>
+        </p:nvSpPr>
+        <p:spPr>
+          <a:xfrm>
+            <a:off x="0" y="0"/>
+            <a:ext cx="964174" cy="6858000"/>
+          </a:xfrm>
+          <a:prstGeom prst="rect">
+            <a:avLst/>
+          </a:prstGeom>
+          <a:solidFill>
+            <a:schemeClr val="bg2"/>
+          </a:solidFill>
+          <a:ln>
+            <a:noFill/>
+          </a:ln>
+        </p:spPr>
+        <p:style>
+          <a:lnRef idx="2">
+            <a:schemeClr val="accent1">
+              <a:shade val="50000"/>
+            </a:schemeClr>
+          </a:lnRef>
+          <a:fillRef idx="1">
+            <a:schemeClr val="accent1"/>
+          </a:fillRef>
+          <a:effectRef idx="0">
+            <a:schemeClr val="accent1"/>
+          </a:effectRef>
+          <a:fontRef idx="minor">
+            <a:schemeClr val="lt1"/>
+          </a:fontRef>
+        </p:style>
         <p:txBody>
-          <a:bodyPr wrap="square">
-            <a:spAutoFit/>
-          </a:bodyPr>
+          <a:bodyPr/>
           <a:lstStyle/>
           <a:p>
-            <a:r>
-              <a:rPr lang="pt-BR" sz="3200" dirty="0"/>
-              <a:t>Relacionamentos</a:t>
-            </a:r>
+            <a:endParaRPr lang="pt-BR"/>
           </a:p>
         </p:txBody>
       </p:sp>
       <p:sp>
         <p:nvSpPr>
-          <p:cNvPr id="5" name="CaixaDeTexto 4">
+          <p:cNvPr id="50" name="Rectangle 49">
             <a:extLst>
               <a:ext uri="{FF2B5EF4-FFF2-40B4-BE49-F238E27FC236}">
-                <a16:creationId xmlns:a16="http://schemas.microsoft.com/office/drawing/2014/main" id="{EF90E511-8388-5FA5-03B7-E8162C0130CF}"/>
+                <a16:creationId xmlns:a16="http://schemas.microsoft.com/office/drawing/2014/main" id="{EC63A4EF-A033-4ED0-9EB6-6E1A8D264FE7}"/>
+              </a:ext>
+              <a:ext uri="{C183D7F6-B498-43B3-948B-1728B52AA6E4}">
+                <adec:decorative xmlns:adec="http://schemas.microsoft.com/office/drawing/2017/decorative" val="1"/>
               </a:ext>
             </a:extLst>
           </p:cNvPr>
-          <p:cNvSpPr txBox="1"/>
-          <p:nvPr/>
+          <p:cNvSpPr>
+            <a:spLocks noGrp="1" noRot="1" noChangeAspect="1" noMove="1" noResize="1" noEditPoints="1" noAdjustHandles="1" noChangeArrowheads="1" noChangeShapeType="1" noTextEdit="1"/>
+          </p:cNvSpPr>
+          <p:nvPr>
+            <p:extLst>
+              <p:ext uri="{386F3935-93C4-4BCD-93E2-E3B085C9AB24}">
+                <p16:designElem xmlns:p16="http://schemas.microsoft.com/office/powerpoint/2015/main" val="1"/>
+              </p:ext>
+            </p:extLst>
+          </p:nvPr>
         </p:nvSpPr>
         <p:spPr>
           <a:xfrm>
-            <a:off x="1176050" y="2619515"/>
-            <a:ext cx="6097836" cy="1754326"/>
+            <a:off x="962042" y="0"/>
+            <a:ext cx="45719" cy="6858000"/>
           </a:xfrm>
           <a:prstGeom prst="rect">
             <a:avLst/>
           </a:prstGeom>
-          <a:noFill/>
+          <a:solidFill>
+            <a:schemeClr val="accent6"/>
+          </a:solidFill>
+          <a:ln>
+            <a:noFill/>
+          </a:ln>
         </p:spPr>
+        <p:style>
+          <a:lnRef idx="2">
+            <a:schemeClr val="accent1">
+              <a:shade val="50000"/>
+            </a:schemeClr>
+          </a:lnRef>
+          <a:fillRef idx="1">
+            <a:schemeClr val="accent1"/>
+          </a:fillRef>
+          <a:effectRef idx="0">
+            <a:schemeClr val="accent1"/>
+          </a:effectRef>
+          <a:fontRef idx="minor">
+            <a:schemeClr val="lt1"/>
+          </a:fontRef>
+        </p:style>
         <p:txBody>
-          <a:bodyPr wrap="square">
-            <a:spAutoFit/>
-          </a:bodyPr>
+          <a:bodyPr/>
           <a:lstStyle/>
           <a:p>
-            <a:pPr marL="285750" indent="-285750">
-              <a:buFont typeface="Arial" panose="020B0604020202020204" pitchFamily="34" charset="0"/>
-              <a:buChar char="•"/>
-            </a:pPr>
-            <a:r>
-              <a:rPr lang="pt-BR" dirty="0"/>
-              <a:t>Um para muitos (ordenação no sentido de tempo, usado para dar sentidos a legendas de fotos).</a:t>
-            </a:r>
-          </a:p>
-          <a:p>
-            <a:pPr marL="285750" indent="-285750">
-              <a:buFont typeface="Arial" panose="020B0604020202020204" pitchFamily="34" charset="0"/>
-              <a:buChar char="•"/>
-            </a:pPr>
-            <a:r>
-              <a:rPr lang="pt-BR" dirty="0"/>
-              <a:t>Muitos para um (muitas informações para produzir um único resultado, usado em análise de sentimentos)</a:t>
-            </a:r>
-          </a:p>
-          <a:p>
-            <a:pPr marL="285750" indent="-285750">
-              <a:buFont typeface="Arial" panose="020B0604020202020204" pitchFamily="34" charset="0"/>
-              <a:buChar char="•"/>
-            </a:pPr>
-            <a:r>
-              <a:rPr lang="pt-BR" dirty="0"/>
-              <a:t>Muitos para muitos  (contextos, exemplo prático é legendas de filmes)</a:t>
-            </a:r>
+            <a:endParaRPr lang="pt-BR"/>
           </a:p>
         </p:txBody>
       </p:sp>
+      <p:sp>
+        <p:nvSpPr>
+          <p:cNvPr id="52" name="Rectangle 51">
+            <a:extLst>
+              <a:ext uri="{FF2B5EF4-FFF2-40B4-BE49-F238E27FC236}">
+                <a16:creationId xmlns:a16="http://schemas.microsoft.com/office/drawing/2014/main" id="{964965EE-80F2-417F-9652-5BFF14DA7CDD}"/>
+              </a:ext>
+              <a:ext uri="{C183D7F6-B498-43B3-948B-1728B52AA6E4}">
+                <adec:decorative xmlns:adec="http://schemas.microsoft.com/office/drawing/2017/decorative" val="1"/>
+              </a:ext>
+            </a:extLst>
+          </p:cNvPr>
+          <p:cNvSpPr>
+            <a:spLocks noGrp="1" noRot="1" noChangeAspect="1" noMove="1" noResize="1" noEditPoints="1" noAdjustHandles="1" noChangeArrowheads="1" noChangeShapeType="1" noTextEdit="1"/>
+          </p:cNvSpPr>
+          <p:nvPr>
+            <p:extLst>
+              <p:ext uri="{386F3935-93C4-4BCD-93E2-E3B085C9AB24}">
+                <p16:designElem xmlns:p16="http://schemas.microsoft.com/office/powerpoint/2015/main" val="1"/>
+              </p:ext>
+            </p:extLst>
+          </p:nvPr>
+        </p:nvSpPr>
+        <p:spPr>
+          <a:xfrm>
+            <a:off x="1004479" y="0"/>
+            <a:ext cx="10372316" cy="6858000"/>
+          </a:xfrm>
+          <a:prstGeom prst="rect">
+            <a:avLst/>
+          </a:prstGeom>
+          <a:solidFill>
+            <a:schemeClr val="bg2">
+              <a:alpha val="92000"/>
+            </a:schemeClr>
+          </a:solidFill>
+          <a:ln>
+            <a:noFill/>
+          </a:ln>
+        </p:spPr>
+        <p:style>
+          <a:lnRef idx="2">
+            <a:schemeClr val="accent1">
+              <a:shade val="50000"/>
+            </a:schemeClr>
+          </a:lnRef>
+          <a:fillRef idx="1">
+            <a:schemeClr val="accent1"/>
+          </a:fillRef>
+          <a:effectRef idx="0">
+            <a:schemeClr val="accent1"/>
+          </a:effectRef>
+          <a:fontRef idx="minor">
+            <a:schemeClr val="lt1"/>
+          </a:fontRef>
+        </p:style>
+        <p:txBody>
+          <a:bodyPr/>
+          <a:lstStyle/>
+          <a:p>
+            <a:endParaRPr lang="pt-BR"/>
+          </a:p>
+        </p:txBody>
+      </p:sp>
+      <p:sp>
+        <p:nvSpPr>
+          <p:cNvPr id="54" name="Rectangle 53">
+            <a:extLst>
+              <a:ext uri="{FF2B5EF4-FFF2-40B4-BE49-F238E27FC236}">
+                <a16:creationId xmlns:a16="http://schemas.microsoft.com/office/drawing/2014/main" id="{AA3C9611-CFD7-4C23-A8F2-00E7865A5D02}"/>
+              </a:ext>
+              <a:ext uri="{C183D7F6-B498-43B3-948B-1728B52AA6E4}">
+                <adec:decorative xmlns:adec="http://schemas.microsoft.com/office/drawing/2017/decorative" val="1"/>
+              </a:ext>
+            </a:extLst>
+          </p:cNvPr>
+          <p:cNvSpPr>
+            <a:spLocks noGrp="1" noRot="1" noChangeAspect="1" noMove="1" noResize="1" noEditPoints="1" noAdjustHandles="1" noChangeArrowheads="1" noChangeShapeType="1" noTextEdit="1"/>
+          </p:cNvSpPr>
+          <p:nvPr>
+            <p:extLst>
+              <p:ext uri="{386F3935-93C4-4BCD-93E2-E3B085C9AB24}">
+                <p16:designElem xmlns:p16="http://schemas.microsoft.com/office/powerpoint/2015/main" val="1"/>
+              </p:ext>
+            </p:extLst>
+          </p:nvPr>
+        </p:nvSpPr>
+        <p:spPr>
+          <a:xfrm>
+            <a:off x="11377328" y="0"/>
+            <a:ext cx="27432" cy="6858000"/>
+          </a:xfrm>
+          <a:prstGeom prst="rect">
+            <a:avLst/>
+          </a:prstGeom>
+          <a:solidFill>
+            <a:schemeClr val="accent6"/>
+          </a:solidFill>
+          <a:ln>
+            <a:noFill/>
+          </a:ln>
+        </p:spPr>
+        <p:style>
+          <a:lnRef idx="2">
+            <a:schemeClr val="accent1">
+              <a:shade val="50000"/>
+            </a:schemeClr>
+          </a:lnRef>
+          <a:fillRef idx="1">
+            <a:schemeClr val="accent1"/>
+          </a:fillRef>
+          <a:effectRef idx="0">
+            <a:schemeClr val="accent1"/>
+          </a:effectRef>
+          <a:fontRef idx="minor">
+            <a:schemeClr val="lt1"/>
+          </a:fontRef>
+        </p:style>
+        <p:txBody>
+          <a:bodyPr/>
+          <a:lstStyle/>
+          <a:p>
+            <a:endParaRPr lang="pt-BR"/>
+          </a:p>
+        </p:txBody>
+      </p:sp>
+      <p:sp useBgFill="1">
+        <p:nvSpPr>
+          <p:cNvPr id="56" name="Rectangle 55">
+            <a:extLst>
+              <a:ext uri="{FF2B5EF4-FFF2-40B4-BE49-F238E27FC236}">
+                <a16:creationId xmlns:a16="http://schemas.microsoft.com/office/drawing/2014/main" id="{DD198664-99F1-44BC-BBCD-4265763F522C}"/>
+              </a:ext>
+              <a:ext uri="{C183D7F6-B498-43B3-948B-1728B52AA6E4}">
+                <adec:decorative xmlns:adec="http://schemas.microsoft.com/office/drawing/2017/decorative" val="1"/>
+              </a:ext>
+            </a:extLst>
+          </p:cNvPr>
+          <p:cNvSpPr>
+            <a:spLocks noGrp="1" noRot="1" noChangeAspect="1" noMove="1" noResize="1" noEditPoints="1" noAdjustHandles="1" noChangeArrowheads="1" noChangeShapeType="1" noTextEdit="1"/>
+          </p:cNvSpPr>
+          <p:nvPr>
+            <p:extLst>
+              <p:ext uri="{386F3935-93C4-4BCD-93E2-E3B085C9AB24}">
+                <p16:designElem xmlns:p16="http://schemas.microsoft.com/office/powerpoint/2015/main" val="1"/>
+              </p:ext>
+            </p:extLst>
+          </p:nvPr>
+        </p:nvSpPr>
+        <p:spPr>
+          <a:xfrm>
+            <a:off x="0" y="0"/>
+            <a:ext cx="12192000" cy="6858000"/>
+          </a:xfrm>
+          <a:prstGeom prst="rect">
+            <a:avLst/>
+          </a:prstGeom>
+          <a:ln>
+            <a:noFill/>
+          </a:ln>
+        </p:spPr>
+        <p:style>
+          <a:lnRef idx="2">
+            <a:schemeClr val="accent1">
+              <a:shade val="50000"/>
+            </a:schemeClr>
+          </a:lnRef>
+          <a:fillRef idx="1">
+            <a:schemeClr val="accent1"/>
+          </a:fillRef>
+          <a:effectRef idx="0">
+            <a:schemeClr val="accent1"/>
+          </a:effectRef>
+          <a:fontRef idx="minor">
+            <a:schemeClr val="lt1"/>
+          </a:fontRef>
+        </p:style>
+        <p:txBody>
+          <a:bodyPr rtlCol="0" anchor="ctr"/>
+          <a:lstStyle/>
+          <a:p>
+            <a:pPr algn="ctr"/>
+            <a:endParaRPr lang="en-US"/>
+          </a:p>
+        </p:txBody>
+      </p:sp>
+      <p:pic>
+        <p:nvPicPr>
+          <p:cNvPr id="4" name="Imagem 3" descr="Uma imagem contendo Gráfico&#10;&#10;Descrição gerada automaticamente">
+            <a:extLst>
+              <a:ext uri="{FF2B5EF4-FFF2-40B4-BE49-F238E27FC236}">
+                <a16:creationId xmlns:a16="http://schemas.microsoft.com/office/drawing/2014/main" id="{0A8B6B6B-2715-8C73-671C-891107210B7B}"/>
+              </a:ext>
+            </a:extLst>
+          </p:cNvPr>
+          <p:cNvPicPr>
+            <a:picLocks noChangeAspect="1"/>
+          </p:cNvPicPr>
+          <p:nvPr/>
+        </p:nvPicPr>
+        <p:blipFill>
+          <a:blip r:embed="rId4"/>
+          <a:stretch>
+            <a:fillRect/>
+          </a:stretch>
+        </p:blipFill>
+        <p:spPr>
+          <a:xfrm>
+            <a:off x="643467" y="1343406"/>
+            <a:ext cx="10905066" cy="4171187"/>
+          </a:xfrm>
+          <a:prstGeom prst="rect">
+            <a:avLst/>
+          </a:prstGeom>
+        </p:spPr>
+      </p:pic>
     </p:spTree>
     <p:extLst>
       <p:ext uri="{BB962C8B-B14F-4D97-AF65-F5344CB8AC3E}">
-        <p14:creationId xmlns:p14="http://schemas.microsoft.com/office/powerpoint/2010/main" val="774393874"/>
+        <p14:creationId xmlns:p14="http://schemas.microsoft.com/office/powerpoint/2010/main" val="3951909114"/>
       </p:ext>
     </p:extLst>
   </p:cSld>
   <p:clrMapOvr>
-    <a:masterClrMapping/>
+    <a:overrideClrMapping bg1="lt1" tx1="dk1" bg2="lt2" tx2="dk2" accent1="accent1" accent2="accent2" accent3="accent3" accent4="accent4" accent5="accent5" accent6="accent6" hlink="hlink" folHlink="folHlink"/>
   </p:clrMapOvr>
-  <p:timing>
-    <p:tnLst>
-      <p:par>
-        <p:cTn id="1" dur="indefinite" restart="never" nodeType="tmRoot">
-          <p:childTnLst>
-            <p:seq concurrent="1" nextAc="seek">
-              <p:cTn id="2" dur="indefinite" nodeType="mainSeq">
-                <p:childTnLst>
-                  <p:par>
-                    <p:cTn id="3" fill="hold">
-                      <p:stCondLst>
-                        <p:cond delay="indefinite"/>
-                      </p:stCondLst>
-                      <p:childTnLst>
-                        <p:par>
-                          <p:cTn id="4" fill="hold">
-                            <p:stCondLst>
-                              <p:cond delay="0"/>
-                            </p:stCondLst>
-                            <p:childTnLst>
-                              <p:par>
-                                <p:cTn id="5" presetID="1" presetClass="entr" presetSubtype="0" fill="hold" nodeType="clickEffect">
-                                  <p:stCondLst>
-                                    <p:cond delay="0"/>
-                                  </p:stCondLst>
-                                  <p:childTnLst>
-                                    <p:set>
-                                      <p:cBhvr>
-                                        <p:cTn id="6" dur="1" fill="hold">
-                                          <p:stCondLst>
-                                            <p:cond delay="0"/>
-                                          </p:stCondLst>
-                                        </p:cTn>
-                                        <p:tgtEl>
-                                          <p:spTgt spid="5">
-                                            <p:txEl>
-                                              <p:pRg st="0" end="0"/>
-                                            </p:txEl>
-                                          </p:spTgt>
-                                        </p:tgtEl>
-                                        <p:attrNameLst>
-                                          <p:attrName>style.visibility</p:attrName>
-                                        </p:attrNameLst>
-                                      </p:cBhvr>
-                                      <p:to>
-                                        <p:strVal val="visible"/>
-                                      </p:to>
-                                    </p:set>
-                                  </p:childTnLst>
-                                </p:cTn>
-                              </p:par>
-                            </p:childTnLst>
-                          </p:cTn>
-                        </p:par>
-                      </p:childTnLst>
-                    </p:cTn>
-                  </p:par>
-                  <p:par>
-                    <p:cTn id="7" fill="hold">
-                      <p:stCondLst>
-                        <p:cond delay="indefinite"/>
-                      </p:stCondLst>
-                      <p:childTnLst>
-                        <p:par>
-                          <p:cTn id="8" fill="hold">
-                            <p:stCondLst>
-                              <p:cond delay="0"/>
-                            </p:stCondLst>
-                            <p:childTnLst>
-                              <p:par>
-                                <p:cTn id="9" presetID="1" presetClass="entr" presetSubtype="0" fill="hold" nodeType="clickEffect">
-                                  <p:stCondLst>
-                                    <p:cond delay="0"/>
-                                  </p:stCondLst>
-                                  <p:childTnLst>
-                                    <p:set>
-                                      <p:cBhvr>
-                                        <p:cTn id="10" dur="1" fill="hold">
-                                          <p:stCondLst>
-                                            <p:cond delay="0"/>
-                                          </p:stCondLst>
-                                        </p:cTn>
-                                        <p:tgtEl>
-                                          <p:spTgt spid="5">
-                                            <p:txEl>
-                                              <p:pRg st="1" end="1"/>
-                                            </p:txEl>
-                                          </p:spTgt>
-                                        </p:tgtEl>
-                                        <p:attrNameLst>
-                                          <p:attrName>style.visibility</p:attrName>
-                                        </p:attrNameLst>
-                                      </p:cBhvr>
-                                      <p:to>
-                                        <p:strVal val="visible"/>
-                                      </p:to>
-                                    </p:set>
-                                  </p:childTnLst>
-                                </p:cTn>
-                              </p:par>
-                            </p:childTnLst>
-                          </p:cTn>
-                        </p:par>
-                      </p:childTnLst>
-                    </p:cTn>
-                  </p:par>
-                  <p:par>
-                    <p:cTn id="11" fill="hold">
-                      <p:stCondLst>
-                        <p:cond delay="indefinite"/>
-                      </p:stCondLst>
-                      <p:childTnLst>
-                        <p:par>
-                          <p:cTn id="12" fill="hold">
-                            <p:stCondLst>
-                              <p:cond delay="0"/>
-                            </p:stCondLst>
-                            <p:childTnLst>
-                              <p:par>
-                                <p:cTn id="13" presetID="1" presetClass="entr" presetSubtype="0" fill="hold" nodeType="clickEffect">
-                                  <p:stCondLst>
-                                    <p:cond delay="0"/>
-                                  </p:stCondLst>
-                                  <p:childTnLst>
-                                    <p:set>
-                                      <p:cBhvr>
-                                        <p:cTn id="14" dur="1" fill="hold">
-                                          <p:stCondLst>
-                                            <p:cond delay="0"/>
-                                          </p:stCondLst>
-                                        </p:cTn>
-                                        <p:tgtEl>
-                                          <p:spTgt spid="5">
-                                            <p:txEl>
-                                              <p:pRg st="2" end="2"/>
-                                            </p:txEl>
-                                          </p:spTgt>
-                                        </p:tgtEl>
-                                        <p:attrNameLst>
-                                          <p:attrName>style.visibility</p:attrName>
-                                        </p:attrNameLst>
-                                      </p:cBhvr>
-                                      <p:to>
-                                        <p:strVal val="visible"/>
-                                      </p:to>
-                                    </p:set>
-                                  </p:childTnLst>
-                                </p:cTn>
-                              </p:par>
-                            </p:childTnLst>
-                          </p:cTn>
-                        </p:par>
-                      </p:childTnLst>
-                    </p:cTn>
-                  </p:par>
-                </p:childTnLst>
-              </p:cTn>
-              <p:prevCondLst>
-                <p:cond evt="onPrev" delay="0">
-                  <p:tgtEl>
-                    <p:sldTgt/>
-                  </p:tgtEl>
-                </p:cond>
-              </p:prevCondLst>
-              <p:nextCondLst>
-                <p:cond evt="onNext" delay="0">
-                  <p:tgtEl>
-                    <p:sldTgt/>
-                  </p:tgtEl>
-                </p:cond>
-              </p:nextCondLst>
-            </p:seq>
-          </p:childTnLst>
-        </p:cTn>
-      </p:par>
-    </p:tnLst>
-  </p:timing>
+  <mc:AlternateContent xmlns:mc="http://schemas.openxmlformats.org/markup-compatibility/2006">
+    <mc:Choice xmlns:p14="http://schemas.microsoft.com/office/powerpoint/2010/main" Requires="p14">
+      <p:transition spd="med" p14:dur="700">
+        <p:fade/>
+      </p:transition>
+    </mc:Choice>
+    <mc:Fallback>
+      <p:transition spd="med">
+        <p:fade/>
+      </p:transition>
+    </mc:Fallback>
+  </mc:AlternateContent>
 </p:sld>
 </file>
 
 <file path=ppt/slides/slide25.xml><?xml version="1.0" encoding="utf-8"?>
+<p:sld xmlns:a="http://schemas.openxmlformats.org/drawingml/2006/main" xmlns:r="http://schemas.openxmlformats.org/officeDocument/2006/relationships" xmlns:p="http://schemas.openxmlformats.org/presentationml/2006/main">
+  <p:cSld>
+    <p:bg>
+      <p:bgPr>
+        <a:solidFill>
+          <a:schemeClr val="bg1"/>
+        </a:solidFill>
+        <a:effectLst/>
+      </p:bgPr>
+    </p:bg>
+    <p:spTree>
+      <p:nvGrpSpPr>
+        <p:cNvPr id="1" name=""/>
+        <p:cNvGrpSpPr/>
+        <p:nvPr/>
+      </p:nvGrpSpPr>
+      <p:grpSpPr>
+        <a:xfrm>
+          <a:off x="0" y="0"/>
+          <a:ext cx="0" cy="0"/>
+          <a:chOff x="0" y="0"/>
+          <a:chExt cx="0" cy="0"/>
+        </a:xfrm>
+      </p:grpSpPr>
+      <p:pic>
+        <p:nvPicPr>
+          <p:cNvPr id="61" name="Picture 60">
+            <a:extLst>
+              <a:ext uri="{FF2B5EF4-FFF2-40B4-BE49-F238E27FC236}">
+                <a16:creationId xmlns:a16="http://schemas.microsoft.com/office/drawing/2014/main" id="{722F0272-3878-4604-AA91-01CA8F08DEF5}"/>
+              </a:ext>
+              <a:ext uri="{C183D7F6-B498-43B3-948B-1728B52AA6E4}">
+                <adec:decorative xmlns:adec="http://schemas.microsoft.com/office/drawing/2017/decorative" val="1"/>
+              </a:ext>
+            </a:extLst>
+          </p:cNvPr>
+          <p:cNvPicPr>
+            <a:picLocks noGrp="1" noRot="1" noChangeAspect="1" noMove="1" noResize="1" noEditPoints="1" noAdjustHandles="1" noChangeArrowheads="1" noChangeShapeType="1" noCrop="1"/>
+          </p:cNvPicPr>
+          <p:nvPr>
+            <p:extLst>
+              <p:ext uri="{386F3935-93C4-4BCD-93E2-E3B085C9AB24}">
+                <p16:designElem xmlns:p16="http://schemas.microsoft.com/office/powerpoint/2015/main" val="1"/>
+              </p:ext>
+            </p:extLst>
+          </p:nvPr>
+        </p:nvPicPr>
+        <p:blipFill>
+          <a:blip r:embed="rId2">
+            <a:extLst>
+              <a:ext uri="{28A0092B-C50C-407E-A947-70E740481C1C}">
+                <a14:useLocalDpi xmlns:a14="http://schemas.microsoft.com/office/drawing/2010/main" val="0"/>
+              </a:ext>
+            </a:extLst>
+          </a:blip>
+          <a:stretch>
+            <a:fillRect/>
+          </a:stretch>
+        </p:blipFill>
+        <p:spPr>
+          <a:xfrm>
+            <a:off x="2831794" y="2105202"/>
+            <a:ext cx="9360205" cy="4752798"/>
+          </a:xfrm>
+          <a:prstGeom prst="rect">
+            <a:avLst/>
+          </a:prstGeom>
+        </p:spPr>
+      </p:pic>
+      <p:pic>
+        <p:nvPicPr>
+          <p:cNvPr id="63" name="Picture 62">
+            <a:extLst>
+              <a:ext uri="{FF2B5EF4-FFF2-40B4-BE49-F238E27FC236}">
+                <a16:creationId xmlns:a16="http://schemas.microsoft.com/office/drawing/2014/main" id="{1F60EAEC-22E3-4448-8F0A-9ADAA793A95E}"/>
+              </a:ext>
+              <a:ext uri="{C183D7F6-B498-43B3-948B-1728B52AA6E4}">
+                <adec:decorative xmlns:adec="http://schemas.microsoft.com/office/drawing/2017/decorative" val="1"/>
+              </a:ext>
+            </a:extLst>
+          </p:cNvPr>
+          <p:cNvPicPr>
+            <a:picLocks noGrp="1" noRot="1" noChangeAspect="1" noMove="1" noResize="1" noEditPoints="1" noAdjustHandles="1" noChangeArrowheads="1" noChangeShapeType="1" noCrop="1"/>
+          </p:cNvPicPr>
+          <p:nvPr>
+            <p:extLst>
+              <p:ext uri="{386F3935-93C4-4BCD-93E2-E3B085C9AB24}">
+                <p16:designElem xmlns:p16="http://schemas.microsoft.com/office/powerpoint/2015/main" val="1"/>
+              </p:ext>
+            </p:extLst>
+          </p:nvPr>
+        </p:nvPicPr>
+        <p:blipFill>
+          <a:blip r:embed="rId3">
+            <a:extLst>
+              <a:ext uri="{28A0092B-C50C-407E-A947-70E740481C1C}">
+                <a14:useLocalDpi xmlns:a14="http://schemas.microsoft.com/office/drawing/2010/main" val="0"/>
+              </a:ext>
+            </a:extLst>
+          </a:blip>
+          <a:stretch>
+            <a:fillRect/>
+          </a:stretch>
+        </p:blipFill>
+        <p:spPr>
+          <a:xfrm>
+            <a:off x="0" y="0"/>
+            <a:ext cx="12189867" cy="6858000"/>
+          </a:xfrm>
+          <a:prstGeom prst="rect">
+            <a:avLst/>
+          </a:prstGeom>
+        </p:spPr>
+      </p:pic>
+      <p:sp>
+        <p:nvSpPr>
+          <p:cNvPr id="65" name="Rectangle 64">
+            <a:extLst>
+              <a:ext uri="{FF2B5EF4-FFF2-40B4-BE49-F238E27FC236}">
+                <a16:creationId xmlns:a16="http://schemas.microsoft.com/office/drawing/2014/main" id="{355E0F90-3FFF-4E04-B3C8-3C969A415D9C}"/>
+              </a:ext>
+              <a:ext uri="{C183D7F6-B498-43B3-948B-1728B52AA6E4}">
+                <adec:decorative xmlns:adec="http://schemas.microsoft.com/office/drawing/2017/decorative" val="1"/>
+              </a:ext>
+            </a:extLst>
+          </p:cNvPr>
+          <p:cNvSpPr>
+            <a:spLocks noGrp="1" noRot="1" noChangeAspect="1" noMove="1" noResize="1" noEditPoints="1" noAdjustHandles="1" noChangeArrowheads="1" noChangeShapeType="1" noTextEdit="1"/>
+          </p:cNvSpPr>
+          <p:nvPr>
+            <p:extLst>
+              <p:ext uri="{386F3935-93C4-4BCD-93E2-E3B085C9AB24}">
+                <p16:designElem xmlns:p16="http://schemas.microsoft.com/office/powerpoint/2015/main" val="1"/>
+              </p:ext>
+            </p:extLst>
+          </p:nvPr>
+        </p:nvSpPr>
+        <p:spPr>
+          <a:xfrm>
+            <a:off x="0" y="0"/>
+            <a:ext cx="964174" cy="6858000"/>
+          </a:xfrm>
+          <a:prstGeom prst="rect">
+            <a:avLst/>
+          </a:prstGeom>
+          <a:solidFill>
+            <a:schemeClr val="bg2"/>
+          </a:solidFill>
+          <a:ln>
+            <a:noFill/>
+          </a:ln>
+        </p:spPr>
+        <p:style>
+          <a:lnRef idx="2">
+            <a:schemeClr val="accent1">
+              <a:shade val="50000"/>
+            </a:schemeClr>
+          </a:lnRef>
+          <a:fillRef idx="1">
+            <a:schemeClr val="accent1"/>
+          </a:fillRef>
+          <a:effectRef idx="0">
+            <a:schemeClr val="accent1"/>
+          </a:effectRef>
+          <a:fontRef idx="minor">
+            <a:schemeClr val="lt1"/>
+          </a:fontRef>
+        </p:style>
+        <p:txBody>
+          <a:bodyPr/>
+          <a:lstStyle/>
+          <a:p>
+            <a:endParaRPr lang="pt-BR"/>
+          </a:p>
+        </p:txBody>
+      </p:sp>
+      <p:sp>
+        <p:nvSpPr>
+          <p:cNvPr id="67" name="Rectangle 66">
+            <a:extLst>
+              <a:ext uri="{FF2B5EF4-FFF2-40B4-BE49-F238E27FC236}">
+                <a16:creationId xmlns:a16="http://schemas.microsoft.com/office/drawing/2014/main" id="{EC63A4EF-A033-4ED0-9EB6-6E1A8D264FE7}"/>
+              </a:ext>
+              <a:ext uri="{C183D7F6-B498-43B3-948B-1728B52AA6E4}">
+                <adec:decorative xmlns:adec="http://schemas.microsoft.com/office/drawing/2017/decorative" val="1"/>
+              </a:ext>
+            </a:extLst>
+          </p:cNvPr>
+          <p:cNvSpPr>
+            <a:spLocks noGrp="1" noRot="1" noChangeAspect="1" noMove="1" noResize="1" noEditPoints="1" noAdjustHandles="1" noChangeArrowheads="1" noChangeShapeType="1" noTextEdit="1"/>
+          </p:cNvSpPr>
+          <p:nvPr>
+            <p:extLst>
+              <p:ext uri="{386F3935-93C4-4BCD-93E2-E3B085C9AB24}">
+                <p16:designElem xmlns:p16="http://schemas.microsoft.com/office/powerpoint/2015/main" val="1"/>
+              </p:ext>
+            </p:extLst>
+          </p:nvPr>
+        </p:nvSpPr>
+        <p:spPr>
+          <a:xfrm>
+            <a:off x="962042" y="0"/>
+            <a:ext cx="45719" cy="6858000"/>
+          </a:xfrm>
+          <a:prstGeom prst="rect">
+            <a:avLst/>
+          </a:prstGeom>
+          <a:solidFill>
+            <a:schemeClr val="accent6"/>
+          </a:solidFill>
+          <a:ln>
+            <a:noFill/>
+          </a:ln>
+        </p:spPr>
+        <p:style>
+          <a:lnRef idx="2">
+            <a:schemeClr val="accent1">
+              <a:shade val="50000"/>
+            </a:schemeClr>
+          </a:lnRef>
+          <a:fillRef idx="1">
+            <a:schemeClr val="accent1"/>
+          </a:fillRef>
+          <a:effectRef idx="0">
+            <a:schemeClr val="accent1"/>
+          </a:effectRef>
+          <a:fontRef idx="minor">
+            <a:schemeClr val="lt1"/>
+          </a:fontRef>
+        </p:style>
+        <p:txBody>
+          <a:bodyPr/>
+          <a:lstStyle/>
+          <a:p>
+            <a:endParaRPr lang="pt-BR"/>
+          </a:p>
+        </p:txBody>
+      </p:sp>
+      <p:sp>
+        <p:nvSpPr>
+          <p:cNvPr id="69" name="Rectangle 68">
+            <a:extLst>
+              <a:ext uri="{FF2B5EF4-FFF2-40B4-BE49-F238E27FC236}">
+                <a16:creationId xmlns:a16="http://schemas.microsoft.com/office/drawing/2014/main" id="{964965EE-80F2-417F-9652-5BFF14DA7CDD}"/>
+              </a:ext>
+              <a:ext uri="{C183D7F6-B498-43B3-948B-1728B52AA6E4}">
+                <adec:decorative xmlns:adec="http://schemas.microsoft.com/office/drawing/2017/decorative" val="1"/>
+              </a:ext>
+            </a:extLst>
+          </p:cNvPr>
+          <p:cNvSpPr>
+            <a:spLocks noGrp="1" noRot="1" noChangeAspect="1" noMove="1" noResize="1" noEditPoints="1" noAdjustHandles="1" noChangeArrowheads="1" noChangeShapeType="1" noTextEdit="1"/>
+          </p:cNvSpPr>
+          <p:nvPr>
+            <p:extLst>
+              <p:ext uri="{386F3935-93C4-4BCD-93E2-E3B085C9AB24}">
+                <p16:designElem xmlns:p16="http://schemas.microsoft.com/office/powerpoint/2015/main" val="1"/>
+              </p:ext>
+            </p:extLst>
+          </p:nvPr>
+        </p:nvSpPr>
+        <p:spPr>
+          <a:xfrm>
+            <a:off x="1004479" y="0"/>
+            <a:ext cx="10372316" cy="6858000"/>
+          </a:xfrm>
+          <a:prstGeom prst="rect">
+            <a:avLst/>
+          </a:prstGeom>
+          <a:solidFill>
+            <a:schemeClr val="bg2">
+              <a:alpha val="92000"/>
+            </a:schemeClr>
+          </a:solidFill>
+          <a:ln>
+            <a:noFill/>
+          </a:ln>
+        </p:spPr>
+        <p:style>
+          <a:lnRef idx="2">
+            <a:schemeClr val="accent1">
+              <a:shade val="50000"/>
+            </a:schemeClr>
+          </a:lnRef>
+          <a:fillRef idx="1">
+            <a:schemeClr val="accent1"/>
+          </a:fillRef>
+          <a:effectRef idx="0">
+            <a:schemeClr val="accent1"/>
+          </a:effectRef>
+          <a:fontRef idx="minor">
+            <a:schemeClr val="lt1"/>
+          </a:fontRef>
+        </p:style>
+        <p:txBody>
+          <a:bodyPr/>
+          <a:lstStyle/>
+          <a:p>
+            <a:endParaRPr lang="pt-BR"/>
+          </a:p>
+        </p:txBody>
+      </p:sp>
+      <p:sp>
+        <p:nvSpPr>
+          <p:cNvPr id="71" name="Rectangle 70">
+            <a:extLst>
+              <a:ext uri="{FF2B5EF4-FFF2-40B4-BE49-F238E27FC236}">
+                <a16:creationId xmlns:a16="http://schemas.microsoft.com/office/drawing/2014/main" id="{AA3C9611-CFD7-4C23-A8F2-00E7865A5D02}"/>
+              </a:ext>
+              <a:ext uri="{C183D7F6-B498-43B3-948B-1728B52AA6E4}">
+                <adec:decorative xmlns:adec="http://schemas.microsoft.com/office/drawing/2017/decorative" val="1"/>
+              </a:ext>
+            </a:extLst>
+          </p:cNvPr>
+          <p:cNvSpPr>
+            <a:spLocks noGrp="1" noRot="1" noChangeAspect="1" noMove="1" noResize="1" noEditPoints="1" noAdjustHandles="1" noChangeArrowheads="1" noChangeShapeType="1" noTextEdit="1"/>
+          </p:cNvSpPr>
+          <p:nvPr>
+            <p:extLst>
+              <p:ext uri="{386F3935-93C4-4BCD-93E2-E3B085C9AB24}">
+                <p16:designElem xmlns:p16="http://schemas.microsoft.com/office/powerpoint/2015/main" val="1"/>
+              </p:ext>
+            </p:extLst>
+          </p:nvPr>
+        </p:nvSpPr>
+        <p:spPr>
+          <a:xfrm>
+            <a:off x="11377328" y="0"/>
+            <a:ext cx="27432" cy="6858000"/>
+          </a:xfrm>
+          <a:prstGeom prst="rect">
+            <a:avLst/>
+          </a:prstGeom>
+          <a:solidFill>
+            <a:schemeClr val="accent6"/>
+          </a:solidFill>
+          <a:ln>
+            <a:noFill/>
+          </a:ln>
+        </p:spPr>
+        <p:style>
+          <a:lnRef idx="2">
+            <a:schemeClr val="accent1">
+              <a:shade val="50000"/>
+            </a:schemeClr>
+          </a:lnRef>
+          <a:fillRef idx="1">
+            <a:schemeClr val="accent1"/>
+          </a:fillRef>
+          <a:effectRef idx="0">
+            <a:schemeClr val="accent1"/>
+          </a:effectRef>
+          <a:fontRef idx="minor">
+            <a:schemeClr val="lt1"/>
+          </a:fontRef>
+        </p:style>
+        <p:txBody>
+          <a:bodyPr/>
+          <a:lstStyle/>
+          <a:p>
+            <a:endParaRPr lang="pt-BR"/>
+          </a:p>
+        </p:txBody>
+      </p:sp>
+      <p:sp useBgFill="1">
+        <p:nvSpPr>
+          <p:cNvPr id="73" name="Rectangle 72">
+            <a:extLst>
+              <a:ext uri="{FF2B5EF4-FFF2-40B4-BE49-F238E27FC236}">
+                <a16:creationId xmlns:a16="http://schemas.microsoft.com/office/drawing/2014/main" id="{DD198664-99F1-44BC-BBCD-4265763F522C}"/>
+              </a:ext>
+              <a:ext uri="{C183D7F6-B498-43B3-948B-1728B52AA6E4}">
+                <adec:decorative xmlns:adec="http://schemas.microsoft.com/office/drawing/2017/decorative" val="1"/>
+              </a:ext>
+            </a:extLst>
+          </p:cNvPr>
+          <p:cNvSpPr>
+            <a:spLocks noGrp="1" noRot="1" noChangeAspect="1" noMove="1" noResize="1" noEditPoints="1" noAdjustHandles="1" noChangeArrowheads="1" noChangeShapeType="1" noTextEdit="1"/>
+          </p:cNvSpPr>
+          <p:nvPr>
+            <p:extLst>
+              <p:ext uri="{386F3935-93C4-4BCD-93E2-E3B085C9AB24}">
+                <p16:designElem xmlns:p16="http://schemas.microsoft.com/office/powerpoint/2015/main" val="1"/>
+              </p:ext>
+            </p:extLst>
+          </p:nvPr>
+        </p:nvSpPr>
+        <p:spPr>
+          <a:xfrm>
+            <a:off x="0" y="0"/>
+            <a:ext cx="12192000" cy="6858000"/>
+          </a:xfrm>
+          <a:prstGeom prst="rect">
+            <a:avLst/>
+          </a:prstGeom>
+          <a:ln>
+            <a:noFill/>
+          </a:ln>
+        </p:spPr>
+        <p:style>
+          <a:lnRef idx="2">
+            <a:schemeClr val="accent1">
+              <a:shade val="50000"/>
+            </a:schemeClr>
+          </a:lnRef>
+          <a:fillRef idx="1">
+            <a:schemeClr val="accent1"/>
+          </a:fillRef>
+          <a:effectRef idx="0">
+            <a:schemeClr val="accent1"/>
+          </a:effectRef>
+          <a:fontRef idx="minor">
+            <a:schemeClr val="lt1"/>
+          </a:fontRef>
+        </p:style>
+        <p:txBody>
+          <a:bodyPr rtlCol="0" anchor="ctr"/>
+          <a:lstStyle/>
+          <a:p>
+            <a:pPr algn="ctr"/>
+            <a:endParaRPr lang="en-US"/>
+          </a:p>
+        </p:txBody>
+      </p:sp>
+      <p:pic>
+        <p:nvPicPr>
+          <p:cNvPr id="3" name="Imagem 2" descr="Ícone&#10;&#10;Descrição gerada automaticamente">
+            <a:extLst>
+              <a:ext uri="{FF2B5EF4-FFF2-40B4-BE49-F238E27FC236}">
+                <a16:creationId xmlns:a16="http://schemas.microsoft.com/office/drawing/2014/main" id="{65786BDD-6D30-B03E-8B95-4146B913644C}"/>
+              </a:ext>
+            </a:extLst>
+          </p:cNvPr>
+          <p:cNvPicPr>
+            <a:picLocks noChangeAspect="1"/>
+          </p:cNvPicPr>
+          <p:nvPr/>
+        </p:nvPicPr>
+        <p:blipFill>
+          <a:blip r:embed="rId4"/>
+          <a:stretch>
+            <a:fillRect/>
+          </a:stretch>
+        </p:blipFill>
+        <p:spPr>
+          <a:xfrm>
+            <a:off x="643467" y="1043517"/>
+            <a:ext cx="10905066" cy="4770965"/>
+          </a:xfrm>
+          <a:prstGeom prst="rect">
+            <a:avLst/>
+          </a:prstGeom>
+        </p:spPr>
+      </p:pic>
+    </p:spTree>
+    <p:extLst>
+      <p:ext uri="{BB962C8B-B14F-4D97-AF65-F5344CB8AC3E}">
+        <p14:creationId xmlns:p14="http://schemas.microsoft.com/office/powerpoint/2010/main" val="1078720197"/>
+      </p:ext>
+    </p:extLst>
+  </p:cSld>
+  <p:clrMapOvr>
+    <a:overrideClrMapping bg1="lt1" tx1="dk1" bg2="lt2" tx2="dk2" accent1="accent1" accent2="accent2" accent3="accent3" accent4="accent4" accent5="accent5" accent6="accent6" hlink="hlink" folHlink="folHlink"/>
+  </p:clrMapOvr>
+  <mc:AlternateContent xmlns:mc="http://schemas.openxmlformats.org/markup-compatibility/2006">
+    <mc:Choice xmlns:p14="http://schemas.microsoft.com/office/powerpoint/2010/main" Requires="p14">
+      <p:transition spd="med" p14:dur="700">
+        <p:fade/>
+      </p:transition>
+    </mc:Choice>
+    <mc:Fallback>
+      <p:transition spd="med">
+        <p:fade/>
+      </p:transition>
+    </mc:Fallback>
+  </mc:AlternateContent>
+</p:sld>
+</file>
+
+<file path=ppt/slides/slide26.xml><?xml version="1.0" encoding="utf-8"?>
+<p:sld xmlns:a="http://schemas.openxmlformats.org/drawingml/2006/main" xmlns:r="http://schemas.openxmlformats.org/officeDocument/2006/relationships" xmlns:p="http://schemas.openxmlformats.org/presentationml/2006/main">
+  <p:cSld>
+    <p:bg>
+      <p:bgPr>
+        <a:solidFill>
+          <a:schemeClr val="bg1"/>
+        </a:solidFill>
+        <a:effectLst/>
+      </p:bgPr>
+    </p:bg>
+    <p:spTree>
+      <p:nvGrpSpPr>
+        <p:cNvPr id="1" name=""/>
+        <p:cNvGrpSpPr/>
+        <p:nvPr/>
+      </p:nvGrpSpPr>
+      <p:grpSpPr>
+        <a:xfrm>
+          <a:off x="0" y="0"/>
+          <a:ext cx="0" cy="0"/>
+          <a:chOff x="0" y="0"/>
+          <a:chExt cx="0" cy="0"/>
+        </a:xfrm>
+      </p:grpSpPr>
+      <p:pic>
+        <p:nvPicPr>
+          <p:cNvPr id="78" name="Picture 77">
+            <a:extLst>
+              <a:ext uri="{FF2B5EF4-FFF2-40B4-BE49-F238E27FC236}">
+                <a16:creationId xmlns:a16="http://schemas.microsoft.com/office/drawing/2014/main" id="{722F0272-3878-4604-AA91-01CA8F08DEF5}"/>
+              </a:ext>
+              <a:ext uri="{C183D7F6-B498-43B3-948B-1728B52AA6E4}">
+                <adec:decorative xmlns:adec="http://schemas.microsoft.com/office/drawing/2017/decorative" val="1"/>
+              </a:ext>
+            </a:extLst>
+          </p:cNvPr>
+          <p:cNvPicPr>
+            <a:picLocks noGrp="1" noRot="1" noChangeAspect="1" noMove="1" noResize="1" noEditPoints="1" noAdjustHandles="1" noChangeArrowheads="1" noChangeShapeType="1" noCrop="1"/>
+          </p:cNvPicPr>
+          <p:nvPr>
+            <p:extLst>
+              <p:ext uri="{386F3935-93C4-4BCD-93E2-E3B085C9AB24}">
+                <p16:designElem xmlns:p16="http://schemas.microsoft.com/office/powerpoint/2015/main" val="1"/>
+              </p:ext>
+            </p:extLst>
+          </p:nvPr>
+        </p:nvPicPr>
+        <p:blipFill>
+          <a:blip r:embed="rId2">
+            <a:extLst>
+              <a:ext uri="{28A0092B-C50C-407E-A947-70E740481C1C}">
+                <a14:useLocalDpi xmlns:a14="http://schemas.microsoft.com/office/drawing/2010/main" val="0"/>
+              </a:ext>
+            </a:extLst>
+          </a:blip>
+          <a:stretch>
+            <a:fillRect/>
+          </a:stretch>
+        </p:blipFill>
+        <p:spPr>
+          <a:xfrm>
+            <a:off x="2831794" y="2105202"/>
+            <a:ext cx="9360205" cy="4752798"/>
+          </a:xfrm>
+          <a:prstGeom prst="rect">
+            <a:avLst/>
+          </a:prstGeom>
+        </p:spPr>
+      </p:pic>
+      <p:pic>
+        <p:nvPicPr>
+          <p:cNvPr id="80" name="Picture 79">
+            <a:extLst>
+              <a:ext uri="{FF2B5EF4-FFF2-40B4-BE49-F238E27FC236}">
+                <a16:creationId xmlns:a16="http://schemas.microsoft.com/office/drawing/2014/main" id="{1F60EAEC-22E3-4448-8F0A-9ADAA793A95E}"/>
+              </a:ext>
+              <a:ext uri="{C183D7F6-B498-43B3-948B-1728B52AA6E4}">
+                <adec:decorative xmlns:adec="http://schemas.microsoft.com/office/drawing/2017/decorative" val="1"/>
+              </a:ext>
+            </a:extLst>
+          </p:cNvPr>
+          <p:cNvPicPr>
+            <a:picLocks noGrp="1" noRot="1" noChangeAspect="1" noMove="1" noResize="1" noEditPoints="1" noAdjustHandles="1" noChangeArrowheads="1" noChangeShapeType="1" noCrop="1"/>
+          </p:cNvPicPr>
+          <p:nvPr>
+            <p:extLst>
+              <p:ext uri="{386F3935-93C4-4BCD-93E2-E3B085C9AB24}">
+                <p16:designElem xmlns:p16="http://schemas.microsoft.com/office/powerpoint/2015/main" val="1"/>
+              </p:ext>
+            </p:extLst>
+          </p:nvPr>
+        </p:nvPicPr>
+        <p:blipFill>
+          <a:blip r:embed="rId3">
+            <a:extLst>
+              <a:ext uri="{28A0092B-C50C-407E-A947-70E740481C1C}">
+                <a14:useLocalDpi xmlns:a14="http://schemas.microsoft.com/office/drawing/2010/main" val="0"/>
+              </a:ext>
+            </a:extLst>
+          </a:blip>
+          <a:stretch>
+            <a:fillRect/>
+          </a:stretch>
+        </p:blipFill>
+        <p:spPr>
+          <a:xfrm>
+            <a:off x="0" y="0"/>
+            <a:ext cx="12189867" cy="6858000"/>
+          </a:xfrm>
+          <a:prstGeom prst="rect">
+            <a:avLst/>
+          </a:prstGeom>
+        </p:spPr>
+      </p:pic>
+      <p:sp>
+        <p:nvSpPr>
+          <p:cNvPr id="82" name="Rectangle 81">
+            <a:extLst>
+              <a:ext uri="{FF2B5EF4-FFF2-40B4-BE49-F238E27FC236}">
+                <a16:creationId xmlns:a16="http://schemas.microsoft.com/office/drawing/2014/main" id="{355E0F90-3FFF-4E04-B3C8-3C969A415D9C}"/>
+              </a:ext>
+              <a:ext uri="{C183D7F6-B498-43B3-948B-1728B52AA6E4}">
+                <adec:decorative xmlns:adec="http://schemas.microsoft.com/office/drawing/2017/decorative" val="1"/>
+              </a:ext>
+            </a:extLst>
+          </p:cNvPr>
+          <p:cNvSpPr>
+            <a:spLocks noGrp="1" noRot="1" noChangeAspect="1" noMove="1" noResize="1" noEditPoints="1" noAdjustHandles="1" noChangeArrowheads="1" noChangeShapeType="1" noTextEdit="1"/>
+          </p:cNvSpPr>
+          <p:nvPr>
+            <p:extLst>
+              <p:ext uri="{386F3935-93C4-4BCD-93E2-E3B085C9AB24}">
+                <p16:designElem xmlns:p16="http://schemas.microsoft.com/office/powerpoint/2015/main" val="1"/>
+              </p:ext>
+            </p:extLst>
+          </p:nvPr>
+        </p:nvSpPr>
+        <p:spPr>
+          <a:xfrm>
+            <a:off x="0" y="0"/>
+            <a:ext cx="964174" cy="6858000"/>
+          </a:xfrm>
+          <a:prstGeom prst="rect">
+            <a:avLst/>
+          </a:prstGeom>
+          <a:solidFill>
+            <a:schemeClr val="bg2"/>
+          </a:solidFill>
+          <a:ln>
+            <a:noFill/>
+          </a:ln>
+        </p:spPr>
+        <p:style>
+          <a:lnRef idx="2">
+            <a:schemeClr val="accent1">
+              <a:shade val="50000"/>
+            </a:schemeClr>
+          </a:lnRef>
+          <a:fillRef idx="1">
+            <a:schemeClr val="accent1"/>
+          </a:fillRef>
+          <a:effectRef idx="0">
+            <a:schemeClr val="accent1"/>
+          </a:effectRef>
+          <a:fontRef idx="minor">
+            <a:schemeClr val="lt1"/>
+          </a:fontRef>
+        </p:style>
+        <p:txBody>
+          <a:bodyPr/>
+          <a:lstStyle/>
+          <a:p>
+            <a:endParaRPr lang="pt-BR"/>
+          </a:p>
+        </p:txBody>
+      </p:sp>
+      <p:sp>
+        <p:nvSpPr>
+          <p:cNvPr id="84" name="Rectangle 83">
+            <a:extLst>
+              <a:ext uri="{FF2B5EF4-FFF2-40B4-BE49-F238E27FC236}">
+                <a16:creationId xmlns:a16="http://schemas.microsoft.com/office/drawing/2014/main" id="{EC63A4EF-A033-4ED0-9EB6-6E1A8D264FE7}"/>
+              </a:ext>
+              <a:ext uri="{C183D7F6-B498-43B3-948B-1728B52AA6E4}">
+                <adec:decorative xmlns:adec="http://schemas.microsoft.com/office/drawing/2017/decorative" val="1"/>
+              </a:ext>
+            </a:extLst>
+          </p:cNvPr>
+          <p:cNvSpPr>
+            <a:spLocks noGrp="1" noRot="1" noChangeAspect="1" noMove="1" noResize="1" noEditPoints="1" noAdjustHandles="1" noChangeArrowheads="1" noChangeShapeType="1" noTextEdit="1"/>
+          </p:cNvSpPr>
+          <p:nvPr>
+            <p:extLst>
+              <p:ext uri="{386F3935-93C4-4BCD-93E2-E3B085C9AB24}">
+                <p16:designElem xmlns:p16="http://schemas.microsoft.com/office/powerpoint/2015/main" val="1"/>
+              </p:ext>
+            </p:extLst>
+          </p:nvPr>
+        </p:nvSpPr>
+        <p:spPr>
+          <a:xfrm>
+            <a:off x="962042" y="0"/>
+            <a:ext cx="45719" cy="6858000"/>
+          </a:xfrm>
+          <a:prstGeom prst="rect">
+            <a:avLst/>
+          </a:prstGeom>
+          <a:solidFill>
+            <a:schemeClr val="accent6"/>
+          </a:solidFill>
+          <a:ln>
+            <a:noFill/>
+          </a:ln>
+        </p:spPr>
+        <p:style>
+          <a:lnRef idx="2">
+            <a:schemeClr val="accent1">
+              <a:shade val="50000"/>
+            </a:schemeClr>
+          </a:lnRef>
+          <a:fillRef idx="1">
+            <a:schemeClr val="accent1"/>
+          </a:fillRef>
+          <a:effectRef idx="0">
+            <a:schemeClr val="accent1"/>
+          </a:effectRef>
+          <a:fontRef idx="minor">
+            <a:schemeClr val="lt1"/>
+          </a:fontRef>
+        </p:style>
+        <p:txBody>
+          <a:bodyPr/>
+          <a:lstStyle/>
+          <a:p>
+            <a:endParaRPr lang="pt-BR"/>
+          </a:p>
+        </p:txBody>
+      </p:sp>
+      <p:sp>
+        <p:nvSpPr>
+          <p:cNvPr id="86" name="Rectangle 85">
+            <a:extLst>
+              <a:ext uri="{FF2B5EF4-FFF2-40B4-BE49-F238E27FC236}">
+                <a16:creationId xmlns:a16="http://schemas.microsoft.com/office/drawing/2014/main" id="{964965EE-80F2-417F-9652-5BFF14DA7CDD}"/>
+              </a:ext>
+              <a:ext uri="{C183D7F6-B498-43B3-948B-1728B52AA6E4}">
+                <adec:decorative xmlns:adec="http://schemas.microsoft.com/office/drawing/2017/decorative" val="1"/>
+              </a:ext>
+            </a:extLst>
+          </p:cNvPr>
+          <p:cNvSpPr>
+            <a:spLocks noGrp="1" noRot="1" noChangeAspect="1" noMove="1" noResize="1" noEditPoints="1" noAdjustHandles="1" noChangeArrowheads="1" noChangeShapeType="1" noTextEdit="1"/>
+          </p:cNvSpPr>
+          <p:nvPr>
+            <p:extLst>
+              <p:ext uri="{386F3935-93C4-4BCD-93E2-E3B085C9AB24}">
+                <p16:designElem xmlns:p16="http://schemas.microsoft.com/office/powerpoint/2015/main" val="1"/>
+              </p:ext>
+            </p:extLst>
+          </p:nvPr>
+        </p:nvSpPr>
+        <p:spPr>
+          <a:xfrm>
+            <a:off x="1004479" y="0"/>
+            <a:ext cx="10372316" cy="6858000"/>
+          </a:xfrm>
+          <a:prstGeom prst="rect">
+            <a:avLst/>
+          </a:prstGeom>
+          <a:solidFill>
+            <a:schemeClr val="bg2">
+              <a:alpha val="92000"/>
+            </a:schemeClr>
+          </a:solidFill>
+          <a:ln>
+            <a:noFill/>
+          </a:ln>
+        </p:spPr>
+        <p:style>
+          <a:lnRef idx="2">
+            <a:schemeClr val="accent1">
+              <a:shade val="50000"/>
+            </a:schemeClr>
+          </a:lnRef>
+          <a:fillRef idx="1">
+            <a:schemeClr val="accent1"/>
+          </a:fillRef>
+          <a:effectRef idx="0">
+            <a:schemeClr val="accent1"/>
+          </a:effectRef>
+          <a:fontRef idx="minor">
+            <a:schemeClr val="lt1"/>
+          </a:fontRef>
+        </p:style>
+        <p:txBody>
+          <a:bodyPr/>
+          <a:lstStyle/>
+          <a:p>
+            <a:endParaRPr lang="pt-BR"/>
+          </a:p>
+        </p:txBody>
+      </p:sp>
+      <p:sp>
+        <p:nvSpPr>
+          <p:cNvPr id="88" name="Rectangle 87">
+            <a:extLst>
+              <a:ext uri="{FF2B5EF4-FFF2-40B4-BE49-F238E27FC236}">
+                <a16:creationId xmlns:a16="http://schemas.microsoft.com/office/drawing/2014/main" id="{AA3C9611-CFD7-4C23-A8F2-00E7865A5D02}"/>
+              </a:ext>
+              <a:ext uri="{C183D7F6-B498-43B3-948B-1728B52AA6E4}">
+                <adec:decorative xmlns:adec="http://schemas.microsoft.com/office/drawing/2017/decorative" val="1"/>
+              </a:ext>
+            </a:extLst>
+          </p:cNvPr>
+          <p:cNvSpPr>
+            <a:spLocks noGrp="1" noRot="1" noChangeAspect="1" noMove="1" noResize="1" noEditPoints="1" noAdjustHandles="1" noChangeArrowheads="1" noChangeShapeType="1" noTextEdit="1"/>
+          </p:cNvSpPr>
+          <p:nvPr>
+            <p:extLst>
+              <p:ext uri="{386F3935-93C4-4BCD-93E2-E3B085C9AB24}">
+                <p16:designElem xmlns:p16="http://schemas.microsoft.com/office/powerpoint/2015/main" val="1"/>
+              </p:ext>
+            </p:extLst>
+          </p:nvPr>
+        </p:nvSpPr>
+        <p:spPr>
+          <a:xfrm>
+            <a:off x="11377328" y="0"/>
+            <a:ext cx="27432" cy="6858000"/>
+          </a:xfrm>
+          <a:prstGeom prst="rect">
+            <a:avLst/>
+          </a:prstGeom>
+          <a:solidFill>
+            <a:schemeClr val="accent6"/>
+          </a:solidFill>
+          <a:ln>
+            <a:noFill/>
+          </a:ln>
+        </p:spPr>
+        <p:style>
+          <a:lnRef idx="2">
+            <a:schemeClr val="accent1">
+              <a:shade val="50000"/>
+            </a:schemeClr>
+          </a:lnRef>
+          <a:fillRef idx="1">
+            <a:schemeClr val="accent1"/>
+          </a:fillRef>
+          <a:effectRef idx="0">
+            <a:schemeClr val="accent1"/>
+          </a:effectRef>
+          <a:fontRef idx="minor">
+            <a:schemeClr val="lt1"/>
+          </a:fontRef>
+        </p:style>
+        <p:txBody>
+          <a:bodyPr/>
+          <a:lstStyle/>
+          <a:p>
+            <a:endParaRPr lang="pt-BR"/>
+          </a:p>
+        </p:txBody>
+      </p:sp>
+      <p:sp useBgFill="1">
+        <p:nvSpPr>
+          <p:cNvPr id="90" name="Rectangle 89">
+            <a:extLst>
+              <a:ext uri="{FF2B5EF4-FFF2-40B4-BE49-F238E27FC236}">
+                <a16:creationId xmlns:a16="http://schemas.microsoft.com/office/drawing/2014/main" id="{DD198664-99F1-44BC-BBCD-4265763F522C}"/>
+              </a:ext>
+              <a:ext uri="{C183D7F6-B498-43B3-948B-1728B52AA6E4}">
+                <adec:decorative xmlns:adec="http://schemas.microsoft.com/office/drawing/2017/decorative" val="1"/>
+              </a:ext>
+            </a:extLst>
+          </p:cNvPr>
+          <p:cNvSpPr>
+            <a:spLocks noGrp="1" noRot="1" noChangeAspect="1" noMove="1" noResize="1" noEditPoints="1" noAdjustHandles="1" noChangeArrowheads="1" noChangeShapeType="1" noTextEdit="1"/>
+          </p:cNvSpPr>
+          <p:nvPr>
+            <p:extLst>
+              <p:ext uri="{386F3935-93C4-4BCD-93E2-E3B085C9AB24}">
+                <p16:designElem xmlns:p16="http://schemas.microsoft.com/office/powerpoint/2015/main" val="1"/>
+              </p:ext>
+            </p:extLst>
+          </p:nvPr>
+        </p:nvSpPr>
+        <p:spPr>
+          <a:xfrm>
+            <a:off x="0" y="0"/>
+            <a:ext cx="12192000" cy="6858000"/>
+          </a:xfrm>
+          <a:prstGeom prst="rect">
+            <a:avLst/>
+          </a:prstGeom>
+          <a:ln>
+            <a:noFill/>
+          </a:ln>
+        </p:spPr>
+        <p:style>
+          <a:lnRef idx="2">
+            <a:schemeClr val="accent1">
+              <a:shade val="50000"/>
+            </a:schemeClr>
+          </a:lnRef>
+          <a:fillRef idx="1">
+            <a:schemeClr val="accent1"/>
+          </a:fillRef>
+          <a:effectRef idx="0">
+            <a:schemeClr val="accent1"/>
+          </a:effectRef>
+          <a:fontRef idx="minor">
+            <a:schemeClr val="lt1"/>
+          </a:fontRef>
+        </p:style>
+        <p:txBody>
+          <a:bodyPr rtlCol="0" anchor="ctr"/>
+          <a:lstStyle/>
+          <a:p>
+            <a:pPr algn="ctr"/>
+            <a:endParaRPr lang="en-US"/>
+          </a:p>
+        </p:txBody>
+      </p:sp>
+      <p:pic>
+        <p:nvPicPr>
+          <p:cNvPr id="4" name="Imagem 3" descr="Uma imagem contendo Forma&#10;&#10;Descrição gerada automaticamente">
+            <a:extLst>
+              <a:ext uri="{FF2B5EF4-FFF2-40B4-BE49-F238E27FC236}">
+                <a16:creationId xmlns:a16="http://schemas.microsoft.com/office/drawing/2014/main" id="{0BBD09A6-20A7-EBC0-4D33-B78C050CD57B}"/>
+              </a:ext>
+            </a:extLst>
+          </p:cNvPr>
+          <p:cNvPicPr>
+            <a:picLocks noChangeAspect="1"/>
+          </p:cNvPicPr>
+          <p:nvPr/>
+        </p:nvPicPr>
+        <p:blipFill>
+          <a:blip r:embed="rId4"/>
+          <a:stretch>
+            <a:fillRect/>
+          </a:stretch>
+        </p:blipFill>
+        <p:spPr>
+          <a:xfrm>
+            <a:off x="643467" y="1043517"/>
+            <a:ext cx="10905066" cy="4770965"/>
+          </a:xfrm>
+          <a:prstGeom prst="rect">
+            <a:avLst/>
+          </a:prstGeom>
+        </p:spPr>
+      </p:pic>
+    </p:spTree>
+    <p:extLst>
+      <p:ext uri="{BB962C8B-B14F-4D97-AF65-F5344CB8AC3E}">
+        <p14:creationId xmlns:p14="http://schemas.microsoft.com/office/powerpoint/2010/main" val="671325219"/>
+      </p:ext>
+    </p:extLst>
+  </p:cSld>
+  <p:clrMapOvr>
+    <a:overrideClrMapping bg1="lt1" tx1="dk1" bg2="lt2" tx2="dk2" accent1="accent1" accent2="accent2" accent3="accent3" accent4="accent4" accent5="accent5" accent6="accent6" hlink="hlink" folHlink="folHlink"/>
+  </p:clrMapOvr>
+  <mc:AlternateContent xmlns:mc="http://schemas.openxmlformats.org/markup-compatibility/2006">
+    <mc:Choice xmlns:p14="http://schemas.microsoft.com/office/powerpoint/2010/main" Requires="p14">
+      <p:transition spd="med" p14:dur="700">
+        <p:fade/>
+      </p:transition>
+    </mc:Choice>
+    <mc:Fallback>
+      <p:transition spd="med">
+        <p:fade/>
+      </p:transition>
+    </mc:Fallback>
+  </mc:AlternateContent>
+</p:sld>
+</file>
+
+<file path=ppt/slides/slide27.xml><?xml version="1.0" encoding="utf-8"?>
+<p:sld xmlns:a="http://schemas.openxmlformats.org/drawingml/2006/main" xmlns:r="http://schemas.openxmlformats.org/officeDocument/2006/relationships" xmlns:p="http://schemas.openxmlformats.org/presentationml/2006/main">
+  <p:cSld>
+    <p:bg>
+      <p:bgPr>
+        <a:solidFill>
+          <a:schemeClr val="bg1"/>
+        </a:solidFill>
+        <a:effectLst/>
+      </p:bgPr>
+    </p:bg>
+    <p:spTree>
+      <p:nvGrpSpPr>
+        <p:cNvPr id="1" name=""/>
+        <p:cNvGrpSpPr/>
+        <p:nvPr/>
+      </p:nvGrpSpPr>
+      <p:grpSpPr>
+        <a:xfrm>
+          <a:off x="0" y="0"/>
+          <a:ext cx="0" cy="0"/>
+          <a:chOff x="0" y="0"/>
+          <a:chExt cx="0" cy="0"/>
+        </a:xfrm>
+      </p:grpSpPr>
+      <p:pic>
+        <p:nvPicPr>
+          <p:cNvPr id="95" name="Picture 94">
+            <a:extLst>
+              <a:ext uri="{FF2B5EF4-FFF2-40B4-BE49-F238E27FC236}">
+                <a16:creationId xmlns:a16="http://schemas.microsoft.com/office/drawing/2014/main" id="{722F0272-3878-4604-AA91-01CA8F08DEF5}"/>
+              </a:ext>
+              <a:ext uri="{C183D7F6-B498-43B3-948B-1728B52AA6E4}">
+                <adec:decorative xmlns:adec="http://schemas.microsoft.com/office/drawing/2017/decorative" val="1"/>
+              </a:ext>
+            </a:extLst>
+          </p:cNvPr>
+          <p:cNvPicPr>
+            <a:picLocks noGrp="1" noRot="1" noChangeAspect="1" noMove="1" noResize="1" noEditPoints="1" noAdjustHandles="1" noChangeArrowheads="1" noChangeShapeType="1" noCrop="1"/>
+          </p:cNvPicPr>
+          <p:nvPr>
+            <p:extLst>
+              <p:ext uri="{386F3935-93C4-4BCD-93E2-E3B085C9AB24}">
+                <p16:designElem xmlns:p16="http://schemas.microsoft.com/office/powerpoint/2015/main" val="1"/>
+              </p:ext>
+            </p:extLst>
+          </p:nvPr>
+        </p:nvPicPr>
+        <p:blipFill>
+          <a:blip r:embed="rId2">
+            <a:extLst>
+              <a:ext uri="{28A0092B-C50C-407E-A947-70E740481C1C}">
+                <a14:useLocalDpi xmlns:a14="http://schemas.microsoft.com/office/drawing/2010/main" val="0"/>
+              </a:ext>
+            </a:extLst>
+          </a:blip>
+          <a:stretch>
+            <a:fillRect/>
+          </a:stretch>
+        </p:blipFill>
+        <p:spPr>
+          <a:xfrm>
+            <a:off x="2831794" y="2105202"/>
+            <a:ext cx="9360205" cy="4752798"/>
+          </a:xfrm>
+          <a:prstGeom prst="rect">
+            <a:avLst/>
+          </a:prstGeom>
+        </p:spPr>
+      </p:pic>
+      <p:pic>
+        <p:nvPicPr>
+          <p:cNvPr id="97" name="Picture 96">
+            <a:extLst>
+              <a:ext uri="{FF2B5EF4-FFF2-40B4-BE49-F238E27FC236}">
+                <a16:creationId xmlns:a16="http://schemas.microsoft.com/office/drawing/2014/main" id="{1F60EAEC-22E3-4448-8F0A-9ADAA793A95E}"/>
+              </a:ext>
+              <a:ext uri="{C183D7F6-B498-43B3-948B-1728B52AA6E4}">
+                <adec:decorative xmlns:adec="http://schemas.microsoft.com/office/drawing/2017/decorative" val="1"/>
+              </a:ext>
+            </a:extLst>
+          </p:cNvPr>
+          <p:cNvPicPr>
+            <a:picLocks noGrp="1" noRot="1" noChangeAspect="1" noMove="1" noResize="1" noEditPoints="1" noAdjustHandles="1" noChangeArrowheads="1" noChangeShapeType="1" noCrop="1"/>
+          </p:cNvPicPr>
+          <p:nvPr>
+            <p:extLst>
+              <p:ext uri="{386F3935-93C4-4BCD-93E2-E3B085C9AB24}">
+                <p16:designElem xmlns:p16="http://schemas.microsoft.com/office/powerpoint/2015/main" val="1"/>
+              </p:ext>
+            </p:extLst>
+          </p:nvPr>
+        </p:nvPicPr>
+        <p:blipFill>
+          <a:blip r:embed="rId3">
+            <a:extLst>
+              <a:ext uri="{28A0092B-C50C-407E-A947-70E740481C1C}">
+                <a14:useLocalDpi xmlns:a14="http://schemas.microsoft.com/office/drawing/2010/main" val="0"/>
+              </a:ext>
+            </a:extLst>
+          </a:blip>
+          <a:stretch>
+            <a:fillRect/>
+          </a:stretch>
+        </p:blipFill>
+        <p:spPr>
+          <a:xfrm>
+            <a:off x="0" y="0"/>
+            <a:ext cx="12189867" cy="6858000"/>
+          </a:xfrm>
+          <a:prstGeom prst="rect">
+            <a:avLst/>
+          </a:prstGeom>
+        </p:spPr>
+      </p:pic>
+      <p:sp>
+        <p:nvSpPr>
+          <p:cNvPr id="99" name="Rectangle 98">
+            <a:extLst>
+              <a:ext uri="{FF2B5EF4-FFF2-40B4-BE49-F238E27FC236}">
+                <a16:creationId xmlns:a16="http://schemas.microsoft.com/office/drawing/2014/main" id="{355E0F90-3FFF-4E04-B3C8-3C969A415D9C}"/>
+              </a:ext>
+              <a:ext uri="{C183D7F6-B498-43B3-948B-1728B52AA6E4}">
+                <adec:decorative xmlns:adec="http://schemas.microsoft.com/office/drawing/2017/decorative" val="1"/>
+              </a:ext>
+            </a:extLst>
+          </p:cNvPr>
+          <p:cNvSpPr>
+            <a:spLocks noGrp="1" noRot="1" noChangeAspect="1" noMove="1" noResize="1" noEditPoints="1" noAdjustHandles="1" noChangeArrowheads="1" noChangeShapeType="1" noTextEdit="1"/>
+          </p:cNvSpPr>
+          <p:nvPr>
+            <p:extLst>
+              <p:ext uri="{386F3935-93C4-4BCD-93E2-E3B085C9AB24}">
+                <p16:designElem xmlns:p16="http://schemas.microsoft.com/office/powerpoint/2015/main" val="1"/>
+              </p:ext>
+            </p:extLst>
+          </p:nvPr>
+        </p:nvSpPr>
+        <p:spPr>
+          <a:xfrm>
+            <a:off x="0" y="0"/>
+            <a:ext cx="964174" cy="6858000"/>
+          </a:xfrm>
+          <a:prstGeom prst="rect">
+            <a:avLst/>
+          </a:prstGeom>
+          <a:solidFill>
+            <a:schemeClr val="bg2"/>
+          </a:solidFill>
+          <a:ln>
+            <a:noFill/>
+          </a:ln>
+        </p:spPr>
+        <p:style>
+          <a:lnRef idx="2">
+            <a:schemeClr val="accent1">
+              <a:shade val="50000"/>
+            </a:schemeClr>
+          </a:lnRef>
+          <a:fillRef idx="1">
+            <a:schemeClr val="accent1"/>
+          </a:fillRef>
+          <a:effectRef idx="0">
+            <a:schemeClr val="accent1"/>
+          </a:effectRef>
+          <a:fontRef idx="minor">
+            <a:schemeClr val="lt1"/>
+          </a:fontRef>
+        </p:style>
+        <p:txBody>
+          <a:bodyPr/>
+          <a:lstStyle/>
+          <a:p>
+            <a:endParaRPr lang="pt-BR"/>
+          </a:p>
+        </p:txBody>
+      </p:sp>
+      <p:sp>
+        <p:nvSpPr>
+          <p:cNvPr id="101" name="Rectangle 100">
+            <a:extLst>
+              <a:ext uri="{FF2B5EF4-FFF2-40B4-BE49-F238E27FC236}">
+                <a16:creationId xmlns:a16="http://schemas.microsoft.com/office/drawing/2014/main" id="{EC63A4EF-A033-4ED0-9EB6-6E1A8D264FE7}"/>
+              </a:ext>
+              <a:ext uri="{C183D7F6-B498-43B3-948B-1728B52AA6E4}">
+                <adec:decorative xmlns:adec="http://schemas.microsoft.com/office/drawing/2017/decorative" val="1"/>
+              </a:ext>
+            </a:extLst>
+          </p:cNvPr>
+          <p:cNvSpPr>
+            <a:spLocks noGrp="1" noRot="1" noChangeAspect="1" noMove="1" noResize="1" noEditPoints="1" noAdjustHandles="1" noChangeArrowheads="1" noChangeShapeType="1" noTextEdit="1"/>
+          </p:cNvSpPr>
+          <p:nvPr>
+            <p:extLst>
+              <p:ext uri="{386F3935-93C4-4BCD-93E2-E3B085C9AB24}">
+                <p16:designElem xmlns:p16="http://schemas.microsoft.com/office/powerpoint/2015/main" val="1"/>
+              </p:ext>
+            </p:extLst>
+          </p:nvPr>
+        </p:nvSpPr>
+        <p:spPr>
+          <a:xfrm>
+            <a:off x="962042" y="0"/>
+            <a:ext cx="45719" cy="6858000"/>
+          </a:xfrm>
+          <a:prstGeom prst="rect">
+            <a:avLst/>
+          </a:prstGeom>
+          <a:solidFill>
+            <a:schemeClr val="accent6"/>
+          </a:solidFill>
+          <a:ln>
+            <a:noFill/>
+          </a:ln>
+        </p:spPr>
+        <p:style>
+          <a:lnRef idx="2">
+            <a:schemeClr val="accent1">
+              <a:shade val="50000"/>
+            </a:schemeClr>
+          </a:lnRef>
+          <a:fillRef idx="1">
+            <a:schemeClr val="accent1"/>
+          </a:fillRef>
+          <a:effectRef idx="0">
+            <a:schemeClr val="accent1"/>
+          </a:effectRef>
+          <a:fontRef idx="minor">
+            <a:schemeClr val="lt1"/>
+          </a:fontRef>
+        </p:style>
+        <p:txBody>
+          <a:bodyPr/>
+          <a:lstStyle/>
+          <a:p>
+            <a:endParaRPr lang="pt-BR"/>
+          </a:p>
+        </p:txBody>
+      </p:sp>
+      <p:sp>
+        <p:nvSpPr>
+          <p:cNvPr id="103" name="Rectangle 102">
+            <a:extLst>
+              <a:ext uri="{FF2B5EF4-FFF2-40B4-BE49-F238E27FC236}">
+                <a16:creationId xmlns:a16="http://schemas.microsoft.com/office/drawing/2014/main" id="{964965EE-80F2-417F-9652-5BFF14DA7CDD}"/>
+              </a:ext>
+              <a:ext uri="{C183D7F6-B498-43B3-948B-1728B52AA6E4}">
+                <adec:decorative xmlns:adec="http://schemas.microsoft.com/office/drawing/2017/decorative" val="1"/>
+              </a:ext>
+            </a:extLst>
+          </p:cNvPr>
+          <p:cNvSpPr>
+            <a:spLocks noGrp="1" noRot="1" noChangeAspect="1" noMove="1" noResize="1" noEditPoints="1" noAdjustHandles="1" noChangeArrowheads="1" noChangeShapeType="1" noTextEdit="1"/>
+          </p:cNvSpPr>
+          <p:nvPr>
+            <p:extLst>
+              <p:ext uri="{386F3935-93C4-4BCD-93E2-E3B085C9AB24}">
+                <p16:designElem xmlns:p16="http://schemas.microsoft.com/office/powerpoint/2015/main" val="1"/>
+              </p:ext>
+            </p:extLst>
+          </p:nvPr>
+        </p:nvSpPr>
+        <p:spPr>
+          <a:xfrm>
+            <a:off x="1004479" y="0"/>
+            <a:ext cx="10372316" cy="6858000"/>
+          </a:xfrm>
+          <a:prstGeom prst="rect">
+            <a:avLst/>
+          </a:prstGeom>
+          <a:solidFill>
+            <a:schemeClr val="bg2">
+              <a:alpha val="92000"/>
+            </a:schemeClr>
+          </a:solidFill>
+          <a:ln>
+            <a:noFill/>
+          </a:ln>
+        </p:spPr>
+        <p:style>
+          <a:lnRef idx="2">
+            <a:schemeClr val="accent1">
+              <a:shade val="50000"/>
+            </a:schemeClr>
+          </a:lnRef>
+          <a:fillRef idx="1">
+            <a:schemeClr val="accent1"/>
+          </a:fillRef>
+          <a:effectRef idx="0">
+            <a:schemeClr val="accent1"/>
+          </a:effectRef>
+          <a:fontRef idx="minor">
+            <a:schemeClr val="lt1"/>
+          </a:fontRef>
+        </p:style>
+        <p:txBody>
+          <a:bodyPr/>
+          <a:lstStyle/>
+          <a:p>
+            <a:endParaRPr lang="pt-BR"/>
+          </a:p>
+        </p:txBody>
+      </p:sp>
+      <p:sp>
+        <p:nvSpPr>
+          <p:cNvPr id="105" name="Rectangle 104">
+            <a:extLst>
+              <a:ext uri="{FF2B5EF4-FFF2-40B4-BE49-F238E27FC236}">
+                <a16:creationId xmlns:a16="http://schemas.microsoft.com/office/drawing/2014/main" id="{AA3C9611-CFD7-4C23-A8F2-00E7865A5D02}"/>
+              </a:ext>
+              <a:ext uri="{C183D7F6-B498-43B3-948B-1728B52AA6E4}">
+                <adec:decorative xmlns:adec="http://schemas.microsoft.com/office/drawing/2017/decorative" val="1"/>
+              </a:ext>
+            </a:extLst>
+          </p:cNvPr>
+          <p:cNvSpPr>
+            <a:spLocks noGrp="1" noRot="1" noChangeAspect="1" noMove="1" noResize="1" noEditPoints="1" noAdjustHandles="1" noChangeArrowheads="1" noChangeShapeType="1" noTextEdit="1"/>
+          </p:cNvSpPr>
+          <p:nvPr>
+            <p:extLst>
+              <p:ext uri="{386F3935-93C4-4BCD-93E2-E3B085C9AB24}">
+                <p16:designElem xmlns:p16="http://schemas.microsoft.com/office/powerpoint/2015/main" val="1"/>
+              </p:ext>
+            </p:extLst>
+          </p:nvPr>
+        </p:nvSpPr>
+        <p:spPr>
+          <a:xfrm>
+            <a:off x="11377328" y="0"/>
+            <a:ext cx="27432" cy="6858000"/>
+          </a:xfrm>
+          <a:prstGeom prst="rect">
+            <a:avLst/>
+          </a:prstGeom>
+          <a:solidFill>
+            <a:schemeClr val="accent6"/>
+          </a:solidFill>
+          <a:ln>
+            <a:noFill/>
+          </a:ln>
+        </p:spPr>
+        <p:style>
+          <a:lnRef idx="2">
+            <a:schemeClr val="accent1">
+              <a:shade val="50000"/>
+            </a:schemeClr>
+          </a:lnRef>
+          <a:fillRef idx="1">
+            <a:schemeClr val="accent1"/>
+          </a:fillRef>
+          <a:effectRef idx="0">
+            <a:schemeClr val="accent1"/>
+          </a:effectRef>
+          <a:fontRef idx="minor">
+            <a:schemeClr val="lt1"/>
+          </a:fontRef>
+        </p:style>
+        <p:txBody>
+          <a:bodyPr/>
+          <a:lstStyle/>
+          <a:p>
+            <a:endParaRPr lang="pt-BR"/>
+          </a:p>
+        </p:txBody>
+      </p:sp>
+      <p:sp useBgFill="1">
+        <p:nvSpPr>
+          <p:cNvPr id="107" name="Rectangle 106">
+            <a:extLst>
+              <a:ext uri="{FF2B5EF4-FFF2-40B4-BE49-F238E27FC236}">
+                <a16:creationId xmlns:a16="http://schemas.microsoft.com/office/drawing/2014/main" id="{DD198664-99F1-44BC-BBCD-4265763F522C}"/>
+              </a:ext>
+              <a:ext uri="{C183D7F6-B498-43B3-948B-1728B52AA6E4}">
+                <adec:decorative xmlns:adec="http://schemas.microsoft.com/office/drawing/2017/decorative" val="1"/>
+              </a:ext>
+            </a:extLst>
+          </p:cNvPr>
+          <p:cNvSpPr>
+            <a:spLocks noGrp="1" noRot="1" noChangeAspect="1" noMove="1" noResize="1" noEditPoints="1" noAdjustHandles="1" noChangeArrowheads="1" noChangeShapeType="1" noTextEdit="1"/>
+          </p:cNvSpPr>
+          <p:nvPr>
+            <p:extLst>
+              <p:ext uri="{386F3935-93C4-4BCD-93E2-E3B085C9AB24}">
+                <p16:designElem xmlns:p16="http://schemas.microsoft.com/office/powerpoint/2015/main" val="1"/>
+              </p:ext>
+            </p:extLst>
+          </p:nvPr>
+        </p:nvSpPr>
+        <p:spPr>
+          <a:xfrm>
+            <a:off x="0" y="0"/>
+            <a:ext cx="12192000" cy="6858000"/>
+          </a:xfrm>
+          <a:prstGeom prst="rect">
+            <a:avLst/>
+          </a:prstGeom>
+          <a:ln>
+            <a:noFill/>
+          </a:ln>
+        </p:spPr>
+        <p:style>
+          <a:lnRef idx="2">
+            <a:schemeClr val="accent1">
+              <a:shade val="50000"/>
+            </a:schemeClr>
+          </a:lnRef>
+          <a:fillRef idx="1">
+            <a:schemeClr val="accent1"/>
+          </a:fillRef>
+          <a:effectRef idx="0">
+            <a:schemeClr val="accent1"/>
+          </a:effectRef>
+          <a:fontRef idx="minor">
+            <a:schemeClr val="lt1"/>
+          </a:fontRef>
+        </p:style>
+        <p:txBody>
+          <a:bodyPr rtlCol="0" anchor="ctr"/>
+          <a:lstStyle/>
+          <a:p>
+            <a:pPr algn="ctr"/>
+            <a:endParaRPr lang="en-US"/>
+          </a:p>
+        </p:txBody>
+      </p:sp>
+      <p:pic>
+        <p:nvPicPr>
+          <p:cNvPr id="3" name="Imagem 2" descr="Diagrama&#10;&#10;Descrição gerada automaticamente com confiança baixa">
+            <a:extLst>
+              <a:ext uri="{FF2B5EF4-FFF2-40B4-BE49-F238E27FC236}">
+                <a16:creationId xmlns:a16="http://schemas.microsoft.com/office/drawing/2014/main" id="{98C5EE61-22BE-363E-F10A-DFE4623C4552}"/>
+              </a:ext>
+            </a:extLst>
+          </p:cNvPr>
+          <p:cNvPicPr>
+            <a:picLocks noChangeAspect="1"/>
+          </p:cNvPicPr>
+          <p:nvPr/>
+        </p:nvPicPr>
+        <p:blipFill>
+          <a:blip r:embed="rId4"/>
+          <a:stretch>
+            <a:fillRect/>
+          </a:stretch>
+        </p:blipFill>
+        <p:spPr>
+          <a:xfrm>
+            <a:off x="643467" y="1057148"/>
+            <a:ext cx="10905066" cy="4743703"/>
+          </a:xfrm>
+          <a:prstGeom prst="rect">
+            <a:avLst/>
+          </a:prstGeom>
+        </p:spPr>
+      </p:pic>
+    </p:spTree>
+    <p:extLst>
+      <p:ext uri="{BB962C8B-B14F-4D97-AF65-F5344CB8AC3E}">
+        <p14:creationId xmlns:p14="http://schemas.microsoft.com/office/powerpoint/2010/main" val="381372142"/>
+      </p:ext>
+    </p:extLst>
+  </p:cSld>
+  <p:clrMapOvr>
+    <a:overrideClrMapping bg1="lt1" tx1="dk1" bg2="lt2" tx2="dk2" accent1="accent1" accent2="accent2" accent3="accent3" accent4="accent4" accent5="accent5" accent6="accent6" hlink="hlink" folHlink="folHlink"/>
+  </p:clrMapOvr>
+  <mc:AlternateContent xmlns:mc="http://schemas.openxmlformats.org/markup-compatibility/2006">
+    <mc:Choice xmlns:p14="http://schemas.microsoft.com/office/powerpoint/2010/main" Requires="p14">
+      <p:transition spd="med" p14:dur="700">
+        <p:fade/>
+      </p:transition>
+    </mc:Choice>
+    <mc:Fallback>
+      <p:transition spd="med">
+        <p:fade/>
+      </p:transition>
+    </mc:Fallback>
+  </mc:AlternateContent>
+</p:sld>
+</file>
+
+<file path=ppt/slides/slide28.xml><?xml version="1.0" encoding="utf-8"?>
 <p:sld xmlns:a="http://schemas.openxmlformats.org/drawingml/2006/main" xmlns:r="http://schemas.openxmlformats.org/officeDocument/2006/relationships" xmlns:p="http://schemas.openxmlformats.org/presentationml/2006/main">
   <p:cSld>
     <p:spTree>
@@ -21719,7 +23726,7 @@
 </p:sld>
 </file>
 
-<file path=ppt/slides/slide26.xml><?xml version="1.0" encoding="utf-8"?>
+<file path=ppt/slides/slide29.xml><?xml version="1.0" encoding="utf-8"?>
 <p:sld xmlns:a="http://schemas.openxmlformats.org/drawingml/2006/main" xmlns:r="http://schemas.openxmlformats.org/officeDocument/2006/relationships" xmlns:p="http://schemas.openxmlformats.org/presentationml/2006/main">
   <p:cSld>
     <p:spTree>
@@ -21994,214 +24001,14 @@
 </p:sld>
 </file>
 
-<file path=ppt/slides/slide27.xml><?xml version="1.0" encoding="utf-8"?>
-<p:sld xmlns:a="http://schemas.openxmlformats.org/drawingml/2006/main" xmlns:r="http://schemas.openxmlformats.org/officeDocument/2006/relationships" xmlns:p="http://schemas.openxmlformats.org/presentationml/2006/main">
-  <p:cSld>
-    <p:spTree>
-      <p:nvGrpSpPr>
-        <p:cNvPr id="1" name=""/>
-        <p:cNvGrpSpPr/>
-        <p:nvPr/>
-      </p:nvGrpSpPr>
-      <p:grpSpPr>
-        <a:xfrm>
-          <a:off x="0" y="0"/>
-          <a:ext cx="0" cy="0"/>
-          <a:chOff x="0" y="0"/>
-          <a:chExt cx="0" cy="0"/>
-        </a:xfrm>
-      </p:grpSpPr>
-      <p:sp>
-        <p:nvSpPr>
-          <p:cNvPr id="4" name="CaixaDeTexto 3">
-            <a:extLst>
-              <a:ext uri="{FF2B5EF4-FFF2-40B4-BE49-F238E27FC236}">
-                <a16:creationId xmlns:a16="http://schemas.microsoft.com/office/drawing/2014/main" id="{FE5BF99D-856C-A42B-0F3B-7D754FFF4701}"/>
-              </a:ext>
-            </a:extLst>
-          </p:cNvPr>
-          <p:cNvSpPr txBox="1"/>
-          <p:nvPr/>
-        </p:nvSpPr>
-        <p:spPr>
-          <a:xfrm>
-            <a:off x="1341302" y="1328565"/>
-            <a:ext cx="7780663" cy="584775"/>
-          </a:xfrm>
-          <a:prstGeom prst="rect">
-            <a:avLst/>
-          </a:prstGeom>
-          <a:noFill/>
-        </p:spPr>
-        <p:txBody>
-          <a:bodyPr wrap="square">
-            <a:spAutoFit/>
-          </a:bodyPr>
-          <a:lstStyle/>
-          <a:p>
-            <a:r>
-              <a:rPr lang="pt-BR" sz="3200" dirty="0" err="1"/>
-              <a:t>Vanishing</a:t>
-            </a:r>
-            <a:r>
-              <a:rPr lang="pt-BR" sz="3200" dirty="0"/>
-              <a:t> </a:t>
-            </a:r>
-            <a:r>
-              <a:rPr lang="pt-BR" sz="3200" dirty="0" err="1"/>
-              <a:t>Gradient</a:t>
-            </a:r>
-            <a:endParaRPr lang="pt-BR" sz="3200" dirty="0"/>
-          </a:p>
-        </p:txBody>
-      </p:sp>
-      <p:pic>
-        <p:nvPicPr>
-          <p:cNvPr id="2" name="Imagem 1">
-            <a:extLst>
-              <a:ext uri="{FF2B5EF4-FFF2-40B4-BE49-F238E27FC236}">
-                <a16:creationId xmlns:a16="http://schemas.microsoft.com/office/drawing/2014/main" id="{00B32618-1A00-4472-AABA-98A5BC017080}"/>
-              </a:ext>
-            </a:extLst>
-          </p:cNvPr>
-          <p:cNvPicPr>
-            <a:picLocks noChangeAspect="1"/>
-          </p:cNvPicPr>
-          <p:nvPr/>
-        </p:nvPicPr>
-        <p:blipFill>
-          <a:blip r:embed="rId2"/>
-          <a:stretch>
-            <a:fillRect/>
-          </a:stretch>
-        </p:blipFill>
-        <p:spPr>
-          <a:xfrm>
-            <a:off x="1964871" y="2184896"/>
-            <a:ext cx="7772400" cy="3344539"/>
-          </a:xfrm>
-          <a:prstGeom prst="rect">
-            <a:avLst/>
-          </a:prstGeom>
-        </p:spPr>
-      </p:pic>
-    </p:spTree>
-    <p:extLst>
-      <p:ext uri="{BB962C8B-B14F-4D97-AF65-F5344CB8AC3E}">
-        <p14:creationId xmlns:p14="http://schemas.microsoft.com/office/powerpoint/2010/main" val="3554076628"/>
-      </p:ext>
-    </p:extLst>
-  </p:cSld>
-  <p:clrMapOvr>
-    <a:masterClrMapping/>
-  </p:clrMapOvr>
-</p:sld>
-</file>
-
-<file path=ppt/slides/slide28.xml><?xml version="1.0" encoding="utf-8"?>
-<p:sld xmlns:a="http://schemas.openxmlformats.org/drawingml/2006/main" xmlns:r="http://schemas.openxmlformats.org/officeDocument/2006/relationships" xmlns:p="http://schemas.openxmlformats.org/presentationml/2006/main">
-  <p:cSld>
-    <p:spTree>
-      <p:nvGrpSpPr>
-        <p:cNvPr id="1" name=""/>
-        <p:cNvGrpSpPr/>
-        <p:nvPr/>
-      </p:nvGrpSpPr>
-      <p:grpSpPr>
-        <a:xfrm>
-          <a:off x="0" y="0"/>
-          <a:ext cx="0" cy="0"/>
-          <a:chOff x="0" y="0"/>
-          <a:chExt cx="0" cy="0"/>
-        </a:xfrm>
-      </p:grpSpPr>
-      <p:sp>
-        <p:nvSpPr>
-          <p:cNvPr id="4" name="CaixaDeTexto 3">
-            <a:extLst>
-              <a:ext uri="{FF2B5EF4-FFF2-40B4-BE49-F238E27FC236}">
-                <a16:creationId xmlns:a16="http://schemas.microsoft.com/office/drawing/2014/main" id="{FE5BF99D-856C-A42B-0F3B-7D754FFF4701}"/>
-              </a:ext>
-            </a:extLst>
-          </p:cNvPr>
-          <p:cNvSpPr txBox="1"/>
-          <p:nvPr/>
-        </p:nvSpPr>
-        <p:spPr>
-          <a:xfrm>
-            <a:off x="1341302" y="1328565"/>
-            <a:ext cx="7780663" cy="584775"/>
-          </a:xfrm>
-          <a:prstGeom prst="rect">
-            <a:avLst/>
-          </a:prstGeom>
-          <a:noFill/>
-        </p:spPr>
-        <p:txBody>
-          <a:bodyPr wrap="square">
-            <a:spAutoFit/>
-          </a:bodyPr>
-          <a:lstStyle/>
-          <a:p>
-            <a:r>
-              <a:rPr lang="pt-BR" sz="3200" dirty="0"/>
-              <a:t>LSTM</a:t>
-            </a:r>
-          </a:p>
-        </p:txBody>
-      </p:sp>
-      <p:pic>
-        <p:nvPicPr>
-          <p:cNvPr id="6" name="Imagem 5">
-            <a:extLst>
-              <a:ext uri="{FF2B5EF4-FFF2-40B4-BE49-F238E27FC236}">
-                <a16:creationId xmlns:a16="http://schemas.microsoft.com/office/drawing/2014/main" id="{802FC33D-3222-8214-6A63-2630143F568E}"/>
-              </a:ext>
-            </a:extLst>
-          </p:cNvPr>
-          <p:cNvPicPr>
-            <a:picLocks noChangeAspect="1"/>
-          </p:cNvPicPr>
-          <p:nvPr/>
-        </p:nvPicPr>
-        <p:blipFill>
-          <a:blip r:embed="rId2"/>
-          <a:stretch>
-            <a:fillRect/>
-          </a:stretch>
-        </p:blipFill>
-        <p:spPr>
-          <a:xfrm>
-            <a:off x="3216167" y="1913340"/>
-            <a:ext cx="6210861" cy="4049429"/>
-          </a:xfrm>
-          <a:prstGeom prst="rect">
-            <a:avLst/>
-          </a:prstGeom>
-        </p:spPr>
-      </p:pic>
-    </p:spTree>
-    <p:extLst>
-      <p:ext uri="{BB962C8B-B14F-4D97-AF65-F5344CB8AC3E}">
-        <p14:creationId xmlns:p14="http://schemas.microsoft.com/office/powerpoint/2010/main" val="244844415"/>
-      </p:ext>
-    </p:extLst>
-  </p:cSld>
-  <p:clrMapOvr>
-    <a:masterClrMapping/>
-  </p:clrMapOvr>
-</p:sld>
-</file>
-
-<file path=ppt/slides/slide29.xml><?xml version="1.0" encoding="utf-8"?>
+<file path=ppt/slides/slide3.xml><?xml version="1.0" encoding="utf-8"?>
 <p:sld xmlns:a="http://schemas.openxmlformats.org/drawingml/2006/main" xmlns:r="http://schemas.openxmlformats.org/officeDocument/2006/relationships" xmlns:p="http://schemas.openxmlformats.org/presentationml/2006/main">
   <p:cSld>
     <p:bg>
       <p:bgPr>
-        <a:blipFill rotWithShape="1">
-          <a:blip r:embed="rId2"/>
-          <a:stretch/>
-        </a:blipFill>
+        <a:solidFill>
+          <a:schemeClr val="bg1"/>
+        </a:solidFill>
         <a:effectLst/>
       </p:bgPr>
     </p:bg>
@@ -22219,102 +24026,12 @@
           <a:chExt cx="0" cy="0"/>
         </a:xfrm>
       </p:grpSpPr>
-      <p:pic>
-        <p:nvPicPr>
-          <p:cNvPr id="1035" name="Picture 1034">
+      <p:sp useBgFill="1">
+        <p:nvSpPr>
+          <p:cNvPr id="16" name="Rectangle 9">
             <a:extLst>
               <a:ext uri="{FF2B5EF4-FFF2-40B4-BE49-F238E27FC236}">
-                <a16:creationId xmlns:a16="http://schemas.microsoft.com/office/drawing/2014/main" id="{2FA3880A-8D8F-466C-A4A1-F07BCDD3719C}"/>
-              </a:ext>
-              <a:ext uri="{C183D7F6-B498-43B3-948B-1728B52AA6E4}">
-                <adec:decorative xmlns:adec="http://schemas.microsoft.com/office/drawing/2017/decorative" val="1"/>
-              </a:ext>
-            </a:extLst>
-          </p:cNvPr>
-          <p:cNvPicPr>
-            <a:picLocks noGrp="1" noRot="1" noChangeAspect="1" noMove="1" noResize="1" noEditPoints="1" noAdjustHandles="1" noChangeArrowheads="1" noChangeShapeType="1" noCrop="1"/>
-          </p:cNvPicPr>
-          <p:nvPr>
-            <p:extLst>
-              <p:ext uri="{386F3935-93C4-4BCD-93E2-E3B085C9AB24}">
-                <p16:designElem xmlns:p16="http://schemas.microsoft.com/office/powerpoint/2015/main" val="1"/>
-              </p:ext>
-            </p:extLst>
-          </p:nvPr>
-        </p:nvPicPr>
-        <p:blipFill>
-          <a:blip r:embed="rId3">
-            <a:extLst>
-              <a:ext uri="{28A0092B-C50C-407E-A947-70E740481C1C}">
-                <a14:useLocalDpi xmlns:a14="http://schemas.microsoft.com/office/drawing/2010/main" val="0"/>
-              </a:ext>
-            </a:extLst>
-          </a:blip>
-          <a:stretch>
-            <a:fillRect/>
-          </a:stretch>
-        </p:blipFill>
-        <p:spPr>
-          <a:xfrm>
-            <a:off x="2831794" y="2105202"/>
-            <a:ext cx="9360205" cy="4752798"/>
-          </a:xfrm>
-          <a:prstGeom prst="rect">
-            <a:avLst/>
-          </a:prstGeom>
-        </p:spPr>
-      </p:pic>
-      <p:pic>
-        <p:nvPicPr>
-          <p:cNvPr id="1037" name="Picture 1036">
-            <a:extLst>
-              <a:ext uri="{FF2B5EF4-FFF2-40B4-BE49-F238E27FC236}">
-                <a16:creationId xmlns:a16="http://schemas.microsoft.com/office/drawing/2014/main" id="{3C0A64CB-20A1-4508-B568-284EB04F78EE}"/>
-              </a:ext>
-              <a:ext uri="{C183D7F6-B498-43B3-948B-1728B52AA6E4}">
-                <adec:decorative xmlns:adec="http://schemas.microsoft.com/office/drawing/2017/decorative" val="1"/>
-              </a:ext>
-            </a:extLst>
-          </p:cNvPr>
-          <p:cNvPicPr>
-            <a:picLocks noGrp="1" noRot="1" noChangeAspect="1" noMove="1" noResize="1" noEditPoints="1" noAdjustHandles="1" noChangeArrowheads="1" noChangeShapeType="1" noCrop="1"/>
-          </p:cNvPicPr>
-          <p:nvPr>
-            <p:extLst>
-              <p:ext uri="{386F3935-93C4-4BCD-93E2-E3B085C9AB24}">
-                <p16:designElem xmlns:p16="http://schemas.microsoft.com/office/powerpoint/2015/main" val="1"/>
-              </p:ext>
-            </p:extLst>
-          </p:nvPr>
-        </p:nvPicPr>
-        <p:blipFill>
-          <a:blip r:embed="rId4">
-            <a:extLst>
-              <a:ext uri="{28A0092B-C50C-407E-A947-70E740481C1C}">
-                <a14:useLocalDpi xmlns:a14="http://schemas.microsoft.com/office/drawing/2010/main" val="0"/>
-              </a:ext>
-            </a:extLst>
-          </a:blip>
-          <a:stretch>
-            <a:fillRect/>
-          </a:stretch>
-        </p:blipFill>
-        <p:spPr>
-          <a:xfrm>
-            <a:off x="0" y="0"/>
-            <a:ext cx="12189867" cy="6858000"/>
-          </a:xfrm>
-          <a:prstGeom prst="rect">
-            <a:avLst/>
-          </a:prstGeom>
-        </p:spPr>
-      </p:pic>
-      <p:sp>
-        <p:nvSpPr>
-          <p:cNvPr id="1039" name="Rectangle 1038">
-            <a:extLst>
-              <a:ext uri="{FF2B5EF4-FFF2-40B4-BE49-F238E27FC236}">
-                <a16:creationId xmlns:a16="http://schemas.microsoft.com/office/drawing/2014/main" id="{8DA14841-53A4-4935-BE65-C8373B8A6D06}"/>
+                <a16:creationId xmlns:a16="http://schemas.microsoft.com/office/drawing/2014/main" id="{B5E326A3-EB92-4BDA-9F77-45197E0CBE7E}"/>
               </a:ext>
               <a:ext uri="{C183D7F6-B498-43B3-948B-1728B52AA6E4}">
                 <adec:decorative xmlns:adec="http://schemas.microsoft.com/office/drawing/2017/decorative" val="1"/>
@@ -22335,13 +24052,73 @@
         <p:spPr>
           <a:xfrm>
             <a:off x="0" y="0"/>
-            <a:ext cx="964174" cy="6858000"/>
+            <a:ext cx="12192000" cy="6858000"/>
+          </a:xfrm>
+          <a:prstGeom prst="rect">
+            <a:avLst/>
+          </a:prstGeom>
+          <a:ln>
+            <a:noFill/>
+          </a:ln>
+        </p:spPr>
+        <p:style>
+          <a:lnRef idx="2">
+            <a:schemeClr val="accent1">
+              <a:shade val="50000"/>
+            </a:schemeClr>
+          </a:lnRef>
+          <a:fillRef idx="1">
+            <a:schemeClr val="accent1"/>
+          </a:fillRef>
+          <a:effectRef idx="0">
+            <a:schemeClr val="accent1"/>
+          </a:effectRef>
+          <a:fontRef idx="minor">
+            <a:schemeClr val="lt1"/>
+          </a:fontRef>
+        </p:style>
+        <p:txBody>
+          <a:bodyPr rtlCol="0" anchor="ctr"/>
+          <a:lstStyle/>
+          <a:p>
+            <a:pPr algn="ctr"/>
+            <a:endParaRPr lang="en-US"/>
+          </a:p>
+        </p:txBody>
+      </p:sp>
+      <p:sp>
+        <p:nvSpPr>
+          <p:cNvPr id="17" name="Rectangle 11">
+            <a:extLst>
+              <a:ext uri="{FF2B5EF4-FFF2-40B4-BE49-F238E27FC236}">
+                <a16:creationId xmlns:a16="http://schemas.microsoft.com/office/drawing/2014/main" id="{CAC996C7-7B84-4645-9AA1-6EA85EAB47D6}"/>
+              </a:ext>
+              <a:ext uri="{C183D7F6-B498-43B3-948B-1728B52AA6E4}">
+                <adec:decorative xmlns:adec="http://schemas.microsoft.com/office/drawing/2017/decorative" val="1"/>
+              </a:ext>
+            </a:extLst>
+          </p:cNvPr>
+          <p:cNvSpPr>
+            <a:spLocks noGrp="1" noRot="1" noChangeAspect="1" noMove="1" noResize="1" noEditPoints="1" noAdjustHandles="1" noChangeArrowheads="1" noChangeShapeType="1" noTextEdit="1"/>
+          </p:cNvSpPr>
+          <p:nvPr>
+            <p:extLst>
+              <p:ext uri="{386F3935-93C4-4BCD-93E2-E3B085C9AB24}">
+                <p16:designElem xmlns:p16="http://schemas.microsoft.com/office/powerpoint/2015/main" val="1"/>
+              </p:ext>
+            </p:extLst>
+          </p:nvPr>
+        </p:nvSpPr>
+        <p:spPr>
+          <a:xfrm>
+            <a:off x="0" y="0"/>
+            <a:ext cx="4622901" cy="6858000"/>
           </a:xfrm>
           <a:prstGeom prst="rect">
             <a:avLst/>
           </a:prstGeom>
           <a:solidFill>
-            <a:schemeClr val="bg2"/>
+            <a:schemeClr val="tx2"/>
           </a:solidFill>
           <a:ln>
             <a:noFill/>
@@ -22373,10 +24150,54 @@
       </p:sp>
       <p:sp>
         <p:nvSpPr>
-          <p:cNvPr id="1041" name="Rectangle 1040">
+          <p:cNvPr id="5" name="Título 1">
             <a:extLst>
               <a:ext uri="{FF2B5EF4-FFF2-40B4-BE49-F238E27FC236}">
-                <a16:creationId xmlns:a16="http://schemas.microsoft.com/office/drawing/2014/main" id="{9877C2CF-B2DD-41C8-8B5E-152673376B41}"/>
+                <a16:creationId xmlns:a16="http://schemas.microsoft.com/office/drawing/2014/main" id="{D8FA902E-C53A-FB23-0923-FEF465FE03C7}"/>
+              </a:ext>
+            </a:extLst>
+          </p:cNvPr>
+          <p:cNvSpPr>
+            <a:spLocks noGrp="1"/>
+          </p:cNvSpPr>
+          <p:nvPr>
+            <p:ph type="title"/>
+          </p:nvPr>
+        </p:nvSpPr>
+        <p:spPr>
+          <a:xfrm>
+            <a:off x="1337191" y="1064365"/>
+            <a:ext cx="2856582" cy="3313671"/>
+          </a:xfrm>
+        </p:spPr>
+        <p:txBody>
+          <a:bodyPr rtlCol="0">
+            <a:normAutofit/>
+          </a:bodyPr>
+          <a:lstStyle>
+            <a:defPPr>
+              <a:defRPr lang="pt-BR"/>
+            </a:defPPr>
+          </a:lstStyle>
+          <a:p>
+            <a:pPr algn="l" rtl="0"/>
+            <a:r>
+              <a:rPr lang="pt-BR">
+                <a:solidFill>
+                  <a:schemeClr val="bg1"/>
+                </a:solidFill>
+              </a:rPr>
+              <a:t>Agenda</a:t>
+            </a:r>
+          </a:p>
+        </p:txBody>
+      </p:sp>
+      <p:sp>
+        <p:nvSpPr>
+          <p:cNvPr id="18" name="Rectangle 13">
+            <a:extLst>
+              <a:ext uri="{FF2B5EF4-FFF2-40B4-BE49-F238E27FC236}">
+                <a16:creationId xmlns:a16="http://schemas.microsoft.com/office/drawing/2014/main" id="{32DC315B-5680-47D9-B827-34D012FB14B2}"/>
               </a:ext>
               <a:ext uri="{C183D7F6-B498-43B3-948B-1728B52AA6E4}">
                 <adec:decorative xmlns:adec="http://schemas.microsoft.com/office/drawing/2017/decorative" val="1"/>
@@ -22396,7 +24217,7 @@
         </p:nvSpPr>
         <p:spPr>
           <a:xfrm>
-            <a:off x="962042" y="0"/>
+            <a:off x="4620769" y="0"/>
             <a:ext cx="45719" cy="6858000"/>
           </a:xfrm>
           <a:prstGeom prst="rect">
@@ -22433,159 +24254,83 @@
           </a:p>
         </p:txBody>
       </p:sp>
-      <p:sp>
-        <p:nvSpPr>
-          <p:cNvPr id="1043" name="Rectangle 1042">
+      <p:graphicFrame>
+        <p:nvGraphicFramePr>
+          <p:cNvPr id="4" name="Espaço Reservado para Conteúdo 2">
             <a:extLst>
               <a:ext uri="{FF2B5EF4-FFF2-40B4-BE49-F238E27FC236}">
-                <a16:creationId xmlns:a16="http://schemas.microsoft.com/office/drawing/2014/main" id="{D377EE36-E59D-4778-8F99-4B470DA4A306}"/>
-              </a:ext>
-              <a:ext uri="{C183D7F6-B498-43B3-948B-1728B52AA6E4}">
-                <adec:decorative xmlns:adec="http://schemas.microsoft.com/office/drawing/2017/decorative" val="1"/>
+                <a16:creationId xmlns:a16="http://schemas.microsoft.com/office/drawing/2014/main" id="{1829D2E3-4A7D-649A-4631-35ACFD6DFC4A}"/>
               </a:ext>
             </a:extLst>
           </p:cNvPr>
-          <p:cNvSpPr>
-            <a:spLocks noGrp="1" noRot="1" noChangeAspect="1" noMove="1" noResize="1" noEditPoints="1" noAdjustHandles="1" noChangeArrowheads="1" noChangeShapeType="1" noTextEdit="1"/>
-          </p:cNvSpPr>
+          <p:cNvGraphicFramePr>
+            <a:graphicFrameLocks noGrp="1"/>
+          </p:cNvGraphicFramePr>
           <p:nvPr>
+            <p:ph idx="1"/>
             <p:extLst>
-              <p:ext uri="{386F3935-93C4-4BCD-93E2-E3B085C9AB24}">
-                <p16:designElem xmlns:p16="http://schemas.microsoft.com/office/powerpoint/2015/main" val="1"/>
+              <p:ext uri="{D42A27DB-BD31-4B8C-83A1-F6EECF244321}">
+                <p14:modId xmlns:p14="http://schemas.microsoft.com/office/powerpoint/2010/main" val="2296880473"/>
               </p:ext>
             </p:extLst>
           </p:nvPr>
+        </p:nvGraphicFramePr>
+        <p:xfrm>
+          <a:off x="5507182" y="897534"/>
+          <a:ext cx="5889686" cy="5319241"/>
+        </p:xfrm>
+        <a:graphic>
+          <a:graphicData uri="http://schemas.openxmlformats.org/drawingml/2006/diagram">
+            <dgm:relIds xmlns:dgm="http://schemas.openxmlformats.org/drawingml/2006/diagram" xmlns:r="http://schemas.openxmlformats.org/officeDocument/2006/relationships" r:dm="rId2" r:lo="rId3" r:qs="rId4" r:cs="rId5"/>
+          </a:graphicData>
+        </a:graphic>
+      </p:graphicFrame>
+    </p:spTree>
+    <p:extLst>
+      <p:ext uri="{BB962C8B-B14F-4D97-AF65-F5344CB8AC3E}">
+        <p14:creationId xmlns:p14="http://schemas.microsoft.com/office/powerpoint/2010/main" val="2389236810"/>
+      </p:ext>
+    </p:extLst>
+  </p:cSld>
+  <p:clrMapOvr>
+    <a:overrideClrMapping bg1="lt1" tx1="dk1" bg2="lt2" tx2="dk2" accent1="accent1" accent2="accent2" accent3="accent3" accent4="accent4" accent5="accent5" accent6="accent6" hlink="hlink" folHlink="folHlink"/>
+  </p:clrMapOvr>
+</p:sld>
+</file>
+
+<file path=ppt/slides/slide30.xml><?xml version="1.0" encoding="utf-8"?>
+<p:sld xmlns:a="http://schemas.openxmlformats.org/drawingml/2006/main" xmlns:r="http://schemas.openxmlformats.org/officeDocument/2006/relationships" xmlns:p="http://schemas.openxmlformats.org/presentationml/2006/main">
+  <p:cSld>
+    <p:spTree>
+      <p:nvGrpSpPr>
+        <p:cNvPr id="1" name=""/>
+        <p:cNvGrpSpPr/>
+        <p:nvPr/>
+      </p:nvGrpSpPr>
+      <p:grpSpPr>
+        <a:xfrm>
+          <a:off x="0" y="0"/>
+          <a:ext cx="0" cy="0"/>
+          <a:chOff x="0" y="0"/>
+          <a:chExt cx="0" cy="0"/>
+        </a:xfrm>
+      </p:grpSpPr>
+      <p:sp>
+        <p:nvSpPr>
+          <p:cNvPr id="4" name="CaixaDeTexto 3">
+            <a:extLst>
+              <a:ext uri="{FF2B5EF4-FFF2-40B4-BE49-F238E27FC236}">
+                <a16:creationId xmlns:a16="http://schemas.microsoft.com/office/drawing/2014/main" id="{FE5BF99D-856C-A42B-0F3B-7D754FFF4701}"/>
+              </a:ext>
+            </a:extLst>
+          </p:cNvPr>
+          <p:cNvSpPr txBox="1"/>
+          <p:nvPr/>
         </p:nvSpPr>
         <p:spPr>
           <a:xfrm>
-            <a:off x="1007533" y="0"/>
-            <a:ext cx="7934348" cy="6858000"/>
-          </a:xfrm>
-          <a:prstGeom prst="rect">
-            <a:avLst/>
-          </a:prstGeom>
-          <a:solidFill>
-            <a:schemeClr val="bg2">
-              <a:alpha val="92000"/>
-            </a:schemeClr>
-          </a:solidFill>
-          <a:ln>
-            <a:noFill/>
-          </a:ln>
-        </p:spPr>
-        <p:style>
-          <a:lnRef idx="2">
-            <a:schemeClr val="accent1">
-              <a:shade val="50000"/>
-            </a:schemeClr>
-          </a:lnRef>
-          <a:fillRef idx="1">
-            <a:schemeClr val="accent1"/>
-          </a:fillRef>
-          <a:effectRef idx="0">
-            <a:schemeClr val="accent1"/>
-          </a:effectRef>
-          <a:fontRef idx="minor">
-            <a:schemeClr val="lt1"/>
-          </a:fontRef>
-        </p:style>
-        <p:txBody>
-          <a:bodyPr/>
-          <a:lstStyle/>
-          <a:p>
-            <a:endParaRPr lang="pt-BR"/>
-          </a:p>
-        </p:txBody>
-      </p:sp>
-      <p:sp>
-        <p:nvSpPr>
-          <p:cNvPr id="1045" name="Rectangle 1044">
-            <a:extLst>
-              <a:ext uri="{FF2B5EF4-FFF2-40B4-BE49-F238E27FC236}">
-                <a16:creationId xmlns:a16="http://schemas.microsoft.com/office/drawing/2014/main" id="{2586C6C5-47AF-450A-932D-880EF823E596}"/>
-              </a:ext>
-              <a:ext uri="{C183D7F6-B498-43B3-948B-1728B52AA6E4}">
-                <adec:decorative xmlns:adec="http://schemas.microsoft.com/office/drawing/2017/decorative" val="1"/>
-              </a:ext>
-            </a:extLst>
-          </p:cNvPr>
-          <p:cNvSpPr>
-            <a:spLocks noGrp="1" noRot="1" noChangeAspect="1" noMove="1" noResize="1" noEditPoints="1" noAdjustHandles="1" noChangeArrowheads="1" noChangeShapeType="1" noTextEdit="1"/>
-          </p:cNvSpPr>
-          <p:nvPr>
-            <p:extLst>
-              <p:ext uri="{386F3935-93C4-4BCD-93E2-E3B085C9AB24}">
-                <p16:designElem xmlns:p16="http://schemas.microsoft.com/office/powerpoint/2015/main" val="1"/>
-              </p:ext>
-            </p:extLst>
-          </p:nvPr>
-        </p:nvSpPr>
-        <p:spPr>
-          <a:xfrm>
-            <a:off x="8941881" y="0"/>
-            <a:ext cx="27432" cy="6858000"/>
-          </a:xfrm>
-          <a:prstGeom prst="rect">
-            <a:avLst/>
-          </a:prstGeom>
-          <a:solidFill>
-            <a:schemeClr val="accent6"/>
-          </a:solidFill>
-          <a:ln>
-            <a:noFill/>
-          </a:ln>
-        </p:spPr>
-        <p:style>
-          <a:lnRef idx="2">
-            <a:schemeClr val="accent1">
-              <a:shade val="50000"/>
-            </a:schemeClr>
-          </a:lnRef>
-          <a:fillRef idx="1">
-            <a:schemeClr val="accent1"/>
-          </a:fillRef>
-          <a:effectRef idx="0">
-            <a:schemeClr val="accent1"/>
-          </a:effectRef>
-          <a:fontRef idx="minor">
-            <a:schemeClr val="lt1"/>
-          </a:fontRef>
-        </p:style>
-        <p:txBody>
-          <a:bodyPr/>
-          <a:lstStyle/>
-          <a:p>
-            <a:endParaRPr lang="pt-BR"/>
-          </a:p>
-        </p:txBody>
-      </p:sp>
-      <p:sp>
-        <p:nvSpPr>
-          <p:cNvPr id="1047" name="TextBox 1046">
-            <a:extLst>
-              <a:ext uri="{FF2B5EF4-FFF2-40B4-BE49-F238E27FC236}">
-                <a16:creationId xmlns:a16="http://schemas.microsoft.com/office/drawing/2014/main" id="{A587901A-AA64-4940-9803-F67677851150}"/>
-              </a:ext>
-              <a:ext uri="{C183D7F6-B498-43B3-948B-1728B52AA6E4}">
-                <adec:decorative xmlns:adec="http://schemas.microsoft.com/office/drawing/2017/decorative" val="1"/>
-              </a:ext>
-            </a:extLst>
-          </p:cNvPr>
-          <p:cNvSpPr txBox="1">
-            <a:spLocks noGrp="1" noRot="1" noChangeAspect="1" noMove="1" noResize="1" noEditPoints="1" noAdjustHandles="1" noChangeArrowheads="1" noChangeShapeType="1" noTextEdit="1"/>
-          </p:cNvSpPr>
-          <p:nvPr>
-            <p:extLst>
-              <p:ext uri="{386F3935-93C4-4BCD-93E2-E3B085C9AB24}">
-                <p16:designElem xmlns:p16="http://schemas.microsoft.com/office/powerpoint/2015/main" val="1"/>
-              </p:ext>
-            </p:extLst>
-          </p:nvPr>
-        </p:nvSpPr>
-        <p:spPr>
-          <a:xfrm>
-            <a:off x="2191282" y="3262852"/>
-            <a:ext cx="415636" cy="461665"/>
+            <a:off x="1429472" y="969750"/>
+            <a:ext cx="7780663" cy="584775"/>
           </a:xfrm>
           <a:prstGeom prst="rect">
             <a:avLst/>
@@ -22593,40 +24338,134 @@
           <a:noFill/>
         </p:spPr>
         <p:txBody>
-          <a:bodyPr wrap="square" rtlCol="0">
+          <a:bodyPr wrap="square">
             <a:spAutoFit/>
           </a:bodyPr>
           <a:lstStyle/>
           <a:p>
-            <a:pPr algn="r">
-              <a:spcAft>
-                <a:spcPts val="600"/>
-              </a:spcAft>
-            </a:pPr>
             <a:r>
-              <a:rPr lang="en-US" sz="2400" dirty="0">
-                <a:solidFill>
-                  <a:schemeClr val="accent6"/>
-                </a:solidFill>
-                <a:latin typeface="Wingdings 3" panose="05040102010807070707" pitchFamily="18" charset="2"/>
-              </a:rPr>
-              <a:t>z</a:t>
+              <a:rPr lang="pt-BR" sz="3200" dirty="0" err="1"/>
+              <a:t>Vanishing</a:t>
             </a:r>
-            <a:endParaRPr lang="en-US" sz="2400" dirty="0">
-              <a:solidFill>
-                <a:schemeClr val="accent6"/>
-              </a:solidFill>
-              <a:latin typeface="MS Shell Dlg 2" panose="020B0604030504040204" pitchFamily="34" charset="0"/>
-            </a:endParaRPr>
+            <a:r>
+              <a:rPr lang="pt-BR" sz="3200" dirty="0"/>
+              <a:t> </a:t>
+            </a:r>
+            <a:r>
+              <a:rPr lang="pt-BR" sz="3200" dirty="0" err="1"/>
+              <a:t>Gradient</a:t>
+            </a:r>
+            <a:endParaRPr lang="pt-BR" sz="3200" dirty="0"/>
           </a:p>
         </p:txBody>
       </p:sp>
+      <p:sp>
+        <p:nvSpPr>
+          <p:cNvPr id="5" name="CaixaDeTexto 4">
+            <a:extLst>
+              <a:ext uri="{FF2B5EF4-FFF2-40B4-BE49-F238E27FC236}">
+                <a16:creationId xmlns:a16="http://schemas.microsoft.com/office/drawing/2014/main" id="{A54D98D4-3A5B-288D-8E0A-F05D19871F1A}"/>
+              </a:ext>
+            </a:extLst>
+          </p:cNvPr>
+          <p:cNvSpPr txBox="1"/>
+          <p:nvPr/>
+        </p:nvSpPr>
+        <p:spPr>
+          <a:xfrm>
+            <a:off x="1429472" y="2152790"/>
+            <a:ext cx="9682223" cy="369332"/>
+          </a:xfrm>
+          <a:prstGeom prst="rect">
+            <a:avLst/>
+          </a:prstGeom>
+          <a:noFill/>
+        </p:spPr>
+        <p:txBody>
+          <a:bodyPr wrap="square">
+            <a:spAutoFit/>
+          </a:bodyPr>
+          <a:lstStyle/>
+          <a:p>
+            <a:endParaRPr lang="pt-BR" dirty="0"/>
+          </a:p>
+        </p:txBody>
+      </p:sp>
+      <p:pic>
+        <p:nvPicPr>
+          <p:cNvPr id="6" name="Imagem 5" descr="Diagrama&#10;&#10;Descrição gerada automaticamente com confiança baixa">
+            <a:extLst>
+              <a:ext uri="{FF2B5EF4-FFF2-40B4-BE49-F238E27FC236}">
+                <a16:creationId xmlns:a16="http://schemas.microsoft.com/office/drawing/2014/main" id="{F03CF457-00DB-E0E7-1881-2157556CA2FB}"/>
+              </a:ext>
+            </a:extLst>
+          </p:cNvPr>
+          <p:cNvPicPr>
+            <a:picLocks noChangeAspect="1"/>
+          </p:cNvPicPr>
+          <p:nvPr/>
+        </p:nvPicPr>
+        <p:blipFill>
+          <a:blip r:embed="rId2"/>
+          <a:stretch>
+            <a:fillRect/>
+          </a:stretch>
+        </p:blipFill>
+        <p:spPr>
+          <a:xfrm>
+            <a:off x="1429472" y="1828371"/>
+            <a:ext cx="9333056" cy="4059879"/>
+          </a:xfrm>
+          <a:prstGeom prst="rect">
+            <a:avLst/>
+          </a:prstGeom>
+        </p:spPr>
+      </p:pic>
+    </p:spTree>
+    <p:extLst>
+      <p:ext uri="{BB962C8B-B14F-4D97-AF65-F5344CB8AC3E}">
+        <p14:creationId xmlns:p14="http://schemas.microsoft.com/office/powerpoint/2010/main" val="3554076628"/>
+      </p:ext>
+    </p:extLst>
+  </p:cSld>
+  <p:clrMapOvr>
+    <a:masterClrMapping/>
+  </p:clrMapOvr>
+</p:sld>
+</file>
+
+<file path=ppt/slides/slide31.xml><?xml version="1.0" encoding="utf-8"?>
+<p:sld xmlns:a="http://schemas.openxmlformats.org/drawingml/2006/main" xmlns:r="http://schemas.openxmlformats.org/officeDocument/2006/relationships" xmlns:p="http://schemas.openxmlformats.org/presentationml/2006/main">
+  <p:cSld>
+    <p:bg>
+      <p:bgPr>
+        <a:blipFill rotWithShape="1">
+          <a:blip r:embed="rId2"/>
+          <a:stretch/>
+        </a:blipFill>
+        <a:effectLst/>
+      </p:bgPr>
+    </p:bg>
+    <p:spTree>
+      <p:nvGrpSpPr>
+        <p:cNvPr id="1" name=""/>
+        <p:cNvGrpSpPr/>
+        <p:nvPr/>
+      </p:nvGrpSpPr>
+      <p:grpSpPr>
+        <a:xfrm>
+          <a:off x="0" y="0"/>
+          <a:ext cx="0" cy="0"/>
+          <a:chOff x="0" y="0"/>
+          <a:chExt cx="0" cy="0"/>
+        </a:xfrm>
+      </p:grpSpPr>
       <p:sp useBgFill="1">
         <p:nvSpPr>
-          <p:cNvPr id="1049" name="Rectangle 1048">
+          <p:cNvPr id="11" name="Rectangle 10">
             <a:extLst>
               <a:ext uri="{FF2B5EF4-FFF2-40B4-BE49-F238E27FC236}">
-                <a16:creationId xmlns:a16="http://schemas.microsoft.com/office/drawing/2014/main" id="{4DA9E8CC-6C73-43E6-AF09-B4B1083BCDC7}"/>
+                <a16:creationId xmlns:a16="http://schemas.microsoft.com/office/drawing/2014/main" id="{8CD557CE-2AB8-44E1-AABA-A21D2274F34E}"/>
               </a:ext>
               <a:ext uri="{C183D7F6-B498-43B3-948B-1728B52AA6E4}">
                 <adec:decorative xmlns:adec="http://schemas.microsoft.com/office/drawing/2017/decorative" val="1"/>
@@ -22683,10 +24522,10 @@
       </p:sp>
       <p:pic>
         <p:nvPicPr>
-          <p:cNvPr id="1051" name="Picture 1050">
+          <p:cNvPr id="13" name="Picture 12">
             <a:extLst>
               <a:ext uri="{FF2B5EF4-FFF2-40B4-BE49-F238E27FC236}">
-                <a16:creationId xmlns:a16="http://schemas.microsoft.com/office/drawing/2014/main" id="{C6DFF5FD-BEF9-4B06-B7C2-58C5CFC92B34}"/>
+                <a16:creationId xmlns:a16="http://schemas.microsoft.com/office/drawing/2014/main" id="{58DCB6E5-A344-4A17-A353-EC4D71E6C46B}"/>
               </a:ext>
               <a:ext uri="{C183D7F6-B498-43B3-948B-1728B52AA6E4}">
                 <adec:decorative xmlns:adec="http://schemas.microsoft.com/office/drawing/2017/decorative" val="1"/>
@@ -22728,10 +24567,10 @@
       </p:pic>
       <p:pic>
         <p:nvPicPr>
-          <p:cNvPr id="1053" name="Picture 1052">
+          <p:cNvPr id="15" name="Picture 14">
             <a:extLst>
               <a:ext uri="{FF2B5EF4-FFF2-40B4-BE49-F238E27FC236}">
-                <a16:creationId xmlns:a16="http://schemas.microsoft.com/office/drawing/2014/main" id="{C9A18D1D-88E7-41EF-892F-C99BDEEE5E78}"/>
+                <a16:creationId xmlns:a16="http://schemas.microsoft.com/office/drawing/2014/main" id="{4D82F4F2-6117-4CCD-94A7-4AFD603EC3C6}"/>
               </a:ext>
               <a:ext uri="{C183D7F6-B498-43B3-948B-1728B52AA6E4}">
                 <adec:decorative xmlns:adec="http://schemas.microsoft.com/office/drawing/2017/decorative" val="1"/>
@@ -22774,10 +24613,10 @@
       </p:pic>
       <p:sp>
         <p:nvSpPr>
-          <p:cNvPr id="1055" name="Rectangle 1054">
+          <p:cNvPr id="17" name="Rectangle 16">
             <a:extLst>
               <a:ext uri="{FF2B5EF4-FFF2-40B4-BE49-F238E27FC236}">
-                <a16:creationId xmlns:a16="http://schemas.microsoft.com/office/drawing/2014/main" id="{113E1A2F-E5D7-4888-BA8C-1CDDC7CE2328}"/>
+                <a16:creationId xmlns:a16="http://schemas.microsoft.com/office/drawing/2014/main" id="{3CCA9FB2-FFC7-4B6D-8E30-9D2CC14E7D24}"/>
               </a:ext>
               <a:ext uri="{C183D7F6-B498-43B3-948B-1728B52AA6E4}">
                 <adec:decorative xmlns:adec="http://schemas.microsoft.com/office/drawing/2017/decorative" val="1"/>
@@ -22837,10 +24676,73 @@
       </p:sp>
       <p:sp>
         <p:nvSpPr>
-          <p:cNvPr id="1057" name="Rectangle 1056">
+          <p:cNvPr id="19" name="Rectangle 18">
             <a:extLst>
               <a:ext uri="{FF2B5EF4-FFF2-40B4-BE49-F238E27FC236}">
-                <a16:creationId xmlns:a16="http://schemas.microsoft.com/office/drawing/2014/main" id="{F625649A-4F9D-4D90-8F0A-433D7A1F685F}"/>
+                <a16:creationId xmlns:a16="http://schemas.microsoft.com/office/drawing/2014/main" id="{3CF6D6F6-E7F9-4521-BD22-74A61D8ED84D}"/>
+              </a:ext>
+              <a:ext uri="{C183D7F6-B498-43B3-948B-1728B52AA6E4}">
+                <adec:decorative xmlns:adec="http://schemas.microsoft.com/office/drawing/2017/decorative" val="1"/>
+              </a:ext>
+            </a:extLst>
+          </p:cNvPr>
+          <p:cNvSpPr>
+            <a:spLocks noGrp="1" noRot="1" noChangeAspect="1" noMove="1" noResize="1" noEditPoints="1" noAdjustHandles="1" noChangeArrowheads="1" noChangeShapeType="1" noTextEdit="1"/>
+          </p:cNvSpPr>
+          <p:nvPr>
+            <p:extLst>
+              <p:ext uri="{386F3935-93C4-4BCD-93E2-E3B085C9AB24}">
+                <p16:designElem xmlns:p16="http://schemas.microsoft.com/office/powerpoint/2015/main" val="1"/>
+              </p:ext>
+            </p:extLst>
+          </p:nvPr>
+        </p:nvSpPr>
+        <p:spPr>
+          <a:xfrm>
+            <a:off x="962042" y="0"/>
+            <a:ext cx="45719" cy="6858000"/>
+          </a:xfrm>
+          <a:prstGeom prst="rect">
+            <a:avLst/>
+          </a:prstGeom>
+          <a:solidFill>
+            <a:schemeClr val="accent6"/>
+          </a:solidFill>
+          <a:ln>
+            <a:noFill/>
+          </a:ln>
+        </p:spPr>
+        <p:style>
+          <a:lnRef idx="2">
+            <a:schemeClr val="accent1">
+              <a:shade val="50000"/>
+            </a:schemeClr>
+          </a:lnRef>
+          <a:fillRef idx="1">
+            <a:schemeClr val="accent1"/>
+          </a:fillRef>
+          <a:effectRef idx="0">
+            <a:schemeClr val="accent1"/>
+          </a:effectRef>
+          <a:fontRef idx="minor">
+            <a:schemeClr val="lt1"/>
+          </a:fontRef>
+        </p:style>
+        <p:txBody>
+          <a:bodyPr rtlCol="0" anchor="ctr"/>
+          <a:lstStyle/>
+          <a:p>
+            <a:pPr algn="ctr"/>
+            <a:endParaRPr lang="en-US"/>
+          </a:p>
+        </p:txBody>
+      </p:sp>
+      <p:sp>
+        <p:nvSpPr>
+          <p:cNvPr id="21" name="Rectangle 20">
+            <a:extLst>
+              <a:ext uri="{FF2B5EF4-FFF2-40B4-BE49-F238E27FC236}">
+                <a16:creationId xmlns:a16="http://schemas.microsoft.com/office/drawing/2014/main" id="{1B566E74-1425-46AC-885D-D2DAEE365F60}"/>
               </a:ext>
               <a:ext uri="{C183D7F6-B498-43B3-948B-1728B52AA6E4}">
                 <adec:decorative xmlns:adec="http://schemas.microsoft.com/office/drawing/2017/decorative" val="1"/>
@@ -22914,6 +24816,948 @@
         </p:nvSpPr>
         <p:spPr>
           <a:xfrm>
+            <a:off x="1969804" y="808056"/>
+            <a:ext cx="3317492" cy="1077229"/>
+          </a:xfrm>
+          <a:prstGeom prst="rect">
+            <a:avLst/>
+          </a:prstGeom>
+        </p:spPr>
+        <p:txBody>
+          <a:bodyPr vert="horz" lIns="91440" tIns="45720" rIns="91440" bIns="45720" rtlCol="0" anchor="t">
+            <a:normAutofit/>
+          </a:bodyPr>
+          <a:lstStyle/>
+          <a:p>
+            <a:pPr defTabSz="914400">
+              <a:lnSpc>
+                <a:spcPct val="90000"/>
+              </a:lnSpc>
+              <a:spcBef>
+                <a:spcPct val="0"/>
+              </a:spcBef>
+              <a:spcAft>
+                <a:spcPts val="600"/>
+              </a:spcAft>
+            </a:pPr>
+            <a:r>
+              <a:rPr lang="en-US" sz="3400">
+                <a:latin typeface="+mj-lt"/>
+                <a:ea typeface="+mj-ea"/>
+                <a:cs typeface="+mj-cs"/>
+              </a:rPr>
+              <a:t>LSTM</a:t>
+            </a:r>
+          </a:p>
+        </p:txBody>
+      </p:sp>
+      <p:sp>
+        <p:nvSpPr>
+          <p:cNvPr id="3" name="CaixaDeTexto 2">
+            <a:extLst>
+              <a:ext uri="{FF2B5EF4-FFF2-40B4-BE49-F238E27FC236}">
+                <a16:creationId xmlns:a16="http://schemas.microsoft.com/office/drawing/2014/main" id="{A1B3AAA0-F975-3AB1-C1B2-2DD0C6831D62}"/>
+              </a:ext>
+            </a:extLst>
+          </p:cNvPr>
+          <p:cNvSpPr txBox="1"/>
+          <p:nvPr/>
+        </p:nvSpPr>
+        <p:spPr>
+          <a:xfrm>
+            <a:off x="1969803" y="2052116"/>
+            <a:ext cx="3317493" cy="3997828"/>
+          </a:xfrm>
+          <a:prstGeom prst="rect">
+            <a:avLst/>
+          </a:prstGeom>
+        </p:spPr>
+        <p:txBody>
+          <a:bodyPr vert="horz" lIns="91440" tIns="45720" rIns="91440" bIns="45720" rtlCol="0" anchor="ctr">
+            <a:normAutofit/>
+          </a:bodyPr>
+          <a:lstStyle/>
+          <a:p>
+            <a:pPr defTabSz="914400">
+              <a:lnSpc>
+                <a:spcPct val="120000"/>
+              </a:lnSpc>
+              <a:spcAft>
+                <a:spcPts val="600"/>
+              </a:spcAft>
+              <a:buClr>
+                <a:schemeClr val="accent6"/>
+              </a:buClr>
+              <a:buSzPct val="90000"/>
+              <a:buFont typeface="Wingdings" panose="05000000000000000000" pitchFamily="2" charset="2"/>
+              <a:buChar char="§"/>
+            </a:pPr>
+            <a:r>
+              <a:rPr lang="en-US"/>
+              <a:t>A estrutura do LSTM inclui células de memória, portas (gates) e estados que permitem que ele mantenha informações ao longo de longas sequências e controle o fluxo de informações dentro da rede. Aqui estão os componentes principais:</a:t>
+            </a:r>
+          </a:p>
+        </p:txBody>
+      </p:sp>
+      <p:pic>
+        <p:nvPicPr>
+          <p:cNvPr id="6" name="Imagem 5">
+            <a:extLst>
+              <a:ext uri="{FF2B5EF4-FFF2-40B4-BE49-F238E27FC236}">
+                <a16:creationId xmlns:a16="http://schemas.microsoft.com/office/drawing/2014/main" id="{802FC33D-3222-8214-6A63-2630143F568E}"/>
+              </a:ext>
+            </a:extLst>
+          </p:cNvPr>
+          <p:cNvPicPr>
+            <a:picLocks noChangeAspect="1"/>
+          </p:cNvPicPr>
+          <p:nvPr/>
+        </p:nvPicPr>
+        <p:blipFill>
+          <a:blip r:embed="rId5"/>
+          <a:stretch>
+            <a:fillRect/>
+          </a:stretch>
+        </p:blipFill>
+        <p:spPr>
+          <a:xfrm>
+            <a:off x="6094766" y="1911741"/>
+            <a:ext cx="4651619" cy="3035180"/>
+          </a:xfrm>
+          <a:prstGeom prst="rect">
+            <a:avLst/>
+          </a:prstGeom>
+          <a:ln>
+            <a:gradFill flip="none" rotWithShape="1">
+              <a:gsLst>
+                <a:gs pos="86000">
+                  <a:schemeClr val="accent6">
+                    <a:lumMod val="67000"/>
+                  </a:schemeClr>
+                </a:gs>
+                <a:gs pos="20000">
+                  <a:schemeClr val="accent6">
+                    <a:lumMod val="97000"/>
+                    <a:lumOff val="3000"/>
+                  </a:schemeClr>
+                </a:gs>
+                <a:gs pos="100000">
+                  <a:schemeClr val="accent6">
+                    <a:lumMod val="60000"/>
+                    <a:lumOff val="40000"/>
+                  </a:schemeClr>
+                </a:gs>
+              </a:gsLst>
+              <a:lin ang="16200000" scaled="1"/>
+              <a:tileRect/>
+            </a:gradFill>
+          </a:ln>
+          <a:effectLst>
+            <a:innerShdw blurRad="127000">
+              <a:prstClr val="black">
+                <a:alpha val="90000"/>
+              </a:prstClr>
+            </a:innerShdw>
+          </a:effectLst>
+        </p:spPr>
+      </p:pic>
+      <p:sp>
+        <p:nvSpPr>
+          <p:cNvPr id="23" name="Rectangle 22">
+            <a:extLst>
+              <a:ext uri="{FF2B5EF4-FFF2-40B4-BE49-F238E27FC236}">
+                <a16:creationId xmlns:a16="http://schemas.microsoft.com/office/drawing/2014/main" id="{06858379-D070-40E4-8A3D-F29E90C5C7C3}"/>
+              </a:ext>
+              <a:ext uri="{C183D7F6-B498-43B3-948B-1728B52AA6E4}">
+                <adec:decorative xmlns:adec="http://schemas.microsoft.com/office/drawing/2017/decorative" val="1"/>
+              </a:ext>
+            </a:extLst>
+          </p:cNvPr>
+          <p:cNvSpPr>
+            <a:spLocks noGrp="1" noRot="1" noChangeAspect="1" noMove="1" noResize="1" noEditPoints="1" noAdjustHandles="1" noChangeArrowheads="1" noChangeShapeType="1" noTextEdit="1"/>
+          </p:cNvSpPr>
+          <p:nvPr>
+            <p:extLst>
+              <p:ext uri="{386F3935-93C4-4BCD-93E2-E3B085C9AB24}">
+                <p16:designElem xmlns:p16="http://schemas.microsoft.com/office/powerpoint/2015/main" val="1"/>
+              </p:ext>
+            </p:extLst>
+          </p:nvPr>
+        </p:nvSpPr>
+        <p:spPr>
+          <a:xfrm>
+            <a:off x="11387666" y="-2718"/>
+            <a:ext cx="27432" cy="6858000"/>
+          </a:xfrm>
+          <a:prstGeom prst="rect">
+            <a:avLst/>
+          </a:prstGeom>
+          <a:solidFill>
+            <a:schemeClr val="accent6"/>
+          </a:solidFill>
+          <a:ln>
+            <a:noFill/>
+          </a:ln>
+        </p:spPr>
+        <p:style>
+          <a:lnRef idx="2">
+            <a:schemeClr val="accent1">
+              <a:shade val="50000"/>
+            </a:schemeClr>
+          </a:lnRef>
+          <a:fillRef idx="1">
+            <a:schemeClr val="accent1"/>
+          </a:fillRef>
+          <a:effectRef idx="0">
+            <a:schemeClr val="accent1"/>
+          </a:effectRef>
+          <a:fontRef idx="minor">
+            <a:schemeClr val="lt1"/>
+          </a:fontRef>
+        </p:style>
+        <p:txBody>
+          <a:bodyPr rtlCol="0" anchor="ctr"/>
+          <a:lstStyle/>
+          <a:p>
+            <a:pPr algn="ctr"/>
+            <a:endParaRPr lang="en-US"/>
+          </a:p>
+        </p:txBody>
+      </p:sp>
+    </p:spTree>
+    <p:extLst>
+      <p:ext uri="{BB962C8B-B14F-4D97-AF65-F5344CB8AC3E}">
+        <p14:creationId xmlns:p14="http://schemas.microsoft.com/office/powerpoint/2010/main" val="244844415"/>
+      </p:ext>
+    </p:extLst>
+  </p:cSld>
+  <p:clrMapOvr>
+    <a:masterClrMapping/>
+  </p:clrMapOvr>
+</p:sld>
+</file>
+
+<file path=ppt/slides/slide32.xml><?xml version="1.0" encoding="utf-8"?>
+<p:sld xmlns:a="http://schemas.openxmlformats.org/drawingml/2006/main" xmlns:r="http://schemas.openxmlformats.org/officeDocument/2006/relationships" xmlns:p="http://schemas.openxmlformats.org/presentationml/2006/main">
+  <p:cSld>
+    <p:bg>
+      <p:bgPr>
+        <a:blipFill rotWithShape="1">
+          <a:blip r:embed="rId2"/>
+          <a:stretch/>
+        </a:blipFill>
+        <a:effectLst/>
+      </p:bgPr>
+    </p:bg>
+    <p:spTree>
+      <p:nvGrpSpPr>
+        <p:cNvPr id="1" name=""/>
+        <p:cNvGrpSpPr/>
+        <p:nvPr/>
+      </p:nvGrpSpPr>
+      <p:grpSpPr>
+        <a:xfrm>
+          <a:off x="0" y="0"/>
+          <a:ext cx="0" cy="0"/>
+          <a:chOff x="0" y="0"/>
+          <a:chExt cx="0" cy="0"/>
+        </a:xfrm>
+      </p:grpSpPr>
+      <p:pic>
+        <p:nvPicPr>
+          <p:cNvPr id="1035" name="Picture 1034">
+            <a:extLst>
+              <a:ext uri="{FF2B5EF4-FFF2-40B4-BE49-F238E27FC236}">
+                <a16:creationId xmlns:a16="http://schemas.microsoft.com/office/drawing/2014/main" id="{2FA3880A-8D8F-466C-A4A1-F07BCDD3719C}"/>
+              </a:ext>
+              <a:ext uri="{C183D7F6-B498-43B3-948B-1728B52AA6E4}">
+                <adec:decorative xmlns:adec="http://schemas.microsoft.com/office/drawing/2017/decorative" val="1"/>
+              </a:ext>
+            </a:extLst>
+          </p:cNvPr>
+          <p:cNvPicPr>
+            <a:picLocks noGrp="1" noRot="1" noChangeAspect="1" noMove="1" noResize="1" noEditPoints="1" noAdjustHandles="1" noChangeArrowheads="1" noChangeShapeType="1" noCrop="1"/>
+          </p:cNvPicPr>
+          <p:nvPr>
+            <p:extLst>
+              <p:ext uri="{386F3935-93C4-4BCD-93E2-E3B085C9AB24}">
+                <p16:designElem xmlns:p16="http://schemas.microsoft.com/office/powerpoint/2015/main" val="1"/>
+              </p:ext>
+            </p:extLst>
+          </p:nvPr>
+        </p:nvPicPr>
+        <p:blipFill>
+          <a:blip r:embed="rId3">
+            <a:extLst>
+              <a:ext uri="{28A0092B-C50C-407E-A947-70E740481C1C}">
+                <a14:useLocalDpi xmlns:a14="http://schemas.microsoft.com/office/drawing/2010/main" val="0"/>
+              </a:ext>
+            </a:extLst>
+          </a:blip>
+          <a:stretch>
+            <a:fillRect/>
+          </a:stretch>
+        </p:blipFill>
+        <p:spPr>
+          <a:xfrm>
+            <a:off x="2831794" y="2105202"/>
+            <a:ext cx="9360205" cy="4752798"/>
+          </a:xfrm>
+          <a:prstGeom prst="rect">
+            <a:avLst/>
+          </a:prstGeom>
+        </p:spPr>
+      </p:pic>
+      <p:pic>
+        <p:nvPicPr>
+          <p:cNvPr id="1037" name="Picture 1036">
+            <a:extLst>
+              <a:ext uri="{FF2B5EF4-FFF2-40B4-BE49-F238E27FC236}">
+                <a16:creationId xmlns:a16="http://schemas.microsoft.com/office/drawing/2014/main" id="{3C0A64CB-20A1-4508-B568-284EB04F78EE}"/>
+              </a:ext>
+              <a:ext uri="{C183D7F6-B498-43B3-948B-1728B52AA6E4}">
+                <adec:decorative xmlns:adec="http://schemas.microsoft.com/office/drawing/2017/decorative" val="1"/>
+              </a:ext>
+            </a:extLst>
+          </p:cNvPr>
+          <p:cNvPicPr>
+            <a:picLocks noGrp="1" noRot="1" noChangeAspect="1" noMove="1" noResize="1" noEditPoints="1" noAdjustHandles="1" noChangeArrowheads="1" noChangeShapeType="1" noCrop="1"/>
+          </p:cNvPicPr>
+          <p:nvPr>
+            <p:extLst>
+              <p:ext uri="{386F3935-93C4-4BCD-93E2-E3B085C9AB24}">
+                <p16:designElem xmlns:p16="http://schemas.microsoft.com/office/powerpoint/2015/main" val="1"/>
+              </p:ext>
+            </p:extLst>
+          </p:nvPr>
+        </p:nvPicPr>
+        <p:blipFill>
+          <a:blip r:embed="rId4">
+            <a:extLst>
+              <a:ext uri="{28A0092B-C50C-407E-A947-70E740481C1C}">
+                <a14:useLocalDpi xmlns:a14="http://schemas.microsoft.com/office/drawing/2010/main" val="0"/>
+              </a:ext>
+            </a:extLst>
+          </a:blip>
+          <a:stretch>
+            <a:fillRect/>
+          </a:stretch>
+        </p:blipFill>
+        <p:spPr>
+          <a:xfrm>
+            <a:off x="0" y="0"/>
+            <a:ext cx="12189867" cy="6858000"/>
+          </a:xfrm>
+          <a:prstGeom prst="rect">
+            <a:avLst/>
+          </a:prstGeom>
+        </p:spPr>
+      </p:pic>
+      <p:sp>
+        <p:nvSpPr>
+          <p:cNvPr id="1039" name="Rectangle 1038">
+            <a:extLst>
+              <a:ext uri="{FF2B5EF4-FFF2-40B4-BE49-F238E27FC236}">
+                <a16:creationId xmlns:a16="http://schemas.microsoft.com/office/drawing/2014/main" id="{8DA14841-53A4-4935-BE65-C8373B8A6D06}"/>
+              </a:ext>
+              <a:ext uri="{C183D7F6-B498-43B3-948B-1728B52AA6E4}">
+                <adec:decorative xmlns:adec="http://schemas.microsoft.com/office/drawing/2017/decorative" val="1"/>
+              </a:ext>
+            </a:extLst>
+          </p:cNvPr>
+          <p:cNvSpPr>
+            <a:spLocks noGrp="1" noRot="1" noChangeAspect="1" noMove="1" noResize="1" noEditPoints="1" noAdjustHandles="1" noChangeArrowheads="1" noChangeShapeType="1" noTextEdit="1"/>
+          </p:cNvSpPr>
+          <p:nvPr>
+            <p:extLst>
+              <p:ext uri="{386F3935-93C4-4BCD-93E2-E3B085C9AB24}">
+                <p16:designElem xmlns:p16="http://schemas.microsoft.com/office/powerpoint/2015/main" val="1"/>
+              </p:ext>
+            </p:extLst>
+          </p:nvPr>
+        </p:nvSpPr>
+        <p:spPr>
+          <a:xfrm>
+            <a:off x="0" y="0"/>
+            <a:ext cx="964174" cy="6858000"/>
+          </a:xfrm>
+          <a:prstGeom prst="rect">
+            <a:avLst/>
+          </a:prstGeom>
+          <a:solidFill>
+            <a:schemeClr val="bg2"/>
+          </a:solidFill>
+          <a:ln>
+            <a:noFill/>
+          </a:ln>
+        </p:spPr>
+        <p:style>
+          <a:lnRef idx="2">
+            <a:schemeClr val="accent1">
+              <a:shade val="50000"/>
+            </a:schemeClr>
+          </a:lnRef>
+          <a:fillRef idx="1">
+            <a:schemeClr val="accent1"/>
+          </a:fillRef>
+          <a:effectRef idx="0">
+            <a:schemeClr val="accent1"/>
+          </a:effectRef>
+          <a:fontRef idx="minor">
+            <a:schemeClr val="lt1"/>
+          </a:fontRef>
+        </p:style>
+        <p:txBody>
+          <a:bodyPr/>
+          <a:lstStyle/>
+          <a:p>
+            <a:endParaRPr lang="pt-BR"/>
+          </a:p>
+        </p:txBody>
+      </p:sp>
+      <p:sp>
+        <p:nvSpPr>
+          <p:cNvPr id="1041" name="Rectangle 1040">
+            <a:extLst>
+              <a:ext uri="{FF2B5EF4-FFF2-40B4-BE49-F238E27FC236}">
+                <a16:creationId xmlns:a16="http://schemas.microsoft.com/office/drawing/2014/main" id="{9877C2CF-B2DD-41C8-8B5E-152673376B41}"/>
+              </a:ext>
+              <a:ext uri="{C183D7F6-B498-43B3-948B-1728B52AA6E4}">
+                <adec:decorative xmlns:adec="http://schemas.microsoft.com/office/drawing/2017/decorative" val="1"/>
+              </a:ext>
+            </a:extLst>
+          </p:cNvPr>
+          <p:cNvSpPr>
+            <a:spLocks noGrp="1" noRot="1" noChangeAspect="1" noMove="1" noResize="1" noEditPoints="1" noAdjustHandles="1" noChangeArrowheads="1" noChangeShapeType="1" noTextEdit="1"/>
+          </p:cNvSpPr>
+          <p:nvPr>
+            <p:extLst>
+              <p:ext uri="{386F3935-93C4-4BCD-93E2-E3B085C9AB24}">
+                <p16:designElem xmlns:p16="http://schemas.microsoft.com/office/powerpoint/2015/main" val="1"/>
+              </p:ext>
+            </p:extLst>
+          </p:nvPr>
+        </p:nvSpPr>
+        <p:spPr>
+          <a:xfrm>
+            <a:off x="962042" y="0"/>
+            <a:ext cx="45719" cy="6858000"/>
+          </a:xfrm>
+          <a:prstGeom prst="rect">
+            <a:avLst/>
+          </a:prstGeom>
+          <a:solidFill>
+            <a:schemeClr val="accent6"/>
+          </a:solidFill>
+          <a:ln>
+            <a:noFill/>
+          </a:ln>
+        </p:spPr>
+        <p:style>
+          <a:lnRef idx="2">
+            <a:schemeClr val="accent1">
+              <a:shade val="50000"/>
+            </a:schemeClr>
+          </a:lnRef>
+          <a:fillRef idx="1">
+            <a:schemeClr val="accent1"/>
+          </a:fillRef>
+          <a:effectRef idx="0">
+            <a:schemeClr val="accent1"/>
+          </a:effectRef>
+          <a:fontRef idx="minor">
+            <a:schemeClr val="lt1"/>
+          </a:fontRef>
+        </p:style>
+        <p:txBody>
+          <a:bodyPr/>
+          <a:lstStyle/>
+          <a:p>
+            <a:endParaRPr lang="pt-BR"/>
+          </a:p>
+        </p:txBody>
+      </p:sp>
+      <p:sp>
+        <p:nvSpPr>
+          <p:cNvPr id="1043" name="Rectangle 1042">
+            <a:extLst>
+              <a:ext uri="{FF2B5EF4-FFF2-40B4-BE49-F238E27FC236}">
+                <a16:creationId xmlns:a16="http://schemas.microsoft.com/office/drawing/2014/main" id="{D377EE36-E59D-4778-8F99-4B470DA4A306}"/>
+              </a:ext>
+              <a:ext uri="{C183D7F6-B498-43B3-948B-1728B52AA6E4}">
+                <adec:decorative xmlns:adec="http://schemas.microsoft.com/office/drawing/2017/decorative" val="1"/>
+              </a:ext>
+            </a:extLst>
+          </p:cNvPr>
+          <p:cNvSpPr>
+            <a:spLocks noGrp="1" noRot="1" noChangeAspect="1" noMove="1" noResize="1" noEditPoints="1" noAdjustHandles="1" noChangeArrowheads="1" noChangeShapeType="1" noTextEdit="1"/>
+          </p:cNvSpPr>
+          <p:nvPr>
+            <p:extLst>
+              <p:ext uri="{386F3935-93C4-4BCD-93E2-E3B085C9AB24}">
+                <p16:designElem xmlns:p16="http://schemas.microsoft.com/office/powerpoint/2015/main" val="1"/>
+              </p:ext>
+            </p:extLst>
+          </p:nvPr>
+        </p:nvSpPr>
+        <p:spPr>
+          <a:xfrm>
+            <a:off x="1007533" y="0"/>
+            <a:ext cx="7934348" cy="6858000"/>
+          </a:xfrm>
+          <a:prstGeom prst="rect">
+            <a:avLst/>
+          </a:prstGeom>
+          <a:solidFill>
+            <a:schemeClr val="bg2">
+              <a:alpha val="92000"/>
+            </a:schemeClr>
+          </a:solidFill>
+          <a:ln>
+            <a:noFill/>
+          </a:ln>
+        </p:spPr>
+        <p:style>
+          <a:lnRef idx="2">
+            <a:schemeClr val="accent1">
+              <a:shade val="50000"/>
+            </a:schemeClr>
+          </a:lnRef>
+          <a:fillRef idx="1">
+            <a:schemeClr val="accent1"/>
+          </a:fillRef>
+          <a:effectRef idx="0">
+            <a:schemeClr val="accent1"/>
+          </a:effectRef>
+          <a:fontRef idx="minor">
+            <a:schemeClr val="lt1"/>
+          </a:fontRef>
+        </p:style>
+        <p:txBody>
+          <a:bodyPr/>
+          <a:lstStyle/>
+          <a:p>
+            <a:endParaRPr lang="pt-BR"/>
+          </a:p>
+        </p:txBody>
+      </p:sp>
+      <p:sp>
+        <p:nvSpPr>
+          <p:cNvPr id="1045" name="Rectangle 1044">
+            <a:extLst>
+              <a:ext uri="{FF2B5EF4-FFF2-40B4-BE49-F238E27FC236}">
+                <a16:creationId xmlns:a16="http://schemas.microsoft.com/office/drawing/2014/main" id="{2586C6C5-47AF-450A-932D-880EF823E596}"/>
+              </a:ext>
+              <a:ext uri="{C183D7F6-B498-43B3-948B-1728B52AA6E4}">
+                <adec:decorative xmlns:adec="http://schemas.microsoft.com/office/drawing/2017/decorative" val="1"/>
+              </a:ext>
+            </a:extLst>
+          </p:cNvPr>
+          <p:cNvSpPr>
+            <a:spLocks noGrp="1" noRot="1" noChangeAspect="1" noMove="1" noResize="1" noEditPoints="1" noAdjustHandles="1" noChangeArrowheads="1" noChangeShapeType="1" noTextEdit="1"/>
+          </p:cNvSpPr>
+          <p:nvPr>
+            <p:extLst>
+              <p:ext uri="{386F3935-93C4-4BCD-93E2-E3B085C9AB24}">
+                <p16:designElem xmlns:p16="http://schemas.microsoft.com/office/powerpoint/2015/main" val="1"/>
+              </p:ext>
+            </p:extLst>
+          </p:nvPr>
+        </p:nvSpPr>
+        <p:spPr>
+          <a:xfrm>
+            <a:off x="8941881" y="0"/>
+            <a:ext cx="27432" cy="6858000"/>
+          </a:xfrm>
+          <a:prstGeom prst="rect">
+            <a:avLst/>
+          </a:prstGeom>
+          <a:solidFill>
+            <a:schemeClr val="accent6"/>
+          </a:solidFill>
+          <a:ln>
+            <a:noFill/>
+          </a:ln>
+        </p:spPr>
+        <p:style>
+          <a:lnRef idx="2">
+            <a:schemeClr val="accent1">
+              <a:shade val="50000"/>
+            </a:schemeClr>
+          </a:lnRef>
+          <a:fillRef idx="1">
+            <a:schemeClr val="accent1"/>
+          </a:fillRef>
+          <a:effectRef idx="0">
+            <a:schemeClr val="accent1"/>
+          </a:effectRef>
+          <a:fontRef idx="minor">
+            <a:schemeClr val="lt1"/>
+          </a:fontRef>
+        </p:style>
+        <p:txBody>
+          <a:bodyPr/>
+          <a:lstStyle/>
+          <a:p>
+            <a:endParaRPr lang="pt-BR"/>
+          </a:p>
+        </p:txBody>
+      </p:sp>
+      <p:sp>
+        <p:nvSpPr>
+          <p:cNvPr id="1047" name="TextBox 1046">
+            <a:extLst>
+              <a:ext uri="{FF2B5EF4-FFF2-40B4-BE49-F238E27FC236}">
+                <a16:creationId xmlns:a16="http://schemas.microsoft.com/office/drawing/2014/main" id="{A587901A-AA64-4940-9803-F67677851150}"/>
+              </a:ext>
+              <a:ext uri="{C183D7F6-B498-43B3-948B-1728B52AA6E4}">
+                <adec:decorative xmlns:adec="http://schemas.microsoft.com/office/drawing/2017/decorative" val="1"/>
+              </a:ext>
+            </a:extLst>
+          </p:cNvPr>
+          <p:cNvSpPr txBox="1">
+            <a:spLocks noGrp="1" noRot="1" noChangeAspect="1" noMove="1" noResize="1" noEditPoints="1" noAdjustHandles="1" noChangeArrowheads="1" noChangeShapeType="1" noTextEdit="1"/>
+          </p:cNvSpPr>
+          <p:nvPr>
+            <p:extLst>
+              <p:ext uri="{386F3935-93C4-4BCD-93E2-E3B085C9AB24}">
+                <p16:designElem xmlns:p16="http://schemas.microsoft.com/office/powerpoint/2015/main" val="1"/>
+              </p:ext>
+            </p:extLst>
+          </p:nvPr>
+        </p:nvSpPr>
+        <p:spPr>
+          <a:xfrm>
+            <a:off x="2191282" y="3262852"/>
+            <a:ext cx="415636" cy="461665"/>
+          </a:xfrm>
+          <a:prstGeom prst="rect">
+            <a:avLst/>
+          </a:prstGeom>
+          <a:noFill/>
+        </p:spPr>
+        <p:txBody>
+          <a:bodyPr wrap="square" rtlCol="0">
+            <a:spAutoFit/>
+          </a:bodyPr>
+          <a:lstStyle/>
+          <a:p>
+            <a:pPr algn="r">
+              <a:spcAft>
+                <a:spcPts val="600"/>
+              </a:spcAft>
+            </a:pPr>
+            <a:r>
+              <a:rPr lang="en-US" sz="2400" dirty="0">
+                <a:solidFill>
+                  <a:schemeClr val="accent6"/>
+                </a:solidFill>
+                <a:latin typeface="Wingdings 3" panose="05040102010807070707" pitchFamily="18" charset="2"/>
+              </a:rPr>
+              <a:t>z</a:t>
+            </a:r>
+            <a:endParaRPr lang="en-US" sz="2400" dirty="0">
+              <a:solidFill>
+                <a:schemeClr val="accent6"/>
+              </a:solidFill>
+              <a:latin typeface="MS Shell Dlg 2" panose="020B0604030504040204" pitchFamily="34" charset="0"/>
+            </a:endParaRPr>
+          </a:p>
+        </p:txBody>
+      </p:sp>
+      <p:sp useBgFill="1">
+        <p:nvSpPr>
+          <p:cNvPr id="1049" name="Rectangle 1048">
+            <a:extLst>
+              <a:ext uri="{FF2B5EF4-FFF2-40B4-BE49-F238E27FC236}">
+                <a16:creationId xmlns:a16="http://schemas.microsoft.com/office/drawing/2014/main" id="{4DA9E8CC-6C73-43E6-AF09-B4B1083BCDC7}"/>
+              </a:ext>
+              <a:ext uri="{C183D7F6-B498-43B3-948B-1728B52AA6E4}">
+                <adec:decorative xmlns:adec="http://schemas.microsoft.com/office/drawing/2017/decorative" val="1"/>
+              </a:ext>
+            </a:extLst>
+          </p:cNvPr>
+          <p:cNvSpPr>
+            <a:spLocks noGrp="1" noRot="1" noChangeAspect="1" noMove="1" noResize="1" noEditPoints="1" noAdjustHandles="1" noChangeArrowheads="1" noChangeShapeType="1" noTextEdit="1"/>
+          </p:cNvSpPr>
+          <p:nvPr>
+            <p:extLst>
+              <p:ext uri="{386F3935-93C4-4BCD-93E2-E3B085C9AB24}">
+                <p16:designElem xmlns:p16="http://schemas.microsoft.com/office/powerpoint/2015/main" val="1"/>
+              </p:ext>
+            </p:extLst>
+          </p:nvPr>
+        </p:nvSpPr>
+        <p:spPr>
+          <a:xfrm>
+            <a:off x="0" y="0"/>
+            <a:ext cx="12189867" cy="6855282"/>
+          </a:xfrm>
+          <a:prstGeom prst="rect">
+            <a:avLst/>
+          </a:prstGeom>
+          <a:ln>
+            <a:noFill/>
+          </a:ln>
+        </p:spPr>
+        <p:style>
+          <a:lnRef idx="2">
+            <a:schemeClr val="accent1">
+              <a:shade val="50000"/>
+            </a:schemeClr>
+          </a:lnRef>
+          <a:fillRef idx="1">
+            <a:schemeClr val="accent1"/>
+          </a:fillRef>
+          <a:effectRef idx="0">
+            <a:schemeClr val="accent1"/>
+          </a:effectRef>
+          <a:fontRef idx="minor">
+            <a:schemeClr val="lt1"/>
+          </a:fontRef>
+        </p:style>
+        <p:txBody>
+          <a:bodyPr rtlCol="0" anchor="ctr"/>
+          <a:lstStyle/>
+          <a:p>
+            <a:pPr algn="ctr"/>
+            <a:endParaRPr lang="en-US"/>
+          </a:p>
+        </p:txBody>
+      </p:sp>
+      <p:pic>
+        <p:nvPicPr>
+          <p:cNvPr id="1051" name="Picture 1050">
+            <a:extLst>
+              <a:ext uri="{FF2B5EF4-FFF2-40B4-BE49-F238E27FC236}">
+                <a16:creationId xmlns:a16="http://schemas.microsoft.com/office/drawing/2014/main" id="{C6DFF5FD-BEF9-4B06-B7C2-58C5CFC92B34}"/>
+              </a:ext>
+              <a:ext uri="{C183D7F6-B498-43B3-948B-1728B52AA6E4}">
+                <adec:decorative xmlns:adec="http://schemas.microsoft.com/office/drawing/2017/decorative" val="1"/>
+              </a:ext>
+            </a:extLst>
+          </p:cNvPr>
+          <p:cNvPicPr>
+            <a:picLocks noGrp="1" noRot="1" noChangeAspect="1" noMove="1" noResize="1" noEditPoints="1" noAdjustHandles="1" noChangeArrowheads="1" noChangeShapeType="1" noCrop="1"/>
+          </p:cNvPicPr>
+          <p:nvPr>
+            <p:extLst>
+              <p:ext uri="{386F3935-93C4-4BCD-93E2-E3B085C9AB24}">
+                <p16:designElem xmlns:p16="http://schemas.microsoft.com/office/powerpoint/2015/main" val="1"/>
+              </p:ext>
+            </p:extLst>
+          </p:nvPr>
+        </p:nvPicPr>
+        <p:blipFill>
+          <a:blip r:embed="rId3">
+            <a:extLst>
+              <a:ext uri="{28A0092B-C50C-407E-A947-70E740481C1C}">
+                <a14:useLocalDpi xmlns:a14="http://schemas.microsoft.com/office/drawing/2010/main" val="0"/>
+              </a:ext>
+            </a:extLst>
+          </a:blip>
+          <a:stretch>
+            <a:fillRect/>
+          </a:stretch>
+        </p:blipFill>
+        <p:spPr>
+          <a:xfrm>
+            <a:off x="2831794" y="2105202"/>
+            <a:ext cx="9360205" cy="4752798"/>
+          </a:xfrm>
+          <a:prstGeom prst="rect">
+            <a:avLst/>
+          </a:prstGeom>
+        </p:spPr>
+      </p:pic>
+      <p:pic>
+        <p:nvPicPr>
+          <p:cNvPr id="1053" name="Picture 1052">
+            <a:extLst>
+              <a:ext uri="{FF2B5EF4-FFF2-40B4-BE49-F238E27FC236}">
+                <a16:creationId xmlns:a16="http://schemas.microsoft.com/office/drawing/2014/main" id="{C9A18D1D-88E7-41EF-892F-C99BDEEE5E78}"/>
+              </a:ext>
+              <a:ext uri="{C183D7F6-B498-43B3-948B-1728B52AA6E4}">
+                <adec:decorative xmlns:adec="http://schemas.microsoft.com/office/drawing/2017/decorative" val="1"/>
+              </a:ext>
+            </a:extLst>
+          </p:cNvPr>
+          <p:cNvPicPr>
+            <a:picLocks noGrp="1" noRot="1" noChangeAspect="1" noMove="1" noResize="1" noEditPoints="1" noAdjustHandles="1" noChangeArrowheads="1" noChangeShapeType="1" noCrop="1"/>
+          </p:cNvPicPr>
+          <p:nvPr>
+            <p:extLst>
+              <p:ext uri="{386F3935-93C4-4BCD-93E2-E3B085C9AB24}">
+                <p16:designElem xmlns:p16="http://schemas.microsoft.com/office/powerpoint/2015/main" val="1"/>
+              </p:ext>
+            </p:extLst>
+          </p:nvPr>
+        </p:nvPicPr>
+        <p:blipFill>
+          <a:blip r:embed="rId4">
+            <a:alphaModFix/>
+            <a:extLst>
+              <a:ext uri="{28A0092B-C50C-407E-A947-70E740481C1C}">
+                <a14:useLocalDpi xmlns:a14="http://schemas.microsoft.com/office/drawing/2010/main" val="0"/>
+              </a:ext>
+            </a:extLst>
+          </a:blip>
+          <a:stretch>
+            <a:fillRect/>
+          </a:stretch>
+        </p:blipFill>
+        <p:spPr>
+          <a:xfrm>
+            <a:off x="0" y="0"/>
+            <a:ext cx="12189867" cy="6858000"/>
+          </a:xfrm>
+          <a:prstGeom prst="rect">
+            <a:avLst/>
+          </a:prstGeom>
+        </p:spPr>
+      </p:pic>
+      <p:sp>
+        <p:nvSpPr>
+          <p:cNvPr id="1055" name="Rectangle 1054">
+            <a:extLst>
+              <a:ext uri="{FF2B5EF4-FFF2-40B4-BE49-F238E27FC236}">
+                <a16:creationId xmlns:a16="http://schemas.microsoft.com/office/drawing/2014/main" id="{113E1A2F-E5D7-4888-BA8C-1CDDC7CE2328}"/>
+              </a:ext>
+              <a:ext uri="{C183D7F6-B498-43B3-948B-1728B52AA6E4}">
+                <adec:decorative xmlns:adec="http://schemas.microsoft.com/office/drawing/2017/decorative" val="1"/>
+              </a:ext>
+            </a:extLst>
+          </p:cNvPr>
+          <p:cNvSpPr>
+            <a:spLocks noGrp="1" noRot="1" noChangeAspect="1" noMove="1" noResize="1" noEditPoints="1" noAdjustHandles="1" noChangeArrowheads="1" noChangeShapeType="1" noTextEdit="1"/>
+          </p:cNvSpPr>
+          <p:nvPr>
+            <p:extLst>
+              <p:ext uri="{386F3935-93C4-4BCD-93E2-E3B085C9AB24}">
+                <p16:designElem xmlns:p16="http://schemas.microsoft.com/office/powerpoint/2015/main" val="1"/>
+              </p:ext>
+            </p:extLst>
+          </p:nvPr>
+        </p:nvSpPr>
+        <p:spPr>
+          <a:xfrm>
+            <a:off x="0" y="0"/>
+            <a:ext cx="964174" cy="6858000"/>
+          </a:xfrm>
+          <a:prstGeom prst="rect">
+            <a:avLst/>
+          </a:prstGeom>
+          <a:solidFill>
+            <a:schemeClr val="bg2"/>
+          </a:solidFill>
+          <a:ln>
+            <a:noFill/>
+          </a:ln>
+        </p:spPr>
+        <p:style>
+          <a:lnRef idx="2">
+            <a:schemeClr val="accent1">
+              <a:shade val="50000"/>
+            </a:schemeClr>
+          </a:lnRef>
+          <a:fillRef idx="1">
+            <a:schemeClr val="accent1"/>
+          </a:fillRef>
+          <a:effectRef idx="0">
+            <a:schemeClr val="accent1"/>
+          </a:effectRef>
+          <a:fontRef idx="minor">
+            <a:schemeClr val="lt1"/>
+          </a:fontRef>
+        </p:style>
+        <p:txBody>
+          <a:bodyPr rtlCol="0" anchor="ctr"/>
+          <a:lstStyle/>
+          <a:p>
+            <a:pPr algn="ctr"/>
+            <a:endParaRPr lang="en-US"/>
+          </a:p>
+        </p:txBody>
+      </p:sp>
+      <p:sp>
+        <p:nvSpPr>
+          <p:cNvPr id="1057" name="Rectangle 1056">
+            <a:extLst>
+              <a:ext uri="{FF2B5EF4-FFF2-40B4-BE49-F238E27FC236}">
+                <a16:creationId xmlns:a16="http://schemas.microsoft.com/office/drawing/2014/main" id="{F625649A-4F9D-4D90-8F0A-433D7A1F685F}"/>
+              </a:ext>
+              <a:ext uri="{C183D7F6-B498-43B3-948B-1728B52AA6E4}">
+                <adec:decorative xmlns:adec="http://schemas.microsoft.com/office/drawing/2017/decorative" val="1"/>
+              </a:ext>
+            </a:extLst>
+          </p:cNvPr>
+          <p:cNvSpPr>
+            <a:spLocks noGrp="1" noRot="1" noChangeAspect="1" noMove="1" noResize="1" noEditPoints="1" noAdjustHandles="1" noChangeArrowheads="1" noChangeShapeType="1" noTextEdit="1"/>
+          </p:cNvSpPr>
+          <p:nvPr>
+            <p:extLst>
+              <p:ext uri="{386F3935-93C4-4BCD-93E2-E3B085C9AB24}">
+                <p16:designElem xmlns:p16="http://schemas.microsoft.com/office/powerpoint/2015/main" val="1"/>
+              </p:ext>
+            </p:extLst>
+          </p:nvPr>
+        </p:nvSpPr>
+        <p:spPr>
+          <a:xfrm>
+            <a:off x="1007533" y="0"/>
+            <a:ext cx="10378001" cy="6858000"/>
+          </a:xfrm>
+          <a:prstGeom prst="rect">
+            <a:avLst/>
+          </a:prstGeom>
+          <a:solidFill>
+            <a:schemeClr val="bg2">
+              <a:alpha val="92000"/>
+            </a:schemeClr>
+          </a:solidFill>
+          <a:ln>
+            <a:noFill/>
+          </a:ln>
+        </p:spPr>
+        <p:style>
+          <a:lnRef idx="2">
+            <a:schemeClr val="accent1">
+              <a:shade val="50000"/>
+            </a:schemeClr>
+          </a:lnRef>
+          <a:fillRef idx="1">
+            <a:schemeClr val="accent1"/>
+          </a:fillRef>
+          <a:effectRef idx="0">
+            <a:schemeClr val="accent1"/>
+          </a:effectRef>
+          <a:fontRef idx="minor">
+            <a:schemeClr val="lt1"/>
+          </a:fontRef>
+        </p:style>
+        <p:txBody>
+          <a:bodyPr rtlCol="0" anchor="ctr"/>
+          <a:lstStyle/>
+          <a:p>
+            <a:pPr algn="ctr"/>
+            <a:endParaRPr lang="en-US"/>
+          </a:p>
+        </p:txBody>
+      </p:sp>
+      <p:sp>
+        <p:nvSpPr>
+          <p:cNvPr id="4" name="CaixaDeTexto 3">
+            <a:extLst>
+              <a:ext uri="{FF2B5EF4-FFF2-40B4-BE49-F238E27FC236}">
+                <a16:creationId xmlns:a16="http://schemas.microsoft.com/office/drawing/2014/main" id="{FE5BF99D-856C-A42B-0F3B-7D754FFF4701}"/>
+              </a:ext>
+            </a:extLst>
+          </p:cNvPr>
+          <p:cNvSpPr txBox="1"/>
+          <p:nvPr/>
+        </p:nvSpPr>
+        <p:spPr>
+          <a:xfrm>
             <a:off x="-865553" y="387655"/>
             <a:ext cx="8445357" cy="883524"/>
           </a:xfrm>
@@ -23202,304 +26046,7 @@
 </p:sld>
 </file>
 
-<file path=ppt/slides/slide3.xml><?xml version="1.0" encoding="utf-8"?>
-<p:sld xmlns:a="http://schemas.openxmlformats.org/drawingml/2006/main" xmlns:r="http://schemas.openxmlformats.org/officeDocument/2006/relationships" xmlns:p="http://schemas.openxmlformats.org/presentationml/2006/main">
-  <p:cSld>
-    <p:bg>
-      <p:bgPr>
-        <a:solidFill>
-          <a:schemeClr val="bg1"/>
-        </a:solidFill>
-        <a:effectLst/>
-      </p:bgPr>
-    </p:bg>
-    <p:spTree>
-      <p:nvGrpSpPr>
-        <p:cNvPr id="1" name=""/>
-        <p:cNvGrpSpPr/>
-        <p:nvPr/>
-      </p:nvGrpSpPr>
-      <p:grpSpPr>
-        <a:xfrm>
-          <a:off x="0" y="0"/>
-          <a:ext cx="0" cy="0"/>
-          <a:chOff x="0" y="0"/>
-          <a:chExt cx="0" cy="0"/>
-        </a:xfrm>
-      </p:grpSpPr>
-      <p:sp useBgFill="1">
-        <p:nvSpPr>
-          <p:cNvPr id="16" name="Rectangle 9">
-            <a:extLst>
-              <a:ext uri="{FF2B5EF4-FFF2-40B4-BE49-F238E27FC236}">
-                <a16:creationId xmlns:a16="http://schemas.microsoft.com/office/drawing/2014/main" id="{B5E326A3-EB92-4BDA-9F77-45197E0CBE7E}"/>
-              </a:ext>
-              <a:ext uri="{C183D7F6-B498-43B3-948B-1728B52AA6E4}">
-                <adec:decorative xmlns:adec="http://schemas.microsoft.com/office/drawing/2017/decorative" val="1"/>
-              </a:ext>
-            </a:extLst>
-          </p:cNvPr>
-          <p:cNvSpPr>
-            <a:spLocks noGrp="1" noRot="1" noChangeAspect="1" noMove="1" noResize="1" noEditPoints="1" noAdjustHandles="1" noChangeArrowheads="1" noChangeShapeType="1" noTextEdit="1"/>
-          </p:cNvSpPr>
-          <p:nvPr>
-            <p:extLst>
-              <p:ext uri="{386F3935-93C4-4BCD-93E2-E3B085C9AB24}">
-                <p16:designElem xmlns:p16="http://schemas.microsoft.com/office/powerpoint/2015/main" val="1"/>
-              </p:ext>
-            </p:extLst>
-          </p:nvPr>
-        </p:nvSpPr>
-        <p:spPr>
-          <a:xfrm>
-            <a:off x="0" y="0"/>
-            <a:ext cx="12192000" cy="6858000"/>
-          </a:xfrm>
-          <a:prstGeom prst="rect">
-            <a:avLst/>
-          </a:prstGeom>
-          <a:ln>
-            <a:noFill/>
-          </a:ln>
-        </p:spPr>
-        <p:style>
-          <a:lnRef idx="2">
-            <a:schemeClr val="accent1">
-              <a:shade val="50000"/>
-            </a:schemeClr>
-          </a:lnRef>
-          <a:fillRef idx="1">
-            <a:schemeClr val="accent1"/>
-          </a:fillRef>
-          <a:effectRef idx="0">
-            <a:schemeClr val="accent1"/>
-          </a:effectRef>
-          <a:fontRef idx="minor">
-            <a:schemeClr val="lt1"/>
-          </a:fontRef>
-        </p:style>
-        <p:txBody>
-          <a:bodyPr rtlCol="0" anchor="ctr"/>
-          <a:lstStyle/>
-          <a:p>
-            <a:pPr algn="ctr"/>
-            <a:endParaRPr lang="en-US"/>
-          </a:p>
-        </p:txBody>
-      </p:sp>
-      <p:sp>
-        <p:nvSpPr>
-          <p:cNvPr id="17" name="Rectangle 11">
-            <a:extLst>
-              <a:ext uri="{FF2B5EF4-FFF2-40B4-BE49-F238E27FC236}">
-                <a16:creationId xmlns:a16="http://schemas.microsoft.com/office/drawing/2014/main" id="{CAC996C7-7B84-4645-9AA1-6EA85EAB47D6}"/>
-              </a:ext>
-              <a:ext uri="{C183D7F6-B498-43B3-948B-1728B52AA6E4}">
-                <adec:decorative xmlns:adec="http://schemas.microsoft.com/office/drawing/2017/decorative" val="1"/>
-              </a:ext>
-            </a:extLst>
-          </p:cNvPr>
-          <p:cNvSpPr>
-            <a:spLocks noGrp="1" noRot="1" noChangeAspect="1" noMove="1" noResize="1" noEditPoints="1" noAdjustHandles="1" noChangeArrowheads="1" noChangeShapeType="1" noTextEdit="1"/>
-          </p:cNvSpPr>
-          <p:nvPr>
-            <p:extLst>
-              <p:ext uri="{386F3935-93C4-4BCD-93E2-E3B085C9AB24}">
-                <p16:designElem xmlns:p16="http://schemas.microsoft.com/office/powerpoint/2015/main" val="1"/>
-              </p:ext>
-            </p:extLst>
-          </p:nvPr>
-        </p:nvSpPr>
-        <p:spPr>
-          <a:xfrm>
-            <a:off x="0" y="0"/>
-            <a:ext cx="4622901" cy="6858000"/>
-          </a:xfrm>
-          <a:prstGeom prst="rect">
-            <a:avLst/>
-          </a:prstGeom>
-          <a:solidFill>
-            <a:schemeClr val="tx2"/>
-          </a:solidFill>
-          <a:ln>
-            <a:noFill/>
-          </a:ln>
-        </p:spPr>
-        <p:style>
-          <a:lnRef idx="2">
-            <a:schemeClr val="accent1">
-              <a:shade val="50000"/>
-            </a:schemeClr>
-          </a:lnRef>
-          <a:fillRef idx="1">
-            <a:schemeClr val="accent1"/>
-          </a:fillRef>
-          <a:effectRef idx="0">
-            <a:schemeClr val="accent1"/>
-          </a:effectRef>
-          <a:fontRef idx="minor">
-            <a:schemeClr val="lt1"/>
-          </a:fontRef>
-        </p:style>
-        <p:txBody>
-          <a:bodyPr/>
-          <a:lstStyle/>
-          <a:p>
-            <a:endParaRPr lang="pt-BR"/>
-          </a:p>
-        </p:txBody>
-      </p:sp>
-      <p:sp>
-        <p:nvSpPr>
-          <p:cNvPr id="5" name="Título 1">
-            <a:extLst>
-              <a:ext uri="{FF2B5EF4-FFF2-40B4-BE49-F238E27FC236}">
-                <a16:creationId xmlns:a16="http://schemas.microsoft.com/office/drawing/2014/main" id="{D8FA902E-C53A-FB23-0923-FEF465FE03C7}"/>
-              </a:ext>
-            </a:extLst>
-          </p:cNvPr>
-          <p:cNvSpPr>
-            <a:spLocks noGrp="1"/>
-          </p:cNvSpPr>
-          <p:nvPr>
-            <p:ph type="title"/>
-          </p:nvPr>
-        </p:nvSpPr>
-        <p:spPr>
-          <a:xfrm>
-            <a:off x="1337191" y="1064365"/>
-            <a:ext cx="2856582" cy="3313671"/>
-          </a:xfrm>
-        </p:spPr>
-        <p:txBody>
-          <a:bodyPr rtlCol="0">
-            <a:normAutofit/>
-          </a:bodyPr>
-          <a:lstStyle>
-            <a:defPPr>
-              <a:defRPr lang="pt-BR"/>
-            </a:defPPr>
-          </a:lstStyle>
-          <a:p>
-            <a:pPr algn="l" rtl="0"/>
-            <a:r>
-              <a:rPr lang="pt-BR">
-                <a:solidFill>
-                  <a:schemeClr val="bg1"/>
-                </a:solidFill>
-              </a:rPr>
-              <a:t>Agenda</a:t>
-            </a:r>
-          </a:p>
-        </p:txBody>
-      </p:sp>
-      <p:sp>
-        <p:nvSpPr>
-          <p:cNvPr id="18" name="Rectangle 13">
-            <a:extLst>
-              <a:ext uri="{FF2B5EF4-FFF2-40B4-BE49-F238E27FC236}">
-                <a16:creationId xmlns:a16="http://schemas.microsoft.com/office/drawing/2014/main" id="{32DC315B-5680-47D9-B827-34D012FB14B2}"/>
-              </a:ext>
-              <a:ext uri="{C183D7F6-B498-43B3-948B-1728B52AA6E4}">
-                <adec:decorative xmlns:adec="http://schemas.microsoft.com/office/drawing/2017/decorative" val="1"/>
-              </a:ext>
-            </a:extLst>
-          </p:cNvPr>
-          <p:cNvSpPr>
-            <a:spLocks noGrp="1" noRot="1" noChangeAspect="1" noMove="1" noResize="1" noEditPoints="1" noAdjustHandles="1" noChangeArrowheads="1" noChangeShapeType="1" noTextEdit="1"/>
-          </p:cNvSpPr>
-          <p:nvPr>
-            <p:extLst>
-              <p:ext uri="{386F3935-93C4-4BCD-93E2-E3B085C9AB24}">
-                <p16:designElem xmlns:p16="http://schemas.microsoft.com/office/powerpoint/2015/main" val="1"/>
-              </p:ext>
-            </p:extLst>
-          </p:nvPr>
-        </p:nvSpPr>
-        <p:spPr>
-          <a:xfrm>
-            <a:off x="4620769" y="0"/>
-            <a:ext cx="45719" cy="6858000"/>
-          </a:xfrm>
-          <a:prstGeom prst="rect">
-            <a:avLst/>
-          </a:prstGeom>
-          <a:solidFill>
-            <a:schemeClr val="accent6"/>
-          </a:solidFill>
-          <a:ln>
-            <a:noFill/>
-          </a:ln>
-        </p:spPr>
-        <p:style>
-          <a:lnRef idx="2">
-            <a:schemeClr val="accent1">
-              <a:shade val="50000"/>
-            </a:schemeClr>
-          </a:lnRef>
-          <a:fillRef idx="1">
-            <a:schemeClr val="accent1"/>
-          </a:fillRef>
-          <a:effectRef idx="0">
-            <a:schemeClr val="accent1"/>
-          </a:effectRef>
-          <a:fontRef idx="minor">
-            <a:schemeClr val="lt1"/>
-          </a:fontRef>
-        </p:style>
-        <p:txBody>
-          <a:bodyPr/>
-          <a:lstStyle/>
-          <a:p>
-            <a:endParaRPr lang="pt-BR"/>
-          </a:p>
-        </p:txBody>
-      </p:sp>
-      <p:graphicFrame>
-        <p:nvGraphicFramePr>
-          <p:cNvPr id="4" name="Espaço Reservado para Conteúdo 2">
-            <a:extLst>
-              <a:ext uri="{FF2B5EF4-FFF2-40B4-BE49-F238E27FC236}">
-                <a16:creationId xmlns:a16="http://schemas.microsoft.com/office/drawing/2014/main" id="{1829D2E3-4A7D-649A-4631-35ACFD6DFC4A}"/>
-              </a:ext>
-            </a:extLst>
-          </p:cNvPr>
-          <p:cNvGraphicFramePr>
-            <a:graphicFrameLocks noGrp="1"/>
-          </p:cNvGraphicFramePr>
-          <p:nvPr>
-            <p:ph idx="1"/>
-            <p:extLst>
-              <p:ext uri="{D42A27DB-BD31-4B8C-83A1-F6EECF244321}">
-                <p14:modId xmlns:p14="http://schemas.microsoft.com/office/powerpoint/2010/main" val="2671568499"/>
-              </p:ext>
-            </p:extLst>
-          </p:nvPr>
-        </p:nvGraphicFramePr>
-        <p:xfrm>
-          <a:off x="5507182" y="897534"/>
-          <a:ext cx="5889686" cy="5319241"/>
-        </p:xfrm>
-        <a:graphic>
-          <a:graphicData uri="http://schemas.openxmlformats.org/drawingml/2006/diagram">
-            <dgm:relIds xmlns:dgm="http://schemas.openxmlformats.org/drawingml/2006/diagram" xmlns:r="http://schemas.openxmlformats.org/officeDocument/2006/relationships" r:dm="rId2" r:lo="rId3" r:qs="rId4" r:cs="rId5"/>
-          </a:graphicData>
-        </a:graphic>
-      </p:graphicFrame>
-    </p:spTree>
-    <p:extLst>
-      <p:ext uri="{BB962C8B-B14F-4D97-AF65-F5344CB8AC3E}">
-        <p14:creationId xmlns:p14="http://schemas.microsoft.com/office/powerpoint/2010/main" val="2389236810"/>
-      </p:ext>
-    </p:extLst>
-  </p:cSld>
-  <p:clrMapOvr>
-    <a:overrideClrMapping bg1="lt1" tx1="dk1" bg2="lt2" tx2="dk2" accent1="accent1" accent2="accent2" accent3="accent3" accent4="accent4" accent5="accent5" accent6="accent6" hlink="hlink" folHlink="folHlink"/>
-  </p:clrMapOvr>
-</p:sld>
-</file>
-
-<file path=ppt/slides/slide30.xml><?xml version="1.0" encoding="utf-8"?>
+<file path=ppt/slides/slide33.xml><?xml version="1.0" encoding="utf-8"?>
 <p:sld xmlns:a="http://schemas.openxmlformats.org/drawingml/2006/main" xmlns:r="http://schemas.openxmlformats.org/officeDocument/2006/relationships" xmlns:p="http://schemas.openxmlformats.org/presentationml/2006/main">
   <p:cSld>
     <p:bg>

--- a/materiais/redes_neurais_dio.pptx
+++ b/materiais/redes_neurais_dio.pptx
@@ -21658,13 +21658,13 @@
   <p:clrMapOvr>
     <a:overrideClrMapping bg1="lt1" tx1="dk1" bg2="lt2" tx2="dk2" accent1="accent1" accent2="accent2" accent3="accent3" accent4="accent4" accent5="accent5" accent6="accent6" hlink="hlink" folHlink="folHlink"/>
   </p:clrMapOvr>
-  <mc:AlternateContent xmlns:mc="http://schemas.openxmlformats.org/markup-compatibility/2006">
-    <mc:Choice xmlns:p14="http://schemas.microsoft.com/office/powerpoint/2010/main" Requires="p14">
+  <mc:AlternateContent xmlns:mc="http://schemas.openxmlformats.org/markup-compatibility/2006" xmlns:p14="http://schemas.microsoft.com/office/powerpoint/2010/main">
+    <mc:Choice Requires="p14">
       <p:transition spd="med" p14:dur="700">
         <p:fade/>
       </p:transition>
     </mc:Choice>
-    <mc:Fallback>
+    <mc:Fallback xmlns="">
       <p:transition spd="med">
         <p:fade/>
       </p:transition>
@@ -22138,13 +22138,13 @@
   <p:clrMapOvr>
     <a:overrideClrMapping bg1="lt1" tx1="dk1" bg2="lt2" tx2="dk2" accent1="accent1" accent2="accent2" accent3="accent3" accent4="accent4" accent5="accent5" accent6="accent6" hlink="hlink" folHlink="folHlink"/>
   </p:clrMapOvr>
-  <mc:AlternateContent xmlns:mc="http://schemas.openxmlformats.org/markup-compatibility/2006">
-    <mc:Choice xmlns:p14="http://schemas.microsoft.com/office/powerpoint/2010/main" Requires="p14">
+  <mc:AlternateContent xmlns:mc="http://schemas.openxmlformats.org/markup-compatibility/2006" xmlns:p14="http://schemas.microsoft.com/office/powerpoint/2010/main">
+    <mc:Choice Requires="p14">
       <p:transition spd="med" p14:dur="700">
         <p:fade/>
       </p:transition>
     </mc:Choice>
-    <mc:Fallback>
+    <mc:Fallback xmlns="">
       <p:transition spd="med">
         <p:fade/>
       </p:transition>
@@ -22618,13 +22618,13 @@
   <p:clrMapOvr>
     <a:overrideClrMapping bg1="lt1" tx1="dk1" bg2="lt2" tx2="dk2" accent1="accent1" accent2="accent2" accent3="accent3" accent4="accent4" accent5="accent5" accent6="accent6" hlink="hlink" folHlink="folHlink"/>
   </p:clrMapOvr>
-  <mc:AlternateContent xmlns:mc="http://schemas.openxmlformats.org/markup-compatibility/2006">
-    <mc:Choice xmlns:p14="http://schemas.microsoft.com/office/powerpoint/2010/main" Requires="p14">
+  <mc:AlternateContent xmlns:mc="http://schemas.openxmlformats.org/markup-compatibility/2006" xmlns:p14="http://schemas.microsoft.com/office/powerpoint/2010/main">
+    <mc:Choice Requires="p14">
       <p:transition spd="med" p14:dur="700">
         <p:fade/>
       </p:transition>
     </mc:Choice>
-    <mc:Fallback>
+    <mc:Fallback xmlns="">
       <p:transition spd="med">
         <p:fade/>
       </p:transition>
@@ -23098,13 +23098,13 @@
   <p:clrMapOvr>
     <a:overrideClrMapping bg1="lt1" tx1="dk1" bg2="lt2" tx2="dk2" accent1="accent1" accent2="accent2" accent3="accent3" accent4="accent4" accent5="accent5" accent6="accent6" hlink="hlink" folHlink="folHlink"/>
   </p:clrMapOvr>
-  <mc:AlternateContent xmlns:mc="http://schemas.openxmlformats.org/markup-compatibility/2006">
-    <mc:Choice xmlns:p14="http://schemas.microsoft.com/office/powerpoint/2010/main" Requires="p14">
+  <mc:AlternateContent xmlns:mc="http://schemas.openxmlformats.org/markup-compatibility/2006" xmlns:p14="http://schemas.microsoft.com/office/powerpoint/2010/main">
+    <mc:Choice Requires="p14">
       <p:transition spd="med" p14:dur="700">
         <p:fade/>
       </p:transition>
     </mc:Choice>
-    <mc:Fallback>
+    <mc:Fallback xmlns="">
       <p:transition spd="med">
         <p:fade/>
       </p:transition>
@@ -23578,13 +23578,13 @@
   <p:clrMapOvr>
     <a:overrideClrMapping bg1="lt1" tx1="dk1" bg2="lt2" tx2="dk2" accent1="accent1" accent2="accent2" accent3="accent3" accent4="accent4" accent5="accent5" accent6="accent6" hlink="hlink" folHlink="folHlink"/>
   </p:clrMapOvr>
-  <mc:AlternateContent xmlns:mc="http://schemas.openxmlformats.org/markup-compatibility/2006">
-    <mc:Choice xmlns:p14="http://schemas.microsoft.com/office/powerpoint/2010/main" Requires="p14">
+  <mc:AlternateContent xmlns:mc="http://schemas.openxmlformats.org/markup-compatibility/2006" xmlns:p14="http://schemas.microsoft.com/office/powerpoint/2010/main">
+    <mc:Choice Requires="p14">
       <p:transition spd="med" p14:dur="700">
         <p:fade/>
       </p:transition>
     </mc:Choice>
-    <mc:Fallback>
+    <mc:Fallback xmlns="">
       <p:transition spd="med">
         <p:fade/>
       </p:transition>
@@ -24391,36 +24391,41 @@
           </a:p>
         </p:txBody>
       </p:sp>
-      <p:pic>
-        <p:nvPicPr>
-          <p:cNvPr id="6" name="Imagem 5" descr="Diagrama&#10;&#10;Descrição gerada automaticamente com confiança baixa">
+      <p:sp>
+        <p:nvSpPr>
+          <p:cNvPr id="3" name="CaixaDeTexto 2">
             <a:extLst>
               <a:ext uri="{FF2B5EF4-FFF2-40B4-BE49-F238E27FC236}">
-                <a16:creationId xmlns:a16="http://schemas.microsoft.com/office/drawing/2014/main" id="{F03CF457-00DB-E0E7-1881-2157556CA2FB}"/>
+                <a16:creationId xmlns:a16="http://schemas.microsoft.com/office/drawing/2014/main" id="{7230AAB2-CF5B-AA35-CD42-040A9E8DD7E4}"/>
               </a:ext>
             </a:extLst>
           </p:cNvPr>
-          <p:cNvPicPr>
-            <a:picLocks noChangeAspect="1"/>
-          </p:cNvPicPr>
+          <p:cNvSpPr txBox="1"/>
           <p:nvPr/>
-        </p:nvPicPr>
-        <p:blipFill>
-          <a:blip r:embed="rId2"/>
-          <a:stretch>
-            <a:fillRect/>
-          </a:stretch>
-        </p:blipFill>
+        </p:nvSpPr>
         <p:spPr>
           <a:xfrm>
-            <a:off x="1429472" y="1828371"/>
-            <a:ext cx="9333056" cy="4059879"/>
+            <a:off x="1429472" y="3310359"/>
+            <a:ext cx="7720315" cy="923330"/>
           </a:xfrm>
           <a:prstGeom prst="rect">
             <a:avLst/>
           </a:prstGeom>
+          <a:noFill/>
         </p:spPr>
-      </p:pic>
+        <p:txBody>
+          <a:bodyPr wrap="square">
+            <a:spAutoFit/>
+          </a:bodyPr>
+          <a:lstStyle/>
+          <a:p>
+            <a:r>
+              <a:rPr lang="pt-BR" dirty="0"/>
+              <a:t>Ele ocorre durante o treinamento de redes neurais usando o algoritmo de retropropagação e pode dificultar significativamente a capacidade do modelo de aprender e ajustar os pesos nas camadas iniciais da rede.</a:t>
+            </a:r>
+          </a:p>
+        </p:txBody>
+      </p:sp>
     </p:spTree>
     <p:extLst>
       <p:ext uri="{BB962C8B-B14F-4D97-AF65-F5344CB8AC3E}">
@@ -24865,8 +24870,8 @@
         </p:nvSpPr>
         <p:spPr>
           <a:xfrm>
-            <a:off x="1969803" y="2052116"/>
-            <a:ext cx="3317493" cy="3997828"/>
+            <a:off x="1330654" y="1739600"/>
+            <a:ext cx="9711593" cy="3997828"/>
           </a:xfrm>
           <a:prstGeom prst="rect">
             <a:avLst/>
@@ -24893,74 +24898,148 @@
               <a:buChar char="§"/>
             </a:pPr>
             <a:r>
-              <a:rPr lang="en-US"/>
-              <a:t>A estrutura do LSTM inclui células de memória, portas (gates) e estados que permitem que ele mantenha informações ao longo de longas sequências e controle o fluxo de informações dentro da rede. Aqui estão os componentes principais:</a:t>
+              <a:rPr lang="en-US" dirty="0"/>
+              <a:t>A </a:t>
+            </a:r>
+            <a:r>
+              <a:rPr lang="en-US" dirty="0" err="1"/>
+              <a:t>estrutura</a:t>
+            </a:r>
+            <a:r>
+              <a:rPr lang="en-US" dirty="0"/>
+              <a:t> do LSTM </a:t>
+            </a:r>
+            <a:r>
+              <a:rPr lang="en-US" dirty="0" err="1"/>
+              <a:t>inclui</a:t>
+            </a:r>
+            <a:r>
+              <a:rPr lang="en-US" dirty="0"/>
+              <a:t> </a:t>
+            </a:r>
+            <a:r>
+              <a:rPr lang="en-US" dirty="0" err="1"/>
+              <a:t>células</a:t>
+            </a:r>
+            <a:r>
+              <a:rPr lang="en-US" dirty="0"/>
+              <a:t> de </a:t>
+            </a:r>
+            <a:r>
+              <a:rPr lang="en-US" dirty="0" err="1"/>
+              <a:t>memória</a:t>
+            </a:r>
+            <a:r>
+              <a:rPr lang="en-US" dirty="0"/>
+              <a:t>, </a:t>
+            </a:r>
+            <a:r>
+              <a:rPr lang="en-US" dirty="0" err="1"/>
+              <a:t>portas</a:t>
+            </a:r>
+            <a:r>
+              <a:rPr lang="en-US" dirty="0"/>
+              <a:t> (gates) e </a:t>
+            </a:r>
+            <a:r>
+              <a:rPr lang="en-US" dirty="0" err="1"/>
+              <a:t>estados</a:t>
+            </a:r>
+            <a:r>
+              <a:rPr lang="en-US" dirty="0"/>
+              <a:t> que </a:t>
+            </a:r>
+            <a:r>
+              <a:rPr lang="en-US" dirty="0" err="1"/>
+              <a:t>permitem</a:t>
+            </a:r>
+            <a:r>
+              <a:rPr lang="en-US" dirty="0"/>
+              <a:t> que </a:t>
+            </a:r>
+            <a:r>
+              <a:rPr lang="en-US" dirty="0" err="1"/>
+              <a:t>ele</a:t>
+            </a:r>
+            <a:r>
+              <a:rPr lang="en-US" dirty="0"/>
+              <a:t> </a:t>
+            </a:r>
+            <a:r>
+              <a:rPr lang="en-US" dirty="0" err="1"/>
+              <a:t>mantenha</a:t>
+            </a:r>
+            <a:r>
+              <a:rPr lang="en-US" dirty="0"/>
+              <a:t> </a:t>
+            </a:r>
+            <a:r>
+              <a:rPr lang="en-US" dirty="0" err="1"/>
+              <a:t>informações</a:t>
+            </a:r>
+            <a:r>
+              <a:rPr lang="en-US" dirty="0"/>
+              <a:t> </a:t>
+            </a:r>
+            <a:r>
+              <a:rPr lang="en-US" dirty="0" err="1"/>
+              <a:t>ao</a:t>
+            </a:r>
+            <a:r>
+              <a:rPr lang="en-US" dirty="0"/>
+              <a:t> </a:t>
+            </a:r>
+            <a:r>
+              <a:rPr lang="en-US" dirty="0" err="1"/>
+              <a:t>longo</a:t>
+            </a:r>
+            <a:r>
+              <a:rPr lang="en-US" dirty="0"/>
+              <a:t> de longas </a:t>
+            </a:r>
+            <a:r>
+              <a:rPr lang="en-US" dirty="0" err="1"/>
+              <a:t>sequências</a:t>
+            </a:r>
+            <a:r>
+              <a:rPr lang="en-US" dirty="0"/>
+              <a:t> e </a:t>
+            </a:r>
+            <a:r>
+              <a:rPr lang="en-US" dirty="0" err="1"/>
+              <a:t>controle</a:t>
+            </a:r>
+            <a:r>
+              <a:rPr lang="en-US" dirty="0"/>
+              <a:t> o </a:t>
+            </a:r>
+            <a:r>
+              <a:rPr lang="en-US" dirty="0" err="1"/>
+              <a:t>fluxo</a:t>
+            </a:r>
+            <a:r>
+              <a:rPr lang="en-US" dirty="0"/>
+              <a:t> de </a:t>
+            </a:r>
+            <a:r>
+              <a:rPr lang="en-US" dirty="0" err="1"/>
+              <a:t>informações</a:t>
+            </a:r>
+            <a:r>
+              <a:rPr lang="en-US" dirty="0"/>
+              <a:t> </a:t>
+            </a:r>
+            <a:r>
+              <a:rPr lang="en-US" dirty="0" err="1"/>
+              <a:t>dentro</a:t>
+            </a:r>
+            <a:r>
+              <a:rPr lang="en-US" dirty="0"/>
+              <a:t> da rede. </a:t>
             </a:r>
           </a:p>
         </p:txBody>
       </p:sp>
-      <p:pic>
-        <p:nvPicPr>
-          <p:cNvPr id="6" name="Imagem 5">
-            <a:extLst>
-              <a:ext uri="{FF2B5EF4-FFF2-40B4-BE49-F238E27FC236}">
-                <a16:creationId xmlns:a16="http://schemas.microsoft.com/office/drawing/2014/main" id="{802FC33D-3222-8214-6A63-2630143F568E}"/>
-              </a:ext>
-            </a:extLst>
-          </p:cNvPr>
-          <p:cNvPicPr>
-            <a:picLocks noChangeAspect="1"/>
-          </p:cNvPicPr>
-          <p:nvPr/>
-        </p:nvPicPr>
-        <p:blipFill>
-          <a:blip r:embed="rId5"/>
-          <a:stretch>
-            <a:fillRect/>
-          </a:stretch>
-        </p:blipFill>
-        <p:spPr>
-          <a:xfrm>
-            <a:off x="6094766" y="1911741"/>
-            <a:ext cx="4651619" cy="3035180"/>
-          </a:xfrm>
-          <a:prstGeom prst="rect">
-            <a:avLst/>
-          </a:prstGeom>
-          <a:ln>
-            <a:gradFill flip="none" rotWithShape="1">
-              <a:gsLst>
-                <a:gs pos="86000">
-                  <a:schemeClr val="accent6">
-                    <a:lumMod val="67000"/>
-                  </a:schemeClr>
-                </a:gs>
-                <a:gs pos="20000">
-                  <a:schemeClr val="accent6">
-                    <a:lumMod val="97000"/>
-                    <a:lumOff val="3000"/>
-                  </a:schemeClr>
-                </a:gs>
-                <a:gs pos="100000">
-                  <a:schemeClr val="accent6">
-                    <a:lumMod val="60000"/>
-                    <a:lumOff val="40000"/>
-                  </a:schemeClr>
-                </a:gs>
-              </a:gsLst>
-              <a:lin ang="16200000" scaled="1"/>
-              <a:tileRect/>
-            </a:gradFill>
-          </a:ln>
-          <a:effectLst>
-            <a:innerShdw blurRad="127000">
-              <a:prstClr val="black">
-                <a:alpha val="90000"/>
-              </a:prstClr>
-            </a:innerShdw>
-          </a:effectLst>
-        </p:spPr>
-      </p:pic>
       <p:sp>
         <p:nvSpPr>
           <p:cNvPr id="23" name="Rectangle 22">

--- a/materiais/redes_neurais_dio.pptx
+++ b/materiais/redes_neurais_dio.pptx
@@ -12299,6 +12299,260 @@
     </dgm:style>
   </dgm:styleLbl>
 </dgm:styleDef>
+</file>
+
+<file path=ppt/ink/ink1.xml><?xml version="1.0" encoding="utf-8"?>
+<inkml:ink xmlns:inkml="http://www.w3.org/2003/InkML">
+  <inkml:definitions>
+    <inkml:context xml:id="ctx0">
+      <inkml:inkSource xml:id="inkSrc0">
+        <inkml:traceFormat>
+          <inkml:channel name="X" type="integer" min="-2.14748E9" max="2.14748E9" units="cm"/>
+          <inkml:channel name="Y" type="integer" min="-2.14748E9" max="2.14748E9" units="cm"/>
+          <inkml:channel name="F" type="integer" max="32767" units="dev"/>
+        </inkml:traceFormat>
+        <inkml:channelProperties>
+          <inkml:channelProperty channel="X" name="resolution" value="1000" units="1/cm"/>
+          <inkml:channelProperty channel="Y" name="resolution" value="1000" units="1/cm"/>
+          <inkml:channelProperty channel="F" name="resolution" value="0" units="1/dev"/>
+        </inkml:channelProperties>
+      </inkml:inkSource>
+      <inkml:timestamp xml:id="ts0" timeString="2024-06-19T22:26:10.483"/>
+    </inkml:context>
+    <inkml:brush xml:id="br0">
+      <inkml:brushProperty name="width" value="0.05292" units="cm"/>
+      <inkml:brushProperty name="height" value="0.05292" units="cm"/>
+      <inkml:brushProperty name="color" value="#FF0000"/>
+    </inkml:brush>
+  </inkml:definitions>
+  <inkml:trace contextRef="#ctx0" brushRef="#br0">4901 12041 24575,'6'6'0,"8"2"0,16 2 0,18 3 0,-13-5 0,2-1 0,11 2 0,5 0 0,-5-3 0,3 0 0,2-1-411,5 0 1,2-1-1,2 0 411,-12-1 0,1-1 0,0 0 0,-2-1 0,8 1 0,-3-1 0,-3 1 0,5-2 0,-4 1 0,-11-1 0,-4 1 0,6 0 0,-1 0 0,-20-1 0,-15 1 0,-6-1 0</inkml:trace>
+  <inkml:trace contextRef="#ctx0" brushRef="#br0" timeOffset="25218">21336 9181 24575,'28'-5'0,"18"-4"0,-8 3 0,6-1 0,14 0 0,5 2-516,-13 2 0,2 1 0,0 1 516,2 0 0,0 2 0,0 0 0,-3 1 0,-2 1 0,-1-1 251,10 2 0,-3-1-251,-15-1 0,-3 0 257,10-1-257,-25-1 0,-13 0 0,-9 0 0</inkml:trace>
+  <inkml:trace contextRef="#ctx0" brushRef="#br0" timeOffset="26101">22413 8821 24575,'-5'13'0,"-2"4"0,-4 10 0,0 4 0,3-4 0,2 1 0,2-3 0,0 10 0,0 4 0,0 0 0,2-11 0,1-13 0,0-5 0,1-3 0,0 1 0,0-1 0,0 2 0,-1 4 0,0 1 0,0 0 0,-1-7 0,2-6 0,-1 0 0</inkml:trace>
+  <inkml:trace contextRef="#ctx0" brushRef="#br0" timeOffset="27214">22677 8860 8191,'40'9'0,"9"2"5063,15 2-5063,-6-3 2818,-15-4-2818,-15-3 1719,-13-2-1719,-1 0 6784,-2 1-6784,-8 2 0,-9 6 0,-15 6 0,-16 6 0,-22 5 0,23-11 0,-3-1 0,-5 3 0,0 0 0,-2-1 0,1 0 0,-2-1 0,1-2 0,1-2 0,1-2 0,4-3 0,2-1 0,-23 2 0,16-3 0,9-1 0,6 1 0,3 1 0,7 1 0,7-1 0,7-3 0,2-1 0,2-2 0</inkml:trace>
+</inkml:ink>
+</file>
+
+<file path=ppt/ink/ink2.xml><?xml version="1.0" encoding="utf-8"?>
+<inkml:ink xmlns:inkml="http://www.w3.org/2003/InkML">
+  <inkml:definitions>
+    <inkml:context xml:id="ctx0">
+      <inkml:inkSource xml:id="inkSrc0">
+        <inkml:traceFormat>
+          <inkml:channel name="X" type="integer" min="-2.14748E9" max="2.14748E9" units="cm"/>
+          <inkml:channel name="Y" type="integer" min="-2.14748E9" max="2.14748E9" units="cm"/>
+          <inkml:channel name="F" type="integer" max="32767" units="dev"/>
+        </inkml:traceFormat>
+        <inkml:channelProperties>
+          <inkml:channelProperty channel="X" name="resolution" value="1000" units="1/cm"/>
+          <inkml:channelProperty channel="Y" name="resolution" value="1000" units="1/cm"/>
+          <inkml:channelProperty channel="F" name="resolution" value="0" units="1/dev"/>
+        </inkml:channelProperties>
+      </inkml:inkSource>
+      <inkml:timestamp xml:id="ts0" timeString="2024-06-19T22:30:10.036"/>
+    </inkml:context>
+    <inkml:brush xml:id="br0">
+      <inkml:brushProperty name="width" value="0.05292" units="cm"/>
+      <inkml:brushProperty name="height" value="0.05292" units="cm"/>
+      <inkml:brushProperty name="color" value="#FF0000"/>
+    </inkml:brush>
+  </inkml:definitions>
+  <inkml:trace contextRef="#ctx0" brushRef="#br0">9733 13263 24575,'22'-3'0,"36"-3"0,-4 0 0,9 0 0,-8 2 0,4 0 0,1 0-692,-7 1 1,1 0 0,1 1 0,-1 0 691,-3 0 0,0 1 0,0-1 0,-3 1 0,8 0 0,-3 1 0,-3 0 438,8-1 1,-5 2-439,-14 0 0,-2 2 227,7 2 1,-1 0-228,2 2 0,-2-1-1262,-4 0 0,-3-1 0,10 2 1,-31-6-1</inkml:trace>
+  <inkml:trace contextRef="#ctx0" brushRef="#br0" timeOffset="901">13307 13000 24575,'5'0'0,"11"-2"0,31-4 0,-4 2 0,5 1 0,-3 0 0,4 1 0,2 0-546,12 1 1,2 0-1,1 0 546,-2 1 0,1-1 0,-4 1 132,-9 0 0,-2 0 1,-4 0-133,1 0 0,-10-1 0,-15 1 0,-21 0 0,-3-1 0</inkml:trace>
+</inkml:ink>
+</file>
+
+<file path=ppt/ink/ink3.xml><?xml version="1.0" encoding="utf-8"?>
+<inkml:ink xmlns:inkml="http://www.w3.org/2003/InkML">
+  <inkml:definitions>
+    <inkml:context xml:id="ctx0">
+      <inkml:inkSource xml:id="inkSrc0">
+        <inkml:traceFormat>
+          <inkml:channel name="X" type="integer" min="-2.14748E9" max="2.14748E9" units="cm"/>
+          <inkml:channel name="Y" type="integer" min="-2.14748E9" max="2.14748E9" units="cm"/>
+          <inkml:channel name="F" type="integer" max="32767" units="dev"/>
+        </inkml:traceFormat>
+        <inkml:channelProperties>
+          <inkml:channelProperty channel="X" name="resolution" value="1000" units="1/cm"/>
+          <inkml:channelProperty channel="Y" name="resolution" value="1000" units="1/cm"/>
+          <inkml:channelProperty channel="F" name="resolution" value="0" units="1/dev"/>
+        </inkml:channelProperties>
+      </inkml:inkSource>
+      <inkml:timestamp xml:id="ts0" timeString="2024-06-19T22:30:37.816"/>
+    </inkml:context>
+    <inkml:brush xml:id="br0">
+      <inkml:brushProperty name="width" value="0.05292" units="cm"/>
+      <inkml:brushProperty name="height" value="0.05292" units="cm"/>
+      <inkml:brushProperty name="color" value="#FF0000"/>
+    </inkml:brush>
+  </inkml:definitions>
+  <inkml:trace contextRef="#ctx0" brushRef="#br0">11219 5210 24575,'-32'56'0,"14"-23"0,-1 2 0,-4 11 0,0 1 0,3-1 0,3-1 0,2-3 0,4-1 0,1 19 0,8-31 0,3-11 0</inkml:trace>
+  <inkml:trace contextRef="#ctx0" brushRef="#br0" timeOffset="1184">19738 13153 8191,'-16'6'0,"-22"11"2429,2 0 0,-6 4-2429,4-3 0,-3 3 0,-2 2 0,-1 1 0,-2 3 0,-2 1 0,1-1 0,1 1 0,-1-1 0,1 0 0,1 0 0,-10 6 0,1 0 0,4-2 0,-9 5 0,9-5-514,8-6 0,22-13 1,13-6-1</inkml:trace>
+</inkml:ink>
+</file>
+
+<file path=ppt/ink/ink4.xml><?xml version="1.0" encoding="utf-8"?>
+<inkml:ink xmlns:inkml="http://www.w3.org/2003/InkML">
+  <inkml:definitions>
+    <inkml:context xml:id="ctx0">
+      <inkml:inkSource xml:id="inkSrc0">
+        <inkml:traceFormat>
+          <inkml:channel name="X" type="integer" min="-2.14748E9" max="2.14748E9" units="cm"/>
+          <inkml:channel name="Y" type="integer" min="-2.14748E9" max="2.14748E9" units="cm"/>
+          <inkml:channel name="F" type="integer" max="32767" units="dev"/>
+        </inkml:traceFormat>
+        <inkml:channelProperties>
+          <inkml:channelProperty channel="X" name="resolution" value="1000" units="1/cm"/>
+          <inkml:channelProperty channel="Y" name="resolution" value="1000" units="1/cm"/>
+          <inkml:channelProperty channel="F" name="resolution" value="0" units="1/dev"/>
+        </inkml:channelProperties>
+      </inkml:inkSource>
+      <inkml:timestamp xml:id="ts0" timeString="2024-06-19T22:31:56.098"/>
+    </inkml:context>
+    <inkml:brush xml:id="br0">
+      <inkml:brushProperty name="width" value="0.05292" units="cm"/>
+      <inkml:brushProperty name="height" value="0.05292" units="cm"/>
+      <inkml:brushProperty name="color" value="#FF0000"/>
+    </inkml:brush>
+  </inkml:definitions>
+  <inkml:trace contextRef="#ctx0" brushRef="#br0">23407 12574 8191,'41'0'0,"-1"0"0,20-1 0,6-1 1271,-7 0 1,4 0-1,1-1-1271,-13 1 0,1 0 0,1 0 0,-1 0 0,12-1 0,0 0 0,-5 1 1476,7-1 0,-9 1-1476,9 1 1866,-35 0-1866,-6 1 6304,7 1-6304,0-1 1448,-5 1-1448,-3-1 0,2 0 0,0 0 0,-6 0 0,-8 1 0,-11-1 0,-2 0 0,-1 0 0</inkml:trace>
+  <inkml:trace contextRef="#ctx0" brushRef="#br0" timeOffset="2851">23576 7085 24575,'24'-1'0,"36"-1"0,-12 0 0,5 1 0,-9 0 0,3-1 0,5 2-984,10 2 1,6 2 0,0-1 0,-9 0 0,1-2 0,-3 1 0,0 3 0,0 0 0,1-1 0</inkml:trace>
+  <inkml:trace contextRef="#ctx0" brushRef="#br0" timeOffset="9847">24068 14473 8191,'52'-7'0,"0"-1"0,4 1 0,5 0 0,4 0 733,-5 1 0,4-1 0,1 0 0,2 0-733,-9 2 0,2-1 0,1 0 0,-1 1 0,-2 0 0,6-1 0,-1 1 0,-2 0 0,-3 1 1003,4-1 1,-4 0-1,-5 1-1003,2-1 0,-9 1 0,-10 1 0,-22 1 0</inkml:trace>
+  <inkml:trace contextRef="#ctx0" brushRef="#br0" timeOffset="39148">13374 12143 24575,'19'-5'0,"16"-3"0,-2 1 0,5-1 0,16-1 0,7 0 0,-4 1 0,5 0 0,2 0-947,-6 2 0,2 0 0,2 1 0,2-1 947,-3 1 0,2 0 0,2 1 0,0-1 0,2 0-486,-6 1 1,0 0 0,2-1 0,0 1 0,1 0 0,0 0 485,-4 1 0,1-1 0,0 1 0,1-1 0,0 1 0,1 0 0,0 0-437,-4 0 1,0 1 0,0-1-1,1 0 1,0 1 0,1 0-1,-1-1 1,0 1 436,0 0 0,0 1 0,1-1 0,-1 0 0,0 1 0,1 0 0,0-1 0,0 1 0,1 0 0,0 0 0,0 0 0,1 1 0,-1-1 0,1 0 0,-1 1 0,0 0 0,-2-1 0,0 1 0,0 0 0,0 1 0,0-1 0,-1 0 0,1 0 0,-1 0 0,1 1 0,0-1 0,-1 0 0,1 0 0,-1 0 0,1 0 0,-1 1 0,-1-1-293,7 0 0,1 1 0,-1-1 0,-1 1 0,0-1 0,0 1 0,-2-1 293,6 0 0,-1 1 0,-1-1 0,0 1 0,-2-1 0,-1 0 66,5 1 0,-2-1 0,-1 0 0,-2 0 0,-1 1-66,3-1 0,-3 0 0,-1 1 0,-4-1 729,6 0 1,-4 0-1,-4 0-729,11 0 0,-6 0 1824,-16 0 1,-5 0-1825,18 0 3587,0 0-3587,5 2 2174,2 0-2174,-5 0 313,-12 0-313,-8 1 0,-4 6 0,-1 6 0,-4 5 0,-5 8 0,-11 10 0,-15 28 0,-6-18 0,-3 5 0,1-8 0,-2 3 0,0-1 0,-1 2 0,-1 1 0,1-3 0,-6 15 0,-1-5 0,4-15 0,-2-6 0,-20 5 0,-16-10 0,21-14 0,-1-1 0,-4 1 0,-1 0 0,0-2 0,0-2 0,-5-2 0,-1-2 0,-7-2 0,-4-1 0,12-2 0,-2 0 0,-2-1-264,-3 2 1,-2 1 0,-1-1 263,-3 2 0,0 1 0,-1 0 0,-2 1 0,0 0 0,-2 0-571,10-3 1,-1 1-1,-2-2 1,-1 0 570,1-2 0,0 0 0,-3-1 0,0 0 0,-1-1-544,-6 0 1,-1-1 0,-1 0 0,0-1 0,0 0 543,10 1 0,-1-1 0,1-1 0,-1 1 0,1 0 0,0 0 0,-8-1 0,0 1 0,0-1 0,1 1 0,2 0-347,-6 0 0,1 1 0,2 0 0,0 0 347,4 0 0,2 0 0,0 1 0,-1-1 0,0 0 0,-1 1 0,0-1 0,1 0 0,2 1 0,0-1 0,1 0 0,0 0-35,4 0 1,0 0 0,0 0 0,2 0 34,-12 0 0,1 0 0,3 0 0,8 0 0,2 0 0,0 0 677,-17 0 1,-1 0-678,16 0 0,-2 0 0,0-1 0,-3 1 0,-1 0 0,-2-1 304,8 0 0,-1 0 0,-2-1 0,0 1-304,-3-2 0,-1 1 0,-1-1 0,1 0 0,1 1 0,0-1 0,1 0 0,0 1 242,4-1 1,0 1-1,1-1 1,2 1-243,-7 0 0,2 1 0,2-1 425,-13 1 0,4-1-425,8 1 0,1-1 224,7 1 1,1-1-225,7 1 0,1-1 1681,-26 1-1681,8-1 792,-3 1-792,-7-3 0,-3-1 0,2-1 0,5-5 0,7-3 0,2-8 0,4-9 0,10-10 0,12-10 0,13-10 0,16 2 0,14 3 0,10 5 0,0 10 0,-2 4 0,-4 10 0,0 6 0,8 2 0,14-4 0,13-8 0,-27 13 0,0-1 0,20-15 0,-12 7 0,-8 7 0,2 6 0,0 2 0,-5 3 0,-4 2 0,4 1 0,5 1 0,6 0 0,4 0 0,6-1 0,0 1-141,4-1 0,1-1 0,-1 1 141,0 0 0,-1 0 0,-4 0 0,4 0 0,-7-1 0,-8-2 0,-11-1 0,-18 6 0,1-1 0</inkml:trace>
+</inkml:ink>
+</file>
+
+<file path=ppt/ink/ink5.xml><?xml version="1.0" encoding="utf-8"?>
+<inkml:ink xmlns:inkml="http://www.w3.org/2003/InkML">
+  <inkml:definitions>
+    <inkml:context xml:id="ctx0">
+      <inkml:inkSource xml:id="inkSrc0">
+        <inkml:traceFormat>
+          <inkml:channel name="X" type="integer" min="-2.14748E9" max="2.14748E9" units="cm"/>
+          <inkml:channel name="Y" type="integer" min="-2.14748E9" max="2.14748E9" units="cm"/>
+          <inkml:channel name="F" type="integer" max="32767" units="dev"/>
+        </inkml:traceFormat>
+        <inkml:channelProperties>
+          <inkml:channelProperty channel="X" name="resolution" value="1000" units="1/cm"/>
+          <inkml:channelProperty channel="Y" name="resolution" value="1000" units="1/cm"/>
+          <inkml:channelProperty channel="F" name="resolution" value="0" units="1/dev"/>
+        </inkml:channelProperties>
+      </inkml:inkSource>
+      <inkml:timestamp xml:id="ts0" timeString="2024-06-19T22:33:17.424"/>
+    </inkml:context>
+    <inkml:brush xml:id="br0">
+      <inkml:brushProperty name="width" value="0.05292" units="cm"/>
+      <inkml:brushProperty name="height" value="0.05292" units="cm"/>
+      <inkml:brushProperty name="color" value="#FF0000"/>
+    </inkml:brush>
+  </inkml:definitions>
+  <inkml:trace contextRef="#ctx0" brushRef="#br0">21825 13061 8191,'37'-4'0,"0"-1"0,7-1 0,3-1 1498,-5 1 1,3-1 0,1-1-1499,4 0 0,1-1 0,2 0 0,7-2 0,3 1 0,1 0 586,0 0 1,0 1-1,2 0-586,-14 2 0,1 0 0,1 1 0,0 0 0,1 0 0,1 0 0,0 1 0,0-1 0,0 0 0,1 0 0,-1 0 0,0 0 0,-2 0 0,1 0 0,-1 0 0,-1 0 0,-1 1 0,-1-1 0,0 2 0,0-1 0,15 0 0,0 1 0,-1 0 460,-3 1 1,-1 2-1,-1-1-460,-3 2 0,0-1 0,-2 2 1870,-7 0 0,-2 0 0,-1 1-1870,19 2 0,-2 1 0,0 2 0,0 1 0,-18-2 0,2 1 0,-1-1 0,3 1 0,0 0 0,0 1 0,-2-1 0,-1 0 0,0 1 0,17 3 0,-2 1 281,-7 0 1,-2 1-282,-1 2 0,-2 0 721,-1 0 0,0 1-721,1 0 0,-1 0 448,-4-2 1,-1-1-449,-5-1 0,-2 0 236,23 7-236,-12-2 0,-8-1 0,-9-3 0,-2 1 0,-5 0 0,-2 1 0,-9 4 0,-6 13 0,-4 16 0,-3 16 0,1-31 0,-1 1 0,-3 26 0,-5-10 0,-12 2 0,2-18 0,-3 2 0,-8 9 0,-3 1 0,-1 2 0,-2 0 0,-1-3 0,0-3 0,3-6 0,-1-3 0,-3-2 0,-2 0 0,-7 4 0,-2 1-229,12-9 1,0 2-1,-1 0 229,-1 3 0,-1 1 0,0 1 0,0 1 0,0 0 0,0 0 0,2-3 0,0-1 0,0 0 0,-14 8 0,1-3 0,2-4 0,0-4 0,4-3 0,0-1 0,-1 2 0,-2 0 0,0 0 0,-1-1 0,-4-1 0,0-1 0,-3-4 0,-1-2 0,14-8 0,-1-1 0,-1-1-251,-4-1 0,-2-2 1,0 1 250,-2-1 0,-2 0 0,0 0 0,-4 1 0,-2 0 0,0-1-418,0 1 0,0 0 0,-2-1 418,-1 0 0,-2-1 0,0-1 0,15-1 0,-2-1 0,1-2 0,-1 0-285,-3-2 1,-1-1 0,0-2 0,1 0 284,-3-1 0,1-2 0,-1 0 0,1-1 0,2 0 0,1 0 0,-1-1 0,2 0-236,4 1 1,0-1-1,1 1 1,1-1 235,-11-2 0,1-1 0,0-1 0,-1 0 0,0 0 0,0-2 0,-3-2 0,0 0 0,-1-2 0,14 5 0,0-1 0,0 0 0,0 0 0,2 1 0,0 0 0,1 0 0,-1-1 0,1 0 0,-1 0 0,1 0 0,0 0 0,0 1 0,0-1 0,0 1 0,-1-1 0,-1-1 0,0 0 0,0 0 0,0 0 0,0-1 0,0 1 0,1 0 0,0 1 0,-13-6 0,2 2 0,1 0 0,9 3 0,1 1 0,3 2 310,-5-2 1,4 3-311,11 3 0,3 1 1150,-12-2-1150,2-2 1841,7 0-1841,4-4 1159,6-5-1159,7-6 0,10-8 0,23-11 0,8 19 0,8-1 0,15-5 0,5 0 0,-13 12 0,2-1 0,2 1-252,3-1 0,3 1 0,-1 0 252,2 0 0,0 2 0,1 0 0,3-1 0,0 1 0,3 1-329,-10 4 0,1 1 1,1 0-1,0 1 329,16-4 0,0 2 0,-1-1 0,-6 2 0,0 1 0,-2 1-15,-8 1 0,-1 2 0,-1 1 15,9-3 0,-2 3 0,-4 3 0,1 2 0,2 1 0,0 2 352,-2 0 0,-1 2-352,-6-1 0,-3 1 1362,20 0-1362,-4-4 50,11-5-50,-21 1 0,4-3 0,5-2 0,1-1 0,-4-1 0,-2-1 0,-10 3 0,-5 1 0,8-5 0,-24 10 0,-10 4 0,-1 1 0,3 1 0,7-2 0,3 0 0,-5 0 0,-7 2 0,-7 0 0,-3 1 0</inkml:trace>
+</inkml:ink>
+</file>
+
+<file path=ppt/ink/ink6.xml><?xml version="1.0" encoding="utf-8"?>
+<inkml:ink xmlns:inkml="http://www.w3.org/2003/InkML">
+  <inkml:definitions>
+    <inkml:context xml:id="ctx0">
+      <inkml:inkSource xml:id="inkSrc0">
+        <inkml:traceFormat>
+          <inkml:channel name="X" type="integer" min="-2.14748E9" max="2.14748E9" units="cm"/>
+          <inkml:channel name="Y" type="integer" min="-2.14748E9" max="2.14748E9" units="cm"/>
+          <inkml:channel name="F" type="integer" max="32767" units="dev"/>
+        </inkml:traceFormat>
+        <inkml:channelProperties>
+          <inkml:channelProperty channel="X" name="resolution" value="1000" units="1/cm"/>
+          <inkml:channelProperty channel="Y" name="resolution" value="1000" units="1/cm"/>
+          <inkml:channelProperty channel="F" name="resolution" value="0" units="1/dev"/>
+        </inkml:channelProperties>
+      </inkml:inkSource>
+      <inkml:timestamp xml:id="ts0" timeString="2024-06-19T22:34:07.389"/>
+    </inkml:context>
+    <inkml:brush xml:id="br0">
+      <inkml:brushProperty name="width" value="0.05292" units="cm"/>
+      <inkml:brushProperty name="height" value="0.05292" units="cm"/>
+      <inkml:brushProperty name="color" value="#FF0000"/>
+    </inkml:brush>
+  </inkml:definitions>
+  <inkml:trace contextRef="#ctx0" brushRef="#br0">18496 15796 8191,'-17'4'0,"-17"1"5063,-19 3-5063,15-3 0,-3 0 0,-9 1 0,-3 0 0,9-2 0,-2 1 0,-1-1 637,-8 1 0,-2 0 1,0 0-638,-7 0 0,-2-1 0,-1 1 94,11-2 0,-2 0 1,-1 0-1,-1-1-94,-4-1 0,-2 0 0,-1-1 0,-1-1 656,8-1 1,0 0 0,-2-1-1,1-1 1,0 0-657,1 0 0,-1-1 0,1 0 0,0-1 0,1 0 0,-9-2 0,1 0 0,1-1 0,3 1-209,7 0 1,2 0 0,1 0-1,1 0 209,-7-1 0,1 0 0,1-2 0,3 0 0,1-1 0,1-1 136,1-2 0,1 0 0,0-2-136,2-2 0,1-1 0,0-1 0,3 1 0,1-1 0,0 0 0,0 1 0,1 1 0,0 2 0,-3 0 0,1 2 0,-1 2 0,-17-3 0,0 3 914,7 3 0,2 2-914,11 1 0,3 1 2616,-16-7-2616,12-1 1124,7 1-1124,7-1 607,8-2-607,5-34 0,8 0 0,2-12 0,1 9 0,1-6 0,-1-4 0,1-4-829,1 6 0,0-3 1,0-3-1,0-1 1,0-2-1,1 1 829,-1 5 0,1-1 0,0-1 0,0-1 0,1 0 0,0-1 0,0-1-461,1 10 0,0-1 1,1-1-1,-1 0 0,1-1 1,0 1-1,1 0 0,-1 0 1,1 2 460,0-5 0,1 2 0,0 0 0,0 0 0,0 1 0,1-1 0,-1 1 0,1-1 0,1 1 0,-1 2 0,1-1 0,0 1 0,0-1 0,0-1 0,1-3 0,-1-1-343,-1 5 1,1-1 0,0-2 0,-1-1 0,1-1 0,0-1 0,0 0-1,-1-1 1,1 1 0,0-1 0,-1 1 342,0 5 0,1-2 0,-1 1 0,0 0 0,0-1 0,0 0 0,0 0 0,0 0 0,0 0 0,0-1 0,0 1 0,0-1-210,0-2 0,0 0 0,0-1 1,-1-1-1,1 1 0,0 0 1,0-1-1,-1 1 0,1 1 1,-1 0-1,1 1 0,-1 1 210,1-1 0,-1 1 0,0 0 0,0 0 0,1 1 0,-1 1 0,0 0 0,0 2 0,0 1 0,0 2 0,0 1 57,1-11 1,0 3 0,0 3 0,1 0 0,-1 2 0,0 1 0,1-1-58,1-3 0,0 1 0,1 0 0,-1 1 0,1 1 0,1 0 0,1-8 0,0 1 0,1 1 0,0 0 0,-1-1 182,0 0 0,1 0 1,-1 0-1,0 0 1,-1 1-183,-1 2 0,-1 0 0,1 0 0,-2 2 0,0 1 613,0-8 1,-1 2-1,-1 2 1,-1 1-614,0 9 0,-1 2 0,-1 1 0,0 1 1311,-1-10 0,0 2 0,-1 2-1311,-1 7 0,0 1 0,0 1 0,0 1 0,1 2 0,-1 0 1426,0-18 0,0 2-1426,2 7 0,1 0 1333,0 3 0,0 0-1333,0-7 0,0-2 0,1 10 0,-1-2 0,0-1 21,0-9 0,-1-1 0,0-1-21,0 10 0,-1-2 0,0 0 0,0 1 0,0-13 0,-1 1 0,-1 2 76,1 9 0,-1 2 0,0 2-76,-1 3 0,0 2 0,-1 1 0,-4-18 0,-1 0 0,3 15 0,0-2 0,0 0 0,0-2 0,1 0 0,1 1 0,1 1 0,1 0 0,1 1 0,1 3 0,0 0 0,1 1 0,1-18 0,0 0 0,0 3 0,1 1 0,0 3 0,1 1 0,0 5 0,0 2 0,0 7 0,0 2 0,2-26 1432,0 14-1432,3 11 454,4 8-454,6 3 0,8-1 0,22-11 0,-13 13 0,5-1 0,-5 5 0,3-1 0,3-1-502,10-5 1,4-1 0,1 0 501,-9 6 0,0 1 0,2 0 0,1 1 0,4-3 0,2 1 0,0 0 0,0 1 0,-1 1 0,-1 1 0,0 0 0,-1 1 0,0 2 0,0 0 0,0 0 0,-1 2 0,-2 1 0,-1 1 0,0 0 0,0 2 0,14-3 0,-1 2 0,-2 2 0,-8 1 0,-2 2 0,-3 1 0,1 2 0,-7 3 0,5 2 0,-39 11 0,2 1 0,6 2 376,26-1 0,-23-6 0,16-1 0</inkml:trace>
+  <inkml:trace contextRef="#ctx0" brushRef="#br0" timeOffset="2398">17639 2972 8191,'59'22'0,"-23"-7"0,3 0 2531,12 5 1,2 1-2532,0 0 0,-1-1 1409,-2 0 0,-1-1-1409,-5 0 0,-1 2 0,2 5 0,0 5 0,-9-5 0,2 3 0,1 1 283,7 7 0,2 3 0,0-1-283,-10-7 0,1 0 0,0 0 0,0 0 0,1 1 0,0 0 0,-1 0 0,0 0 0,10 10 0,0 1 0,-2 1 0,-4 1 0,-1 1 0,-1 2 0,-8-8 0,0 1 0,-1 2 0,0 1 1125,0 2 1,-1 1 0,-1 2-1,-1 0-1125,2 4 0,-2 1 0,0 1 0,-2 0 0,-1 1 0,-2 0 0,-1 1 0,-1 1 0,-3 1 0,-1 2 0,-2 0 0,-1 0 0,-2 2 0,-1 0 0,-2 1 0,-1 1-464,-3-11 1,0 1 0,-1 1 0,0-1-1,-1 1 464,1 2 0,-1 0 0,-1 0 0,1 0 0,-2 1 0,-1 3 0,0 0 0,0 1 0,-2 1 0,1 0-471,-1-9 1,-1 0 0,0 1-1,0 0 1,0 1 0,-2 0 470,0 5 0,-1 0 0,0 2 0,-1-1 0,0 1 0,-1 1-337,1-7 0,0 0 0,-1 1 1,0 0-1,0 1 0,0 0 1,-1 1 336,0-3 0,1 1 0,-2 1 0,1-1 0,0 2 0,-1-1 0,0 1 0,1 0-258,-1 2 0,0 1 0,-1-1 1,1 2-1,0-1 0,-1 1 1,0 0-1,0-1 258,1-4 0,0 0 0,0 0 0,-1 0 0,1 0 0,-1 0 0,0 0 0,0 0 0,-1-1 0,0-1 0,1 1 0,-1-1 0,0 0 0,-1 0 0,1-1 0,-1 0 0,0 0 0,0-1-123,-2 4 1,0 0 0,-1-2 0,1 1 0,-1-1 0,-1 0 0,1-1 0,-1 1 122,-2 4 0,0 1 0,-1-1 0,0-1 0,0 0 0,0 1 0,-1-1 0,0 0 0,0 0 0,-1-1 0,1 0 0,-1 1 0,0 1 0,1 0 0,2-4 0,0 0 0,0 1 0,0 0 0,0 1 0,0-1 0,0 1 0,1 0-73,-1 1 0,0 1 0,0 0 0,1-1 0,-1 1 0,0 0 0,1 0 0,0-1 73,0-1 0,0 0 0,0-1 0,1 1 0,-1-1 0,0 0 0,1 0 0,0-2 0,-2 6 0,1-2 0,0 1 0,0-1 0,0-1 0,0-1 0,1-2 150,-2 2 1,0-1 0,0-1 0,1-1 0,-1-2 0,1 0-151,-1 1 0,0 0 0,0-2 0,1-1 0,-1 0 514,-2 9 1,-1-1-1,1-1 1,0-1-515,4-10 0,-1-1 0,2-1 0,0 0 877,-3 12 1,2 0-1,1-3-877,4-7 0,1-2 0,2-1 2049,1 10 1,2-3-2050,4-11 0,2-2 1236,1-4 1,2-1-1237,5 25 1586,4 0-1586,-6-28 0,2 1 259,0 5 0,2 3-259,1 5 0,1 2 0,0 8 0,1 2 0,-2 0 0,0-1 0,-2-3 0,-1-3 0,-3-5 0,0-2 0,-3-7 0,1-1 0,1 27 0,-2-8 0,0-10 0,-1-10 0,1-4 0,0-5 0,0-1 0,2-1 0,-1 2 0,0 2 0,1 5 0,0 9 0,1 7 0,0 6 0,-1 2 0,-1-6 0,-1-5 0,1-2 0,0-4 0,0-6 0,-2-11 0,-2-10 0,1-8 0,-2-4 0,0 0 0,-1-1 0</inkml:trace>
+  <inkml:trace contextRef="#ctx0" brushRef="#br0" timeOffset="16041">22214 5625 24575,'-11'6'0,"-4"1"0,-6 4 0,-13 5 0,-17 10 0,12-5 0,-3 3 0,-8 6 0,-2 2 0,15-8 0,-1 1 0,1 0 0,-15 11 0,2 0 0,11-9 0,3-1 0,-15 11 0,22-16 0,10-7 0,3-1 0,3 0 0,7-6 0,2-2 0</inkml:trace>
+  <inkml:trace contextRef="#ctx0" brushRef="#br0" timeOffset="16744">21448 5900 24575,'-3'20'0,"1"5"0,2 8 0,7 9 0,8 9 0,9 10 0,-8-28 0,1-1 0,18 24 0,-7-16 0,-11-19 0,-11-13 0,-6-7 0,0-1 0,-1 0 0</inkml:trace>
+  <inkml:trace contextRef="#ctx0" brushRef="#br0" timeOffset="17724">21440 5892 24575,'-9'9'0,"-4"5"0,-4 7 0,-3 8 0,2 3 0,1 4 0,0 3 0,1 6 0,1 6 0,4 2 0,3-3 0,4-7 0,2-8 0,5-4 0,14-2 0,19-6 0,24-8 0,-25-12 0,2-3 0,0-3 0,1-3 0,-2 0 0,0-3 0,-1 0 0,-1-1 0,26-8 0,-19 5 0,-18 5 0,-18 6 0,-4 1 0</inkml:trace>
+  <inkml:trace contextRef="#ctx0" brushRef="#br0" timeOffset="19122">22385 5077 24575,'-8'33'0,"-1"11"0,-2 10 0,4-2 0,4-14 0,3-18 0,1-5 0,-1 8 0,-1 7 0,0 2 0,2-9 0,6-20 0,13-31 0,11-27 0,-13 16 0,0-3 0,1-5 0,-1-1 0,-4 3 0,-1 0 0,-2 3 0,-1 1 0,-2 7 0,1 2 0,6-16 0,4 14 0,9 10 0,7 2 0,5 6 0,-1 3 0,-5 6 0,-8 3 0,-11 2 0,-8 3 0,-10 7 0,-8 11 0,-7 11 0,-6 5 0,-1-2 0,0-5 0,1-3 0,-1 1 0,4 2 0,4-4 0,8-7 0,4-8 0,1-3 0,-2-1 0,0 1 0,0 0 0,3-4 0,3-1 0</inkml:trace>
+  <inkml:trace contextRef="#ctx0" brushRef="#br0" timeOffset="31359">8606 17353 24575,'17'0'0,"14"-3"0,32-5 0,-23 5 0,6-1 0,4 0-1059,0 1 0,3-1 0,3 0 0,1 0 1059,-6 2 0,3-1 0,0 0 0,2 1 0,-1 0 0,4 0 0,1 0 0,0 0 0,0 0 0,0 1 0,-4-1 0,1 1 0,-1 0 0,0 0 0,0 1 0,-1-1 0,-1 1 0,1 0 0,-1 0 0,1-1 0,1 1 0,1 0 0,0 0 0,0 0 0,-1 0 0,0 0 0,-2 0 0,1 0 0,0 1 0,1-1 0,1 1 0,0 0 0,1 0 0,0 0 0,-2 0 0,12 1 0,-1-1 0,-1 1 0,-1 1 0,-6-1 0,0 0 0,-2 0 0,2 0 0,-1 0 0,1 0 0,-1 0 0,1 0 0,-2 0 0,0-1 0,1 0 0,2 0 0,-5 0 0,3 0 0,0 0 0,1-1 0,2 1-460,-6-1 0,2 0 0,0 0 0,1 0 1,0 0-1,1 0 460,2 0 0,0 0 0,2 0 0,-1-1 0,0 1 0,0 0 0,0 0 0,-1 1 0,1-1 0,-1 1 0,1 0 0,-1 0 0,0 1 0,0 0 0,0 0 0,0 1 0,0 0 0,0 0 0,2 1 0,-1 0 0,1 0 0,-1 1 0,2 0 0,-1 0-259,-5-1 1,-1 1-1,1 0 1,0 0 0,1 0-1,0 0 1,0 0 258,3 0 0,0 0 0,1 0 0,0 0 0,0 0 0,0-1 0,0 0 0,-2 0 0,1 0 0,0-1 0,0 1 0,0-1 0,-1 0 0,1-1 0,0 0 0,-1 0 0,1 0 0,0-1 0,-1 0 0,-1 1 0,0-2-290,4 1 0,-1 0 0,0-1 0,-2 0 0,1 0 0,-2 0 290,6 0 0,0-1 0,-2 1 0,-1-1 0,-2 0 132,4 1 0,-2-1 1,-3 0-1,-2 1-132,6-1 0,-4 0 0,-2-1 677,-7 0 1,-1-1-1,-2-1-677,18-3 0,-2-3 0,0 0 0,-1-2 0,0-1 0,-1-1 0,-1 2 0,0 0 0,1 2 0,2 1 0,-15 4 0,1 0 0,2 1 605,11 1 0,4-1 0,2 0-605,-18 2 0,1-1 0,2 0 0,1 0 0,0-1-5,5 1 1,1-1 0,1 0 0,0 1 0,1-1 4,-8 0 0,1 1 0,1-1 0,-1 0 0,0 1 0,-1-1 0,8 0 0,-2-1 0,1 1 0,-1 0 0,0-1-195,-2 1 1,0 0 0,-1-1 0,1 1-1,-1-1 195,-3 1 0,1 0 0,-1 0 0,0-1 0,0 1 0,-2-1 0,0 1 0,0-1 0,1 0 0,2 1 0,8 0 0,2-1 0,1 1 0,1 1 0,-2-1 0,-3 1 0,0 0 0,0 0 0,0 0 0,0 1 0,1-1 0,0 1 0,0 1 0,0-1 0,0 1 0,-3 0 0,0 0 0,-1 1 0,-1 0 0,-1-1 0,5 1 0,-2 0 0,-1 0 0,2 0 0,3 0 0,2 0 0,0 0 0,-1 0 0,0 0 0,-1 0 0,0 1 0,0-1-228,-3 0 0,0 1 1,-1-1-1,-1 1 228,-3 0 0,0 0 0,-1 0 0,-3 0 415,7 0 0,-3 1 1,-3 0-416,13 1 0,-3 1 0,-6 0 0,-1 0 0,2 2 0,3-1 0,-16-1 0,2-1 0,1 0 0,4 0 0,0-1 0,0 0 0,-5 0 0,-1-1 0,-2 0 1207,8 0 1,-3-1-1208,-12 0 0,-5 1 2310,4-2-2310,-13 1 1751,-16-1-1751,-8 0 0,-1 1 0,-1-1 0</inkml:trace>
+  <inkml:trace contextRef="#ctx0" brushRef="#br0" timeOffset="31938">23877 16967 24575,'-9'34'0,"-7"27"0,3-14 0,-1 5 0,-1 7 0,0 2 0,2-1 0,1-3 0,3-9 0,3-4 0,-1 12 0,8-31 0,-1-16 0,2-10 0</inkml:trace>
+  <inkml:trace contextRef="#ctx0" brushRef="#br0" timeOffset="32307">24071 17150 24575,'0'0'0</inkml:trace>
+  <inkml:trace contextRef="#ctx0" brushRef="#br0" timeOffset="33239">24006 17064 8191,'21'1'0,"13"1"5063,31 6-5063,-19-1 0,2 2 0,8 2 0,1 2 1409,-5-1 0,-1 1-1409,-11-2 0,-4 0 1719,8 4-1719,-26-4 6784,-7-3-6784,-10 0 0,-8 6 0,-16 11 0,-21 14 0,7-13 0,-6 1 0,-12 2 0,-5-1-308,11-8 1,-3-1 0,0 0 307,-2-1 0,0-1 0,2-1 0,6-2 0,1-2 0,3 0 0,-8 3 0,6-2 0,1 0-1620,25-7 0,13-3 1,3-3-1</inkml:trace>
+  <inkml:trace contextRef="#ctx0" brushRef="#br0" timeOffset="37375">13844 17947 24575,'-42'4'0,"10"1"0,-2 1 0,-4 1 0,-2 1 0,-7 5 0,-1 4 0,4 1 0,3 3 0,9 0 0,3 0 0,-15 21 0,35-15 0,21-10 0,24-7 0,-1-6 0,6-1 0,13 1 0,4 0 0,-12-1 0,1 0 0,-1 1 0,18 0 0,-4 1 0,-16-2 0,-5 0 0,0 1 0,-61-1 0,-42 7 0,12-2 0,-6 3 0,13-2 0,-3 1 0,2 1 0,-16 5 0,3 1 0,9-1 0,6-1 0,-11 7 0,34-9 0,15-6 0,17-3 0,6-1 0,10 2 0,8-1 0,8 0 0,5 0 0,-5-2 0,-13 0 0,-14-1 0,2-3 0,-13 2 0,7-2 0</inkml:trace>
+  <inkml:trace contextRef="#ctx0" brushRef="#br0" timeOffset="38189">14438 18019 24575,'-10'17'0,"-2"7"0,-3 7 0,2-4 0,7-10 0,3-11 0,17-19 0,22-22 0,-4 7 0,0-2 0,10-10 0,-1 3 0</inkml:trace>
+  <inkml:trace contextRef="#ctx0" brushRef="#br0" timeOffset="64140">22466 2500 24575,'-16'0'0,"-12"0"0,-16 0 0,10 0 0,-6-2 0,-21-1 0,-9-3-1054,17 0 0,-4 0 0,-4-2 0,-1 1 1054,10 1 0,-2-1 0,-2 0 0,-1 0 0,-1 0 0,-1-1-422,2 2 1,-2-2 0,-1 1 0,-1 0 0,0 0 0,-1 0 0,0 0 421,-2 1 0,0-1 0,-1 1 0,0-1 0,-1 1 0,1 1 0,-1 0 0,1 0 0,0 1 0,-1 0 0,1 0 0,-1 1 0,1 0 0,0 0 0,1 1 0,0-1 0,0 1 0,0 1 0,0-1 0,1 1 0,-1 0 0,1 0 0,1 0 0,-1 0 0,1 1 0,0 0 0,-1 0 0,0 0 0,0-1 0,-1 1 0,0 0 0,0 0 0,0 0 0,0 0 0,0 0 0,1 1 0,-1-1 0,1 0 0,-1 0 0,1 0 0,0 1 0,0-1 0,1 0 0,0 0 0,1 0 0,-1 0 0,0 0 0,1 0 0,-1 0 0,-1 0 0,0 0 0,1 0 0,-1 0 0,0 0 0,1 0 0,1 0-379,-6 0 0,1 0 0,0 0 0,1-1 1,1 1-1,0 0 379,4 0 0,0 0 0,1-1 0,1 1 0,0 0 0,1 0-219,-6 0 0,1 0 1,1 0-1,1 0 1,3 0 218,-4 0 0,3 0 0,1 0 0,2 0 553,-8 0 0,2 0 0,3 0-553,-10 0 0,5 0 1705,14 0 1,5 0-1706,-16 0-727,7 0 0,30 0 0,5 1 0</inkml:trace>
+  <inkml:trace contextRef="#ctx0" brushRef="#br0" timeOffset="65354">12861 1956 24575,'-11'15'0,"2"2"0,0 7 0,19 6 0,39 11 0,-3-13 0,10 1 0,-14-10 0,5-1 0,2 1 0,2-1-650,-3-2 1,2 0-1,1 0 1,3-1-1,1-1 650,-1-1 0,3-1 0,1-1 0,1 0 0,0 0 0,0-2 0,3 0 0,0-1 0,1 0 0,0-1 0,-1-1 0,-1-1 0,-4-1 0,0 0 0,-1-2 0,-1 0 0,0 0 0,-1-2 0,4 1 0,0-2 0,-2 0 0,-1-1 0,-5 0-7,11-3 0,-5 0 0,-4-1 7,4-2 0,-6 1 0,11-3 0,-34 6 0,-11 1 0,-5 4 3243,7 7-3243,7 6 26,3 1-26,-5-3-1696,-12-17 0,-9 4 0,-4-9 0</inkml:trace>
+  <inkml:trace contextRef="#ctx0" brushRef="#br0" timeOffset="66007">14312 1807 24575,'23'-2'0,"19"-1"0,23 0 0,-24 2 0,3 0 0,3 2 0,0 1 0,4 1 0,-1 0 0,-2 0 0,-2-1 0,-11 1 0,-2-1 0,7-1 0,-28-1-1696,-6 4 0,-6-2 0,5 2 0</inkml:trace>
+</inkml:ink>
+</file>
+
+<file path=ppt/ink/ink7.xml><?xml version="1.0" encoding="utf-8"?>
+<inkml:ink xmlns:inkml="http://www.w3.org/2003/InkML">
+  <inkml:definitions>
+    <inkml:context xml:id="ctx0">
+      <inkml:inkSource xml:id="inkSrc0">
+        <inkml:traceFormat>
+          <inkml:channel name="X" type="integer" min="-2.14748E9" max="2.14748E9" units="cm"/>
+          <inkml:channel name="Y" type="integer" min="-2.14748E9" max="2.14748E9" units="cm"/>
+          <inkml:channel name="F" type="integer" max="32767" units="dev"/>
+        </inkml:traceFormat>
+        <inkml:channelProperties>
+          <inkml:channelProperty channel="X" name="resolution" value="1000" units="1/cm"/>
+          <inkml:channelProperty channel="Y" name="resolution" value="1000" units="1/cm"/>
+          <inkml:channelProperty channel="F" name="resolution" value="0" units="1/dev"/>
+        </inkml:channelProperties>
+      </inkml:inkSource>
+      <inkml:timestamp xml:id="ts0" timeString="2024-06-19T22:36:21.223"/>
+    </inkml:context>
+    <inkml:brush xml:id="br0">
+      <inkml:brushProperty name="width" value="0.05292" units="cm"/>
+      <inkml:brushProperty name="height" value="0.05292" units="cm"/>
+      <inkml:brushProperty name="color" value="#FF0000"/>
+    </inkml:brush>
+  </inkml:definitions>
+  <inkml:trace contextRef="#ctx0" brushRef="#br0">24080 7599 24575,'-42'-4'0,"0"-1"0,-14 1 0,-11 0 0,-6 0 0,4 0 0,10 1 0,0 0 0,0 0 0,-6 0-945,4 1 0,-5-1 0,-3 0 0,-1 1 0,3-1 1,4 2 944,5 1 0,3 0 0,2 0 0,-1 1 0,-1 0 0,-8 0 0,0 0 0,-1 0 0,-1 0 0,1 1 0,0-1 0,-1 1 0,0-1 0,1 1 0,-1 0 0,-1 0 0,-1 0 0,1 1 0,0-1 0,1 1 0,4 0 0,0-1 0,0 1 0,3 0 0,1-1 195,-2 2 1,2-1 0,2 1 0,3 0-196,-6 0 0,4 1 0,3-1 549,-3 1 1,5-1-550,9-1 0,3-1 0,-18 0 0,13-1 2937,18-1-2937,10 1 0,10 0 0,1-1 0</inkml:trace>
+  <inkml:trace contextRef="#ctx0" brushRef="#br0" timeOffset="814">20781 7370 24575,'-6'12'0,"-4"11"0,-8 14 0,-1 9 0,1 1 0,5-8 0,3-7 0,0-1 0,-1 6 0,-1 5 0,-1 5 0,1 0 0,4-3 0,2-4 0,4-9 0,0-10 0,1-8 0,0-7 0,-1-2 0,-1-1 0,2-1 0,0-1 0</inkml:trace>
+  <inkml:trace contextRef="#ctx0" brushRef="#br0" timeOffset="1934">20704 7403 8191,'-23'2'0,"-7"1"5063,-10 2-5063,-11 1 2818,-6 1-2818,-6 3 1719,0 2-1719,3 2 6784,2 0-6784,8-3 0,4-2 0,6-2 0,-3 3 0,-7 3 0,-6 6 0,1 3 0,12-1 0,13 0 0,12-3 0,8 0 0,6 0 0,3 4 0,7 4 0,17 5 0,20 4 0,-12-17 0,4-1 0,6 1 0,2-2 0,5 0 0,2-1 0,5 0 0,1-2 0,-2-3 0,-1-2 0,-3-3 0,-4-2 0,-10-2 0,-4-1 0,7-4 0,-18 2 0,-14 0 0,-4 1 0,-3 1 0,0 0 0</inkml:trace>
+  <inkml:trace contextRef="#ctx0" brushRef="#br0" timeOffset="7464">21605 6043 24575,'-5'16'0,"-2"4"0,-5 10 0,-6 17 0,6-16 0,1 3 0,-3 8 0,0 3 0,-1 4 0,0 2 0,1 0 0,0-1 0,2-2 0,0-2 0,4-9 0,1-1 0,-2 19 0,5-15 0,2-9 0,-4 11 0,-3 12 0,1 2 0,1-5 0,4-23 0,3-17 0,2-7 0,27-9 0,8-1 0,7-1 0,18-3 0,6 0-240,-14 2 0,3 1 0,-1 0 240,-3 1 0,-2 0 0,-2 1 0,8 0 0,-7 2 0,12-1 0,-42 2-1637,-14-1 1,-6 3 0,1-2-1</inkml:trace>
+  <inkml:trace contextRef="#ctx0" brushRef="#br0" timeOffset="8617">22783 6124 9016,'-16'6'0,"-7"7"5118,-17 11-5118,-9 7 2693,-5 5-2693,3 2 1607,5 6-1607,6 7 3070,24-20 1,2 0-3071,4 2 0,3-1 0,10 30 0,14-10 0,14-12 0,-2-20 0,6-3 0,16 2 0,7-3 0,-9-4 0,3 0 0,2-2-270,5 1 1,2-1 0,-1-1 269,-4-2 0,-2 0 0,-1-2 0,11-1 0,-4-4 0,-16-6 0,-4-6 0,-10-6 0,-4-6 0,-4-6 0,-5-4 0,-2-4 0,-5-1 0,-4-1 0,-5 1 0,-3 3 0,-5 1 808,-23-20-808,-17 10 0,18 27 0,-2 3 0,-4 1 0,0 3 0,-1 2 0,0 2 0,0 3 0,-1 1 0,0 2 0,0 1 0,2 2 0,0 1 0,-27 7 0,10 5 0,8 7 0,6 6 0,6 3 0,11-4 0,13-6 0,16-7 0,25-4 0,25-1 0,-18-5 0,2-2 0,2-2 0,0-1 0,-5-2 0,-3-3 0,19-13 0,-30 7 0,-12 0 0</inkml:trace>
+  <inkml:trace contextRef="#ctx0" brushRef="#br0" timeOffset="9830">24444 6227 24575,'-20'2'0,"-13"4"0,-19 5 0,-11 5 0,-1 3 0,11-1 0,11 2 0,5 3 0,6 7 0,6 9 0,11 9 0,10 12 0,9-24 0,6 1 0,7 6 0,9-1 0,14 2 0,10-4-357,-5-13 1,4-3 0,2-4 356,5-4 0,3-4 0,0-5 0,3-5 0,1-4 0,-1-6 0,-6-4 0,0-4 0,-3-4 0,-7-3 0,-1-4 0,-4 0 0,10-12 0,-6-1 0,-13 2 0,-6 0 0,-8 5 0,-6 0 0,-5-29 0,-12 0 0,-19 1 534,4 32 1,-3 3-535,-5 4 0,-2 4 0,-3 2 0,-2 5 0,-1 6 0,-1 3 0,-1 3 0,-1 1 0,-1 1 0,0 1 0,-1 0 0,1 1 0,2-1 0,0 2 0,-28 5 0,15 3 0,14 2 0,17 0 0,12 3 0,18 0 0,24 1 0,19-1 0,-20-11 0,2-2 0,0 0 0,1-2 0,1-1 0,0-2 0,1-1 0,1-1 0,0-1 0,-1-2 0,-4-1 0,-2-1 0,17-12 0,-26 8 0,-14-1 0</inkml:trace>
+  <inkml:trace contextRef="#ctx0" brushRef="#br0" timeOffset="10646">25916 5804 8191,'-10'28'0,"-6"18"2531,5-12 1,-1 3-2532,-1 8 0,0 3 1409,2 1 0,0 2-1409,0 3 0,1 0 0,0 1 0,0 2 0,1 1 0,0 0 0,1 0 0,2-2 859,1-6 1,2-1-860,0-9 0,2-4 6784,1 11-6784,-1-13 0,2-13 0,-1-5 0,4-14 0,9-29 0,0-7 0,3-6 0,4-15 0,0-6 0,-4 12 0,-1-3 0,0 0-203,-1-1 0,0-1 0,-2 1 203,-2 3 0,0 0 0,-1 2 0,3-17 0,0 4 0,-2 11 0,1 4 0,1 7 0,0 5 0,2-2 0,-1 13 0</inkml:trace>
+  <inkml:trace contextRef="#ctx0" brushRef="#br0" timeOffset="12063">26144 5896 24575,'16'-10'0,"16"-6"0,29-9 0,-17 9 0,4 1 0,10-1 0,3 1 0,3 1 0,0 2 0,-1 3 0,-2 2 0,-5 2 0,-2 4 0,-1 4 0,-1 5 0,-6 2 0,-2 4 0,-5 5 0,-4 3 0,-4 3 0,-6 3 0,-9 2 0,-5 2 0,-1 1 0,-4 1 0,-6 31 0,-8-5 0,-12-6 0,-10-7 0,-10-7 0,-8-3 0,-2-10 0,-3-2 0,-5-4 0,23-12 0,-1 0 0,-5-1 0,-2-1 0,-2-1 0,-2-1 0,2 0 0,0-2 0,1 0 0,-1-1 0,-2-1 0,-2 1 0,-9-1 0,-2 0 0,-7 0 0,0-1 0,1 0 0,2-1 0,11 1 0,6-1 0,-14 0 0,27 0 0,14 1 0,3 0 0,5 1-1696,2 6 0,8-5 0,-1 5 0</inkml:trace>
+</inkml:ink>
+</file>
+
+<file path=ppt/ink/ink8.xml><?xml version="1.0" encoding="utf-8"?>
+<inkml:ink xmlns:inkml="http://www.w3.org/2003/InkML">
+  <inkml:definitions>
+    <inkml:context xml:id="ctx0">
+      <inkml:inkSource xml:id="inkSrc0">
+        <inkml:traceFormat>
+          <inkml:channel name="X" type="integer" min="-2.14748E9" max="2.14748E9" units="cm"/>
+          <inkml:channel name="Y" type="integer" min="-2.14748E9" max="2.14748E9" units="cm"/>
+          <inkml:channel name="F" type="integer" max="32767" units="dev"/>
+        </inkml:traceFormat>
+        <inkml:channelProperties>
+          <inkml:channelProperty channel="X" name="resolution" value="1000" units="1/cm"/>
+          <inkml:channelProperty channel="Y" name="resolution" value="1000" units="1/cm"/>
+          <inkml:channelProperty channel="F" name="resolution" value="0" units="1/dev"/>
+        </inkml:channelProperties>
+      </inkml:inkSource>
+      <inkml:timestamp xml:id="ts0" timeString="2024-06-19T22:38:03.517"/>
+    </inkml:context>
+    <inkml:brush xml:id="br0">
+      <inkml:brushProperty name="width" value="0.05292" units="cm"/>
+      <inkml:brushProperty name="height" value="0.05292" units="cm"/>
+      <inkml:brushProperty name="color" value="#FF0000"/>
+    </inkml:brush>
+  </inkml:definitions>
+  <inkml:trace contextRef="#ctx0" brushRef="#br0">13735 10073 24575,'43'-1'0,"0"0"0,9 1 0,4 0 0,7 0 0,3 0-1431,-6 1 1,4-1 0,1 1 0,3-1 1430,-13 1 0,1 0 0,2-1 0,0 1 0,2 0 0,-1-1-506,5 1 1,1 0 0,1 0 0,0 0 0,1 0 0,0-1 505,-4 1 0,0 0 0,1-1 0,0 1 0,1-1 0,-1 1 0,-1-1 0,-1 0 0,0 1 0,0-1 0,0 0 0,-1 1 0,-1-1 0,-1 0 48,3 0 0,0 0 0,-1 0 0,-2 0 0,-1 0 0,-2 0-48,12 0 0,-1 0 0,-5-1 0,-6 1 0,12-1 0,-10 0 0,-18 0 0,-8 0 2139,-10-1-2139,-11 0 4098,-3 1-4098,-3 0 2227,1 1-2227,6 2 0,16 3 0,21 3 0,16 4 0,-27-6 0,1 0 0,1 1 0,0-1 0,1 0 0,-1 0 0,-3 0 0,-1-1 0,24 3 0,-14-2 0,-17-4 0,-9-1 0,-5-1 0,4 0 0,6-1 0,24 2 0,-10 0 0,5 1 0,-1 0 0,4 2 0,2-1-205,5 2 0,2 0 1,-1 0 204,-3 0 0,-1 0 0,-3 0 0,8 2 0,-8-1 0,-6-1 0,-29-3 0,-13-2 0</inkml:trace>
+  <inkml:trace contextRef="#ctx0" brushRef="#br0" timeOffset="34412">9224 11787 24575,'18'-1'0,"1"0"0,8-2 0,6 0 0,12-1 0,14 2 0,-24 1 0,1 1 0,2-1 0,1 1 0,0 0 0,0 0 0,1 0 0,0 0 0,-3-1 0,1 1 0,-2 0 0,0 0 0,24 0 0,-7-2 0,-2 1 0,0-2 0,3 0 0,-6-1 0,-12 0 0,-12 1 0,-6 2 0,-3-1 0,-1 1 0,1 0 0,-2 0 0,-4 0 0,0 1 0,4 0 0,9 0 0,5 0 0,-1 0 0,-8 0 0,-10 0 0,-6 0 0</inkml:trace>
+</inkml:ink>
 </file>
 
 <file path=ppt/slideLayouts/slideLayout1.xml><?xml version="1.0" encoding="utf-8"?>
@@ -18414,6 +18668,57 @@
           </a:extLst>
         </p:spPr>
       </p:pic>
+      <mc:AlternateContent xmlns:mc="http://schemas.openxmlformats.org/markup-compatibility/2006">
+        <mc:Choice xmlns:p14="http://schemas.microsoft.com/office/powerpoint/2010/main" Requires="p14">
+          <p:contentPart p14:bwMode="auto" r:id="rId4">
+            <p14:nvContentPartPr>
+              <p14:cNvPr id="2" name="Tinta 1">
+                <a:extLst>
+                  <a:ext uri="{FF2B5EF4-FFF2-40B4-BE49-F238E27FC236}">
+                    <a16:creationId xmlns:a16="http://schemas.microsoft.com/office/drawing/2014/main" id="{3AC2C059-969C-53F2-5701-7051C73F0931}"/>
+                  </a:ext>
+                </a:extLst>
+              </p14:cNvPr>
+              <p14:cNvContentPartPr/>
+              <p14:nvPr/>
+            </p14:nvContentPartPr>
+            <p14:xfrm>
+              <a:off x="1764360" y="3175560"/>
+              <a:ext cx="6517440" cy="1202040"/>
+            </p14:xfrm>
+          </p:contentPart>
+        </mc:Choice>
+        <mc:Fallback>
+          <p:pic>
+            <p:nvPicPr>
+              <p:cNvPr id="2" name="Tinta 1">
+                <a:extLst>
+                  <a:ext uri="{FF2B5EF4-FFF2-40B4-BE49-F238E27FC236}">
+                    <a16:creationId xmlns:a16="http://schemas.microsoft.com/office/drawing/2014/main" id="{3AC2C059-969C-53F2-5701-7051C73F0931}"/>
+                  </a:ext>
+                </a:extLst>
+              </p:cNvPr>
+              <p:cNvPicPr/>
+              <p:nvPr/>
+            </p:nvPicPr>
+            <p:blipFill>
+              <a:blip r:embed="rId5"/>
+              <a:stretch>
+                <a:fillRect/>
+              </a:stretch>
+            </p:blipFill>
+            <p:spPr>
+              <a:xfrm>
+                <a:off x="1755000" y="3166200"/>
+                <a:ext cx="6536160" cy="1220760"/>
+              </a:xfrm>
+              <a:prstGeom prst="rect">
+                <a:avLst/>
+              </a:prstGeom>
+            </p:spPr>
+          </p:pic>
+        </mc:Fallback>
+      </mc:AlternateContent>
     </p:spTree>
     <p:extLst>
       <p:ext uri="{BB962C8B-B14F-4D97-AF65-F5344CB8AC3E}">
@@ -19382,6 +19687,57 @@
           </a:p>
         </p:txBody>
       </p:sp>
+      <mc:AlternateContent xmlns:mc="http://schemas.openxmlformats.org/markup-compatibility/2006">
+        <mc:Choice xmlns:p14="http://schemas.microsoft.com/office/powerpoint/2010/main" Requires="p14">
+          <p:contentPart p14:bwMode="auto" r:id="rId3">
+            <p14:nvContentPartPr>
+              <p14:cNvPr id="2" name="Tinta 1">
+                <a:extLst>
+                  <a:ext uri="{FF2B5EF4-FFF2-40B4-BE49-F238E27FC236}">
+                    <a16:creationId xmlns:a16="http://schemas.microsoft.com/office/drawing/2014/main" id="{B3B69F93-1B64-3815-2C9E-3D1BA664ABF4}"/>
+                  </a:ext>
+                </a:extLst>
+              </p14:cNvPr>
+              <p14:cNvContentPartPr/>
+              <p14:nvPr/>
+            </p14:nvContentPartPr>
+            <p14:xfrm>
+              <a:off x="3503880" y="4669920"/>
+              <a:ext cx="1626480" cy="105120"/>
+            </p14:xfrm>
+          </p:contentPart>
+        </mc:Choice>
+        <mc:Fallback>
+          <p:pic>
+            <p:nvPicPr>
+              <p:cNvPr id="2" name="Tinta 1">
+                <a:extLst>
+                  <a:ext uri="{FF2B5EF4-FFF2-40B4-BE49-F238E27FC236}">
+                    <a16:creationId xmlns:a16="http://schemas.microsoft.com/office/drawing/2014/main" id="{B3B69F93-1B64-3815-2C9E-3D1BA664ABF4}"/>
+                  </a:ext>
+                </a:extLst>
+              </p:cNvPr>
+              <p:cNvPicPr/>
+              <p:nvPr/>
+            </p:nvPicPr>
+            <p:blipFill>
+              <a:blip r:embed="rId4"/>
+              <a:stretch>
+                <a:fillRect/>
+              </a:stretch>
+            </p:blipFill>
+            <p:spPr>
+              <a:xfrm>
+                <a:off x="3494520" y="4660560"/>
+                <a:ext cx="1645200" cy="123840"/>
+              </a:xfrm>
+              <a:prstGeom prst="rect">
+                <a:avLst/>
+              </a:prstGeom>
+            </p:spPr>
+          </p:pic>
+        </mc:Fallback>
+      </mc:AlternateContent>
     </p:spTree>
     <p:extLst>
       <p:ext uri="{BB962C8B-B14F-4D97-AF65-F5344CB8AC3E}">
@@ -19494,6 +19850,57 @@
           </a:extLst>
         </p:spPr>
       </p:pic>
+      <mc:AlternateContent xmlns:mc="http://schemas.openxmlformats.org/markup-compatibility/2006">
+        <mc:Choice xmlns:p14="http://schemas.microsoft.com/office/powerpoint/2010/main" Requires="p14">
+          <p:contentPart p14:bwMode="auto" r:id="rId3">
+            <p14:nvContentPartPr>
+              <p14:cNvPr id="2" name="Tinta 1">
+                <a:extLst>
+                  <a:ext uri="{FF2B5EF4-FFF2-40B4-BE49-F238E27FC236}">
+                    <a16:creationId xmlns:a16="http://schemas.microsoft.com/office/drawing/2014/main" id="{36ACC935-1F06-7684-2A25-EB60BA5E2374}"/>
+                  </a:ext>
+                </a:extLst>
+              </p14:cNvPr>
+              <p14:cNvContentPartPr/>
+              <p14:nvPr/>
+            </p14:nvContentPartPr>
+            <p14:xfrm>
+              <a:off x="3970440" y="1875600"/>
+              <a:ext cx="3135600" cy="3056040"/>
+            </p14:xfrm>
+          </p:contentPart>
+        </mc:Choice>
+        <mc:Fallback>
+          <p:pic>
+            <p:nvPicPr>
+              <p:cNvPr id="2" name="Tinta 1">
+                <a:extLst>
+                  <a:ext uri="{FF2B5EF4-FFF2-40B4-BE49-F238E27FC236}">
+                    <a16:creationId xmlns:a16="http://schemas.microsoft.com/office/drawing/2014/main" id="{36ACC935-1F06-7684-2A25-EB60BA5E2374}"/>
+                  </a:ext>
+                </a:extLst>
+              </p:cNvPr>
+              <p:cNvPicPr/>
+              <p:nvPr/>
+            </p:nvPicPr>
+            <p:blipFill>
+              <a:blip r:embed="rId4"/>
+              <a:stretch>
+                <a:fillRect/>
+              </a:stretch>
+            </p:blipFill>
+            <p:spPr>
+              <a:xfrm>
+                <a:off x="3961080" y="1866240"/>
+                <a:ext cx="3154320" cy="3074760"/>
+              </a:xfrm>
+              <a:prstGeom prst="rect">
+                <a:avLst/>
+              </a:prstGeom>
+            </p:spPr>
+          </p:pic>
+        </mc:Fallback>
+      </mc:AlternateContent>
     </p:spTree>
     <p:extLst>
       <p:ext uri="{BB962C8B-B14F-4D97-AF65-F5344CB8AC3E}">
@@ -19587,6 +19994,57 @@
           </a:graphicData>
         </a:graphic>
       </p:graphicFrame>
+      <mc:AlternateContent xmlns:mc="http://schemas.openxmlformats.org/markup-compatibility/2006">
+        <mc:Choice xmlns:p14="http://schemas.microsoft.com/office/powerpoint/2010/main" Requires="p14">
+          <p:contentPart p14:bwMode="auto" r:id="rId7">
+            <p14:nvContentPartPr>
+              <p14:cNvPr id="2" name="Tinta 1">
+                <a:extLst>
+                  <a:ext uri="{FF2B5EF4-FFF2-40B4-BE49-F238E27FC236}">
+                    <a16:creationId xmlns:a16="http://schemas.microsoft.com/office/drawing/2014/main" id="{A70A16F5-5497-326F-E5A0-7E212FBA2280}"/>
+                  </a:ext>
+                </a:extLst>
+              </p14:cNvPr>
+              <p14:cNvContentPartPr/>
+              <p14:nvPr/>
+            </p14:nvContentPartPr>
+            <p14:xfrm>
+              <a:off x="4734360" y="2547360"/>
+              <a:ext cx="4437720" cy="2663280"/>
+            </p14:xfrm>
+          </p:contentPart>
+        </mc:Choice>
+        <mc:Fallback>
+          <p:pic>
+            <p:nvPicPr>
+              <p:cNvPr id="2" name="Tinta 1">
+                <a:extLst>
+                  <a:ext uri="{FF2B5EF4-FFF2-40B4-BE49-F238E27FC236}">
+                    <a16:creationId xmlns:a16="http://schemas.microsoft.com/office/drawing/2014/main" id="{A70A16F5-5497-326F-E5A0-7E212FBA2280}"/>
+                  </a:ext>
+                </a:extLst>
+              </p:cNvPr>
+              <p:cNvPicPr/>
+              <p:nvPr/>
+            </p:nvPicPr>
+            <p:blipFill>
+              <a:blip r:embed="rId8"/>
+              <a:stretch>
+                <a:fillRect/>
+              </a:stretch>
+            </p:blipFill>
+            <p:spPr>
+              <a:xfrm>
+                <a:off x="4725000" y="2538000"/>
+                <a:ext cx="4456440" cy="2682000"/>
+              </a:xfrm>
+              <a:prstGeom prst="rect">
+                <a:avLst/>
+              </a:prstGeom>
+            </p:spPr>
+          </p:pic>
+        </mc:Fallback>
+      </mc:AlternateContent>
     </p:spTree>
     <p:extLst>
       <p:ext uri="{BB962C8B-B14F-4D97-AF65-F5344CB8AC3E}">
@@ -20712,6 +21170,57 @@
           </a:extLst>
         </p:spPr>
       </p:pic>
+      <mc:AlternateContent xmlns:mc="http://schemas.openxmlformats.org/markup-compatibility/2006">
+        <mc:Choice xmlns:p14="http://schemas.microsoft.com/office/powerpoint/2010/main" Requires="p14">
+          <p:contentPart p14:bwMode="auto" r:id="rId3">
+            <p14:nvContentPartPr>
+              <p14:cNvPr id="2" name="Tinta 1">
+                <a:extLst>
+                  <a:ext uri="{FF2B5EF4-FFF2-40B4-BE49-F238E27FC236}">
+                    <a16:creationId xmlns:a16="http://schemas.microsoft.com/office/drawing/2014/main" id="{E35B15C0-9780-73D0-CC1B-286AF47C886D}"/>
+                  </a:ext>
+                </a:extLst>
+              </p14:cNvPr>
+              <p14:cNvContentPartPr/>
+              <p14:nvPr/>
+            </p14:nvContentPartPr>
+            <p14:xfrm>
+              <a:off x="7111800" y="4606560"/>
+              <a:ext cx="2255760" cy="782280"/>
+            </p14:xfrm>
+          </p:contentPart>
+        </mc:Choice>
+        <mc:Fallback>
+          <p:pic>
+            <p:nvPicPr>
+              <p:cNvPr id="2" name="Tinta 1">
+                <a:extLst>
+                  <a:ext uri="{FF2B5EF4-FFF2-40B4-BE49-F238E27FC236}">
+                    <a16:creationId xmlns:a16="http://schemas.microsoft.com/office/drawing/2014/main" id="{E35B15C0-9780-73D0-CC1B-286AF47C886D}"/>
+                  </a:ext>
+                </a:extLst>
+              </p:cNvPr>
+              <p:cNvPicPr/>
+              <p:nvPr/>
+            </p:nvPicPr>
+            <p:blipFill>
+              <a:blip r:embed="rId4"/>
+              <a:stretch>
+                <a:fillRect/>
+              </a:stretch>
+            </p:blipFill>
+            <p:spPr>
+              <a:xfrm>
+                <a:off x="7102440" y="4597200"/>
+                <a:ext cx="2274480" cy="801000"/>
+              </a:xfrm>
+              <a:prstGeom prst="rect">
+                <a:avLst/>
+              </a:prstGeom>
+            </p:spPr>
+          </p:pic>
+        </mc:Fallback>
+      </mc:AlternateContent>
     </p:spTree>
     <p:extLst>
       <p:ext uri="{BB962C8B-B14F-4D97-AF65-F5344CB8AC3E}">
@@ -21180,6 +21689,57 @@
           </a:prstGeom>
         </p:spPr>
       </p:pic>
+      <mc:AlternateContent xmlns:mc="http://schemas.openxmlformats.org/markup-compatibility/2006">
+        <mc:Choice xmlns:p14="http://schemas.microsoft.com/office/powerpoint/2010/main" Requires="p14">
+          <p:contentPart p14:bwMode="auto" r:id="rId5">
+            <p14:nvContentPartPr>
+              <p14:cNvPr id="2" name="Tinta 1">
+                <a:extLst>
+                  <a:ext uri="{FF2B5EF4-FFF2-40B4-BE49-F238E27FC236}">
+                    <a16:creationId xmlns:a16="http://schemas.microsoft.com/office/drawing/2014/main" id="{703D33BA-EA3E-61E1-BD0E-2A206E4EE528}"/>
+                  </a:ext>
+                </a:extLst>
+              </p14:cNvPr>
+              <p14:cNvContentPartPr/>
+              <p14:nvPr/>
+            </p14:nvContentPartPr>
+            <p14:xfrm>
+              <a:off x="3098160" y="646920"/>
+              <a:ext cx="5753160" cy="5986440"/>
+            </p14:xfrm>
+          </p:contentPart>
+        </mc:Choice>
+        <mc:Fallback>
+          <p:pic>
+            <p:nvPicPr>
+              <p:cNvPr id="2" name="Tinta 1">
+                <a:extLst>
+                  <a:ext uri="{FF2B5EF4-FFF2-40B4-BE49-F238E27FC236}">
+                    <a16:creationId xmlns:a16="http://schemas.microsoft.com/office/drawing/2014/main" id="{703D33BA-EA3E-61E1-BD0E-2A206E4EE528}"/>
+                  </a:ext>
+                </a:extLst>
+              </p:cNvPr>
+              <p:cNvPicPr/>
+              <p:nvPr/>
+            </p:nvPicPr>
+            <p:blipFill>
+              <a:blip r:embed="rId6"/>
+              <a:stretch>
+                <a:fillRect/>
+              </a:stretch>
+            </p:blipFill>
+            <p:spPr>
+              <a:xfrm>
+                <a:off x="3088800" y="637560"/>
+                <a:ext cx="5771880" cy="6005160"/>
+              </a:xfrm>
+              <a:prstGeom prst="rect">
+                <a:avLst/>
+              </a:prstGeom>
+            </p:spPr>
+          </p:pic>
+        </mc:Fallback>
+      </mc:AlternateContent>
     </p:spTree>
     <p:extLst>
       <p:ext uri="{BB962C8B-B14F-4D97-AF65-F5344CB8AC3E}">
@@ -22608,6 +23168,57 @@
           </a:prstGeom>
         </p:spPr>
       </p:pic>
+      <mc:AlternateContent xmlns:mc="http://schemas.openxmlformats.org/markup-compatibility/2006">
+        <mc:Choice xmlns:p14="http://schemas.microsoft.com/office/powerpoint/2010/main" Requires="p14">
+          <p:contentPart p14:bwMode="auto" r:id="rId5">
+            <p14:nvContentPartPr>
+              <p14:cNvPr id="2" name="Tinta 1">
+                <a:extLst>
+                  <a:ext uri="{FF2B5EF4-FFF2-40B4-BE49-F238E27FC236}">
+                    <a16:creationId xmlns:a16="http://schemas.microsoft.com/office/drawing/2014/main" id="{042B6235-284F-4CED-5C65-DF8124FA002F}"/>
+                  </a:ext>
+                </a:extLst>
+              </p14:cNvPr>
+              <p14:cNvContentPartPr/>
+              <p14:nvPr/>
+            </p14:nvContentPartPr>
+            <p14:xfrm>
+              <a:off x="7132680" y="2064600"/>
+              <a:ext cx="2657520" cy="806760"/>
+            </p14:xfrm>
+          </p:contentPart>
+        </mc:Choice>
+        <mc:Fallback>
+          <p:pic>
+            <p:nvPicPr>
+              <p:cNvPr id="2" name="Tinta 1">
+                <a:extLst>
+                  <a:ext uri="{FF2B5EF4-FFF2-40B4-BE49-F238E27FC236}">
+                    <a16:creationId xmlns:a16="http://schemas.microsoft.com/office/drawing/2014/main" id="{042B6235-284F-4CED-5C65-DF8124FA002F}"/>
+                  </a:ext>
+                </a:extLst>
+              </p:cNvPr>
+              <p:cNvPicPr/>
+              <p:nvPr/>
+            </p:nvPicPr>
+            <p:blipFill>
+              <a:blip r:embed="rId6"/>
+              <a:stretch>
+                <a:fillRect/>
+              </a:stretch>
+            </p:blipFill>
+            <p:spPr>
+              <a:xfrm>
+                <a:off x="7123320" y="2055240"/>
+                <a:ext cx="2676240" cy="825480"/>
+              </a:xfrm>
+              <a:prstGeom prst="rect">
+                <a:avLst/>
+              </a:prstGeom>
+            </p:spPr>
+          </p:pic>
+        </mc:Fallback>
+      </mc:AlternateContent>
     </p:spTree>
     <p:extLst>
       <p:ext uri="{BB962C8B-B14F-4D97-AF65-F5344CB8AC3E}">
@@ -23713,6 +24324,57 @@
           </a:prstGeom>
         </p:spPr>
       </p:pic>
+      <mc:AlternateContent xmlns:mc="http://schemas.openxmlformats.org/markup-compatibility/2006">
+        <mc:Choice xmlns:p14="http://schemas.microsoft.com/office/powerpoint/2010/main" Requires="p14">
+          <p:contentPart p14:bwMode="auto" r:id="rId4">
+            <p14:nvContentPartPr>
+              <p14:cNvPr id="2" name="Tinta 1">
+                <a:extLst>
+                  <a:ext uri="{FF2B5EF4-FFF2-40B4-BE49-F238E27FC236}">
+                    <a16:creationId xmlns:a16="http://schemas.microsoft.com/office/drawing/2014/main" id="{6C51422A-E6AF-56BD-837D-0C4F245A3948}"/>
+                  </a:ext>
+                </a:extLst>
+              </p14:cNvPr>
+              <p14:cNvContentPartPr/>
+              <p14:nvPr/>
+            </p14:nvContentPartPr>
+            <p14:xfrm>
+              <a:off x="3320640" y="3625560"/>
+              <a:ext cx="3237480" cy="618120"/>
+            </p14:xfrm>
+          </p:contentPart>
+        </mc:Choice>
+        <mc:Fallback>
+          <p:pic>
+            <p:nvPicPr>
+              <p:cNvPr id="2" name="Tinta 1">
+                <a:extLst>
+                  <a:ext uri="{FF2B5EF4-FFF2-40B4-BE49-F238E27FC236}">
+                    <a16:creationId xmlns:a16="http://schemas.microsoft.com/office/drawing/2014/main" id="{6C51422A-E6AF-56BD-837D-0C4F245A3948}"/>
+                  </a:ext>
+                </a:extLst>
+              </p:cNvPr>
+              <p:cNvPicPr/>
+              <p:nvPr/>
+            </p:nvPicPr>
+            <p:blipFill>
+              <a:blip r:embed="rId5"/>
+              <a:stretch>
+                <a:fillRect/>
+              </a:stretch>
+            </p:blipFill>
+            <p:spPr>
+              <a:xfrm>
+                <a:off x="3311280" y="3616200"/>
+                <a:ext cx="3256200" cy="636840"/>
+              </a:xfrm>
+              <a:prstGeom prst="rect">
+                <a:avLst/>
+              </a:prstGeom>
+            </p:spPr>
+          </p:pic>
+        </mc:Fallback>
+      </mc:AlternateContent>
     </p:spTree>
     <p:extLst>
       <p:ext uri="{BB962C8B-B14F-4D97-AF65-F5344CB8AC3E}">
